--- a/Präsentation/Presentation - Benjo.pptx
+++ b/Präsentation/Presentation - Benjo.pptx
@@ -2646,7 +2646,7 @@
                 </a:solidFill>
                 <a:latin typeface="TUM Neue Helvetica 55 Regular" charset="0"/>
               </a:rPr>
-              <a:t>nschmidbartl@mytum.de</a:t>
+              <a:t>benedikt.n@mytum.de, nschmidbartl@mytum.de</a:t>
             </a:r>
             <a:endParaRPr lang="de-DE" sz="1100" dirty="0">
               <a:solidFill>
@@ -2657,6 +2657,39 @@
           </a:p>
         </p:txBody>
       </p:sp>
+      <p:pic>
+        <p:nvPicPr>
+          <p:cNvPr id="8" name="Grafik 7"/>
+          <p:cNvPicPr/>
+          <p:nvPr userDrawn="1"/>
+        </p:nvPicPr>
+        <p:blipFill>
+          <a:blip r:embed="rId14" cstate="print">
+            <a:extLst>
+              <a:ext uri="{28A0092B-C50C-407E-A947-70E740481C1C}">
+                <a14:useLocalDpi xmlns:a14="http://schemas.microsoft.com/office/drawing/2010/main" val="0"/>
+              </a:ext>
+            </a:extLst>
+          </a:blip>
+          <a:srcRect/>
+          <a:stretch>
+            <a:fillRect/>
+          </a:stretch>
+        </p:blipFill>
+        <p:spPr bwMode="auto">
+          <a:xfrm>
+            <a:off x="497335" y="179452"/>
+            <a:ext cx="504056" cy="479336"/>
+          </a:xfrm>
+          <a:prstGeom prst="rect">
+            <a:avLst/>
+          </a:prstGeom>
+          <a:noFill/>
+          <a:ln>
+            <a:noFill/>
+          </a:ln>
+        </p:spPr>
+      </p:pic>
     </p:spTree>
   </p:cSld>
   <p:clrMap bg1="lt1" tx1="dk1" bg2="lt2" tx2="dk2" accent1="accent1" accent2="accent2" accent3="accent3" accent4="accent4" accent5="accent5" accent6="accent6" hlink="hlink" folHlink="folHlink"/>
@@ -3090,7 +3123,7 @@
         </p:nvSpPr>
         <p:spPr bwMode="auto">
           <a:xfrm>
-            <a:off x="467544" y="1484784"/>
+            <a:off x="447524" y="1368773"/>
             <a:ext cx="8208912" cy="1470025"/>
           </a:xfrm>
           <a:noFill/>
@@ -3124,12 +3157,108 @@
           <a:p>
             <a:pPr algn="ctr" eaLnBrk="1" hangingPunct="1"/>
             <a:r>
+              <a:rPr lang="en-US" sz="2800" dirty="0" err="1" smtClean="0">
+                <a:solidFill>
+                  <a:schemeClr val="accent2"/>
+                </a:solidFill>
+              </a:rPr>
+              <a:t>Entwicklung</a:t>
+            </a:r>
+            <a:r>
               <a:rPr lang="en-US" sz="2800" dirty="0" smtClean="0">
                 <a:solidFill>
                   <a:schemeClr val="accent2"/>
                 </a:solidFill>
               </a:rPr>
-              <a:t>&lt;Title&gt;</a:t>
+              <a:t> </a:t>
+            </a:r>
+            <a:r>
+              <a:rPr lang="en-US" sz="2800" dirty="0" err="1" smtClean="0">
+                <a:solidFill>
+                  <a:schemeClr val="accent2"/>
+                </a:solidFill>
+              </a:rPr>
+              <a:t>einer</a:t>
+            </a:r>
+            <a:r>
+              <a:rPr lang="en-US" sz="2800" dirty="0" smtClean="0">
+                <a:solidFill>
+                  <a:schemeClr val="accent2"/>
+                </a:solidFill>
+              </a:rPr>
+              <a:t> mobile App </a:t>
+            </a:r>
+            <a:r>
+              <a:rPr lang="en-US" sz="2800" dirty="0" err="1" smtClean="0">
+                <a:solidFill>
+                  <a:schemeClr val="accent2"/>
+                </a:solidFill>
+              </a:rPr>
+              <a:t>zur</a:t>
+            </a:r>
+            <a:r>
+              <a:rPr lang="en-US" sz="2800" dirty="0" smtClean="0">
+                <a:solidFill>
+                  <a:schemeClr val="accent2"/>
+                </a:solidFill>
+              </a:rPr>
+              <a:t> </a:t>
+            </a:r>
+            <a:r>
+              <a:rPr lang="en-US" sz="2800" dirty="0" err="1" smtClean="0">
+                <a:solidFill>
+                  <a:schemeClr val="accent2"/>
+                </a:solidFill>
+              </a:rPr>
+              <a:t>Optimierung</a:t>
+            </a:r>
+            <a:r>
+              <a:rPr lang="en-US" sz="2800" dirty="0" smtClean="0">
+                <a:solidFill>
+                  <a:schemeClr val="accent2"/>
+                </a:solidFill>
+              </a:rPr>
+              <a:t> des </a:t>
+            </a:r>
+            <a:r>
+              <a:rPr lang="en-US" sz="2800" dirty="0" err="1" smtClean="0">
+                <a:solidFill>
+                  <a:schemeClr val="accent2"/>
+                </a:solidFill>
+              </a:rPr>
+              <a:t>Lieferantenmanagements</a:t>
+            </a:r>
+            <a:r>
+              <a:rPr lang="en-US" sz="2800" dirty="0" smtClean="0">
+                <a:solidFill>
+                  <a:schemeClr val="accent2"/>
+                </a:solidFill>
+              </a:rPr>
+              <a:t> </a:t>
+            </a:r>
+            <a:r>
+              <a:rPr lang="en-US" sz="2800" dirty="0" err="1" smtClean="0">
+                <a:solidFill>
+                  <a:schemeClr val="accent2"/>
+                </a:solidFill>
+              </a:rPr>
+              <a:t>im</a:t>
+            </a:r>
+            <a:r>
+              <a:rPr lang="en-US" sz="2800" dirty="0" smtClean="0">
+                <a:solidFill>
+                  <a:schemeClr val="accent2"/>
+                </a:solidFill>
+              </a:rPr>
+              <a:t> </a:t>
+            </a:r>
+            <a:r>
+              <a:rPr lang="en-US" sz="2800" dirty="0" err="1" smtClean="0">
+                <a:solidFill>
+                  <a:schemeClr val="accent2"/>
+                </a:solidFill>
+              </a:rPr>
+              <a:t>Einzelhandel</a:t>
             </a:r>
             <a:endParaRPr lang="de-DE" sz="2800" dirty="0" smtClean="0">
               <a:solidFill>
@@ -3151,8 +3280,8 @@
         </p:nvSpPr>
         <p:spPr bwMode="auto">
           <a:xfrm>
-            <a:off x="1351580" y="5229200"/>
-            <a:ext cx="6400800" cy="1104528"/>
+            <a:off x="1351580" y="5301208"/>
+            <a:ext cx="6400800" cy="864096"/>
           </a:xfrm>
           <a:noFill/>
           <a:extLst>
@@ -3185,16 +3314,15 @@
           <a:p>
             <a:pPr eaLnBrk="1" hangingPunct="1"/>
             <a:r>
-              <a:rPr lang="en-US" sz="1600" dirty="0" err="1" smtClean="0"/>
-              <a:t>Kontakt</a:t>
-            </a:r>
-            <a:endParaRPr lang="en-US" sz="1600" dirty="0" smtClean="0"/>
+              <a:rPr lang="en-US" sz="1600" dirty="0" smtClean="0"/>
+              <a:t>Benedikt Niedermeier, Norbert Schmidbartl</a:t>
+            </a:r>
           </a:p>
           <a:p>
             <a:pPr eaLnBrk="1" hangingPunct="1"/>
             <a:r>
               <a:rPr lang="en-US" sz="1600" dirty="0" smtClean="0"/>
-              <a:t>E-Mail</a:t>
+              <a:t>benedikt.n@mytum.de, nschmidbartl@mytum.de</a:t>
             </a:r>
             <a:endParaRPr lang="en-US" sz="1600" dirty="0" smtClean="0"/>
           </a:p>
@@ -3230,6 +3358,60 @@
           </a:fontRef>
         </p:style>
       </p:cxnSp>
+      <p:pic>
+        <p:nvPicPr>
+          <p:cNvPr id="4" name="Grafik 3"/>
+          <p:cNvPicPr>
+            <a:picLocks noChangeAspect="1"/>
+          </p:cNvPicPr>
+          <p:nvPr/>
+        </p:nvPicPr>
+        <p:blipFill>
+          <a:blip r:embed="rId2"/>
+          <a:stretch>
+            <a:fillRect/>
+          </a:stretch>
+        </p:blipFill>
+        <p:spPr>
+          <a:xfrm>
+            <a:off x="1907704" y="3174876"/>
+            <a:ext cx="3413758" cy="1187988"/>
+          </a:xfrm>
+          <a:prstGeom prst="rect">
+            <a:avLst/>
+          </a:prstGeom>
+        </p:spPr>
+      </p:pic>
+      <p:pic>
+        <p:nvPicPr>
+          <p:cNvPr id="6" name="Grafik 5"/>
+          <p:cNvPicPr>
+            <a:picLocks noChangeAspect="1"/>
+          </p:cNvPicPr>
+          <p:nvPr/>
+        </p:nvPicPr>
+        <p:blipFill>
+          <a:blip r:embed="rId3" cstate="print">
+            <a:extLst>
+              <a:ext uri="{28A0092B-C50C-407E-A947-70E740481C1C}">
+                <a14:useLocalDpi xmlns:a14="http://schemas.microsoft.com/office/drawing/2010/main" val="0"/>
+              </a:ext>
+            </a:extLst>
+          </a:blip>
+          <a:stretch>
+            <a:fillRect/>
+          </a:stretch>
+        </p:blipFill>
+        <p:spPr>
+          <a:xfrm>
+            <a:off x="5724128" y="3053282"/>
+            <a:ext cx="1455838" cy="1455838"/>
+          </a:xfrm>
+          <a:prstGeom prst="rect">
+            <a:avLst/>
+          </a:prstGeom>
+        </p:spPr>
+      </p:pic>
     </p:spTree>
   </p:cSld>
   <p:clrMapOvr>
@@ -3335,8 +3517,8 @@
         </p:nvSpPr>
         <p:spPr bwMode="auto">
           <a:xfrm>
-            <a:off x="457200" y="1844824"/>
-            <a:ext cx="8229600" cy="4281339"/>
+            <a:off x="454943" y="1341438"/>
+            <a:ext cx="8229600" cy="4963690"/>
           </a:xfrm>
           <a:ln>
             <a:miter lim="800000"/>
@@ -3353,149 +3535,106 @@
           <a:lstStyle/>
           <a:p>
             <a:pPr lvl="1" eaLnBrk="1" hangingPunct="1">
+              <a:lnSpc>
+                <a:spcPct val="150000"/>
+              </a:lnSpc>
               <a:buFont typeface="Wingdings" pitchFamily="2" charset="2"/>
               <a:buChar char="§"/>
               <a:defRPr/>
             </a:pPr>
             <a:r>
-              <a:rPr lang="de-DE" sz="2400" dirty="0" err="1" smtClean="0">
+              <a:rPr lang="de-DE" sz="2400" dirty="0" smtClean="0">
                 <a:solidFill>
                   <a:schemeClr val="tx1"/>
                 </a:solidFill>
               </a:rPr>
-              <a:t>asdf</a:t>
-            </a:r>
-            <a:endParaRPr lang="de-DE" sz="2400" dirty="0" smtClean="0">
-              <a:solidFill>
-                <a:schemeClr val="tx1"/>
-              </a:solidFill>
-            </a:endParaRPr>
-          </a:p>
-          <a:p>
-            <a:pPr lvl="2" eaLnBrk="1" hangingPunct="1">
+              <a:t>Einleitung</a:t>
+            </a:r>
+          </a:p>
+          <a:p>
+            <a:pPr lvl="1" eaLnBrk="1" hangingPunct="1">
+              <a:lnSpc>
+                <a:spcPct val="150000"/>
+              </a:lnSpc>
               <a:buFont typeface="Wingdings" pitchFamily="2" charset="2"/>
               <a:buChar char="§"/>
               <a:defRPr/>
             </a:pPr>
             <a:r>
-              <a:rPr lang="de-DE" sz="2000" dirty="0" err="1" smtClean="0">
-                <a:solidFill>
-                  <a:schemeClr val="tx1"/>
-                </a:solidFill>
-              </a:rPr>
-              <a:t>egf</a:t>
-            </a:r>
-            <a:endParaRPr lang="de-DE" sz="2000" dirty="0" smtClean="0">
-              <a:solidFill>
-                <a:schemeClr val="tx1"/>
-              </a:solidFill>
-            </a:endParaRPr>
-          </a:p>
-          <a:p>
-            <a:pPr lvl="2" eaLnBrk="1" hangingPunct="1">
+              <a:rPr lang="de-DE" sz="2400" dirty="0" smtClean="0"/>
+              <a:t>Projektbeschreibung</a:t>
+            </a:r>
+          </a:p>
+          <a:p>
+            <a:pPr lvl="1" eaLnBrk="1" hangingPunct="1">
+              <a:lnSpc>
+                <a:spcPct val="150000"/>
+              </a:lnSpc>
               <a:buFont typeface="Wingdings" pitchFamily="2" charset="2"/>
               <a:buChar char="§"/>
               <a:defRPr/>
             </a:pPr>
             <a:r>
-              <a:rPr lang="de-DE" sz="2000" dirty="0" err="1" smtClean="0">
-                <a:solidFill>
-                  <a:schemeClr val="tx1"/>
-                </a:solidFill>
-              </a:rPr>
-              <a:t>asdf</a:t>
-            </a:r>
-            <a:endParaRPr lang="de-DE" sz="2000" dirty="0" smtClean="0">
-              <a:solidFill>
-                <a:schemeClr val="tx1"/>
-              </a:solidFill>
-            </a:endParaRPr>
-          </a:p>
-          <a:p>
-            <a:pPr lvl="2" eaLnBrk="1" hangingPunct="1">
+              <a:rPr lang="de-DE" sz="2400" dirty="0" smtClean="0"/>
+              <a:t>Projektplanung</a:t>
+            </a:r>
+          </a:p>
+          <a:p>
+            <a:pPr lvl="1" eaLnBrk="1" hangingPunct="1">
+              <a:lnSpc>
+                <a:spcPct val="150000"/>
+              </a:lnSpc>
               <a:buFont typeface="Wingdings" pitchFamily="2" charset="2"/>
               <a:buChar char="§"/>
               <a:defRPr/>
             </a:pPr>
             <a:r>
-              <a:rPr lang="de-DE" sz="2000" dirty="0" err="1" smtClean="0">
-                <a:solidFill>
-                  <a:schemeClr val="tx1"/>
-                </a:solidFill>
-              </a:rPr>
-              <a:t>asdf</a:t>
-            </a:r>
-            <a:endParaRPr lang="de-DE" sz="2000" dirty="0" smtClean="0">
-              <a:solidFill>
-                <a:schemeClr val="tx1"/>
-              </a:solidFill>
-            </a:endParaRPr>
-          </a:p>
-          <a:p>
-            <a:pPr lvl="2" eaLnBrk="1" hangingPunct="1">
+              <a:rPr lang="de-DE" sz="2400" dirty="0" smtClean="0"/>
+              <a:t>Projektentwicklung</a:t>
+            </a:r>
+            <a:endParaRPr lang="de-DE" sz="1200" dirty="0" smtClean="0"/>
+          </a:p>
+          <a:p>
+            <a:pPr lvl="1" eaLnBrk="1" hangingPunct="1">
+              <a:lnSpc>
+                <a:spcPct val="150000"/>
+              </a:lnSpc>
               <a:buFont typeface="Wingdings" pitchFamily="2" charset="2"/>
               <a:buChar char="§"/>
               <a:defRPr/>
             </a:pPr>
             <a:r>
-              <a:rPr lang="de-DE" sz="2000" dirty="0" err="1" smtClean="0">
-                <a:solidFill>
-                  <a:schemeClr val="tx1"/>
-                </a:solidFill>
-              </a:rPr>
-              <a:t>sadf</a:t>
-            </a:r>
-            <a:endParaRPr lang="de-DE" sz="2000" dirty="0" smtClean="0">
-              <a:solidFill>
-                <a:schemeClr val="tx1"/>
-              </a:solidFill>
-            </a:endParaRPr>
-          </a:p>
-          <a:p>
-            <a:pPr lvl="2" eaLnBrk="1" hangingPunct="1">
+              <a:rPr lang="de-DE" sz="2400" dirty="0" smtClean="0"/>
+              <a:t>Lieferanten-Terminal</a:t>
+            </a:r>
+          </a:p>
+          <a:p>
+            <a:pPr lvl="1" eaLnBrk="1" hangingPunct="1">
+              <a:lnSpc>
+                <a:spcPct val="150000"/>
+              </a:lnSpc>
               <a:buFont typeface="Wingdings" pitchFamily="2" charset="2"/>
               <a:buChar char="§"/>
               <a:defRPr/>
             </a:pPr>
             <a:r>
-              <a:rPr lang="de-DE" sz="2000" dirty="0" err="1" smtClean="0">
-                <a:solidFill>
-                  <a:schemeClr val="tx1"/>
-                </a:solidFill>
-              </a:rPr>
-              <a:t>sdf</a:t>
-            </a:r>
-            <a:endParaRPr lang="de-DE" sz="2000" dirty="0" smtClean="0">
-              <a:solidFill>
-                <a:schemeClr val="tx1"/>
-              </a:solidFill>
-            </a:endParaRPr>
-          </a:p>
-          <a:p>
-            <a:pPr lvl="2" eaLnBrk="1" hangingPunct="1">
+              <a:rPr lang="de-DE" sz="2400" dirty="0" smtClean="0"/>
+              <a:t>Administrations-Oberfläche</a:t>
+            </a:r>
+            <a:endParaRPr lang="de-DE" sz="2400" dirty="0"/>
+          </a:p>
+          <a:p>
+            <a:pPr lvl="1" eaLnBrk="1" hangingPunct="1">
+              <a:lnSpc>
+                <a:spcPct val="150000"/>
+              </a:lnSpc>
               <a:buFont typeface="Wingdings" pitchFamily="2" charset="2"/>
               <a:buChar char="§"/>
               <a:defRPr/>
             </a:pPr>
-            <a:endParaRPr lang="de-DE" sz="2000" dirty="0" smtClean="0">
-              <a:solidFill>
-                <a:schemeClr val="tx1"/>
-              </a:solidFill>
-            </a:endParaRPr>
-          </a:p>
-          <a:p>
-            <a:pPr lvl="1" eaLnBrk="1" hangingPunct="1">
-              <a:buFont typeface="Wingdings" pitchFamily="2" charset="2"/>
-              <a:buChar char="§"/>
-              <a:defRPr/>
-            </a:pPr>
-            <a:r>
-              <a:rPr lang="de-DE" sz="2400" dirty="0" err="1" smtClean="0">
-                <a:solidFill>
-                  <a:srgbClr val="333333"/>
-                </a:solidFill>
-              </a:rPr>
-              <a:t>sadf</a:t>
+            <a:r>
+              <a:rPr lang="de-DE" sz="2400" smtClean="0"/>
+              <a:t>Zusammenfassung</a:t>
             </a:r>
             <a:endParaRPr lang="de-DE" sz="2400" dirty="0">
               <a:solidFill>
@@ -3504,38 +3643,21 @@
             </a:endParaRPr>
           </a:p>
           <a:p>
-            <a:pPr lvl="2" eaLnBrk="1" hangingPunct="1">
+            <a:pPr lvl="1" eaLnBrk="1" hangingPunct="1">
+              <a:lnSpc>
+                <a:spcPct val="150000"/>
+              </a:lnSpc>
               <a:buFont typeface="Wingdings" pitchFamily="2" charset="2"/>
               <a:buChar char="§"/>
               <a:defRPr/>
             </a:pPr>
             <a:r>
-              <a:rPr lang="de-DE" sz="2000" dirty="0" err="1" smtClean="0">
+              <a:rPr lang="de-DE" sz="2400" dirty="0" smtClean="0">
                 <a:solidFill>
                   <a:schemeClr val="tx1"/>
                 </a:solidFill>
               </a:rPr>
-              <a:t>sdf</a:t>
-            </a:r>
-            <a:endParaRPr lang="de-DE" sz="2000" dirty="0" smtClean="0">
-              <a:solidFill>
-                <a:schemeClr val="tx1"/>
-              </a:solidFill>
-            </a:endParaRPr>
-          </a:p>
-          <a:p>
-            <a:pPr lvl="2" eaLnBrk="1" hangingPunct="1">
-              <a:buFont typeface="Wingdings" pitchFamily="2" charset="2"/>
-              <a:buChar char="§"/>
-              <a:defRPr/>
-            </a:pPr>
-            <a:r>
-              <a:rPr lang="de-DE" sz="2000" dirty="0" err="1" smtClean="0">
-                <a:solidFill>
-                  <a:schemeClr val="tx1"/>
-                </a:solidFill>
-              </a:rPr>
-              <a:t>sdf</a:t>
+              <a:t>Fazit</a:t>
             </a:r>
             <a:r>
               <a:rPr lang="de-DE" sz="2400" dirty="0" smtClean="0">
@@ -3656,6 +3778,30 @@
           </a:fontRef>
         </p:style>
       </p:cxnSp>
+      <p:pic>
+        <p:nvPicPr>
+          <p:cNvPr id="4" name="Grafik 3"/>
+          <p:cNvPicPr>
+            <a:picLocks noChangeAspect="1"/>
+          </p:cNvPicPr>
+          <p:nvPr/>
+        </p:nvPicPr>
+        <p:blipFill>
+          <a:blip r:embed="rId2"/>
+          <a:stretch>
+            <a:fillRect/>
+          </a:stretch>
+        </p:blipFill>
+        <p:spPr>
+          <a:xfrm>
+            <a:off x="6228184" y="1716088"/>
+            <a:ext cx="1799158" cy="4229750"/>
+          </a:xfrm>
+          <a:prstGeom prst="rect">
+            <a:avLst/>
+          </a:prstGeom>
+        </p:spPr>
+      </p:pic>
     </p:spTree>
   </p:cSld>
   <p:clrMapOvr>
@@ -3746,8 +3892,8 @@
           <a:p>
             <a:pPr eaLnBrk="1" hangingPunct="1"/>
             <a:r>
-              <a:rPr lang="de-DE" dirty="0" err="1" smtClean="0"/>
-              <a:t>sdfasdf</a:t>
+              <a:rPr lang="de-DE" dirty="0"/>
+              <a:t>Einleitung</a:t>
             </a:r>
             <a:endParaRPr lang="de-DE" dirty="0" smtClean="0"/>
           </a:p>
@@ -4791,13 +4937,13 @@
   <p:clrMapOvr>
     <a:masterClrMapping/>
   </p:clrMapOvr>
-  <mc:AlternateContent xmlns:mc="http://schemas.openxmlformats.org/markup-compatibility/2006">
-    <mc:Choice xmlns:p14="http://schemas.microsoft.com/office/powerpoint/2010/main" Requires="p14">
+  <mc:AlternateContent xmlns:mc="http://schemas.openxmlformats.org/markup-compatibility/2006" xmlns:p14="http://schemas.microsoft.com/office/powerpoint/2010/main">
+    <mc:Choice Requires="p14">
       <p:transition spd="med">
         <p14:prism isContent="1"/>
       </p:transition>
     </mc:Choice>
-    <mc:Fallback>
+    <mc:Fallback xmlns="">
       <p:transition spd="med">
         <p:fade/>
       </p:transition>

--- a/Präsentation/Presentation - Benjo.pptx
+++ b/Präsentation/Presentation - Benjo.pptx
@@ -5,13 +5,14 @@
     <p:sldMasterId id="2147483649" r:id="rId1"/>
   </p:sldMasterIdLst>
   <p:notesMasterIdLst>
-    <p:notesMasterId r:id="rId6"/>
+    <p:notesMasterId r:id="rId7"/>
   </p:notesMasterIdLst>
   <p:sldIdLst>
     <p:sldId id="256" r:id="rId2"/>
     <p:sldId id="272" r:id="rId3"/>
     <p:sldId id="291" r:id="rId4"/>
     <p:sldId id="292" r:id="rId5"/>
+    <p:sldId id="293" r:id="rId6"/>
   </p:sldIdLst>
   <p:sldSz cx="9144000" cy="6858000" type="screen4x3"/>
   <p:notesSz cx="6858000" cy="9144000"/>
@@ -3633,7 +3634,7 @@
               <a:defRPr/>
             </a:pPr>
             <a:r>
-              <a:rPr lang="de-DE" sz="2400" smtClean="0"/>
+              <a:rPr lang="de-DE" sz="2400" dirty="0" smtClean="0"/>
               <a:t>Zusammenfassung</a:t>
             </a:r>
             <a:endParaRPr lang="de-DE" sz="2400" dirty="0">
@@ -4944,6 +4945,276 @@
       </p:transition>
     </mc:Choice>
     <mc:Fallback xmlns="">
+      <p:transition spd="med">
+        <p:fade/>
+      </p:transition>
+    </mc:Fallback>
+  </mc:AlternateContent>
+  <p:timing>
+    <p:tnLst>
+      <p:par>
+        <p:cTn id="1" dur="indefinite" restart="never" nodeType="tmRoot"/>
+      </p:par>
+    </p:tnLst>
+  </p:timing>
+</p:sld>
+</file>
+
+<file path=ppt/slides/slide5.xml><?xml version="1.0" encoding="utf-8"?>
+<p:sld xmlns:a="http://schemas.openxmlformats.org/drawingml/2006/main" xmlns:r="http://schemas.openxmlformats.org/officeDocument/2006/relationships" xmlns:p="http://schemas.openxmlformats.org/presentationml/2006/main">
+  <p:cSld>
+    <p:spTree>
+      <p:nvGrpSpPr>
+        <p:cNvPr id="1" name=""/>
+        <p:cNvGrpSpPr/>
+        <p:nvPr/>
+      </p:nvGrpSpPr>
+      <p:grpSpPr>
+        <a:xfrm>
+          <a:off x="0" y="0"/>
+          <a:ext cx="0" cy="0"/>
+          <a:chOff x="0" y="0"/>
+          <a:chExt cx="0" cy="0"/>
+        </a:xfrm>
+      </p:grpSpPr>
+      <p:sp>
+        <p:nvSpPr>
+          <p:cNvPr id="3075" name="Content Placeholder 2"/>
+          <p:cNvSpPr>
+            <a:spLocks noGrp="1"/>
+          </p:cNvSpPr>
+          <p:nvPr>
+            <p:ph idx="1"/>
+          </p:nvPr>
+        </p:nvSpPr>
+        <p:spPr bwMode="auto">
+          <a:xfrm>
+            <a:off x="251520" y="2576661"/>
+            <a:ext cx="8229600" cy="4281339"/>
+          </a:xfrm>
+          <a:ln>
+            <a:miter lim="800000"/>
+            <a:headEnd/>
+            <a:tailEnd/>
+          </a:ln>
+        </p:spPr>
+        <p:txBody>
+          <a:bodyPr vert="horz" wrap="square" lIns="91440" tIns="45720" rIns="91440" bIns="45720" numCol="1" anchor="t" anchorCtr="0" compatLnSpc="1">
+            <a:prstTxWarp prst="textNoShape">
+              <a:avLst/>
+            </a:prstTxWarp>
+          </a:bodyPr>
+          <a:lstStyle/>
+          <a:p>
+            <a:pPr marL="457200" lvl="1" indent="0" algn="ctr" eaLnBrk="1" hangingPunct="1">
+              <a:buNone/>
+              <a:defRPr/>
+            </a:pPr>
+            <a:r>
+              <a:rPr lang="de-DE" dirty="0" smtClean="0">
+                <a:solidFill>
+                  <a:schemeClr val="tx1"/>
+                </a:solidFill>
+              </a:rPr>
+              <a:t>Vielen</a:t>
+            </a:r>
+            <a:r>
+              <a:rPr lang="de-DE" sz="3200" dirty="0" smtClean="0">
+                <a:solidFill>
+                  <a:schemeClr val="tx1"/>
+                </a:solidFill>
+              </a:rPr>
+              <a:t> </a:t>
+            </a:r>
+            <a:r>
+              <a:rPr lang="de-DE" dirty="0" smtClean="0">
+                <a:solidFill>
+                  <a:schemeClr val="tx1"/>
+                </a:solidFill>
+              </a:rPr>
+              <a:t>Dank für Ihre Aufmerksamkeit!</a:t>
+            </a:r>
+          </a:p>
+          <a:p>
+            <a:pPr marL="457200" lvl="1" indent="0" algn="ctr" eaLnBrk="1" hangingPunct="1">
+              <a:buNone/>
+              <a:defRPr/>
+            </a:pPr>
+            <a:endParaRPr lang="de-DE" sz="2400" dirty="0" smtClean="0">
+              <a:solidFill>
+                <a:schemeClr val="tx1"/>
+              </a:solidFill>
+            </a:endParaRPr>
+          </a:p>
+          <a:p>
+            <a:pPr marL="457200" lvl="1" indent="0" algn="ctr" eaLnBrk="1" hangingPunct="1">
+              <a:buNone/>
+              <a:defRPr/>
+            </a:pPr>
+            <a:r>
+              <a:rPr lang="de-DE" sz="2400" dirty="0" smtClean="0">
+                <a:solidFill>
+                  <a:schemeClr val="tx1"/>
+                </a:solidFill>
+              </a:rPr>
+              <a:t>Fragen?</a:t>
+            </a:r>
+            <a:endParaRPr lang="de-DE" sz="2400" dirty="0" smtClean="0">
+              <a:solidFill>
+                <a:schemeClr val="tx1"/>
+              </a:solidFill>
+            </a:endParaRPr>
+          </a:p>
+          <a:p>
+            <a:pPr lvl="1" eaLnBrk="1" hangingPunct="1">
+              <a:buFont typeface="Wingdings" pitchFamily="2" charset="2"/>
+              <a:buChar char="§"/>
+              <a:defRPr/>
+            </a:pPr>
+            <a:endParaRPr lang="de-DE" sz="2400" dirty="0">
+              <a:solidFill>
+                <a:schemeClr val="tx1"/>
+              </a:solidFill>
+            </a:endParaRPr>
+          </a:p>
+          <a:p>
+            <a:pPr marL="914400" lvl="2" indent="0" eaLnBrk="1" hangingPunct="1">
+              <a:buNone/>
+              <a:defRPr/>
+            </a:pPr>
+            <a:endParaRPr lang="de-DE" sz="1200" dirty="0" smtClean="0">
+              <a:solidFill>
+                <a:schemeClr val="tx1"/>
+              </a:solidFill>
+            </a:endParaRPr>
+          </a:p>
+          <a:p>
+            <a:pPr lvl="1" eaLnBrk="1" hangingPunct="1">
+              <a:buFont typeface="Wingdings" pitchFamily="2" charset="2"/>
+              <a:buChar char="§"/>
+              <a:defRPr/>
+            </a:pPr>
+            <a:endParaRPr lang="de-DE" sz="2400" dirty="0" smtClean="0">
+              <a:solidFill>
+                <a:schemeClr val="tx1"/>
+              </a:solidFill>
+            </a:endParaRPr>
+          </a:p>
+          <a:p>
+            <a:pPr lvl="2" eaLnBrk="1" hangingPunct="1">
+              <a:buFont typeface="Wingdings" pitchFamily="2" charset="2"/>
+              <a:buChar char="§"/>
+              <a:defRPr/>
+            </a:pPr>
+            <a:endParaRPr lang="de-DE" sz="2000" dirty="0" smtClean="0">
+              <a:solidFill>
+                <a:schemeClr val="tx1"/>
+              </a:solidFill>
+            </a:endParaRPr>
+          </a:p>
+          <a:p>
+            <a:pPr marL="457200" lvl="1" indent="0" eaLnBrk="1" hangingPunct="1">
+              <a:buNone/>
+              <a:defRPr/>
+            </a:pPr>
+            <a:r>
+              <a:rPr lang="de-DE" sz="2400" dirty="0" smtClean="0">
+                <a:solidFill>
+                  <a:srgbClr val="333333"/>
+                </a:solidFill>
+              </a:rPr>
+              <a:t/>
+            </a:r>
+            <a:br>
+              <a:rPr lang="de-DE" sz="2400" dirty="0" smtClean="0">
+                <a:solidFill>
+                  <a:srgbClr val="333333"/>
+                </a:solidFill>
+              </a:rPr>
+            </a:br>
+            <a:endParaRPr lang="de-DE" sz="2400" dirty="0" smtClean="0">
+              <a:solidFill>
+                <a:srgbClr val="333333"/>
+              </a:solidFill>
+            </a:endParaRPr>
+          </a:p>
+          <a:p>
+            <a:pPr marL="457200" lvl="1" indent="0" eaLnBrk="1" hangingPunct="1">
+              <a:buNone/>
+              <a:defRPr/>
+            </a:pPr>
+            <a:endParaRPr lang="de-DE" sz="1800" dirty="0" smtClean="0">
+              <a:solidFill>
+                <a:schemeClr val="tx1"/>
+              </a:solidFill>
+            </a:endParaRPr>
+          </a:p>
+          <a:p>
+            <a:pPr lvl="1" eaLnBrk="1" hangingPunct="1">
+              <a:buFont typeface="Wingdings" pitchFamily="2" charset="2"/>
+              <a:buChar char="§"/>
+              <a:defRPr/>
+            </a:pPr>
+            <a:endParaRPr lang="de-DE" sz="1800" dirty="0" smtClean="0">
+              <a:solidFill>
+                <a:schemeClr val="tx1"/>
+              </a:solidFill>
+            </a:endParaRPr>
+          </a:p>
+          <a:p>
+            <a:pPr marL="457200" lvl="1" indent="0" eaLnBrk="1" hangingPunct="1">
+              <a:buNone/>
+              <a:defRPr/>
+            </a:pPr>
+            <a:endParaRPr lang="de-DE" sz="1800" dirty="0" smtClean="0">
+              <a:solidFill>
+                <a:schemeClr val="tx1"/>
+              </a:solidFill>
+            </a:endParaRPr>
+          </a:p>
+          <a:p>
+            <a:pPr lvl="1" eaLnBrk="1" hangingPunct="1">
+              <a:buFont typeface="Wingdings" pitchFamily="2" charset="2"/>
+              <a:buChar char="§"/>
+              <a:defRPr/>
+            </a:pPr>
+            <a:endParaRPr lang="de-DE" sz="1800" dirty="0" smtClean="0"/>
+          </a:p>
+          <a:p>
+            <a:pPr lvl="3" eaLnBrk="1" hangingPunct="1">
+              <a:buFont typeface="Arial" pitchFamily="34" charset="0"/>
+              <a:buChar char="•"/>
+              <a:defRPr/>
+            </a:pPr>
+            <a:endParaRPr lang="de-DE" dirty="0" smtClean="0"/>
+          </a:p>
+          <a:p>
+            <a:pPr lvl="2" eaLnBrk="1" hangingPunct="1">
+              <a:buFont typeface="Arial" pitchFamily="34" charset="0"/>
+              <a:buChar char="•"/>
+              <a:defRPr/>
+            </a:pPr>
+            <a:endParaRPr lang="de-DE" sz="1800" dirty="0" smtClean="0"/>
+          </a:p>
+        </p:txBody>
+      </p:sp>
+    </p:spTree>
+    <p:extLst>
+      <p:ext uri="{BB962C8B-B14F-4D97-AF65-F5344CB8AC3E}">
+        <p14:creationId xmlns:p14="http://schemas.microsoft.com/office/powerpoint/2010/main" val="99329583"/>
+      </p:ext>
+    </p:extLst>
+  </p:cSld>
+  <p:clrMapOvr>
+    <a:masterClrMapping/>
+  </p:clrMapOvr>
+  <mc:AlternateContent xmlns:mc="http://schemas.openxmlformats.org/markup-compatibility/2006">
+    <mc:Choice xmlns:p14="http://schemas.microsoft.com/office/powerpoint/2010/main" Requires="p14">
+      <p:transition spd="med">
+        <p14:prism isContent="1"/>
+      </p:transition>
+    </mc:Choice>
+    <mc:Fallback>
       <p:transition spd="med">
         <p:fade/>
       </p:transition>

--- a/Präsentation/Presentation - Benjo.pptx
+++ b/Präsentation/Presentation - Benjo.pptx
@@ -5,14 +5,30 @@
     <p:sldMasterId id="2147483649" r:id="rId1"/>
   </p:sldMasterIdLst>
   <p:notesMasterIdLst>
-    <p:notesMasterId r:id="rId7"/>
+    <p:notesMasterId r:id="rId23"/>
   </p:notesMasterIdLst>
   <p:sldIdLst>
     <p:sldId id="256" r:id="rId2"/>
     <p:sldId id="272" r:id="rId3"/>
     <p:sldId id="291" r:id="rId4"/>
-    <p:sldId id="292" r:id="rId5"/>
-    <p:sldId id="293" r:id="rId6"/>
+    <p:sldId id="294" r:id="rId5"/>
+    <p:sldId id="304" r:id="rId6"/>
+    <p:sldId id="295" r:id="rId7"/>
+    <p:sldId id="305" r:id="rId8"/>
+    <p:sldId id="296" r:id="rId9"/>
+    <p:sldId id="306" r:id="rId10"/>
+    <p:sldId id="297" r:id="rId11"/>
+    <p:sldId id="307" r:id="rId12"/>
+    <p:sldId id="298" r:id="rId13"/>
+    <p:sldId id="302" r:id="rId14"/>
+    <p:sldId id="299" r:id="rId15"/>
+    <p:sldId id="300" r:id="rId16"/>
+    <p:sldId id="308" r:id="rId17"/>
+    <p:sldId id="303" r:id="rId18"/>
+    <p:sldId id="309" r:id="rId19"/>
+    <p:sldId id="301" r:id="rId20"/>
+    <p:sldId id="310" r:id="rId21"/>
+    <p:sldId id="293" r:id="rId22"/>
   </p:sldIdLst>
   <p:sldSz cx="9144000" cy="6858000" type="screen4x3"/>
   <p:notesSz cx="6858000" cy="9144000"/>
@@ -3436,6 +3452,3456 @@
 </p:sld>
 </file>
 
+<file path=ppt/slides/slide10.xml><?xml version="1.0" encoding="utf-8"?>
+<p:sld xmlns:a="http://schemas.openxmlformats.org/drawingml/2006/main" xmlns:r="http://schemas.openxmlformats.org/officeDocument/2006/relationships" xmlns:p="http://schemas.openxmlformats.org/presentationml/2006/main">
+  <p:cSld>
+    <p:spTree>
+      <p:nvGrpSpPr>
+        <p:cNvPr id="1" name=""/>
+        <p:cNvGrpSpPr/>
+        <p:nvPr/>
+      </p:nvGrpSpPr>
+      <p:grpSpPr>
+        <a:xfrm>
+          <a:off x="0" y="0"/>
+          <a:ext cx="0" cy="0"/>
+          <a:chOff x="0" y="0"/>
+          <a:chExt cx="0" cy="0"/>
+        </a:xfrm>
+      </p:grpSpPr>
+      <p:sp>
+        <p:nvSpPr>
+          <p:cNvPr id="14338" name="Title 1"/>
+          <p:cNvSpPr>
+            <a:spLocks noGrp="1"/>
+          </p:cNvSpPr>
+          <p:nvPr>
+            <p:ph type="title"/>
+          </p:nvPr>
+        </p:nvSpPr>
+        <p:spPr bwMode="auto">
+          <a:xfrm>
+            <a:off x="457200" y="857250"/>
+            <a:ext cx="8229600" cy="560388"/>
+          </a:xfrm>
+          <a:noFill/>
+          <a:extLst>
+            <a:ext uri="{909E8E84-426E-40DD-AFC4-6F175D3DCCD1}">
+              <a14:hiddenFill xmlns:a14="http://schemas.microsoft.com/office/drawing/2010/main">
+                <a:solidFill>
+                  <a:srgbClr val="FFFFFF"/>
+                </a:solidFill>
+              </a14:hiddenFill>
+            </a:ext>
+            <a:ext uri="{91240B29-F687-4F45-9708-019B960494DF}">
+              <a14:hiddenLine xmlns:a14="http://schemas.microsoft.com/office/drawing/2010/main" w="9525">
+                <a:solidFill>
+                  <a:srgbClr val="000000"/>
+                </a:solidFill>
+                <a:miter lim="800000"/>
+                <a:headEnd/>
+                <a:tailEnd/>
+              </a14:hiddenLine>
+            </a:ext>
+          </a:extLst>
+        </p:spPr>
+        <p:txBody>
+          <a:bodyPr vert="horz" wrap="square" lIns="91440" tIns="45720" rIns="91440" bIns="45720" numCol="1" anchor="t" anchorCtr="0" compatLnSpc="1">
+            <a:prstTxWarp prst="textNoShape">
+              <a:avLst/>
+            </a:prstTxWarp>
+          </a:bodyPr>
+          <a:lstStyle/>
+          <a:p>
+            <a:pPr lvl="1" eaLnBrk="1" hangingPunct="1"/>
+            <a:r>
+              <a:rPr lang="de-DE" dirty="0"/>
+              <a:t>Lieferanten-Terminal</a:t>
+            </a:r>
+            <a:br>
+              <a:rPr lang="de-DE" dirty="0"/>
+            </a:br>
+            <a:r>
+              <a:rPr lang="de-DE" dirty="0" smtClean="0"/>
+              <a:t/>
+            </a:r>
+            <a:br>
+              <a:rPr lang="de-DE" dirty="0" smtClean="0"/>
+            </a:br>
+            <a:endParaRPr lang="de-DE" dirty="0" smtClean="0"/>
+          </a:p>
+        </p:txBody>
+      </p:sp>
+      <p:sp>
+        <p:nvSpPr>
+          <p:cNvPr id="3075" name="Content Placeholder 2"/>
+          <p:cNvSpPr>
+            <a:spLocks noGrp="1"/>
+          </p:cNvSpPr>
+          <p:nvPr>
+            <p:ph idx="1"/>
+          </p:nvPr>
+        </p:nvSpPr>
+        <p:spPr bwMode="auto">
+          <a:xfrm>
+            <a:off x="457200" y="1844824"/>
+            <a:ext cx="8229600" cy="4281339"/>
+          </a:xfrm>
+          <a:ln>
+            <a:miter lim="800000"/>
+            <a:headEnd/>
+            <a:tailEnd/>
+          </a:ln>
+        </p:spPr>
+        <p:txBody>
+          <a:bodyPr vert="horz" wrap="square" lIns="91440" tIns="45720" rIns="91440" bIns="45720" numCol="1" anchor="t" anchorCtr="0" compatLnSpc="1">
+            <a:prstTxWarp prst="textNoShape">
+              <a:avLst/>
+            </a:prstTxWarp>
+          </a:bodyPr>
+          <a:lstStyle/>
+          <a:p>
+            <a:pPr lvl="1" eaLnBrk="1" hangingPunct="1">
+              <a:buFont typeface="Wingdings" pitchFamily="2" charset="2"/>
+              <a:buChar char="§"/>
+              <a:defRPr/>
+            </a:pPr>
+            <a:r>
+              <a:rPr lang="de-DE" sz="2400" dirty="0" err="1" smtClean="0">
+                <a:solidFill>
+                  <a:schemeClr val="tx1"/>
+                </a:solidFill>
+              </a:rPr>
+              <a:t>asdf</a:t>
+            </a:r>
+            <a:endParaRPr lang="de-DE" sz="2400" dirty="0">
+              <a:solidFill>
+                <a:schemeClr val="tx1"/>
+              </a:solidFill>
+            </a:endParaRPr>
+          </a:p>
+          <a:p>
+            <a:pPr lvl="1" eaLnBrk="1" hangingPunct="1">
+              <a:buFont typeface="Wingdings" pitchFamily="2" charset="2"/>
+              <a:buChar char="§"/>
+              <a:defRPr/>
+            </a:pPr>
+            <a:endParaRPr lang="de-DE" sz="2400" dirty="0" smtClean="0">
+              <a:solidFill>
+                <a:schemeClr val="tx1"/>
+              </a:solidFill>
+            </a:endParaRPr>
+          </a:p>
+          <a:p>
+            <a:pPr lvl="1" eaLnBrk="1" hangingPunct="1">
+              <a:buFont typeface="Wingdings" pitchFamily="2" charset="2"/>
+              <a:buChar char="§"/>
+              <a:defRPr/>
+            </a:pPr>
+            <a:endParaRPr lang="de-DE" sz="2400" dirty="0">
+              <a:solidFill>
+                <a:schemeClr val="tx1"/>
+              </a:solidFill>
+            </a:endParaRPr>
+          </a:p>
+          <a:p>
+            <a:pPr marL="914400" lvl="2" indent="0" eaLnBrk="1" hangingPunct="1">
+              <a:buNone/>
+              <a:defRPr/>
+            </a:pPr>
+            <a:endParaRPr lang="de-DE" sz="1200" dirty="0" smtClean="0">
+              <a:solidFill>
+                <a:schemeClr val="tx1"/>
+              </a:solidFill>
+            </a:endParaRPr>
+          </a:p>
+          <a:p>
+            <a:pPr lvl="1" eaLnBrk="1" hangingPunct="1">
+              <a:buFont typeface="Wingdings" pitchFamily="2" charset="2"/>
+              <a:buChar char="§"/>
+              <a:defRPr/>
+            </a:pPr>
+            <a:endParaRPr lang="de-DE" sz="2400" dirty="0" smtClean="0">
+              <a:solidFill>
+                <a:schemeClr val="tx1"/>
+              </a:solidFill>
+            </a:endParaRPr>
+          </a:p>
+          <a:p>
+            <a:pPr lvl="2" eaLnBrk="1" hangingPunct="1">
+              <a:buFont typeface="Wingdings" pitchFamily="2" charset="2"/>
+              <a:buChar char="§"/>
+              <a:defRPr/>
+            </a:pPr>
+            <a:endParaRPr lang="de-DE" sz="2000" dirty="0" smtClean="0">
+              <a:solidFill>
+                <a:schemeClr val="tx1"/>
+              </a:solidFill>
+            </a:endParaRPr>
+          </a:p>
+          <a:p>
+            <a:pPr marL="457200" lvl="1" indent="0" eaLnBrk="1" hangingPunct="1">
+              <a:buNone/>
+              <a:defRPr/>
+            </a:pPr>
+            <a:r>
+              <a:rPr lang="de-DE" sz="2400" dirty="0" smtClean="0">
+                <a:solidFill>
+                  <a:srgbClr val="333333"/>
+                </a:solidFill>
+              </a:rPr>
+              <a:t/>
+            </a:r>
+            <a:br>
+              <a:rPr lang="de-DE" sz="2400" dirty="0" smtClean="0">
+                <a:solidFill>
+                  <a:srgbClr val="333333"/>
+                </a:solidFill>
+              </a:rPr>
+            </a:br>
+            <a:endParaRPr lang="de-DE" sz="2400" dirty="0" smtClean="0">
+              <a:solidFill>
+                <a:srgbClr val="333333"/>
+              </a:solidFill>
+            </a:endParaRPr>
+          </a:p>
+          <a:p>
+            <a:pPr marL="457200" lvl="1" indent="0" eaLnBrk="1" hangingPunct="1">
+              <a:buNone/>
+              <a:defRPr/>
+            </a:pPr>
+            <a:endParaRPr lang="de-DE" sz="1800" dirty="0" smtClean="0">
+              <a:solidFill>
+                <a:schemeClr val="tx1"/>
+              </a:solidFill>
+            </a:endParaRPr>
+          </a:p>
+          <a:p>
+            <a:pPr lvl="1" eaLnBrk="1" hangingPunct="1">
+              <a:buFont typeface="Wingdings" pitchFamily="2" charset="2"/>
+              <a:buChar char="§"/>
+              <a:defRPr/>
+            </a:pPr>
+            <a:endParaRPr lang="de-DE" sz="1800" dirty="0" smtClean="0">
+              <a:solidFill>
+                <a:schemeClr val="tx1"/>
+              </a:solidFill>
+            </a:endParaRPr>
+          </a:p>
+          <a:p>
+            <a:pPr marL="457200" lvl="1" indent="0" eaLnBrk="1" hangingPunct="1">
+              <a:buNone/>
+              <a:defRPr/>
+            </a:pPr>
+            <a:endParaRPr lang="de-DE" sz="1800" dirty="0" smtClean="0">
+              <a:solidFill>
+                <a:schemeClr val="tx1"/>
+              </a:solidFill>
+            </a:endParaRPr>
+          </a:p>
+          <a:p>
+            <a:pPr lvl="1" eaLnBrk="1" hangingPunct="1">
+              <a:buFont typeface="Wingdings" pitchFamily="2" charset="2"/>
+              <a:buChar char="§"/>
+              <a:defRPr/>
+            </a:pPr>
+            <a:endParaRPr lang="de-DE" sz="1800" dirty="0" smtClean="0"/>
+          </a:p>
+          <a:p>
+            <a:pPr lvl="3" eaLnBrk="1" hangingPunct="1">
+              <a:buFont typeface="Arial" pitchFamily="34" charset="0"/>
+              <a:buChar char="•"/>
+              <a:defRPr/>
+            </a:pPr>
+            <a:endParaRPr lang="de-DE" dirty="0" smtClean="0"/>
+          </a:p>
+          <a:p>
+            <a:pPr lvl="2" eaLnBrk="1" hangingPunct="1">
+              <a:buFont typeface="Arial" pitchFamily="34" charset="0"/>
+              <a:buChar char="•"/>
+              <a:defRPr/>
+            </a:pPr>
+            <a:endParaRPr lang="de-DE" sz="1800" dirty="0" smtClean="0"/>
+          </a:p>
+        </p:txBody>
+      </p:sp>
+      <p:cxnSp>
+        <p:nvCxnSpPr>
+          <p:cNvPr id="5" name="Straight Connector 4"/>
+          <p:cNvCxnSpPr/>
+          <p:nvPr/>
+        </p:nvCxnSpPr>
+        <p:spPr>
+          <a:xfrm>
+            <a:off x="428625" y="1285875"/>
+            <a:ext cx="6929438" cy="1588"/>
+          </a:xfrm>
+          <a:prstGeom prst="line">
+            <a:avLst/>
+          </a:prstGeom>
+          <a:ln w="50800">
+            <a:solidFill>
+              <a:schemeClr val="tx2">
+                <a:lumMod val="40000"/>
+                <a:lumOff val="60000"/>
+              </a:schemeClr>
+            </a:solidFill>
+          </a:ln>
+        </p:spPr>
+        <p:style>
+          <a:lnRef idx="1">
+            <a:schemeClr val="accent1"/>
+          </a:lnRef>
+          <a:fillRef idx="0">
+            <a:schemeClr val="accent1"/>
+          </a:fillRef>
+          <a:effectRef idx="0">
+            <a:schemeClr val="accent1"/>
+          </a:effectRef>
+          <a:fontRef idx="minor">
+            <a:schemeClr val="tx1"/>
+          </a:fontRef>
+        </p:style>
+      </p:cxnSp>
+    </p:spTree>
+    <p:extLst>
+      <p:ext uri="{BB962C8B-B14F-4D97-AF65-F5344CB8AC3E}">
+        <p14:creationId xmlns:p14="http://schemas.microsoft.com/office/powerpoint/2010/main" val="403858798"/>
+      </p:ext>
+    </p:extLst>
+  </p:cSld>
+  <p:clrMapOvr>
+    <a:masterClrMapping/>
+  </p:clrMapOvr>
+  <mc:AlternateContent xmlns:mc="http://schemas.openxmlformats.org/markup-compatibility/2006">
+    <mc:Choice xmlns:p14="http://schemas.microsoft.com/office/powerpoint/2010/main" Requires="p14">
+      <p:transition spd="med">
+        <p14:prism isContent="1"/>
+      </p:transition>
+    </mc:Choice>
+    <mc:Fallback>
+      <p:transition spd="med">
+        <p:fade/>
+      </p:transition>
+    </mc:Fallback>
+  </mc:AlternateContent>
+  <p:timing>
+    <p:tnLst>
+      <p:par>
+        <p:cTn id="1" dur="indefinite" restart="never" nodeType="tmRoot"/>
+      </p:par>
+    </p:tnLst>
+  </p:timing>
+</p:sld>
+</file>
+
+<file path=ppt/slides/slide11.xml><?xml version="1.0" encoding="utf-8"?>
+<p:sld xmlns:a="http://schemas.openxmlformats.org/drawingml/2006/main" xmlns:r="http://schemas.openxmlformats.org/officeDocument/2006/relationships" xmlns:p="http://schemas.openxmlformats.org/presentationml/2006/main">
+  <p:cSld>
+    <p:spTree>
+      <p:nvGrpSpPr>
+        <p:cNvPr id="1" name=""/>
+        <p:cNvGrpSpPr/>
+        <p:nvPr/>
+      </p:nvGrpSpPr>
+      <p:grpSpPr>
+        <a:xfrm>
+          <a:off x="0" y="0"/>
+          <a:ext cx="0" cy="0"/>
+          <a:chOff x="0" y="0"/>
+          <a:chExt cx="0" cy="0"/>
+        </a:xfrm>
+      </p:grpSpPr>
+      <p:sp>
+        <p:nvSpPr>
+          <p:cNvPr id="14338" name="Title 1"/>
+          <p:cNvSpPr>
+            <a:spLocks noGrp="1"/>
+          </p:cNvSpPr>
+          <p:nvPr>
+            <p:ph type="title"/>
+          </p:nvPr>
+        </p:nvSpPr>
+        <p:spPr bwMode="auto">
+          <a:xfrm>
+            <a:off x="457200" y="857250"/>
+            <a:ext cx="8229600" cy="560388"/>
+          </a:xfrm>
+          <a:noFill/>
+          <a:extLst>
+            <a:ext uri="{909E8E84-426E-40DD-AFC4-6F175D3DCCD1}">
+              <a14:hiddenFill xmlns:a14="http://schemas.microsoft.com/office/drawing/2010/main">
+                <a:solidFill>
+                  <a:srgbClr val="FFFFFF"/>
+                </a:solidFill>
+              </a14:hiddenFill>
+            </a:ext>
+            <a:ext uri="{91240B29-F687-4F45-9708-019B960494DF}">
+              <a14:hiddenLine xmlns:a14="http://schemas.microsoft.com/office/drawing/2010/main" w="9525">
+                <a:solidFill>
+                  <a:srgbClr val="000000"/>
+                </a:solidFill>
+                <a:miter lim="800000"/>
+                <a:headEnd/>
+                <a:tailEnd/>
+              </a14:hiddenLine>
+            </a:ext>
+          </a:extLst>
+        </p:spPr>
+        <p:txBody>
+          <a:bodyPr vert="horz" wrap="square" lIns="91440" tIns="45720" rIns="91440" bIns="45720" numCol="1" anchor="t" anchorCtr="0" compatLnSpc="1">
+            <a:prstTxWarp prst="textNoShape">
+              <a:avLst/>
+            </a:prstTxWarp>
+          </a:bodyPr>
+          <a:lstStyle/>
+          <a:p>
+            <a:pPr lvl="1" eaLnBrk="1" hangingPunct="1"/>
+            <a:r>
+              <a:rPr lang="de-DE" dirty="0"/>
+              <a:t>Lieferanten-Terminal</a:t>
+            </a:r>
+            <a:br>
+              <a:rPr lang="de-DE" dirty="0"/>
+            </a:br>
+            <a:r>
+              <a:rPr lang="de-DE" dirty="0" smtClean="0"/>
+              <a:t/>
+            </a:r>
+            <a:br>
+              <a:rPr lang="de-DE" dirty="0" smtClean="0"/>
+            </a:br>
+            <a:endParaRPr lang="de-DE" dirty="0" smtClean="0"/>
+          </a:p>
+        </p:txBody>
+      </p:sp>
+      <p:sp>
+        <p:nvSpPr>
+          <p:cNvPr id="3075" name="Content Placeholder 2"/>
+          <p:cNvSpPr>
+            <a:spLocks noGrp="1"/>
+          </p:cNvSpPr>
+          <p:nvPr>
+            <p:ph idx="1"/>
+          </p:nvPr>
+        </p:nvSpPr>
+        <p:spPr bwMode="auto">
+          <a:xfrm>
+            <a:off x="457200" y="1844824"/>
+            <a:ext cx="8229600" cy="4281339"/>
+          </a:xfrm>
+          <a:ln>
+            <a:miter lim="800000"/>
+            <a:headEnd/>
+            <a:tailEnd/>
+          </a:ln>
+        </p:spPr>
+        <p:txBody>
+          <a:bodyPr vert="horz" wrap="square" lIns="91440" tIns="45720" rIns="91440" bIns="45720" numCol="1" anchor="t" anchorCtr="0" compatLnSpc="1">
+            <a:prstTxWarp prst="textNoShape">
+              <a:avLst/>
+            </a:prstTxWarp>
+          </a:bodyPr>
+          <a:lstStyle/>
+          <a:p>
+            <a:pPr lvl="1" eaLnBrk="1" hangingPunct="1">
+              <a:buFont typeface="Wingdings" pitchFamily="2" charset="2"/>
+              <a:buChar char="§"/>
+              <a:defRPr/>
+            </a:pPr>
+            <a:r>
+              <a:rPr lang="de-DE" sz="2400" dirty="0" err="1" smtClean="0">
+                <a:solidFill>
+                  <a:schemeClr val="tx1"/>
+                </a:solidFill>
+              </a:rPr>
+              <a:t>asdf</a:t>
+            </a:r>
+            <a:endParaRPr lang="de-DE" sz="2400" dirty="0">
+              <a:solidFill>
+                <a:schemeClr val="tx1"/>
+              </a:solidFill>
+            </a:endParaRPr>
+          </a:p>
+          <a:p>
+            <a:pPr lvl="1" eaLnBrk="1" hangingPunct="1">
+              <a:buFont typeface="Wingdings" pitchFamily="2" charset="2"/>
+              <a:buChar char="§"/>
+              <a:defRPr/>
+            </a:pPr>
+            <a:endParaRPr lang="de-DE" sz="2400" dirty="0" smtClean="0">
+              <a:solidFill>
+                <a:schemeClr val="tx1"/>
+              </a:solidFill>
+            </a:endParaRPr>
+          </a:p>
+          <a:p>
+            <a:pPr lvl="1" eaLnBrk="1" hangingPunct="1">
+              <a:buFont typeface="Wingdings" pitchFamily="2" charset="2"/>
+              <a:buChar char="§"/>
+              <a:defRPr/>
+            </a:pPr>
+            <a:endParaRPr lang="de-DE" sz="2400" dirty="0">
+              <a:solidFill>
+                <a:schemeClr val="tx1"/>
+              </a:solidFill>
+            </a:endParaRPr>
+          </a:p>
+          <a:p>
+            <a:pPr marL="914400" lvl="2" indent="0" eaLnBrk="1" hangingPunct="1">
+              <a:buNone/>
+              <a:defRPr/>
+            </a:pPr>
+            <a:endParaRPr lang="de-DE" sz="1200" dirty="0" smtClean="0">
+              <a:solidFill>
+                <a:schemeClr val="tx1"/>
+              </a:solidFill>
+            </a:endParaRPr>
+          </a:p>
+          <a:p>
+            <a:pPr lvl="1" eaLnBrk="1" hangingPunct="1">
+              <a:buFont typeface="Wingdings" pitchFamily="2" charset="2"/>
+              <a:buChar char="§"/>
+              <a:defRPr/>
+            </a:pPr>
+            <a:endParaRPr lang="de-DE" sz="2400" dirty="0" smtClean="0">
+              <a:solidFill>
+                <a:schemeClr val="tx1"/>
+              </a:solidFill>
+            </a:endParaRPr>
+          </a:p>
+          <a:p>
+            <a:pPr lvl="2" eaLnBrk="1" hangingPunct="1">
+              <a:buFont typeface="Wingdings" pitchFamily="2" charset="2"/>
+              <a:buChar char="§"/>
+              <a:defRPr/>
+            </a:pPr>
+            <a:endParaRPr lang="de-DE" sz="2000" dirty="0" smtClean="0">
+              <a:solidFill>
+                <a:schemeClr val="tx1"/>
+              </a:solidFill>
+            </a:endParaRPr>
+          </a:p>
+          <a:p>
+            <a:pPr marL="457200" lvl="1" indent="0" eaLnBrk="1" hangingPunct="1">
+              <a:buNone/>
+              <a:defRPr/>
+            </a:pPr>
+            <a:r>
+              <a:rPr lang="de-DE" sz="2400" dirty="0" smtClean="0">
+                <a:solidFill>
+                  <a:srgbClr val="333333"/>
+                </a:solidFill>
+              </a:rPr>
+              <a:t/>
+            </a:r>
+            <a:br>
+              <a:rPr lang="de-DE" sz="2400" dirty="0" smtClean="0">
+                <a:solidFill>
+                  <a:srgbClr val="333333"/>
+                </a:solidFill>
+              </a:rPr>
+            </a:br>
+            <a:endParaRPr lang="de-DE" sz="2400" dirty="0" smtClean="0">
+              <a:solidFill>
+                <a:srgbClr val="333333"/>
+              </a:solidFill>
+            </a:endParaRPr>
+          </a:p>
+          <a:p>
+            <a:pPr marL="457200" lvl="1" indent="0" eaLnBrk="1" hangingPunct="1">
+              <a:buNone/>
+              <a:defRPr/>
+            </a:pPr>
+            <a:endParaRPr lang="de-DE" sz="1800" dirty="0" smtClean="0">
+              <a:solidFill>
+                <a:schemeClr val="tx1"/>
+              </a:solidFill>
+            </a:endParaRPr>
+          </a:p>
+          <a:p>
+            <a:pPr lvl="1" eaLnBrk="1" hangingPunct="1">
+              <a:buFont typeface="Wingdings" pitchFamily="2" charset="2"/>
+              <a:buChar char="§"/>
+              <a:defRPr/>
+            </a:pPr>
+            <a:endParaRPr lang="de-DE" sz="1800" dirty="0" smtClean="0">
+              <a:solidFill>
+                <a:schemeClr val="tx1"/>
+              </a:solidFill>
+            </a:endParaRPr>
+          </a:p>
+          <a:p>
+            <a:pPr marL="457200" lvl="1" indent="0" eaLnBrk="1" hangingPunct="1">
+              <a:buNone/>
+              <a:defRPr/>
+            </a:pPr>
+            <a:endParaRPr lang="de-DE" sz="1800" dirty="0" smtClean="0">
+              <a:solidFill>
+                <a:schemeClr val="tx1"/>
+              </a:solidFill>
+            </a:endParaRPr>
+          </a:p>
+          <a:p>
+            <a:pPr lvl="1" eaLnBrk="1" hangingPunct="1">
+              <a:buFont typeface="Wingdings" pitchFamily="2" charset="2"/>
+              <a:buChar char="§"/>
+              <a:defRPr/>
+            </a:pPr>
+            <a:endParaRPr lang="de-DE" sz="1800" dirty="0" smtClean="0"/>
+          </a:p>
+          <a:p>
+            <a:pPr lvl="3" eaLnBrk="1" hangingPunct="1">
+              <a:buFont typeface="Arial" pitchFamily="34" charset="0"/>
+              <a:buChar char="•"/>
+              <a:defRPr/>
+            </a:pPr>
+            <a:endParaRPr lang="de-DE" dirty="0" smtClean="0"/>
+          </a:p>
+          <a:p>
+            <a:pPr lvl="2" eaLnBrk="1" hangingPunct="1">
+              <a:buFont typeface="Arial" pitchFamily="34" charset="0"/>
+              <a:buChar char="•"/>
+              <a:defRPr/>
+            </a:pPr>
+            <a:endParaRPr lang="de-DE" sz="1800" dirty="0" smtClean="0"/>
+          </a:p>
+        </p:txBody>
+      </p:sp>
+      <p:cxnSp>
+        <p:nvCxnSpPr>
+          <p:cNvPr id="5" name="Straight Connector 4"/>
+          <p:cNvCxnSpPr/>
+          <p:nvPr/>
+        </p:nvCxnSpPr>
+        <p:spPr>
+          <a:xfrm>
+            <a:off x="428625" y="1285875"/>
+            <a:ext cx="6929438" cy="1588"/>
+          </a:xfrm>
+          <a:prstGeom prst="line">
+            <a:avLst/>
+          </a:prstGeom>
+          <a:ln w="50800">
+            <a:solidFill>
+              <a:schemeClr val="tx2">
+                <a:lumMod val="40000"/>
+                <a:lumOff val="60000"/>
+              </a:schemeClr>
+            </a:solidFill>
+          </a:ln>
+        </p:spPr>
+        <p:style>
+          <a:lnRef idx="1">
+            <a:schemeClr val="accent1"/>
+          </a:lnRef>
+          <a:fillRef idx="0">
+            <a:schemeClr val="accent1"/>
+          </a:fillRef>
+          <a:effectRef idx="0">
+            <a:schemeClr val="accent1"/>
+          </a:effectRef>
+          <a:fontRef idx="minor">
+            <a:schemeClr val="tx1"/>
+          </a:fontRef>
+        </p:style>
+      </p:cxnSp>
+    </p:spTree>
+    <p:extLst>
+      <p:ext uri="{BB962C8B-B14F-4D97-AF65-F5344CB8AC3E}">
+        <p14:creationId xmlns:p14="http://schemas.microsoft.com/office/powerpoint/2010/main" val="3581524235"/>
+      </p:ext>
+    </p:extLst>
+  </p:cSld>
+  <p:clrMapOvr>
+    <a:masterClrMapping/>
+  </p:clrMapOvr>
+  <mc:AlternateContent xmlns:mc="http://schemas.openxmlformats.org/markup-compatibility/2006">
+    <mc:Choice xmlns:p14="http://schemas.microsoft.com/office/powerpoint/2010/main" Requires="p14">
+      <p:transition spd="med">
+        <p14:prism isContent="1"/>
+      </p:transition>
+    </mc:Choice>
+    <mc:Fallback>
+      <p:transition spd="med">
+        <p:fade/>
+      </p:transition>
+    </mc:Fallback>
+  </mc:AlternateContent>
+  <p:timing>
+    <p:tnLst>
+      <p:par>
+        <p:cTn id="1" dur="indefinite" restart="never" nodeType="tmRoot"/>
+      </p:par>
+    </p:tnLst>
+  </p:timing>
+</p:sld>
+</file>
+
+<file path=ppt/slides/slide12.xml><?xml version="1.0" encoding="utf-8"?>
+<p:sld xmlns:a="http://schemas.openxmlformats.org/drawingml/2006/main" xmlns:r="http://schemas.openxmlformats.org/officeDocument/2006/relationships" xmlns:p="http://schemas.openxmlformats.org/presentationml/2006/main">
+  <p:cSld>
+    <p:spTree>
+      <p:nvGrpSpPr>
+        <p:cNvPr id="1" name=""/>
+        <p:cNvGrpSpPr/>
+        <p:nvPr/>
+      </p:nvGrpSpPr>
+      <p:grpSpPr>
+        <a:xfrm>
+          <a:off x="0" y="0"/>
+          <a:ext cx="0" cy="0"/>
+          <a:chOff x="0" y="0"/>
+          <a:chExt cx="0" cy="0"/>
+        </a:xfrm>
+      </p:grpSpPr>
+      <p:sp>
+        <p:nvSpPr>
+          <p:cNvPr id="14338" name="Title 1"/>
+          <p:cNvSpPr>
+            <a:spLocks noGrp="1"/>
+          </p:cNvSpPr>
+          <p:nvPr>
+            <p:ph type="title"/>
+          </p:nvPr>
+        </p:nvSpPr>
+        <p:spPr bwMode="auto">
+          <a:xfrm>
+            <a:off x="457200" y="857250"/>
+            <a:ext cx="8229600" cy="560388"/>
+          </a:xfrm>
+          <a:noFill/>
+          <a:extLst>
+            <a:ext uri="{909E8E84-426E-40DD-AFC4-6F175D3DCCD1}">
+              <a14:hiddenFill xmlns:a14="http://schemas.microsoft.com/office/drawing/2010/main">
+                <a:solidFill>
+                  <a:srgbClr val="FFFFFF"/>
+                </a:solidFill>
+              </a14:hiddenFill>
+            </a:ext>
+            <a:ext uri="{91240B29-F687-4F45-9708-019B960494DF}">
+              <a14:hiddenLine xmlns:a14="http://schemas.microsoft.com/office/drawing/2010/main" w="9525">
+                <a:solidFill>
+                  <a:srgbClr val="000000"/>
+                </a:solidFill>
+                <a:miter lim="800000"/>
+                <a:headEnd/>
+                <a:tailEnd/>
+              </a14:hiddenLine>
+            </a:ext>
+          </a:extLst>
+        </p:spPr>
+        <p:txBody>
+          <a:bodyPr vert="horz" wrap="square" lIns="91440" tIns="45720" rIns="91440" bIns="45720" numCol="1" anchor="t" anchorCtr="0" compatLnSpc="1">
+            <a:prstTxWarp prst="textNoShape">
+              <a:avLst/>
+            </a:prstTxWarp>
+          </a:bodyPr>
+          <a:lstStyle/>
+          <a:p>
+            <a:pPr lvl="1" eaLnBrk="1" hangingPunct="1"/>
+            <a:r>
+              <a:rPr lang="de-DE" dirty="0"/>
+              <a:t>Lieferanten-Terminal</a:t>
+            </a:r>
+            <a:br>
+              <a:rPr lang="de-DE" dirty="0"/>
+            </a:br>
+            <a:r>
+              <a:rPr lang="de-DE" dirty="0" smtClean="0"/>
+              <a:t/>
+            </a:r>
+            <a:br>
+              <a:rPr lang="de-DE" dirty="0" smtClean="0"/>
+            </a:br>
+            <a:endParaRPr lang="de-DE" dirty="0" smtClean="0"/>
+          </a:p>
+        </p:txBody>
+      </p:sp>
+      <p:sp>
+        <p:nvSpPr>
+          <p:cNvPr id="3075" name="Content Placeholder 2"/>
+          <p:cNvSpPr>
+            <a:spLocks noGrp="1"/>
+          </p:cNvSpPr>
+          <p:nvPr>
+            <p:ph idx="1"/>
+          </p:nvPr>
+        </p:nvSpPr>
+        <p:spPr bwMode="auto">
+          <a:xfrm>
+            <a:off x="457200" y="1844824"/>
+            <a:ext cx="8229600" cy="4281339"/>
+          </a:xfrm>
+          <a:ln>
+            <a:miter lim="800000"/>
+            <a:headEnd/>
+            <a:tailEnd/>
+          </a:ln>
+        </p:spPr>
+        <p:txBody>
+          <a:bodyPr vert="horz" wrap="square" lIns="91440" tIns="45720" rIns="91440" bIns="45720" numCol="1" anchor="t" anchorCtr="0" compatLnSpc="1">
+            <a:prstTxWarp prst="textNoShape">
+              <a:avLst/>
+            </a:prstTxWarp>
+          </a:bodyPr>
+          <a:lstStyle/>
+          <a:p>
+            <a:pPr lvl="1" eaLnBrk="1" hangingPunct="1">
+              <a:buFont typeface="Wingdings" pitchFamily="2" charset="2"/>
+              <a:buChar char="§"/>
+              <a:defRPr/>
+            </a:pPr>
+            <a:r>
+              <a:rPr lang="de-DE" sz="2400" dirty="0" err="1" smtClean="0">
+                <a:solidFill>
+                  <a:schemeClr val="tx1"/>
+                </a:solidFill>
+              </a:rPr>
+              <a:t>asdf</a:t>
+            </a:r>
+            <a:endParaRPr lang="de-DE" sz="2400" dirty="0">
+              <a:solidFill>
+                <a:schemeClr val="tx1"/>
+              </a:solidFill>
+            </a:endParaRPr>
+          </a:p>
+          <a:p>
+            <a:pPr lvl="1" eaLnBrk="1" hangingPunct="1">
+              <a:buFont typeface="Wingdings" pitchFamily="2" charset="2"/>
+              <a:buChar char="§"/>
+              <a:defRPr/>
+            </a:pPr>
+            <a:endParaRPr lang="de-DE" sz="2400" dirty="0" smtClean="0">
+              <a:solidFill>
+                <a:schemeClr val="tx1"/>
+              </a:solidFill>
+            </a:endParaRPr>
+          </a:p>
+          <a:p>
+            <a:pPr lvl="1" eaLnBrk="1" hangingPunct="1">
+              <a:buFont typeface="Wingdings" pitchFamily="2" charset="2"/>
+              <a:buChar char="§"/>
+              <a:defRPr/>
+            </a:pPr>
+            <a:endParaRPr lang="de-DE" sz="2400" dirty="0">
+              <a:solidFill>
+                <a:schemeClr val="tx1"/>
+              </a:solidFill>
+            </a:endParaRPr>
+          </a:p>
+          <a:p>
+            <a:pPr marL="914400" lvl="2" indent="0" eaLnBrk="1" hangingPunct="1">
+              <a:buNone/>
+              <a:defRPr/>
+            </a:pPr>
+            <a:endParaRPr lang="de-DE" sz="1200" dirty="0" smtClean="0">
+              <a:solidFill>
+                <a:schemeClr val="tx1"/>
+              </a:solidFill>
+            </a:endParaRPr>
+          </a:p>
+          <a:p>
+            <a:pPr lvl="1" eaLnBrk="1" hangingPunct="1">
+              <a:buFont typeface="Wingdings" pitchFamily="2" charset="2"/>
+              <a:buChar char="§"/>
+              <a:defRPr/>
+            </a:pPr>
+            <a:endParaRPr lang="de-DE" sz="2400" dirty="0" smtClean="0">
+              <a:solidFill>
+                <a:schemeClr val="tx1"/>
+              </a:solidFill>
+            </a:endParaRPr>
+          </a:p>
+          <a:p>
+            <a:pPr lvl="2" eaLnBrk="1" hangingPunct="1">
+              <a:buFont typeface="Wingdings" pitchFamily="2" charset="2"/>
+              <a:buChar char="§"/>
+              <a:defRPr/>
+            </a:pPr>
+            <a:endParaRPr lang="de-DE" sz="2000" dirty="0" smtClean="0">
+              <a:solidFill>
+                <a:schemeClr val="tx1"/>
+              </a:solidFill>
+            </a:endParaRPr>
+          </a:p>
+          <a:p>
+            <a:pPr marL="457200" lvl="1" indent="0" eaLnBrk="1" hangingPunct="1">
+              <a:buNone/>
+              <a:defRPr/>
+            </a:pPr>
+            <a:r>
+              <a:rPr lang="de-DE" sz="2400" dirty="0" smtClean="0">
+                <a:solidFill>
+                  <a:srgbClr val="333333"/>
+                </a:solidFill>
+              </a:rPr>
+              <a:t/>
+            </a:r>
+            <a:br>
+              <a:rPr lang="de-DE" sz="2400" dirty="0" smtClean="0">
+                <a:solidFill>
+                  <a:srgbClr val="333333"/>
+                </a:solidFill>
+              </a:rPr>
+            </a:br>
+            <a:endParaRPr lang="de-DE" sz="2400" dirty="0" smtClean="0">
+              <a:solidFill>
+                <a:srgbClr val="333333"/>
+              </a:solidFill>
+            </a:endParaRPr>
+          </a:p>
+          <a:p>
+            <a:pPr marL="457200" lvl="1" indent="0" eaLnBrk="1" hangingPunct="1">
+              <a:buNone/>
+              <a:defRPr/>
+            </a:pPr>
+            <a:endParaRPr lang="de-DE" sz="1800" dirty="0" smtClean="0">
+              <a:solidFill>
+                <a:schemeClr val="tx1"/>
+              </a:solidFill>
+            </a:endParaRPr>
+          </a:p>
+          <a:p>
+            <a:pPr lvl="1" eaLnBrk="1" hangingPunct="1">
+              <a:buFont typeface="Wingdings" pitchFamily="2" charset="2"/>
+              <a:buChar char="§"/>
+              <a:defRPr/>
+            </a:pPr>
+            <a:endParaRPr lang="de-DE" sz="1800" dirty="0" smtClean="0">
+              <a:solidFill>
+                <a:schemeClr val="tx1"/>
+              </a:solidFill>
+            </a:endParaRPr>
+          </a:p>
+          <a:p>
+            <a:pPr marL="457200" lvl="1" indent="0" eaLnBrk="1" hangingPunct="1">
+              <a:buNone/>
+              <a:defRPr/>
+            </a:pPr>
+            <a:endParaRPr lang="de-DE" sz="1800" dirty="0" smtClean="0">
+              <a:solidFill>
+                <a:schemeClr val="tx1"/>
+              </a:solidFill>
+            </a:endParaRPr>
+          </a:p>
+          <a:p>
+            <a:pPr lvl="1" eaLnBrk="1" hangingPunct="1">
+              <a:buFont typeface="Wingdings" pitchFamily="2" charset="2"/>
+              <a:buChar char="§"/>
+              <a:defRPr/>
+            </a:pPr>
+            <a:endParaRPr lang="de-DE" sz="1800" dirty="0" smtClean="0"/>
+          </a:p>
+          <a:p>
+            <a:pPr lvl="3" eaLnBrk="1" hangingPunct="1">
+              <a:buFont typeface="Arial" pitchFamily="34" charset="0"/>
+              <a:buChar char="•"/>
+              <a:defRPr/>
+            </a:pPr>
+            <a:endParaRPr lang="de-DE" dirty="0" smtClean="0"/>
+          </a:p>
+          <a:p>
+            <a:pPr lvl="2" eaLnBrk="1" hangingPunct="1">
+              <a:buFont typeface="Arial" pitchFamily="34" charset="0"/>
+              <a:buChar char="•"/>
+              <a:defRPr/>
+            </a:pPr>
+            <a:endParaRPr lang="de-DE" sz="1800" dirty="0" smtClean="0"/>
+          </a:p>
+        </p:txBody>
+      </p:sp>
+      <p:cxnSp>
+        <p:nvCxnSpPr>
+          <p:cNvPr id="5" name="Straight Connector 4"/>
+          <p:cNvCxnSpPr/>
+          <p:nvPr/>
+        </p:nvCxnSpPr>
+        <p:spPr>
+          <a:xfrm>
+            <a:off x="428625" y="1285875"/>
+            <a:ext cx="6929438" cy="1588"/>
+          </a:xfrm>
+          <a:prstGeom prst="line">
+            <a:avLst/>
+          </a:prstGeom>
+          <a:ln w="50800">
+            <a:solidFill>
+              <a:schemeClr val="tx2">
+                <a:lumMod val="40000"/>
+                <a:lumOff val="60000"/>
+              </a:schemeClr>
+            </a:solidFill>
+          </a:ln>
+        </p:spPr>
+        <p:style>
+          <a:lnRef idx="1">
+            <a:schemeClr val="accent1"/>
+          </a:lnRef>
+          <a:fillRef idx="0">
+            <a:schemeClr val="accent1"/>
+          </a:fillRef>
+          <a:effectRef idx="0">
+            <a:schemeClr val="accent1"/>
+          </a:effectRef>
+          <a:fontRef idx="minor">
+            <a:schemeClr val="tx1"/>
+          </a:fontRef>
+        </p:style>
+      </p:cxnSp>
+    </p:spTree>
+    <p:extLst>
+      <p:ext uri="{BB962C8B-B14F-4D97-AF65-F5344CB8AC3E}">
+        <p14:creationId xmlns:p14="http://schemas.microsoft.com/office/powerpoint/2010/main" val="777200806"/>
+      </p:ext>
+    </p:extLst>
+  </p:cSld>
+  <p:clrMapOvr>
+    <a:masterClrMapping/>
+  </p:clrMapOvr>
+  <mc:AlternateContent xmlns:mc="http://schemas.openxmlformats.org/markup-compatibility/2006">
+    <mc:Choice xmlns:p14="http://schemas.microsoft.com/office/powerpoint/2010/main" Requires="p14">
+      <p:transition spd="med">
+        <p14:prism isContent="1"/>
+      </p:transition>
+    </mc:Choice>
+    <mc:Fallback>
+      <p:transition spd="med">
+        <p:fade/>
+      </p:transition>
+    </mc:Fallback>
+  </mc:AlternateContent>
+  <p:timing>
+    <p:tnLst>
+      <p:par>
+        <p:cTn id="1" dur="indefinite" restart="never" nodeType="tmRoot"/>
+      </p:par>
+    </p:tnLst>
+  </p:timing>
+</p:sld>
+</file>
+
+<file path=ppt/slides/slide13.xml><?xml version="1.0" encoding="utf-8"?>
+<p:sld xmlns:a="http://schemas.openxmlformats.org/drawingml/2006/main" xmlns:r="http://schemas.openxmlformats.org/officeDocument/2006/relationships" xmlns:p="http://schemas.openxmlformats.org/presentationml/2006/main">
+  <p:cSld>
+    <p:spTree>
+      <p:nvGrpSpPr>
+        <p:cNvPr id="1" name=""/>
+        <p:cNvGrpSpPr/>
+        <p:nvPr/>
+      </p:nvGrpSpPr>
+      <p:grpSpPr>
+        <a:xfrm>
+          <a:off x="0" y="0"/>
+          <a:ext cx="0" cy="0"/>
+          <a:chOff x="0" y="0"/>
+          <a:chExt cx="0" cy="0"/>
+        </a:xfrm>
+      </p:grpSpPr>
+      <p:sp>
+        <p:nvSpPr>
+          <p:cNvPr id="14338" name="Title 1"/>
+          <p:cNvSpPr>
+            <a:spLocks noGrp="1"/>
+          </p:cNvSpPr>
+          <p:nvPr>
+            <p:ph type="title"/>
+          </p:nvPr>
+        </p:nvSpPr>
+        <p:spPr bwMode="auto">
+          <a:xfrm>
+            <a:off x="457200" y="857250"/>
+            <a:ext cx="8229600" cy="560388"/>
+          </a:xfrm>
+          <a:noFill/>
+          <a:extLst>
+            <a:ext uri="{909E8E84-426E-40DD-AFC4-6F175D3DCCD1}">
+              <a14:hiddenFill xmlns:a14="http://schemas.microsoft.com/office/drawing/2010/main">
+                <a:solidFill>
+                  <a:srgbClr val="FFFFFF"/>
+                </a:solidFill>
+              </a14:hiddenFill>
+            </a:ext>
+            <a:ext uri="{91240B29-F687-4F45-9708-019B960494DF}">
+              <a14:hiddenLine xmlns:a14="http://schemas.microsoft.com/office/drawing/2010/main" w="9525">
+                <a:solidFill>
+                  <a:srgbClr val="000000"/>
+                </a:solidFill>
+                <a:miter lim="800000"/>
+                <a:headEnd/>
+                <a:tailEnd/>
+              </a14:hiddenLine>
+            </a:ext>
+          </a:extLst>
+        </p:spPr>
+        <p:txBody>
+          <a:bodyPr vert="horz" wrap="square" lIns="91440" tIns="45720" rIns="91440" bIns="45720" numCol="1" anchor="t" anchorCtr="0" compatLnSpc="1">
+            <a:prstTxWarp prst="textNoShape">
+              <a:avLst/>
+            </a:prstTxWarp>
+          </a:bodyPr>
+          <a:lstStyle/>
+          <a:p>
+            <a:pPr lvl="1" eaLnBrk="1" hangingPunct="1"/>
+            <a:r>
+              <a:rPr lang="de-DE" dirty="0"/>
+              <a:t>Lieferanten-Terminal</a:t>
+            </a:r>
+            <a:br>
+              <a:rPr lang="de-DE" dirty="0"/>
+            </a:br>
+            <a:r>
+              <a:rPr lang="de-DE" dirty="0" smtClean="0"/>
+              <a:t/>
+            </a:r>
+            <a:br>
+              <a:rPr lang="de-DE" dirty="0" smtClean="0"/>
+            </a:br>
+            <a:endParaRPr lang="de-DE" dirty="0" smtClean="0"/>
+          </a:p>
+        </p:txBody>
+      </p:sp>
+      <p:sp>
+        <p:nvSpPr>
+          <p:cNvPr id="3075" name="Content Placeholder 2"/>
+          <p:cNvSpPr>
+            <a:spLocks noGrp="1"/>
+          </p:cNvSpPr>
+          <p:nvPr>
+            <p:ph idx="1"/>
+          </p:nvPr>
+        </p:nvSpPr>
+        <p:spPr bwMode="auto">
+          <a:xfrm>
+            <a:off x="457200" y="1844824"/>
+            <a:ext cx="8229600" cy="4281339"/>
+          </a:xfrm>
+          <a:ln>
+            <a:miter lim="800000"/>
+            <a:headEnd/>
+            <a:tailEnd/>
+          </a:ln>
+        </p:spPr>
+        <p:txBody>
+          <a:bodyPr vert="horz" wrap="square" lIns="91440" tIns="45720" rIns="91440" bIns="45720" numCol="1" anchor="t" anchorCtr="0" compatLnSpc="1">
+            <a:prstTxWarp prst="textNoShape">
+              <a:avLst/>
+            </a:prstTxWarp>
+          </a:bodyPr>
+          <a:lstStyle/>
+          <a:p>
+            <a:pPr lvl="1" eaLnBrk="1" hangingPunct="1">
+              <a:buFont typeface="Wingdings" pitchFamily="2" charset="2"/>
+              <a:buChar char="§"/>
+              <a:defRPr/>
+            </a:pPr>
+            <a:r>
+              <a:rPr lang="de-DE" sz="2400" dirty="0" err="1" smtClean="0">
+                <a:solidFill>
+                  <a:schemeClr val="tx1"/>
+                </a:solidFill>
+              </a:rPr>
+              <a:t>asdf</a:t>
+            </a:r>
+            <a:endParaRPr lang="de-DE" sz="2400" dirty="0">
+              <a:solidFill>
+                <a:schemeClr val="tx1"/>
+              </a:solidFill>
+            </a:endParaRPr>
+          </a:p>
+          <a:p>
+            <a:pPr lvl="1" eaLnBrk="1" hangingPunct="1">
+              <a:buFont typeface="Wingdings" pitchFamily="2" charset="2"/>
+              <a:buChar char="§"/>
+              <a:defRPr/>
+            </a:pPr>
+            <a:endParaRPr lang="de-DE" sz="2400" dirty="0" smtClean="0">
+              <a:solidFill>
+                <a:schemeClr val="tx1"/>
+              </a:solidFill>
+            </a:endParaRPr>
+          </a:p>
+          <a:p>
+            <a:pPr lvl="1" eaLnBrk="1" hangingPunct="1">
+              <a:buFont typeface="Wingdings" pitchFamily="2" charset="2"/>
+              <a:buChar char="§"/>
+              <a:defRPr/>
+            </a:pPr>
+            <a:endParaRPr lang="de-DE" sz="2400" dirty="0">
+              <a:solidFill>
+                <a:schemeClr val="tx1"/>
+              </a:solidFill>
+            </a:endParaRPr>
+          </a:p>
+          <a:p>
+            <a:pPr marL="914400" lvl="2" indent="0" eaLnBrk="1" hangingPunct="1">
+              <a:buNone/>
+              <a:defRPr/>
+            </a:pPr>
+            <a:endParaRPr lang="de-DE" sz="1200" dirty="0" smtClean="0">
+              <a:solidFill>
+                <a:schemeClr val="tx1"/>
+              </a:solidFill>
+            </a:endParaRPr>
+          </a:p>
+          <a:p>
+            <a:pPr lvl="1" eaLnBrk="1" hangingPunct="1">
+              <a:buFont typeface="Wingdings" pitchFamily="2" charset="2"/>
+              <a:buChar char="§"/>
+              <a:defRPr/>
+            </a:pPr>
+            <a:endParaRPr lang="de-DE" sz="2400" dirty="0" smtClean="0">
+              <a:solidFill>
+                <a:schemeClr val="tx1"/>
+              </a:solidFill>
+            </a:endParaRPr>
+          </a:p>
+          <a:p>
+            <a:pPr lvl="2" eaLnBrk="1" hangingPunct="1">
+              <a:buFont typeface="Wingdings" pitchFamily="2" charset="2"/>
+              <a:buChar char="§"/>
+              <a:defRPr/>
+            </a:pPr>
+            <a:endParaRPr lang="de-DE" sz="2000" dirty="0" smtClean="0">
+              <a:solidFill>
+                <a:schemeClr val="tx1"/>
+              </a:solidFill>
+            </a:endParaRPr>
+          </a:p>
+          <a:p>
+            <a:pPr marL="457200" lvl="1" indent="0" eaLnBrk="1" hangingPunct="1">
+              <a:buNone/>
+              <a:defRPr/>
+            </a:pPr>
+            <a:r>
+              <a:rPr lang="de-DE" sz="2400" dirty="0" smtClean="0">
+                <a:solidFill>
+                  <a:srgbClr val="333333"/>
+                </a:solidFill>
+              </a:rPr>
+              <a:t/>
+            </a:r>
+            <a:br>
+              <a:rPr lang="de-DE" sz="2400" dirty="0" smtClean="0">
+                <a:solidFill>
+                  <a:srgbClr val="333333"/>
+                </a:solidFill>
+              </a:rPr>
+            </a:br>
+            <a:endParaRPr lang="de-DE" sz="2400" dirty="0" smtClean="0">
+              <a:solidFill>
+                <a:srgbClr val="333333"/>
+              </a:solidFill>
+            </a:endParaRPr>
+          </a:p>
+          <a:p>
+            <a:pPr marL="457200" lvl="1" indent="0" eaLnBrk="1" hangingPunct="1">
+              <a:buNone/>
+              <a:defRPr/>
+            </a:pPr>
+            <a:endParaRPr lang="de-DE" sz="1800" dirty="0" smtClean="0">
+              <a:solidFill>
+                <a:schemeClr val="tx1"/>
+              </a:solidFill>
+            </a:endParaRPr>
+          </a:p>
+          <a:p>
+            <a:pPr lvl="1" eaLnBrk="1" hangingPunct="1">
+              <a:buFont typeface="Wingdings" pitchFamily="2" charset="2"/>
+              <a:buChar char="§"/>
+              <a:defRPr/>
+            </a:pPr>
+            <a:endParaRPr lang="de-DE" sz="1800" dirty="0" smtClean="0">
+              <a:solidFill>
+                <a:schemeClr val="tx1"/>
+              </a:solidFill>
+            </a:endParaRPr>
+          </a:p>
+          <a:p>
+            <a:pPr marL="457200" lvl="1" indent="0" eaLnBrk="1" hangingPunct="1">
+              <a:buNone/>
+              <a:defRPr/>
+            </a:pPr>
+            <a:endParaRPr lang="de-DE" sz="1800" dirty="0" smtClean="0">
+              <a:solidFill>
+                <a:schemeClr val="tx1"/>
+              </a:solidFill>
+            </a:endParaRPr>
+          </a:p>
+          <a:p>
+            <a:pPr lvl="1" eaLnBrk="1" hangingPunct="1">
+              <a:buFont typeface="Wingdings" pitchFamily="2" charset="2"/>
+              <a:buChar char="§"/>
+              <a:defRPr/>
+            </a:pPr>
+            <a:endParaRPr lang="de-DE" sz="1800" dirty="0" smtClean="0"/>
+          </a:p>
+          <a:p>
+            <a:pPr lvl="3" eaLnBrk="1" hangingPunct="1">
+              <a:buFont typeface="Arial" pitchFamily="34" charset="0"/>
+              <a:buChar char="•"/>
+              <a:defRPr/>
+            </a:pPr>
+            <a:endParaRPr lang="de-DE" dirty="0" smtClean="0"/>
+          </a:p>
+          <a:p>
+            <a:pPr lvl="2" eaLnBrk="1" hangingPunct="1">
+              <a:buFont typeface="Arial" pitchFamily="34" charset="0"/>
+              <a:buChar char="•"/>
+              <a:defRPr/>
+            </a:pPr>
+            <a:endParaRPr lang="de-DE" sz="1800" dirty="0" smtClean="0"/>
+          </a:p>
+        </p:txBody>
+      </p:sp>
+      <p:cxnSp>
+        <p:nvCxnSpPr>
+          <p:cNvPr id="5" name="Straight Connector 4"/>
+          <p:cNvCxnSpPr/>
+          <p:nvPr/>
+        </p:nvCxnSpPr>
+        <p:spPr>
+          <a:xfrm>
+            <a:off x="428625" y="1285875"/>
+            <a:ext cx="6929438" cy="1588"/>
+          </a:xfrm>
+          <a:prstGeom prst="line">
+            <a:avLst/>
+          </a:prstGeom>
+          <a:ln w="50800">
+            <a:solidFill>
+              <a:schemeClr val="tx2">
+                <a:lumMod val="40000"/>
+                <a:lumOff val="60000"/>
+              </a:schemeClr>
+            </a:solidFill>
+          </a:ln>
+        </p:spPr>
+        <p:style>
+          <a:lnRef idx="1">
+            <a:schemeClr val="accent1"/>
+          </a:lnRef>
+          <a:fillRef idx="0">
+            <a:schemeClr val="accent1"/>
+          </a:fillRef>
+          <a:effectRef idx="0">
+            <a:schemeClr val="accent1"/>
+          </a:effectRef>
+          <a:fontRef idx="minor">
+            <a:schemeClr val="tx1"/>
+          </a:fontRef>
+        </p:style>
+      </p:cxnSp>
+    </p:spTree>
+    <p:extLst>
+      <p:ext uri="{BB962C8B-B14F-4D97-AF65-F5344CB8AC3E}">
+        <p14:creationId xmlns:p14="http://schemas.microsoft.com/office/powerpoint/2010/main" val="4125706124"/>
+      </p:ext>
+    </p:extLst>
+  </p:cSld>
+  <p:clrMapOvr>
+    <a:masterClrMapping/>
+  </p:clrMapOvr>
+  <mc:AlternateContent xmlns:mc="http://schemas.openxmlformats.org/markup-compatibility/2006">
+    <mc:Choice xmlns:p14="http://schemas.microsoft.com/office/powerpoint/2010/main" Requires="p14">
+      <p:transition spd="med">
+        <p14:prism isContent="1"/>
+      </p:transition>
+    </mc:Choice>
+    <mc:Fallback>
+      <p:transition spd="med">
+        <p:fade/>
+      </p:transition>
+    </mc:Fallback>
+  </mc:AlternateContent>
+  <p:timing>
+    <p:tnLst>
+      <p:par>
+        <p:cTn id="1" dur="indefinite" restart="never" nodeType="tmRoot"/>
+      </p:par>
+    </p:tnLst>
+  </p:timing>
+</p:sld>
+</file>
+
+<file path=ppt/slides/slide14.xml><?xml version="1.0" encoding="utf-8"?>
+<p:sld xmlns:a="http://schemas.openxmlformats.org/drawingml/2006/main" xmlns:r="http://schemas.openxmlformats.org/officeDocument/2006/relationships" xmlns:p="http://schemas.openxmlformats.org/presentationml/2006/main">
+  <p:cSld>
+    <p:spTree>
+      <p:nvGrpSpPr>
+        <p:cNvPr id="1" name=""/>
+        <p:cNvGrpSpPr/>
+        <p:nvPr/>
+      </p:nvGrpSpPr>
+      <p:grpSpPr>
+        <a:xfrm>
+          <a:off x="0" y="0"/>
+          <a:ext cx="0" cy="0"/>
+          <a:chOff x="0" y="0"/>
+          <a:chExt cx="0" cy="0"/>
+        </a:xfrm>
+      </p:grpSpPr>
+      <p:sp>
+        <p:nvSpPr>
+          <p:cNvPr id="14338" name="Title 1"/>
+          <p:cNvSpPr>
+            <a:spLocks noGrp="1"/>
+          </p:cNvSpPr>
+          <p:nvPr>
+            <p:ph type="title"/>
+          </p:nvPr>
+        </p:nvSpPr>
+        <p:spPr bwMode="auto">
+          <a:xfrm>
+            <a:off x="457200" y="857250"/>
+            <a:ext cx="8229600" cy="560388"/>
+          </a:xfrm>
+          <a:noFill/>
+          <a:extLst>
+            <a:ext uri="{909E8E84-426E-40DD-AFC4-6F175D3DCCD1}">
+              <a14:hiddenFill xmlns:a14="http://schemas.microsoft.com/office/drawing/2010/main">
+                <a:solidFill>
+                  <a:srgbClr val="FFFFFF"/>
+                </a:solidFill>
+              </a14:hiddenFill>
+            </a:ext>
+            <a:ext uri="{91240B29-F687-4F45-9708-019B960494DF}">
+              <a14:hiddenLine xmlns:a14="http://schemas.microsoft.com/office/drawing/2010/main" w="9525">
+                <a:solidFill>
+                  <a:srgbClr val="000000"/>
+                </a:solidFill>
+                <a:miter lim="800000"/>
+                <a:headEnd/>
+                <a:tailEnd/>
+              </a14:hiddenLine>
+            </a:ext>
+          </a:extLst>
+        </p:spPr>
+        <p:txBody>
+          <a:bodyPr vert="horz" wrap="square" lIns="91440" tIns="45720" rIns="91440" bIns="45720" numCol="1" anchor="t" anchorCtr="0" compatLnSpc="1">
+            <a:prstTxWarp prst="textNoShape">
+              <a:avLst/>
+            </a:prstTxWarp>
+          </a:bodyPr>
+          <a:lstStyle/>
+          <a:p>
+            <a:pPr lvl="1" eaLnBrk="1" hangingPunct="1"/>
+            <a:r>
+              <a:rPr lang="de-DE" dirty="0" smtClean="0"/>
+              <a:t>Administrations-Oberfläche</a:t>
+            </a:r>
+            <a:r>
+              <a:rPr lang="de-DE" dirty="0"/>
+              <a:t/>
+            </a:r>
+            <a:br>
+              <a:rPr lang="de-DE" dirty="0"/>
+            </a:br>
+            <a:r>
+              <a:rPr lang="de-DE" dirty="0" smtClean="0"/>
+              <a:t/>
+            </a:r>
+            <a:br>
+              <a:rPr lang="de-DE" dirty="0" smtClean="0"/>
+            </a:br>
+            <a:endParaRPr lang="de-DE" dirty="0" smtClean="0"/>
+          </a:p>
+        </p:txBody>
+      </p:sp>
+      <p:sp>
+        <p:nvSpPr>
+          <p:cNvPr id="3075" name="Content Placeholder 2"/>
+          <p:cNvSpPr>
+            <a:spLocks noGrp="1"/>
+          </p:cNvSpPr>
+          <p:nvPr>
+            <p:ph idx="1"/>
+          </p:nvPr>
+        </p:nvSpPr>
+        <p:spPr bwMode="auto">
+          <a:xfrm>
+            <a:off x="457200" y="1844824"/>
+            <a:ext cx="8229600" cy="4281339"/>
+          </a:xfrm>
+          <a:ln>
+            <a:miter lim="800000"/>
+            <a:headEnd/>
+            <a:tailEnd/>
+          </a:ln>
+        </p:spPr>
+        <p:txBody>
+          <a:bodyPr vert="horz" wrap="square" lIns="91440" tIns="45720" rIns="91440" bIns="45720" numCol="1" anchor="t" anchorCtr="0" compatLnSpc="1">
+            <a:prstTxWarp prst="textNoShape">
+              <a:avLst/>
+            </a:prstTxWarp>
+          </a:bodyPr>
+          <a:lstStyle/>
+          <a:p>
+            <a:pPr lvl="1" eaLnBrk="1" hangingPunct="1">
+              <a:buFont typeface="Wingdings" pitchFamily="2" charset="2"/>
+              <a:buChar char="§"/>
+              <a:defRPr/>
+            </a:pPr>
+            <a:r>
+              <a:rPr lang="de-DE" sz="2400" dirty="0" err="1" smtClean="0">
+                <a:solidFill>
+                  <a:schemeClr val="tx1"/>
+                </a:solidFill>
+              </a:rPr>
+              <a:t>asdf</a:t>
+            </a:r>
+            <a:endParaRPr lang="de-DE" sz="2400" dirty="0">
+              <a:solidFill>
+                <a:schemeClr val="tx1"/>
+              </a:solidFill>
+            </a:endParaRPr>
+          </a:p>
+          <a:p>
+            <a:pPr lvl="1" eaLnBrk="1" hangingPunct="1">
+              <a:buFont typeface="Wingdings" pitchFamily="2" charset="2"/>
+              <a:buChar char="§"/>
+              <a:defRPr/>
+            </a:pPr>
+            <a:endParaRPr lang="de-DE" sz="2400" dirty="0" smtClean="0">
+              <a:solidFill>
+                <a:schemeClr val="tx1"/>
+              </a:solidFill>
+            </a:endParaRPr>
+          </a:p>
+          <a:p>
+            <a:pPr lvl="1" eaLnBrk="1" hangingPunct="1">
+              <a:buFont typeface="Wingdings" pitchFamily="2" charset="2"/>
+              <a:buChar char="§"/>
+              <a:defRPr/>
+            </a:pPr>
+            <a:endParaRPr lang="de-DE" sz="2400" dirty="0">
+              <a:solidFill>
+                <a:schemeClr val="tx1"/>
+              </a:solidFill>
+            </a:endParaRPr>
+          </a:p>
+          <a:p>
+            <a:pPr marL="914400" lvl="2" indent="0" eaLnBrk="1" hangingPunct="1">
+              <a:buNone/>
+              <a:defRPr/>
+            </a:pPr>
+            <a:endParaRPr lang="de-DE" sz="1200" dirty="0" smtClean="0">
+              <a:solidFill>
+                <a:schemeClr val="tx1"/>
+              </a:solidFill>
+            </a:endParaRPr>
+          </a:p>
+          <a:p>
+            <a:pPr lvl="1" eaLnBrk="1" hangingPunct="1">
+              <a:buFont typeface="Wingdings" pitchFamily="2" charset="2"/>
+              <a:buChar char="§"/>
+              <a:defRPr/>
+            </a:pPr>
+            <a:endParaRPr lang="de-DE" sz="2400" dirty="0" smtClean="0">
+              <a:solidFill>
+                <a:schemeClr val="tx1"/>
+              </a:solidFill>
+            </a:endParaRPr>
+          </a:p>
+          <a:p>
+            <a:pPr lvl="2" eaLnBrk="1" hangingPunct="1">
+              <a:buFont typeface="Wingdings" pitchFamily="2" charset="2"/>
+              <a:buChar char="§"/>
+              <a:defRPr/>
+            </a:pPr>
+            <a:endParaRPr lang="de-DE" sz="2000" dirty="0" smtClean="0">
+              <a:solidFill>
+                <a:schemeClr val="tx1"/>
+              </a:solidFill>
+            </a:endParaRPr>
+          </a:p>
+          <a:p>
+            <a:pPr marL="457200" lvl="1" indent="0" eaLnBrk="1" hangingPunct="1">
+              <a:buNone/>
+              <a:defRPr/>
+            </a:pPr>
+            <a:r>
+              <a:rPr lang="de-DE" sz="2400" dirty="0" smtClean="0">
+                <a:solidFill>
+                  <a:srgbClr val="333333"/>
+                </a:solidFill>
+              </a:rPr>
+              <a:t/>
+            </a:r>
+            <a:br>
+              <a:rPr lang="de-DE" sz="2400" dirty="0" smtClean="0">
+                <a:solidFill>
+                  <a:srgbClr val="333333"/>
+                </a:solidFill>
+              </a:rPr>
+            </a:br>
+            <a:endParaRPr lang="de-DE" sz="2400" dirty="0" smtClean="0">
+              <a:solidFill>
+                <a:srgbClr val="333333"/>
+              </a:solidFill>
+            </a:endParaRPr>
+          </a:p>
+          <a:p>
+            <a:pPr marL="457200" lvl="1" indent="0" eaLnBrk="1" hangingPunct="1">
+              <a:buNone/>
+              <a:defRPr/>
+            </a:pPr>
+            <a:endParaRPr lang="de-DE" sz="1800" dirty="0" smtClean="0">
+              <a:solidFill>
+                <a:schemeClr val="tx1"/>
+              </a:solidFill>
+            </a:endParaRPr>
+          </a:p>
+          <a:p>
+            <a:pPr lvl="1" eaLnBrk="1" hangingPunct="1">
+              <a:buFont typeface="Wingdings" pitchFamily="2" charset="2"/>
+              <a:buChar char="§"/>
+              <a:defRPr/>
+            </a:pPr>
+            <a:endParaRPr lang="de-DE" sz="1800" dirty="0" smtClean="0">
+              <a:solidFill>
+                <a:schemeClr val="tx1"/>
+              </a:solidFill>
+            </a:endParaRPr>
+          </a:p>
+          <a:p>
+            <a:pPr marL="457200" lvl="1" indent="0" eaLnBrk="1" hangingPunct="1">
+              <a:buNone/>
+              <a:defRPr/>
+            </a:pPr>
+            <a:endParaRPr lang="de-DE" sz="1800" dirty="0" smtClean="0">
+              <a:solidFill>
+                <a:schemeClr val="tx1"/>
+              </a:solidFill>
+            </a:endParaRPr>
+          </a:p>
+          <a:p>
+            <a:pPr lvl="1" eaLnBrk="1" hangingPunct="1">
+              <a:buFont typeface="Wingdings" pitchFamily="2" charset="2"/>
+              <a:buChar char="§"/>
+              <a:defRPr/>
+            </a:pPr>
+            <a:endParaRPr lang="de-DE" sz="1800" dirty="0" smtClean="0"/>
+          </a:p>
+          <a:p>
+            <a:pPr lvl="3" eaLnBrk="1" hangingPunct="1">
+              <a:buFont typeface="Arial" pitchFamily="34" charset="0"/>
+              <a:buChar char="•"/>
+              <a:defRPr/>
+            </a:pPr>
+            <a:endParaRPr lang="de-DE" dirty="0" smtClean="0"/>
+          </a:p>
+          <a:p>
+            <a:pPr lvl="2" eaLnBrk="1" hangingPunct="1">
+              <a:buFont typeface="Arial" pitchFamily="34" charset="0"/>
+              <a:buChar char="•"/>
+              <a:defRPr/>
+            </a:pPr>
+            <a:endParaRPr lang="de-DE" sz="1800" dirty="0" smtClean="0"/>
+          </a:p>
+        </p:txBody>
+      </p:sp>
+      <p:cxnSp>
+        <p:nvCxnSpPr>
+          <p:cNvPr id="5" name="Straight Connector 4"/>
+          <p:cNvCxnSpPr/>
+          <p:nvPr/>
+        </p:nvCxnSpPr>
+        <p:spPr>
+          <a:xfrm>
+            <a:off x="428625" y="1285875"/>
+            <a:ext cx="6929438" cy="1588"/>
+          </a:xfrm>
+          <a:prstGeom prst="line">
+            <a:avLst/>
+          </a:prstGeom>
+          <a:ln w="50800">
+            <a:solidFill>
+              <a:schemeClr val="tx2">
+                <a:lumMod val="40000"/>
+                <a:lumOff val="60000"/>
+              </a:schemeClr>
+            </a:solidFill>
+          </a:ln>
+        </p:spPr>
+        <p:style>
+          <a:lnRef idx="1">
+            <a:schemeClr val="accent1"/>
+          </a:lnRef>
+          <a:fillRef idx="0">
+            <a:schemeClr val="accent1"/>
+          </a:fillRef>
+          <a:effectRef idx="0">
+            <a:schemeClr val="accent1"/>
+          </a:effectRef>
+          <a:fontRef idx="minor">
+            <a:schemeClr val="tx1"/>
+          </a:fontRef>
+        </p:style>
+      </p:cxnSp>
+    </p:spTree>
+    <p:extLst>
+      <p:ext uri="{BB962C8B-B14F-4D97-AF65-F5344CB8AC3E}">
+        <p14:creationId xmlns:p14="http://schemas.microsoft.com/office/powerpoint/2010/main" val="2630743819"/>
+      </p:ext>
+    </p:extLst>
+  </p:cSld>
+  <p:clrMapOvr>
+    <a:masterClrMapping/>
+  </p:clrMapOvr>
+  <mc:AlternateContent xmlns:mc="http://schemas.openxmlformats.org/markup-compatibility/2006">
+    <mc:Choice xmlns:p14="http://schemas.microsoft.com/office/powerpoint/2010/main" Requires="p14">
+      <p:transition spd="med">
+        <p14:prism isContent="1"/>
+      </p:transition>
+    </mc:Choice>
+    <mc:Fallback>
+      <p:transition spd="med">
+        <p:fade/>
+      </p:transition>
+    </mc:Fallback>
+  </mc:AlternateContent>
+  <p:timing>
+    <p:tnLst>
+      <p:par>
+        <p:cTn id="1" dur="indefinite" restart="never" nodeType="tmRoot"/>
+      </p:par>
+    </p:tnLst>
+  </p:timing>
+</p:sld>
+</file>
+
+<file path=ppt/slides/slide15.xml><?xml version="1.0" encoding="utf-8"?>
+<p:sld xmlns:a="http://schemas.openxmlformats.org/drawingml/2006/main" xmlns:r="http://schemas.openxmlformats.org/officeDocument/2006/relationships" xmlns:p="http://schemas.openxmlformats.org/presentationml/2006/main">
+  <p:cSld>
+    <p:spTree>
+      <p:nvGrpSpPr>
+        <p:cNvPr id="1" name=""/>
+        <p:cNvGrpSpPr/>
+        <p:nvPr/>
+      </p:nvGrpSpPr>
+      <p:grpSpPr>
+        <a:xfrm>
+          <a:off x="0" y="0"/>
+          <a:ext cx="0" cy="0"/>
+          <a:chOff x="0" y="0"/>
+          <a:chExt cx="0" cy="0"/>
+        </a:xfrm>
+      </p:grpSpPr>
+      <p:sp>
+        <p:nvSpPr>
+          <p:cNvPr id="14338" name="Title 1"/>
+          <p:cNvSpPr>
+            <a:spLocks noGrp="1"/>
+          </p:cNvSpPr>
+          <p:nvPr>
+            <p:ph type="title"/>
+          </p:nvPr>
+        </p:nvSpPr>
+        <p:spPr bwMode="auto">
+          <a:xfrm>
+            <a:off x="457200" y="857250"/>
+            <a:ext cx="8229600" cy="560388"/>
+          </a:xfrm>
+          <a:noFill/>
+          <a:extLst>
+            <a:ext uri="{909E8E84-426E-40DD-AFC4-6F175D3DCCD1}">
+              <a14:hiddenFill xmlns:a14="http://schemas.microsoft.com/office/drawing/2010/main">
+                <a:solidFill>
+                  <a:srgbClr val="FFFFFF"/>
+                </a:solidFill>
+              </a14:hiddenFill>
+            </a:ext>
+            <a:ext uri="{91240B29-F687-4F45-9708-019B960494DF}">
+              <a14:hiddenLine xmlns:a14="http://schemas.microsoft.com/office/drawing/2010/main" w="9525">
+                <a:solidFill>
+                  <a:srgbClr val="000000"/>
+                </a:solidFill>
+                <a:miter lim="800000"/>
+                <a:headEnd/>
+                <a:tailEnd/>
+              </a14:hiddenLine>
+            </a:ext>
+          </a:extLst>
+        </p:spPr>
+        <p:txBody>
+          <a:bodyPr vert="horz" wrap="square" lIns="91440" tIns="45720" rIns="91440" bIns="45720" numCol="1" anchor="t" anchorCtr="0" compatLnSpc="1">
+            <a:prstTxWarp prst="textNoShape">
+              <a:avLst/>
+            </a:prstTxWarp>
+          </a:bodyPr>
+          <a:lstStyle/>
+          <a:p>
+            <a:pPr lvl="1" eaLnBrk="1" hangingPunct="1"/>
+            <a:r>
+              <a:rPr lang="de-DE" dirty="0" smtClean="0"/>
+              <a:t>Administrations-Oberfläche</a:t>
+            </a:r>
+            <a:r>
+              <a:rPr lang="de-DE" dirty="0"/>
+              <a:t/>
+            </a:r>
+            <a:br>
+              <a:rPr lang="de-DE" dirty="0"/>
+            </a:br>
+            <a:r>
+              <a:rPr lang="de-DE" dirty="0" smtClean="0"/>
+              <a:t/>
+            </a:r>
+            <a:br>
+              <a:rPr lang="de-DE" dirty="0" smtClean="0"/>
+            </a:br>
+            <a:endParaRPr lang="de-DE" dirty="0" smtClean="0"/>
+          </a:p>
+        </p:txBody>
+      </p:sp>
+      <p:sp>
+        <p:nvSpPr>
+          <p:cNvPr id="3075" name="Content Placeholder 2"/>
+          <p:cNvSpPr>
+            <a:spLocks noGrp="1"/>
+          </p:cNvSpPr>
+          <p:nvPr>
+            <p:ph idx="1"/>
+          </p:nvPr>
+        </p:nvSpPr>
+        <p:spPr bwMode="auto">
+          <a:xfrm>
+            <a:off x="457200" y="1844824"/>
+            <a:ext cx="8229600" cy="4281339"/>
+          </a:xfrm>
+          <a:ln>
+            <a:miter lim="800000"/>
+            <a:headEnd/>
+            <a:tailEnd/>
+          </a:ln>
+        </p:spPr>
+        <p:txBody>
+          <a:bodyPr vert="horz" wrap="square" lIns="91440" tIns="45720" rIns="91440" bIns="45720" numCol="1" anchor="t" anchorCtr="0" compatLnSpc="1">
+            <a:prstTxWarp prst="textNoShape">
+              <a:avLst/>
+            </a:prstTxWarp>
+          </a:bodyPr>
+          <a:lstStyle/>
+          <a:p>
+            <a:pPr lvl="1" eaLnBrk="1" hangingPunct="1">
+              <a:buFont typeface="Wingdings" pitchFamily="2" charset="2"/>
+              <a:buChar char="§"/>
+              <a:defRPr/>
+            </a:pPr>
+            <a:r>
+              <a:rPr lang="de-DE" sz="2400" dirty="0" err="1" smtClean="0">
+                <a:solidFill>
+                  <a:schemeClr val="tx1"/>
+                </a:solidFill>
+              </a:rPr>
+              <a:t>asdf</a:t>
+            </a:r>
+            <a:endParaRPr lang="de-DE" sz="2400" dirty="0">
+              <a:solidFill>
+                <a:schemeClr val="tx1"/>
+              </a:solidFill>
+            </a:endParaRPr>
+          </a:p>
+          <a:p>
+            <a:pPr lvl="1" eaLnBrk="1" hangingPunct="1">
+              <a:buFont typeface="Wingdings" pitchFamily="2" charset="2"/>
+              <a:buChar char="§"/>
+              <a:defRPr/>
+            </a:pPr>
+            <a:endParaRPr lang="de-DE" sz="2400" dirty="0" smtClean="0">
+              <a:solidFill>
+                <a:schemeClr val="tx1"/>
+              </a:solidFill>
+            </a:endParaRPr>
+          </a:p>
+          <a:p>
+            <a:pPr lvl="1" eaLnBrk="1" hangingPunct="1">
+              <a:buFont typeface="Wingdings" pitchFamily="2" charset="2"/>
+              <a:buChar char="§"/>
+              <a:defRPr/>
+            </a:pPr>
+            <a:endParaRPr lang="de-DE" sz="2400" dirty="0">
+              <a:solidFill>
+                <a:schemeClr val="tx1"/>
+              </a:solidFill>
+            </a:endParaRPr>
+          </a:p>
+          <a:p>
+            <a:pPr marL="914400" lvl="2" indent="0" eaLnBrk="1" hangingPunct="1">
+              <a:buNone/>
+              <a:defRPr/>
+            </a:pPr>
+            <a:endParaRPr lang="de-DE" sz="1200" dirty="0" smtClean="0">
+              <a:solidFill>
+                <a:schemeClr val="tx1"/>
+              </a:solidFill>
+            </a:endParaRPr>
+          </a:p>
+          <a:p>
+            <a:pPr lvl="1" eaLnBrk="1" hangingPunct="1">
+              <a:buFont typeface="Wingdings" pitchFamily="2" charset="2"/>
+              <a:buChar char="§"/>
+              <a:defRPr/>
+            </a:pPr>
+            <a:endParaRPr lang="de-DE" sz="2400" dirty="0" smtClean="0">
+              <a:solidFill>
+                <a:schemeClr val="tx1"/>
+              </a:solidFill>
+            </a:endParaRPr>
+          </a:p>
+          <a:p>
+            <a:pPr lvl="2" eaLnBrk="1" hangingPunct="1">
+              <a:buFont typeface="Wingdings" pitchFamily="2" charset="2"/>
+              <a:buChar char="§"/>
+              <a:defRPr/>
+            </a:pPr>
+            <a:endParaRPr lang="de-DE" sz="2000" dirty="0" smtClean="0">
+              <a:solidFill>
+                <a:schemeClr val="tx1"/>
+              </a:solidFill>
+            </a:endParaRPr>
+          </a:p>
+          <a:p>
+            <a:pPr marL="457200" lvl="1" indent="0" eaLnBrk="1" hangingPunct="1">
+              <a:buNone/>
+              <a:defRPr/>
+            </a:pPr>
+            <a:r>
+              <a:rPr lang="de-DE" sz="2400" dirty="0" smtClean="0">
+                <a:solidFill>
+                  <a:srgbClr val="333333"/>
+                </a:solidFill>
+              </a:rPr>
+              <a:t/>
+            </a:r>
+            <a:br>
+              <a:rPr lang="de-DE" sz="2400" dirty="0" smtClean="0">
+                <a:solidFill>
+                  <a:srgbClr val="333333"/>
+                </a:solidFill>
+              </a:rPr>
+            </a:br>
+            <a:endParaRPr lang="de-DE" sz="2400" dirty="0" smtClean="0">
+              <a:solidFill>
+                <a:srgbClr val="333333"/>
+              </a:solidFill>
+            </a:endParaRPr>
+          </a:p>
+          <a:p>
+            <a:pPr marL="457200" lvl="1" indent="0" eaLnBrk="1" hangingPunct="1">
+              <a:buNone/>
+              <a:defRPr/>
+            </a:pPr>
+            <a:endParaRPr lang="de-DE" sz="1800" dirty="0" smtClean="0">
+              <a:solidFill>
+                <a:schemeClr val="tx1"/>
+              </a:solidFill>
+            </a:endParaRPr>
+          </a:p>
+          <a:p>
+            <a:pPr lvl="1" eaLnBrk="1" hangingPunct="1">
+              <a:buFont typeface="Wingdings" pitchFamily="2" charset="2"/>
+              <a:buChar char="§"/>
+              <a:defRPr/>
+            </a:pPr>
+            <a:endParaRPr lang="de-DE" sz="1800" dirty="0" smtClean="0">
+              <a:solidFill>
+                <a:schemeClr val="tx1"/>
+              </a:solidFill>
+            </a:endParaRPr>
+          </a:p>
+          <a:p>
+            <a:pPr marL="457200" lvl="1" indent="0" eaLnBrk="1" hangingPunct="1">
+              <a:buNone/>
+              <a:defRPr/>
+            </a:pPr>
+            <a:endParaRPr lang="de-DE" sz="1800" dirty="0" smtClean="0">
+              <a:solidFill>
+                <a:schemeClr val="tx1"/>
+              </a:solidFill>
+            </a:endParaRPr>
+          </a:p>
+          <a:p>
+            <a:pPr lvl="1" eaLnBrk="1" hangingPunct="1">
+              <a:buFont typeface="Wingdings" pitchFamily="2" charset="2"/>
+              <a:buChar char="§"/>
+              <a:defRPr/>
+            </a:pPr>
+            <a:endParaRPr lang="de-DE" sz="1800" dirty="0" smtClean="0"/>
+          </a:p>
+          <a:p>
+            <a:pPr lvl="3" eaLnBrk="1" hangingPunct="1">
+              <a:buFont typeface="Arial" pitchFamily="34" charset="0"/>
+              <a:buChar char="•"/>
+              <a:defRPr/>
+            </a:pPr>
+            <a:endParaRPr lang="de-DE" dirty="0" smtClean="0"/>
+          </a:p>
+          <a:p>
+            <a:pPr lvl="2" eaLnBrk="1" hangingPunct="1">
+              <a:buFont typeface="Arial" pitchFamily="34" charset="0"/>
+              <a:buChar char="•"/>
+              <a:defRPr/>
+            </a:pPr>
+            <a:endParaRPr lang="de-DE" sz="1800" dirty="0" smtClean="0"/>
+          </a:p>
+        </p:txBody>
+      </p:sp>
+      <p:cxnSp>
+        <p:nvCxnSpPr>
+          <p:cNvPr id="5" name="Straight Connector 4"/>
+          <p:cNvCxnSpPr/>
+          <p:nvPr/>
+        </p:nvCxnSpPr>
+        <p:spPr>
+          <a:xfrm>
+            <a:off x="428625" y="1285875"/>
+            <a:ext cx="6929438" cy="1588"/>
+          </a:xfrm>
+          <a:prstGeom prst="line">
+            <a:avLst/>
+          </a:prstGeom>
+          <a:ln w="50800">
+            <a:solidFill>
+              <a:schemeClr val="tx2">
+                <a:lumMod val="40000"/>
+                <a:lumOff val="60000"/>
+              </a:schemeClr>
+            </a:solidFill>
+          </a:ln>
+        </p:spPr>
+        <p:style>
+          <a:lnRef idx="1">
+            <a:schemeClr val="accent1"/>
+          </a:lnRef>
+          <a:fillRef idx="0">
+            <a:schemeClr val="accent1"/>
+          </a:fillRef>
+          <a:effectRef idx="0">
+            <a:schemeClr val="accent1"/>
+          </a:effectRef>
+          <a:fontRef idx="minor">
+            <a:schemeClr val="tx1"/>
+          </a:fontRef>
+        </p:style>
+      </p:cxnSp>
+    </p:spTree>
+    <p:extLst>
+      <p:ext uri="{BB962C8B-B14F-4D97-AF65-F5344CB8AC3E}">
+        <p14:creationId xmlns:p14="http://schemas.microsoft.com/office/powerpoint/2010/main" val="3874340284"/>
+      </p:ext>
+    </p:extLst>
+  </p:cSld>
+  <p:clrMapOvr>
+    <a:masterClrMapping/>
+  </p:clrMapOvr>
+  <mc:AlternateContent xmlns:mc="http://schemas.openxmlformats.org/markup-compatibility/2006">
+    <mc:Choice xmlns:p14="http://schemas.microsoft.com/office/powerpoint/2010/main" Requires="p14">
+      <p:transition spd="med">
+        <p14:prism isContent="1"/>
+      </p:transition>
+    </mc:Choice>
+    <mc:Fallback>
+      <p:transition spd="med">
+        <p:fade/>
+      </p:transition>
+    </mc:Fallback>
+  </mc:AlternateContent>
+  <p:timing>
+    <p:tnLst>
+      <p:par>
+        <p:cTn id="1" dur="indefinite" restart="never" nodeType="tmRoot"/>
+      </p:par>
+    </p:tnLst>
+  </p:timing>
+</p:sld>
+</file>
+
+<file path=ppt/slides/slide16.xml><?xml version="1.0" encoding="utf-8"?>
+<p:sld xmlns:a="http://schemas.openxmlformats.org/drawingml/2006/main" xmlns:r="http://schemas.openxmlformats.org/officeDocument/2006/relationships" xmlns:p="http://schemas.openxmlformats.org/presentationml/2006/main">
+  <p:cSld>
+    <p:spTree>
+      <p:nvGrpSpPr>
+        <p:cNvPr id="1" name=""/>
+        <p:cNvGrpSpPr/>
+        <p:nvPr/>
+      </p:nvGrpSpPr>
+      <p:grpSpPr>
+        <a:xfrm>
+          <a:off x="0" y="0"/>
+          <a:ext cx="0" cy="0"/>
+          <a:chOff x="0" y="0"/>
+          <a:chExt cx="0" cy="0"/>
+        </a:xfrm>
+      </p:grpSpPr>
+      <p:sp>
+        <p:nvSpPr>
+          <p:cNvPr id="14338" name="Title 1"/>
+          <p:cNvSpPr>
+            <a:spLocks noGrp="1"/>
+          </p:cNvSpPr>
+          <p:nvPr>
+            <p:ph type="title"/>
+          </p:nvPr>
+        </p:nvSpPr>
+        <p:spPr bwMode="auto">
+          <a:xfrm>
+            <a:off x="457200" y="857250"/>
+            <a:ext cx="8229600" cy="560388"/>
+          </a:xfrm>
+          <a:noFill/>
+          <a:extLst>
+            <a:ext uri="{909E8E84-426E-40DD-AFC4-6F175D3DCCD1}">
+              <a14:hiddenFill xmlns:a14="http://schemas.microsoft.com/office/drawing/2010/main">
+                <a:solidFill>
+                  <a:srgbClr val="FFFFFF"/>
+                </a:solidFill>
+              </a14:hiddenFill>
+            </a:ext>
+            <a:ext uri="{91240B29-F687-4F45-9708-019B960494DF}">
+              <a14:hiddenLine xmlns:a14="http://schemas.microsoft.com/office/drawing/2010/main" w="9525">
+                <a:solidFill>
+                  <a:srgbClr val="000000"/>
+                </a:solidFill>
+                <a:miter lim="800000"/>
+                <a:headEnd/>
+                <a:tailEnd/>
+              </a14:hiddenLine>
+            </a:ext>
+          </a:extLst>
+        </p:spPr>
+        <p:txBody>
+          <a:bodyPr vert="horz" wrap="square" lIns="91440" tIns="45720" rIns="91440" bIns="45720" numCol="1" anchor="t" anchorCtr="0" compatLnSpc="1">
+            <a:prstTxWarp prst="textNoShape">
+              <a:avLst/>
+            </a:prstTxWarp>
+          </a:bodyPr>
+          <a:lstStyle/>
+          <a:p>
+            <a:pPr lvl="1" eaLnBrk="1" hangingPunct="1"/>
+            <a:r>
+              <a:rPr lang="de-DE" dirty="0" smtClean="0"/>
+              <a:t>Administrations-Oberfläche</a:t>
+            </a:r>
+            <a:r>
+              <a:rPr lang="de-DE" dirty="0"/>
+              <a:t/>
+            </a:r>
+            <a:br>
+              <a:rPr lang="de-DE" dirty="0"/>
+            </a:br>
+            <a:r>
+              <a:rPr lang="de-DE" dirty="0" smtClean="0"/>
+              <a:t/>
+            </a:r>
+            <a:br>
+              <a:rPr lang="de-DE" dirty="0" smtClean="0"/>
+            </a:br>
+            <a:endParaRPr lang="de-DE" dirty="0" smtClean="0"/>
+          </a:p>
+        </p:txBody>
+      </p:sp>
+      <p:sp>
+        <p:nvSpPr>
+          <p:cNvPr id="3075" name="Content Placeholder 2"/>
+          <p:cNvSpPr>
+            <a:spLocks noGrp="1"/>
+          </p:cNvSpPr>
+          <p:nvPr>
+            <p:ph idx="1"/>
+          </p:nvPr>
+        </p:nvSpPr>
+        <p:spPr bwMode="auto">
+          <a:xfrm>
+            <a:off x="457200" y="1844824"/>
+            <a:ext cx="8229600" cy="4281339"/>
+          </a:xfrm>
+          <a:ln>
+            <a:miter lim="800000"/>
+            <a:headEnd/>
+            <a:tailEnd/>
+          </a:ln>
+        </p:spPr>
+        <p:txBody>
+          <a:bodyPr vert="horz" wrap="square" lIns="91440" tIns="45720" rIns="91440" bIns="45720" numCol="1" anchor="t" anchorCtr="0" compatLnSpc="1">
+            <a:prstTxWarp prst="textNoShape">
+              <a:avLst/>
+            </a:prstTxWarp>
+          </a:bodyPr>
+          <a:lstStyle/>
+          <a:p>
+            <a:pPr lvl="1" eaLnBrk="1" hangingPunct="1">
+              <a:buFont typeface="Wingdings" pitchFamily="2" charset="2"/>
+              <a:buChar char="§"/>
+              <a:defRPr/>
+            </a:pPr>
+            <a:r>
+              <a:rPr lang="de-DE" sz="2400" dirty="0" err="1" smtClean="0">
+                <a:solidFill>
+                  <a:schemeClr val="tx1"/>
+                </a:solidFill>
+              </a:rPr>
+              <a:t>asdf</a:t>
+            </a:r>
+            <a:endParaRPr lang="de-DE" sz="2400" dirty="0">
+              <a:solidFill>
+                <a:schemeClr val="tx1"/>
+              </a:solidFill>
+            </a:endParaRPr>
+          </a:p>
+          <a:p>
+            <a:pPr lvl="1" eaLnBrk="1" hangingPunct="1">
+              <a:buFont typeface="Wingdings" pitchFamily="2" charset="2"/>
+              <a:buChar char="§"/>
+              <a:defRPr/>
+            </a:pPr>
+            <a:endParaRPr lang="de-DE" sz="2400" dirty="0" smtClean="0">
+              <a:solidFill>
+                <a:schemeClr val="tx1"/>
+              </a:solidFill>
+            </a:endParaRPr>
+          </a:p>
+          <a:p>
+            <a:pPr lvl="1" eaLnBrk="1" hangingPunct="1">
+              <a:buFont typeface="Wingdings" pitchFamily="2" charset="2"/>
+              <a:buChar char="§"/>
+              <a:defRPr/>
+            </a:pPr>
+            <a:endParaRPr lang="de-DE" sz="2400" dirty="0">
+              <a:solidFill>
+                <a:schemeClr val="tx1"/>
+              </a:solidFill>
+            </a:endParaRPr>
+          </a:p>
+          <a:p>
+            <a:pPr marL="914400" lvl="2" indent="0" eaLnBrk="1" hangingPunct="1">
+              <a:buNone/>
+              <a:defRPr/>
+            </a:pPr>
+            <a:endParaRPr lang="de-DE" sz="1200" dirty="0" smtClean="0">
+              <a:solidFill>
+                <a:schemeClr val="tx1"/>
+              </a:solidFill>
+            </a:endParaRPr>
+          </a:p>
+          <a:p>
+            <a:pPr lvl="1" eaLnBrk="1" hangingPunct="1">
+              <a:buFont typeface="Wingdings" pitchFamily="2" charset="2"/>
+              <a:buChar char="§"/>
+              <a:defRPr/>
+            </a:pPr>
+            <a:endParaRPr lang="de-DE" sz="2400" dirty="0" smtClean="0">
+              <a:solidFill>
+                <a:schemeClr val="tx1"/>
+              </a:solidFill>
+            </a:endParaRPr>
+          </a:p>
+          <a:p>
+            <a:pPr lvl="2" eaLnBrk="1" hangingPunct="1">
+              <a:buFont typeface="Wingdings" pitchFamily="2" charset="2"/>
+              <a:buChar char="§"/>
+              <a:defRPr/>
+            </a:pPr>
+            <a:endParaRPr lang="de-DE" sz="2000" dirty="0" smtClean="0">
+              <a:solidFill>
+                <a:schemeClr val="tx1"/>
+              </a:solidFill>
+            </a:endParaRPr>
+          </a:p>
+          <a:p>
+            <a:pPr marL="457200" lvl="1" indent="0" eaLnBrk="1" hangingPunct="1">
+              <a:buNone/>
+              <a:defRPr/>
+            </a:pPr>
+            <a:r>
+              <a:rPr lang="de-DE" sz="2400" dirty="0" smtClean="0">
+                <a:solidFill>
+                  <a:srgbClr val="333333"/>
+                </a:solidFill>
+              </a:rPr>
+              <a:t/>
+            </a:r>
+            <a:br>
+              <a:rPr lang="de-DE" sz="2400" dirty="0" smtClean="0">
+                <a:solidFill>
+                  <a:srgbClr val="333333"/>
+                </a:solidFill>
+              </a:rPr>
+            </a:br>
+            <a:endParaRPr lang="de-DE" sz="2400" dirty="0" smtClean="0">
+              <a:solidFill>
+                <a:srgbClr val="333333"/>
+              </a:solidFill>
+            </a:endParaRPr>
+          </a:p>
+          <a:p>
+            <a:pPr marL="457200" lvl="1" indent="0" eaLnBrk="1" hangingPunct="1">
+              <a:buNone/>
+              <a:defRPr/>
+            </a:pPr>
+            <a:endParaRPr lang="de-DE" sz="1800" dirty="0" smtClean="0">
+              <a:solidFill>
+                <a:schemeClr val="tx1"/>
+              </a:solidFill>
+            </a:endParaRPr>
+          </a:p>
+          <a:p>
+            <a:pPr lvl="1" eaLnBrk="1" hangingPunct="1">
+              <a:buFont typeface="Wingdings" pitchFamily="2" charset="2"/>
+              <a:buChar char="§"/>
+              <a:defRPr/>
+            </a:pPr>
+            <a:endParaRPr lang="de-DE" sz="1800" dirty="0" smtClean="0">
+              <a:solidFill>
+                <a:schemeClr val="tx1"/>
+              </a:solidFill>
+            </a:endParaRPr>
+          </a:p>
+          <a:p>
+            <a:pPr marL="457200" lvl="1" indent="0" eaLnBrk="1" hangingPunct="1">
+              <a:buNone/>
+              <a:defRPr/>
+            </a:pPr>
+            <a:endParaRPr lang="de-DE" sz="1800" dirty="0" smtClean="0">
+              <a:solidFill>
+                <a:schemeClr val="tx1"/>
+              </a:solidFill>
+            </a:endParaRPr>
+          </a:p>
+          <a:p>
+            <a:pPr lvl="1" eaLnBrk="1" hangingPunct="1">
+              <a:buFont typeface="Wingdings" pitchFamily="2" charset="2"/>
+              <a:buChar char="§"/>
+              <a:defRPr/>
+            </a:pPr>
+            <a:endParaRPr lang="de-DE" sz="1800" dirty="0" smtClean="0"/>
+          </a:p>
+          <a:p>
+            <a:pPr lvl="3" eaLnBrk="1" hangingPunct="1">
+              <a:buFont typeface="Arial" pitchFamily="34" charset="0"/>
+              <a:buChar char="•"/>
+              <a:defRPr/>
+            </a:pPr>
+            <a:endParaRPr lang="de-DE" dirty="0" smtClean="0"/>
+          </a:p>
+          <a:p>
+            <a:pPr lvl="2" eaLnBrk="1" hangingPunct="1">
+              <a:buFont typeface="Arial" pitchFamily="34" charset="0"/>
+              <a:buChar char="•"/>
+              <a:defRPr/>
+            </a:pPr>
+            <a:endParaRPr lang="de-DE" sz="1800" dirty="0" smtClean="0"/>
+          </a:p>
+        </p:txBody>
+      </p:sp>
+      <p:cxnSp>
+        <p:nvCxnSpPr>
+          <p:cNvPr id="5" name="Straight Connector 4"/>
+          <p:cNvCxnSpPr/>
+          <p:nvPr/>
+        </p:nvCxnSpPr>
+        <p:spPr>
+          <a:xfrm>
+            <a:off x="428625" y="1285875"/>
+            <a:ext cx="6929438" cy="1588"/>
+          </a:xfrm>
+          <a:prstGeom prst="line">
+            <a:avLst/>
+          </a:prstGeom>
+          <a:ln w="50800">
+            <a:solidFill>
+              <a:schemeClr val="tx2">
+                <a:lumMod val="40000"/>
+                <a:lumOff val="60000"/>
+              </a:schemeClr>
+            </a:solidFill>
+          </a:ln>
+        </p:spPr>
+        <p:style>
+          <a:lnRef idx="1">
+            <a:schemeClr val="accent1"/>
+          </a:lnRef>
+          <a:fillRef idx="0">
+            <a:schemeClr val="accent1"/>
+          </a:fillRef>
+          <a:effectRef idx="0">
+            <a:schemeClr val="accent1"/>
+          </a:effectRef>
+          <a:fontRef idx="minor">
+            <a:schemeClr val="tx1"/>
+          </a:fontRef>
+        </p:style>
+      </p:cxnSp>
+    </p:spTree>
+    <p:extLst>
+      <p:ext uri="{BB962C8B-B14F-4D97-AF65-F5344CB8AC3E}">
+        <p14:creationId xmlns:p14="http://schemas.microsoft.com/office/powerpoint/2010/main" val="1170442753"/>
+      </p:ext>
+    </p:extLst>
+  </p:cSld>
+  <p:clrMapOvr>
+    <a:masterClrMapping/>
+  </p:clrMapOvr>
+  <mc:AlternateContent xmlns:mc="http://schemas.openxmlformats.org/markup-compatibility/2006">
+    <mc:Choice xmlns:p14="http://schemas.microsoft.com/office/powerpoint/2010/main" Requires="p14">
+      <p:transition spd="med">
+        <p14:prism isContent="1"/>
+      </p:transition>
+    </mc:Choice>
+    <mc:Fallback>
+      <p:transition spd="med">
+        <p:fade/>
+      </p:transition>
+    </mc:Fallback>
+  </mc:AlternateContent>
+  <p:timing>
+    <p:tnLst>
+      <p:par>
+        <p:cTn id="1" dur="indefinite" restart="never" nodeType="tmRoot"/>
+      </p:par>
+    </p:tnLst>
+  </p:timing>
+</p:sld>
+</file>
+
+<file path=ppt/slides/slide17.xml><?xml version="1.0" encoding="utf-8"?>
+<p:sld xmlns:a="http://schemas.openxmlformats.org/drawingml/2006/main" xmlns:r="http://schemas.openxmlformats.org/officeDocument/2006/relationships" xmlns:p="http://schemas.openxmlformats.org/presentationml/2006/main">
+  <p:cSld>
+    <p:spTree>
+      <p:nvGrpSpPr>
+        <p:cNvPr id="1" name=""/>
+        <p:cNvGrpSpPr/>
+        <p:nvPr/>
+      </p:nvGrpSpPr>
+      <p:grpSpPr>
+        <a:xfrm>
+          <a:off x="0" y="0"/>
+          <a:ext cx="0" cy="0"/>
+          <a:chOff x="0" y="0"/>
+          <a:chExt cx="0" cy="0"/>
+        </a:xfrm>
+      </p:grpSpPr>
+      <p:sp>
+        <p:nvSpPr>
+          <p:cNvPr id="14338" name="Title 1"/>
+          <p:cNvSpPr>
+            <a:spLocks noGrp="1"/>
+          </p:cNvSpPr>
+          <p:nvPr>
+            <p:ph type="title"/>
+          </p:nvPr>
+        </p:nvSpPr>
+        <p:spPr bwMode="auto">
+          <a:xfrm>
+            <a:off x="457200" y="857250"/>
+            <a:ext cx="8229600" cy="560388"/>
+          </a:xfrm>
+          <a:noFill/>
+          <a:extLst>
+            <a:ext uri="{909E8E84-426E-40DD-AFC4-6F175D3DCCD1}">
+              <a14:hiddenFill xmlns:a14="http://schemas.microsoft.com/office/drawing/2010/main">
+                <a:solidFill>
+                  <a:srgbClr val="FFFFFF"/>
+                </a:solidFill>
+              </a14:hiddenFill>
+            </a:ext>
+            <a:ext uri="{91240B29-F687-4F45-9708-019B960494DF}">
+              <a14:hiddenLine xmlns:a14="http://schemas.microsoft.com/office/drawing/2010/main" w="9525">
+                <a:solidFill>
+                  <a:srgbClr val="000000"/>
+                </a:solidFill>
+                <a:miter lim="800000"/>
+                <a:headEnd/>
+                <a:tailEnd/>
+              </a14:hiddenLine>
+            </a:ext>
+          </a:extLst>
+        </p:spPr>
+        <p:txBody>
+          <a:bodyPr vert="horz" wrap="square" lIns="91440" tIns="45720" rIns="91440" bIns="45720" numCol="1" anchor="t" anchorCtr="0" compatLnSpc="1">
+            <a:prstTxWarp prst="textNoShape">
+              <a:avLst/>
+            </a:prstTxWarp>
+          </a:bodyPr>
+          <a:lstStyle/>
+          <a:p>
+            <a:pPr lvl="1" eaLnBrk="1" hangingPunct="1"/>
+            <a:r>
+              <a:rPr lang="de-DE" dirty="0" smtClean="0"/>
+              <a:t>Administrations-Oberfläche</a:t>
+            </a:r>
+            <a:r>
+              <a:rPr lang="de-DE" dirty="0"/>
+              <a:t/>
+            </a:r>
+            <a:br>
+              <a:rPr lang="de-DE" dirty="0"/>
+            </a:br>
+            <a:r>
+              <a:rPr lang="de-DE" dirty="0" smtClean="0"/>
+              <a:t/>
+            </a:r>
+            <a:br>
+              <a:rPr lang="de-DE" dirty="0" smtClean="0"/>
+            </a:br>
+            <a:endParaRPr lang="de-DE" dirty="0" smtClean="0"/>
+          </a:p>
+        </p:txBody>
+      </p:sp>
+      <p:sp>
+        <p:nvSpPr>
+          <p:cNvPr id="3075" name="Content Placeholder 2"/>
+          <p:cNvSpPr>
+            <a:spLocks noGrp="1"/>
+          </p:cNvSpPr>
+          <p:nvPr>
+            <p:ph idx="1"/>
+          </p:nvPr>
+        </p:nvSpPr>
+        <p:spPr bwMode="auto">
+          <a:xfrm>
+            <a:off x="457200" y="1844824"/>
+            <a:ext cx="8229600" cy="4281339"/>
+          </a:xfrm>
+          <a:ln>
+            <a:miter lim="800000"/>
+            <a:headEnd/>
+            <a:tailEnd/>
+          </a:ln>
+        </p:spPr>
+        <p:txBody>
+          <a:bodyPr vert="horz" wrap="square" lIns="91440" tIns="45720" rIns="91440" bIns="45720" numCol="1" anchor="t" anchorCtr="0" compatLnSpc="1">
+            <a:prstTxWarp prst="textNoShape">
+              <a:avLst/>
+            </a:prstTxWarp>
+          </a:bodyPr>
+          <a:lstStyle/>
+          <a:p>
+            <a:pPr lvl="1" eaLnBrk="1" hangingPunct="1">
+              <a:buFont typeface="Wingdings" pitchFamily="2" charset="2"/>
+              <a:buChar char="§"/>
+              <a:defRPr/>
+            </a:pPr>
+            <a:r>
+              <a:rPr lang="de-DE" sz="2400" dirty="0" err="1" smtClean="0">
+                <a:solidFill>
+                  <a:schemeClr val="tx1"/>
+                </a:solidFill>
+              </a:rPr>
+              <a:t>asdf</a:t>
+            </a:r>
+            <a:endParaRPr lang="de-DE" sz="2400" dirty="0">
+              <a:solidFill>
+                <a:schemeClr val="tx1"/>
+              </a:solidFill>
+            </a:endParaRPr>
+          </a:p>
+          <a:p>
+            <a:pPr lvl="1" eaLnBrk="1" hangingPunct="1">
+              <a:buFont typeface="Wingdings" pitchFamily="2" charset="2"/>
+              <a:buChar char="§"/>
+              <a:defRPr/>
+            </a:pPr>
+            <a:endParaRPr lang="de-DE" sz="2400" dirty="0" smtClean="0">
+              <a:solidFill>
+                <a:schemeClr val="tx1"/>
+              </a:solidFill>
+            </a:endParaRPr>
+          </a:p>
+          <a:p>
+            <a:pPr lvl="1" eaLnBrk="1" hangingPunct="1">
+              <a:buFont typeface="Wingdings" pitchFamily="2" charset="2"/>
+              <a:buChar char="§"/>
+              <a:defRPr/>
+            </a:pPr>
+            <a:endParaRPr lang="de-DE" sz="2400" dirty="0">
+              <a:solidFill>
+                <a:schemeClr val="tx1"/>
+              </a:solidFill>
+            </a:endParaRPr>
+          </a:p>
+          <a:p>
+            <a:pPr marL="914400" lvl="2" indent="0" eaLnBrk="1" hangingPunct="1">
+              <a:buNone/>
+              <a:defRPr/>
+            </a:pPr>
+            <a:endParaRPr lang="de-DE" sz="1200" dirty="0" smtClean="0">
+              <a:solidFill>
+                <a:schemeClr val="tx1"/>
+              </a:solidFill>
+            </a:endParaRPr>
+          </a:p>
+          <a:p>
+            <a:pPr lvl="1" eaLnBrk="1" hangingPunct="1">
+              <a:buFont typeface="Wingdings" pitchFamily="2" charset="2"/>
+              <a:buChar char="§"/>
+              <a:defRPr/>
+            </a:pPr>
+            <a:endParaRPr lang="de-DE" sz="2400" dirty="0" smtClean="0">
+              <a:solidFill>
+                <a:schemeClr val="tx1"/>
+              </a:solidFill>
+            </a:endParaRPr>
+          </a:p>
+          <a:p>
+            <a:pPr lvl="2" eaLnBrk="1" hangingPunct="1">
+              <a:buFont typeface="Wingdings" pitchFamily="2" charset="2"/>
+              <a:buChar char="§"/>
+              <a:defRPr/>
+            </a:pPr>
+            <a:endParaRPr lang="de-DE" sz="2000" dirty="0" smtClean="0">
+              <a:solidFill>
+                <a:schemeClr val="tx1"/>
+              </a:solidFill>
+            </a:endParaRPr>
+          </a:p>
+          <a:p>
+            <a:pPr marL="457200" lvl="1" indent="0" eaLnBrk="1" hangingPunct="1">
+              <a:buNone/>
+              <a:defRPr/>
+            </a:pPr>
+            <a:r>
+              <a:rPr lang="de-DE" sz="2400" dirty="0" smtClean="0">
+                <a:solidFill>
+                  <a:srgbClr val="333333"/>
+                </a:solidFill>
+              </a:rPr>
+              <a:t/>
+            </a:r>
+            <a:br>
+              <a:rPr lang="de-DE" sz="2400" dirty="0" smtClean="0">
+                <a:solidFill>
+                  <a:srgbClr val="333333"/>
+                </a:solidFill>
+              </a:rPr>
+            </a:br>
+            <a:endParaRPr lang="de-DE" sz="2400" dirty="0" smtClean="0">
+              <a:solidFill>
+                <a:srgbClr val="333333"/>
+              </a:solidFill>
+            </a:endParaRPr>
+          </a:p>
+          <a:p>
+            <a:pPr marL="457200" lvl="1" indent="0" eaLnBrk="1" hangingPunct="1">
+              <a:buNone/>
+              <a:defRPr/>
+            </a:pPr>
+            <a:endParaRPr lang="de-DE" sz="1800" dirty="0" smtClean="0">
+              <a:solidFill>
+                <a:schemeClr val="tx1"/>
+              </a:solidFill>
+            </a:endParaRPr>
+          </a:p>
+          <a:p>
+            <a:pPr lvl="1" eaLnBrk="1" hangingPunct="1">
+              <a:buFont typeface="Wingdings" pitchFamily="2" charset="2"/>
+              <a:buChar char="§"/>
+              <a:defRPr/>
+            </a:pPr>
+            <a:endParaRPr lang="de-DE" sz="1800" dirty="0" smtClean="0">
+              <a:solidFill>
+                <a:schemeClr val="tx1"/>
+              </a:solidFill>
+            </a:endParaRPr>
+          </a:p>
+          <a:p>
+            <a:pPr marL="457200" lvl="1" indent="0" eaLnBrk="1" hangingPunct="1">
+              <a:buNone/>
+              <a:defRPr/>
+            </a:pPr>
+            <a:endParaRPr lang="de-DE" sz="1800" dirty="0" smtClean="0">
+              <a:solidFill>
+                <a:schemeClr val="tx1"/>
+              </a:solidFill>
+            </a:endParaRPr>
+          </a:p>
+          <a:p>
+            <a:pPr lvl="1" eaLnBrk="1" hangingPunct="1">
+              <a:buFont typeface="Wingdings" pitchFamily="2" charset="2"/>
+              <a:buChar char="§"/>
+              <a:defRPr/>
+            </a:pPr>
+            <a:endParaRPr lang="de-DE" sz="1800" dirty="0" smtClean="0"/>
+          </a:p>
+          <a:p>
+            <a:pPr lvl="3" eaLnBrk="1" hangingPunct="1">
+              <a:buFont typeface="Arial" pitchFamily="34" charset="0"/>
+              <a:buChar char="•"/>
+              <a:defRPr/>
+            </a:pPr>
+            <a:endParaRPr lang="de-DE" dirty="0" smtClean="0"/>
+          </a:p>
+          <a:p>
+            <a:pPr lvl="2" eaLnBrk="1" hangingPunct="1">
+              <a:buFont typeface="Arial" pitchFamily="34" charset="0"/>
+              <a:buChar char="•"/>
+              <a:defRPr/>
+            </a:pPr>
+            <a:endParaRPr lang="de-DE" sz="1800" dirty="0" smtClean="0"/>
+          </a:p>
+        </p:txBody>
+      </p:sp>
+      <p:cxnSp>
+        <p:nvCxnSpPr>
+          <p:cNvPr id="5" name="Straight Connector 4"/>
+          <p:cNvCxnSpPr/>
+          <p:nvPr/>
+        </p:nvCxnSpPr>
+        <p:spPr>
+          <a:xfrm>
+            <a:off x="428625" y="1285875"/>
+            <a:ext cx="6929438" cy="1588"/>
+          </a:xfrm>
+          <a:prstGeom prst="line">
+            <a:avLst/>
+          </a:prstGeom>
+          <a:ln w="50800">
+            <a:solidFill>
+              <a:schemeClr val="tx2">
+                <a:lumMod val="40000"/>
+                <a:lumOff val="60000"/>
+              </a:schemeClr>
+            </a:solidFill>
+          </a:ln>
+        </p:spPr>
+        <p:style>
+          <a:lnRef idx="1">
+            <a:schemeClr val="accent1"/>
+          </a:lnRef>
+          <a:fillRef idx="0">
+            <a:schemeClr val="accent1"/>
+          </a:fillRef>
+          <a:effectRef idx="0">
+            <a:schemeClr val="accent1"/>
+          </a:effectRef>
+          <a:fontRef idx="minor">
+            <a:schemeClr val="tx1"/>
+          </a:fontRef>
+        </p:style>
+      </p:cxnSp>
+    </p:spTree>
+    <p:extLst>
+      <p:ext uri="{BB962C8B-B14F-4D97-AF65-F5344CB8AC3E}">
+        <p14:creationId xmlns:p14="http://schemas.microsoft.com/office/powerpoint/2010/main" val="1720329560"/>
+      </p:ext>
+    </p:extLst>
+  </p:cSld>
+  <p:clrMapOvr>
+    <a:masterClrMapping/>
+  </p:clrMapOvr>
+  <mc:AlternateContent xmlns:mc="http://schemas.openxmlformats.org/markup-compatibility/2006">
+    <mc:Choice xmlns:p14="http://schemas.microsoft.com/office/powerpoint/2010/main" Requires="p14">
+      <p:transition spd="med">
+        <p14:prism isContent="1"/>
+      </p:transition>
+    </mc:Choice>
+    <mc:Fallback>
+      <p:transition spd="med">
+        <p:fade/>
+      </p:transition>
+    </mc:Fallback>
+  </mc:AlternateContent>
+  <p:timing>
+    <p:tnLst>
+      <p:par>
+        <p:cTn id="1" dur="indefinite" restart="never" nodeType="tmRoot"/>
+      </p:par>
+    </p:tnLst>
+  </p:timing>
+</p:sld>
+</file>
+
+<file path=ppt/slides/slide18.xml><?xml version="1.0" encoding="utf-8"?>
+<p:sld xmlns:a="http://schemas.openxmlformats.org/drawingml/2006/main" xmlns:r="http://schemas.openxmlformats.org/officeDocument/2006/relationships" xmlns:p="http://schemas.openxmlformats.org/presentationml/2006/main">
+  <p:cSld>
+    <p:spTree>
+      <p:nvGrpSpPr>
+        <p:cNvPr id="1" name=""/>
+        <p:cNvGrpSpPr/>
+        <p:nvPr/>
+      </p:nvGrpSpPr>
+      <p:grpSpPr>
+        <a:xfrm>
+          <a:off x="0" y="0"/>
+          <a:ext cx="0" cy="0"/>
+          <a:chOff x="0" y="0"/>
+          <a:chExt cx="0" cy="0"/>
+        </a:xfrm>
+      </p:grpSpPr>
+      <p:sp>
+        <p:nvSpPr>
+          <p:cNvPr id="14338" name="Title 1"/>
+          <p:cNvSpPr>
+            <a:spLocks noGrp="1"/>
+          </p:cNvSpPr>
+          <p:nvPr>
+            <p:ph type="title"/>
+          </p:nvPr>
+        </p:nvSpPr>
+        <p:spPr bwMode="auto">
+          <a:xfrm>
+            <a:off x="457200" y="857250"/>
+            <a:ext cx="8229600" cy="560388"/>
+          </a:xfrm>
+          <a:noFill/>
+          <a:extLst>
+            <a:ext uri="{909E8E84-426E-40DD-AFC4-6F175D3DCCD1}">
+              <a14:hiddenFill xmlns:a14="http://schemas.microsoft.com/office/drawing/2010/main">
+                <a:solidFill>
+                  <a:srgbClr val="FFFFFF"/>
+                </a:solidFill>
+              </a14:hiddenFill>
+            </a:ext>
+            <a:ext uri="{91240B29-F687-4F45-9708-019B960494DF}">
+              <a14:hiddenLine xmlns:a14="http://schemas.microsoft.com/office/drawing/2010/main" w="9525">
+                <a:solidFill>
+                  <a:srgbClr val="000000"/>
+                </a:solidFill>
+                <a:miter lim="800000"/>
+                <a:headEnd/>
+                <a:tailEnd/>
+              </a14:hiddenLine>
+            </a:ext>
+          </a:extLst>
+        </p:spPr>
+        <p:txBody>
+          <a:bodyPr vert="horz" wrap="square" lIns="91440" tIns="45720" rIns="91440" bIns="45720" numCol="1" anchor="t" anchorCtr="0" compatLnSpc="1">
+            <a:prstTxWarp prst="textNoShape">
+              <a:avLst/>
+            </a:prstTxWarp>
+          </a:bodyPr>
+          <a:lstStyle/>
+          <a:p>
+            <a:pPr lvl="1" eaLnBrk="1" hangingPunct="1"/>
+            <a:r>
+              <a:rPr lang="de-DE" dirty="0" smtClean="0"/>
+              <a:t>Administrations-Oberfläche</a:t>
+            </a:r>
+            <a:r>
+              <a:rPr lang="de-DE" dirty="0"/>
+              <a:t/>
+            </a:r>
+            <a:br>
+              <a:rPr lang="de-DE" dirty="0"/>
+            </a:br>
+            <a:r>
+              <a:rPr lang="de-DE" dirty="0" smtClean="0"/>
+              <a:t/>
+            </a:r>
+            <a:br>
+              <a:rPr lang="de-DE" dirty="0" smtClean="0"/>
+            </a:br>
+            <a:endParaRPr lang="de-DE" dirty="0" smtClean="0"/>
+          </a:p>
+        </p:txBody>
+      </p:sp>
+      <p:sp>
+        <p:nvSpPr>
+          <p:cNvPr id="3075" name="Content Placeholder 2"/>
+          <p:cNvSpPr>
+            <a:spLocks noGrp="1"/>
+          </p:cNvSpPr>
+          <p:nvPr>
+            <p:ph idx="1"/>
+          </p:nvPr>
+        </p:nvSpPr>
+        <p:spPr bwMode="auto">
+          <a:xfrm>
+            <a:off x="457200" y="1844824"/>
+            <a:ext cx="8229600" cy="4281339"/>
+          </a:xfrm>
+          <a:ln>
+            <a:miter lim="800000"/>
+            <a:headEnd/>
+            <a:tailEnd/>
+          </a:ln>
+        </p:spPr>
+        <p:txBody>
+          <a:bodyPr vert="horz" wrap="square" lIns="91440" tIns="45720" rIns="91440" bIns="45720" numCol="1" anchor="t" anchorCtr="0" compatLnSpc="1">
+            <a:prstTxWarp prst="textNoShape">
+              <a:avLst/>
+            </a:prstTxWarp>
+          </a:bodyPr>
+          <a:lstStyle/>
+          <a:p>
+            <a:pPr lvl="1" eaLnBrk="1" hangingPunct="1">
+              <a:buFont typeface="Wingdings" pitchFamily="2" charset="2"/>
+              <a:buChar char="§"/>
+              <a:defRPr/>
+            </a:pPr>
+            <a:r>
+              <a:rPr lang="de-DE" sz="2400" dirty="0" err="1" smtClean="0">
+                <a:solidFill>
+                  <a:schemeClr val="tx1"/>
+                </a:solidFill>
+              </a:rPr>
+              <a:t>asdf</a:t>
+            </a:r>
+            <a:endParaRPr lang="de-DE" sz="2400" dirty="0">
+              <a:solidFill>
+                <a:schemeClr val="tx1"/>
+              </a:solidFill>
+            </a:endParaRPr>
+          </a:p>
+          <a:p>
+            <a:pPr lvl="1" eaLnBrk="1" hangingPunct="1">
+              <a:buFont typeface="Wingdings" pitchFamily="2" charset="2"/>
+              <a:buChar char="§"/>
+              <a:defRPr/>
+            </a:pPr>
+            <a:endParaRPr lang="de-DE" sz="2400" dirty="0" smtClean="0">
+              <a:solidFill>
+                <a:schemeClr val="tx1"/>
+              </a:solidFill>
+            </a:endParaRPr>
+          </a:p>
+          <a:p>
+            <a:pPr lvl="1" eaLnBrk="1" hangingPunct="1">
+              <a:buFont typeface="Wingdings" pitchFamily="2" charset="2"/>
+              <a:buChar char="§"/>
+              <a:defRPr/>
+            </a:pPr>
+            <a:endParaRPr lang="de-DE" sz="2400" dirty="0">
+              <a:solidFill>
+                <a:schemeClr val="tx1"/>
+              </a:solidFill>
+            </a:endParaRPr>
+          </a:p>
+          <a:p>
+            <a:pPr marL="914400" lvl="2" indent="0" eaLnBrk="1" hangingPunct="1">
+              <a:buNone/>
+              <a:defRPr/>
+            </a:pPr>
+            <a:endParaRPr lang="de-DE" sz="1200" dirty="0" smtClean="0">
+              <a:solidFill>
+                <a:schemeClr val="tx1"/>
+              </a:solidFill>
+            </a:endParaRPr>
+          </a:p>
+          <a:p>
+            <a:pPr lvl="1" eaLnBrk="1" hangingPunct="1">
+              <a:buFont typeface="Wingdings" pitchFamily="2" charset="2"/>
+              <a:buChar char="§"/>
+              <a:defRPr/>
+            </a:pPr>
+            <a:endParaRPr lang="de-DE" sz="2400" dirty="0" smtClean="0">
+              <a:solidFill>
+                <a:schemeClr val="tx1"/>
+              </a:solidFill>
+            </a:endParaRPr>
+          </a:p>
+          <a:p>
+            <a:pPr lvl="2" eaLnBrk="1" hangingPunct="1">
+              <a:buFont typeface="Wingdings" pitchFamily="2" charset="2"/>
+              <a:buChar char="§"/>
+              <a:defRPr/>
+            </a:pPr>
+            <a:endParaRPr lang="de-DE" sz="2000" dirty="0" smtClean="0">
+              <a:solidFill>
+                <a:schemeClr val="tx1"/>
+              </a:solidFill>
+            </a:endParaRPr>
+          </a:p>
+          <a:p>
+            <a:pPr marL="457200" lvl="1" indent="0" eaLnBrk="1" hangingPunct="1">
+              <a:buNone/>
+              <a:defRPr/>
+            </a:pPr>
+            <a:r>
+              <a:rPr lang="de-DE" sz="2400" dirty="0" smtClean="0">
+                <a:solidFill>
+                  <a:srgbClr val="333333"/>
+                </a:solidFill>
+              </a:rPr>
+              <a:t/>
+            </a:r>
+            <a:br>
+              <a:rPr lang="de-DE" sz="2400" dirty="0" smtClean="0">
+                <a:solidFill>
+                  <a:srgbClr val="333333"/>
+                </a:solidFill>
+              </a:rPr>
+            </a:br>
+            <a:endParaRPr lang="de-DE" sz="2400" dirty="0" smtClean="0">
+              <a:solidFill>
+                <a:srgbClr val="333333"/>
+              </a:solidFill>
+            </a:endParaRPr>
+          </a:p>
+          <a:p>
+            <a:pPr marL="457200" lvl="1" indent="0" eaLnBrk="1" hangingPunct="1">
+              <a:buNone/>
+              <a:defRPr/>
+            </a:pPr>
+            <a:endParaRPr lang="de-DE" sz="1800" dirty="0" smtClean="0">
+              <a:solidFill>
+                <a:schemeClr val="tx1"/>
+              </a:solidFill>
+            </a:endParaRPr>
+          </a:p>
+          <a:p>
+            <a:pPr lvl="1" eaLnBrk="1" hangingPunct="1">
+              <a:buFont typeface="Wingdings" pitchFamily="2" charset="2"/>
+              <a:buChar char="§"/>
+              <a:defRPr/>
+            </a:pPr>
+            <a:endParaRPr lang="de-DE" sz="1800" dirty="0" smtClean="0">
+              <a:solidFill>
+                <a:schemeClr val="tx1"/>
+              </a:solidFill>
+            </a:endParaRPr>
+          </a:p>
+          <a:p>
+            <a:pPr marL="457200" lvl="1" indent="0" eaLnBrk="1" hangingPunct="1">
+              <a:buNone/>
+              <a:defRPr/>
+            </a:pPr>
+            <a:endParaRPr lang="de-DE" sz="1800" dirty="0" smtClean="0">
+              <a:solidFill>
+                <a:schemeClr val="tx1"/>
+              </a:solidFill>
+            </a:endParaRPr>
+          </a:p>
+          <a:p>
+            <a:pPr lvl="1" eaLnBrk="1" hangingPunct="1">
+              <a:buFont typeface="Wingdings" pitchFamily="2" charset="2"/>
+              <a:buChar char="§"/>
+              <a:defRPr/>
+            </a:pPr>
+            <a:endParaRPr lang="de-DE" sz="1800" dirty="0" smtClean="0"/>
+          </a:p>
+          <a:p>
+            <a:pPr lvl="3" eaLnBrk="1" hangingPunct="1">
+              <a:buFont typeface="Arial" pitchFamily="34" charset="0"/>
+              <a:buChar char="•"/>
+              <a:defRPr/>
+            </a:pPr>
+            <a:endParaRPr lang="de-DE" dirty="0" smtClean="0"/>
+          </a:p>
+          <a:p>
+            <a:pPr lvl="2" eaLnBrk="1" hangingPunct="1">
+              <a:buFont typeface="Arial" pitchFamily="34" charset="0"/>
+              <a:buChar char="•"/>
+              <a:defRPr/>
+            </a:pPr>
+            <a:endParaRPr lang="de-DE" sz="1800" dirty="0" smtClean="0"/>
+          </a:p>
+        </p:txBody>
+      </p:sp>
+      <p:cxnSp>
+        <p:nvCxnSpPr>
+          <p:cNvPr id="5" name="Straight Connector 4"/>
+          <p:cNvCxnSpPr/>
+          <p:nvPr/>
+        </p:nvCxnSpPr>
+        <p:spPr>
+          <a:xfrm>
+            <a:off x="428625" y="1285875"/>
+            <a:ext cx="6929438" cy="1588"/>
+          </a:xfrm>
+          <a:prstGeom prst="line">
+            <a:avLst/>
+          </a:prstGeom>
+          <a:ln w="50800">
+            <a:solidFill>
+              <a:schemeClr val="tx2">
+                <a:lumMod val="40000"/>
+                <a:lumOff val="60000"/>
+              </a:schemeClr>
+            </a:solidFill>
+          </a:ln>
+        </p:spPr>
+        <p:style>
+          <a:lnRef idx="1">
+            <a:schemeClr val="accent1"/>
+          </a:lnRef>
+          <a:fillRef idx="0">
+            <a:schemeClr val="accent1"/>
+          </a:fillRef>
+          <a:effectRef idx="0">
+            <a:schemeClr val="accent1"/>
+          </a:effectRef>
+          <a:fontRef idx="minor">
+            <a:schemeClr val="tx1"/>
+          </a:fontRef>
+        </p:style>
+      </p:cxnSp>
+    </p:spTree>
+    <p:extLst>
+      <p:ext uri="{BB962C8B-B14F-4D97-AF65-F5344CB8AC3E}">
+        <p14:creationId xmlns:p14="http://schemas.microsoft.com/office/powerpoint/2010/main" val="3486956894"/>
+      </p:ext>
+    </p:extLst>
+  </p:cSld>
+  <p:clrMapOvr>
+    <a:masterClrMapping/>
+  </p:clrMapOvr>
+  <mc:AlternateContent xmlns:mc="http://schemas.openxmlformats.org/markup-compatibility/2006">
+    <mc:Choice xmlns:p14="http://schemas.microsoft.com/office/powerpoint/2010/main" Requires="p14">
+      <p:transition spd="med">
+        <p14:prism isContent="1"/>
+      </p:transition>
+    </mc:Choice>
+    <mc:Fallback>
+      <p:transition spd="med">
+        <p:fade/>
+      </p:transition>
+    </mc:Fallback>
+  </mc:AlternateContent>
+  <p:timing>
+    <p:tnLst>
+      <p:par>
+        <p:cTn id="1" dur="indefinite" restart="never" nodeType="tmRoot"/>
+      </p:par>
+    </p:tnLst>
+  </p:timing>
+</p:sld>
+</file>
+
+<file path=ppt/slides/slide19.xml><?xml version="1.0" encoding="utf-8"?>
+<p:sld xmlns:a="http://schemas.openxmlformats.org/drawingml/2006/main" xmlns:r="http://schemas.openxmlformats.org/officeDocument/2006/relationships" xmlns:p="http://schemas.openxmlformats.org/presentationml/2006/main">
+  <p:cSld>
+    <p:spTree>
+      <p:nvGrpSpPr>
+        <p:cNvPr id="1" name=""/>
+        <p:cNvGrpSpPr/>
+        <p:nvPr/>
+      </p:nvGrpSpPr>
+      <p:grpSpPr>
+        <a:xfrm>
+          <a:off x="0" y="0"/>
+          <a:ext cx="0" cy="0"/>
+          <a:chOff x="0" y="0"/>
+          <a:chExt cx="0" cy="0"/>
+        </a:xfrm>
+      </p:grpSpPr>
+      <p:sp>
+        <p:nvSpPr>
+          <p:cNvPr id="14338" name="Title 1"/>
+          <p:cNvSpPr>
+            <a:spLocks noGrp="1"/>
+          </p:cNvSpPr>
+          <p:nvPr>
+            <p:ph type="title"/>
+          </p:nvPr>
+        </p:nvSpPr>
+        <p:spPr bwMode="auto">
+          <a:xfrm>
+            <a:off x="457200" y="857250"/>
+            <a:ext cx="8229600" cy="560388"/>
+          </a:xfrm>
+          <a:noFill/>
+          <a:extLst>
+            <a:ext uri="{909E8E84-426E-40DD-AFC4-6F175D3DCCD1}">
+              <a14:hiddenFill xmlns:a14="http://schemas.microsoft.com/office/drawing/2010/main">
+                <a:solidFill>
+                  <a:srgbClr val="FFFFFF"/>
+                </a:solidFill>
+              </a14:hiddenFill>
+            </a:ext>
+            <a:ext uri="{91240B29-F687-4F45-9708-019B960494DF}">
+              <a14:hiddenLine xmlns:a14="http://schemas.microsoft.com/office/drawing/2010/main" w="9525">
+                <a:solidFill>
+                  <a:srgbClr val="000000"/>
+                </a:solidFill>
+                <a:miter lim="800000"/>
+                <a:headEnd/>
+                <a:tailEnd/>
+              </a14:hiddenLine>
+            </a:ext>
+          </a:extLst>
+        </p:spPr>
+        <p:txBody>
+          <a:bodyPr vert="horz" wrap="square" lIns="91440" tIns="45720" rIns="91440" bIns="45720" numCol="1" anchor="t" anchorCtr="0" compatLnSpc="1">
+            <a:prstTxWarp prst="textNoShape">
+              <a:avLst/>
+            </a:prstTxWarp>
+          </a:bodyPr>
+          <a:lstStyle/>
+          <a:p>
+            <a:pPr lvl="1" eaLnBrk="1" hangingPunct="1"/>
+            <a:r>
+              <a:rPr lang="de-DE" dirty="0"/>
+              <a:t>Zusammenfassung</a:t>
+            </a:r>
+            <a:br>
+              <a:rPr lang="de-DE" dirty="0"/>
+            </a:br>
+            <a:r>
+              <a:rPr lang="de-DE" dirty="0" smtClean="0"/>
+              <a:t/>
+            </a:r>
+            <a:br>
+              <a:rPr lang="de-DE" dirty="0" smtClean="0"/>
+            </a:br>
+            <a:endParaRPr lang="de-DE" dirty="0" smtClean="0"/>
+          </a:p>
+        </p:txBody>
+      </p:sp>
+      <p:sp>
+        <p:nvSpPr>
+          <p:cNvPr id="3075" name="Content Placeholder 2"/>
+          <p:cNvSpPr>
+            <a:spLocks noGrp="1"/>
+          </p:cNvSpPr>
+          <p:nvPr>
+            <p:ph idx="1"/>
+          </p:nvPr>
+        </p:nvSpPr>
+        <p:spPr bwMode="auto">
+          <a:xfrm>
+            <a:off x="457200" y="1844824"/>
+            <a:ext cx="8229600" cy="4281339"/>
+          </a:xfrm>
+          <a:ln>
+            <a:miter lim="800000"/>
+            <a:headEnd/>
+            <a:tailEnd/>
+          </a:ln>
+        </p:spPr>
+        <p:txBody>
+          <a:bodyPr vert="horz" wrap="square" lIns="91440" tIns="45720" rIns="91440" bIns="45720" numCol="1" anchor="t" anchorCtr="0" compatLnSpc="1">
+            <a:prstTxWarp prst="textNoShape">
+              <a:avLst/>
+            </a:prstTxWarp>
+          </a:bodyPr>
+          <a:lstStyle/>
+          <a:p>
+            <a:pPr lvl="1" eaLnBrk="1" hangingPunct="1">
+              <a:buFont typeface="Wingdings" pitchFamily="2" charset="2"/>
+              <a:buChar char="§"/>
+              <a:defRPr/>
+            </a:pPr>
+            <a:r>
+              <a:rPr lang="de-DE" sz="2400" dirty="0" err="1" smtClean="0">
+                <a:solidFill>
+                  <a:schemeClr val="tx1"/>
+                </a:solidFill>
+              </a:rPr>
+              <a:t>asdf</a:t>
+            </a:r>
+            <a:endParaRPr lang="de-DE" sz="2400" dirty="0">
+              <a:solidFill>
+                <a:schemeClr val="tx1"/>
+              </a:solidFill>
+            </a:endParaRPr>
+          </a:p>
+          <a:p>
+            <a:pPr lvl="1" eaLnBrk="1" hangingPunct="1">
+              <a:buFont typeface="Wingdings" pitchFamily="2" charset="2"/>
+              <a:buChar char="§"/>
+              <a:defRPr/>
+            </a:pPr>
+            <a:endParaRPr lang="de-DE" sz="2400" dirty="0" smtClean="0">
+              <a:solidFill>
+                <a:schemeClr val="tx1"/>
+              </a:solidFill>
+            </a:endParaRPr>
+          </a:p>
+          <a:p>
+            <a:pPr lvl="1" eaLnBrk="1" hangingPunct="1">
+              <a:buFont typeface="Wingdings" pitchFamily="2" charset="2"/>
+              <a:buChar char="§"/>
+              <a:defRPr/>
+            </a:pPr>
+            <a:endParaRPr lang="de-DE" sz="2400" dirty="0">
+              <a:solidFill>
+                <a:schemeClr val="tx1"/>
+              </a:solidFill>
+            </a:endParaRPr>
+          </a:p>
+          <a:p>
+            <a:pPr marL="914400" lvl="2" indent="0" eaLnBrk="1" hangingPunct="1">
+              <a:buNone/>
+              <a:defRPr/>
+            </a:pPr>
+            <a:endParaRPr lang="de-DE" sz="1200" dirty="0" smtClean="0">
+              <a:solidFill>
+                <a:schemeClr val="tx1"/>
+              </a:solidFill>
+            </a:endParaRPr>
+          </a:p>
+          <a:p>
+            <a:pPr lvl="1" eaLnBrk="1" hangingPunct="1">
+              <a:buFont typeface="Wingdings" pitchFamily="2" charset="2"/>
+              <a:buChar char="§"/>
+              <a:defRPr/>
+            </a:pPr>
+            <a:endParaRPr lang="de-DE" sz="2400" dirty="0" smtClean="0">
+              <a:solidFill>
+                <a:schemeClr val="tx1"/>
+              </a:solidFill>
+            </a:endParaRPr>
+          </a:p>
+          <a:p>
+            <a:pPr lvl="2" eaLnBrk="1" hangingPunct="1">
+              <a:buFont typeface="Wingdings" pitchFamily="2" charset="2"/>
+              <a:buChar char="§"/>
+              <a:defRPr/>
+            </a:pPr>
+            <a:endParaRPr lang="de-DE" sz="2000" dirty="0" smtClean="0">
+              <a:solidFill>
+                <a:schemeClr val="tx1"/>
+              </a:solidFill>
+            </a:endParaRPr>
+          </a:p>
+          <a:p>
+            <a:pPr marL="457200" lvl="1" indent="0" eaLnBrk="1" hangingPunct="1">
+              <a:buNone/>
+              <a:defRPr/>
+            </a:pPr>
+            <a:r>
+              <a:rPr lang="de-DE" sz="2400" dirty="0" smtClean="0">
+                <a:solidFill>
+                  <a:srgbClr val="333333"/>
+                </a:solidFill>
+              </a:rPr>
+              <a:t/>
+            </a:r>
+            <a:br>
+              <a:rPr lang="de-DE" sz="2400" dirty="0" smtClean="0">
+                <a:solidFill>
+                  <a:srgbClr val="333333"/>
+                </a:solidFill>
+              </a:rPr>
+            </a:br>
+            <a:endParaRPr lang="de-DE" sz="2400" dirty="0" smtClean="0">
+              <a:solidFill>
+                <a:srgbClr val="333333"/>
+              </a:solidFill>
+            </a:endParaRPr>
+          </a:p>
+          <a:p>
+            <a:pPr marL="457200" lvl="1" indent="0" eaLnBrk="1" hangingPunct="1">
+              <a:buNone/>
+              <a:defRPr/>
+            </a:pPr>
+            <a:endParaRPr lang="de-DE" sz="1800" dirty="0" smtClean="0">
+              <a:solidFill>
+                <a:schemeClr val="tx1"/>
+              </a:solidFill>
+            </a:endParaRPr>
+          </a:p>
+          <a:p>
+            <a:pPr lvl="1" eaLnBrk="1" hangingPunct="1">
+              <a:buFont typeface="Wingdings" pitchFamily="2" charset="2"/>
+              <a:buChar char="§"/>
+              <a:defRPr/>
+            </a:pPr>
+            <a:endParaRPr lang="de-DE" sz="1800" dirty="0" smtClean="0">
+              <a:solidFill>
+                <a:schemeClr val="tx1"/>
+              </a:solidFill>
+            </a:endParaRPr>
+          </a:p>
+          <a:p>
+            <a:pPr marL="457200" lvl="1" indent="0" eaLnBrk="1" hangingPunct="1">
+              <a:buNone/>
+              <a:defRPr/>
+            </a:pPr>
+            <a:endParaRPr lang="de-DE" sz="1800" dirty="0" smtClean="0">
+              <a:solidFill>
+                <a:schemeClr val="tx1"/>
+              </a:solidFill>
+            </a:endParaRPr>
+          </a:p>
+          <a:p>
+            <a:pPr lvl="1" eaLnBrk="1" hangingPunct="1">
+              <a:buFont typeface="Wingdings" pitchFamily="2" charset="2"/>
+              <a:buChar char="§"/>
+              <a:defRPr/>
+            </a:pPr>
+            <a:endParaRPr lang="de-DE" sz="1800" dirty="0" smtClean="0"/>
+          </a:p>
+          <a:p>
+            <a:pPr lvl="3" eaLnBrk="1" hangingPunct="1">
+              <a:buFont typeface="Arial" pitchFamily="34" charset="0"/>
+              <a:buChar char="•"/>
+              <a:defRPr/>
+            </a:pPr>
+            <a:endParaRPr lang="de-DE" dirty="0" smtClean="0"/>
+          </a:p>
+          <a:p>
+            <a:pPr lvl="2" eaLnBrk="1" hangingPunct="1">
+              <a:buFont typeface="Arial" pitchFamily="34" charset="0"/>
+              <a:buChar char="•"/>
+              <a:defRPr/>
+            </a:pPr>
+            <a:endParaRPr lang="de-DE" sz="1800" dirty="0" smtClean="0"/>
+          </a:p>
+        </p:txBody>
+      </p:sp>
+      <p:cxnSp>
+        <p:nvCxnSpPr>
+          <p:cNvPr id="5" name="Straight Connector 4"/>
+          <p:cNvCxnSpPr/>
+          <p:nvPr/>
+        </p:nvCxnSpPr>
+        <p:spPr>
+          <a:xfrm>
+            <a:off x="428625" y="1285875"/>
+            <a:ext cx="6929438" cy="1588"/>
+          </a:xfrm>
+          <a:prstGeom prst="line">
+            <a:avLst/>
+          </a:prstGeom>
+          <a:ln w="50800">
+            <a:solidFill>
+              <a:schemeClr val="tx2">
+                <a:lumMod val="40000"/>
+                <a:lumOff val="60000"/>
+              </a:schemeClr>
+            </a:solidFill>
+          </a:ln>
+        </p:spPr>
+        <p:style>
+          <a:lnRef idx="1">
+            <a:schemeClr val="accent1"/>
+          </a:lnRef>
+          <a:fillRef idx="0">
+            <a:schemeClr val="accent1"/>
+          </a:fillRef>
+          <a:effectRef idx="0">
+            <a:schemeClr val="accent1"/>
+          </a:effectRef>
+          <a:fontRef idx="minor">
+            <a:schemeClr val="tx1"/>
+          </a:fontRef>
+        </p:style>
+      </p:cxnSp>
+    </p:spTree>
+    <p:extLst>
+      <p:ext uri="{BB962C8B-B14F-4D97-AF65-F5344CB8AC3E}">
+        <p14:creationId xmlns:p14="http://schemas.microsoft.com/office/powerpoint/2010/main" val="3156610614"/>
+      </p:ext>
+    </p:extLst>
+  </p:cSld>
+  <p:clrMapOvr>
+    <a:masterClrMapping/>
+  </p:clrMapOvr>
+  <mc:AlternateContent xmlns:mc="http://schemas.openxmlformats.org/markup-compatibility/2006">
+    <mc:Choice xmlns:p14="http://schemas.microsoft.com/office/powerpoint/2010/main" Requires="p14">
+      <p:transition spd="med">
+        <p14:prism isContent="1"/>
+      </p:transition>
+    </mc:Choice>
+    <mc:Fallback>
+      <p:transition spd="med">
+        <p:fade/>
+      </p:transition>
+    </mc:Fallback>
+  </mc:AlternateContent>
+  <p:timing>
+    <p:tnLst>
+      <p:par>
+        <p:cTn id="1" dur="indefinite" restart="never" nodeType="tmRoot"/>
+      </p:par>
+    </p:tnLst>
+  </p:timing>
+</p:sld>
+</file>
+
 <file path=ppt/slides/slide2.xml><?xml version="1.0" encoding="utf-8"?>
 <p:sld xmlns:a="http://schemas.openxmlformats.org/drawingml/2006/main" xmlns:r="http://schemas.openxmlformats.org/officeDocument/2006/relationships" xmlns:p="http://schemas.openxmlformats.org/presentationml/2006/main">
   <p:cSld>
@@ -3830,7 +7296,7 @@
 </p:sld>
 </file>
 
-<file path=ppt/slides/slide3.xml><?xml version="1.0" encoding="utf-8"?>
+<file path=ppt/slides/slide20.xml><?xml version="1.0" encoding="utf-8"?>
 <p:sld xmlns:a="http://schemas.openxmlformats.org/drawingml/2006/main" xmlns:r="http://schemas.openxmlformats.org/officeDocument/2006/relationships" xmlns:p="http://schemas.openxmlformats.org/presentationml/2006/main">
   <p:cSld>
     <p:spTree>
@@ -3891,11 +7357,21 @@
           </a:bodyPr>
           <a:lstStyle/>
           <a:p>
-            <a:pPr eaLnBrk="1" hangingPunct="1"/>
+            <a:pPr lvl="1" eaLnBrk="1" hangingPunct="1"/>
             <a:r>
               <a:rPr lang="de-DE" dirty="0"/>
-              <a:t>Einleitung</a:t>
-            </a:r>
+              <a:t>Zusammenfassung</a:t>
+            </a:r>
+            <a:br>
+              <a:rPr lang="de-DE" dirty="0"/>
+            </a:br>
+            <a:r>
+              <a:rPr lang="de-DE" dirty="0" smtClean="0"/>
+              <a:t/>
+            </a:r>
+            <a:br>
+              <a:rPr lang="de-DE" dirty="0" smtClean="0"/>
+            </a:br>
             <a:endParaRPr lang="de-DE" dirty="0" smtClean="0"/>
           </a:p>
         </p:txBody>
@@ -3940,8 +7416,20 @@
                   <a:schemeClr val="tx1"/>
                 </a:solidFill>
               </a:rPr>
-              <a:t>sdf</a:t>
-            </a:r>
+              <a:t>asdf</a:t>
+            </a:r>
+            <a:endParaRPr lang="de-DE" sz="2400" dirty="0">
+              <a:solidFill>
+                <a:schemeClr val="tx1"/>
+              </a:solidFill>
+            </a:endParaRPr>
+          </a:p>
+          <a:p>
+            <a:pPr lvl="1" eaLnBrk="1" hangingPunct="1">
+              <a:buFont typeface="Wingdings" pitchFamily="2" charset="2"/>
+              <a:buChar char="§"/>
+              <a:defRPr/>
+            </a:pPr>
             <a:endParaRPr lang="de-DE" sz="2400" dirty="0" smtClean="0">
               <a:solidFill>
                 <a:schemeClr val="tx1"/>
@@ -4119,22 +7607,340 @@
           </a:fontRef>
         </p:style>
       </p:cxnSp>
+    </p:spTree>
+    <p:extLst>
+      <p:ext uri="{BB962C8B-B14F-4D97-AF65-F5344CB8AC3E}">
+        <p14:creationId xmlns:p14="http://schemas.microsoft.com/office/powerpoint/2010/main" val="304873316"/>
+      </p:ext>
+    </p:extLst>
+  </p:cSld>
+  <p:clrMapOvr>
+    <a:masterClrMapping/>
+  </p:clrMapOvr>
+  <mc:AlternateContent xmlns:mc="http://schemas.openxmlformats.org/markup-compatibility/2006">
+    <mc:Choice xmlns:p14="http://schemas.microsoft.com/office/powerpoint/2010/main" Requires="p14">
+      <p:transition spd="med">
+        <p14:prism isContent="1"/>
+      </p:transition>
+    </mc:Choice>
+    <mc:Fallback>
+      <p:transition spd="med">
+        <p:fade/>
+      </p:transition>
+    </mc:Fallback>
+  </mc:AlternateContent>
+  <p:timing>
+    <p:tnLst>
+      <p:par>
+        <p:cTn id="1" dur="indefinite" restart="never" nodeType="tmRoot"/>
+      </p:par>
+    </p:tnLst>
+  </p:timing>
+</p:sld>
+</file>
+
+<file path=ppt/slides/slide21.xml><?xml version="1.0" encoding="utf-8"?>
+<p:sld xmlns:a="http://schemas.openxmlformats.org/drawingml/2006/main" xmlns:r="http://schemas.openxmlformats.org/officeDocument/2006/relationships" xmlns:p="http://schemas.openxmlformats.org/presentationml/2006/main">
+  <p:cSld>
+    <p:spTree>
+      <p:nvGrpSpPr>
+        <p:cNvPr id="1" name=""/>
+        <p:cNvGrpSpPr/>
+        <p:nvPr/>
+      </p:nvGrpSpPr>
+      <p:grpSpPr>
+        <a:xfrm>
+          <a:off x="0" y="0"/>
+          <a:ext cx="0" cy="0"/>
+          <a:chOff x="0" y="0"/>
+          <a:chExt cx="0" cy="0"/>
+        </a:xfrm>
+      </p:grpSpPr>
       <p:sp>
         <p:nvSpPr>
-          <p:cNvPr id="6" name="Content Placeholder 2"/>
-          <p:cNvSpPr txBox="1">
-            <a:spLocks/>
+          <p:cNvPr id="3075" name="Content Placeholder 2"/>
+          <p:cNvSpPr>
+            <a:spLocks noGrp="1"/>
           </p:cNvSpPr>
-          <p:nvPr/>
+          <p:nvPr>
+            <p:ph idx="1"/>
+          </p:nvPr>
         </p:nvSpPr>
         <p:spPr bwMode="auto">
           <a:xfrm>
-            <a:off x="611560" y="2708920"/>
-            <a:ext cx="8224819" cy="2880319"/>
+            <a:off x="251520" y="2576661"/>
+            <a:ext cx="8229600" cy="4281339"/>
           </a:xfrm>
-          <a:prstGeom prst="rect">
-            <a:avLst/>
-          </a:prstGeom>
+          <a:ln>
+            <a:miter lim="800000"/>
+            <a:headEnd/>
+            <a:tailEnd/>
+          </a:ln>
+        </p:spPr>
+        <p:txBody>
+          <a:bodyPr vert="horz" wrap="square" lIns="91440" tIns="45720" rIns="91440" bIns="45720" numCol="1" anchor="t" anchorCtr="0" compatLnSpc="1">
+            <a:prstTxWarp prst="textNoShape">
+              <a:avLst/>
+            </a:prstTxWarp>
+          </a:bodyPr>
+          <a:lstStyle/>
+          <a:p>
+            <a:pPr marL="457200" lvl="1" indent="0" algn="ctr" eaLnBrk="1" hangingPunct="1">
+              <a:buNone/>
+              <a:defRPr/>
+            </a:pPr>
+            <a:r>
+              <a:rPr lang="de-DE" dirty="0" smtClean="0">
+                <a:solidFill>
+                  <a:schemeClr val="tx1"/>
+                </a:solidFill>
+              </a:rPr>
+              <a:t>Vielen</a:t>
+            </a:r>
+            <a:r>
+              <a:rPr lang="de-DE" sz="3200" dirty="0" smtClean="0">
+                <a:solidFill>
+                  <a:schemeClr val="tx1"/>
+                </a:solidFill>
+              </a:rPr>
+              <a:t> </a:t>
+            </a:r>
+            <a:r>
+              <a:rPr lang="de-DE" dirty="0" smtClean="0">
+                <a:solidFill>
+                  <a:schemeClr val="tx1"/>
+                </a:solidFill>
+              </a:rPr>
+              <a:t>Dank für Ihre Aufmerksamkeit!</a:t>
+            </a:r>
+          </a:p>
+          <a:p>
+            <a:pPr marL="457200" lvl="1" indent="0" algn="ctr" eaLnBrk="1" hangingPunct="1">
+              <a:buNone/>
+              <a:defRPr/>
+            </a:pPr>
+            <a:endParaRPr lang="de-DE" sz="2400" dirty="0" smtClean="0">
+              <a:solidFill>
+                <a:schemeClr val="tx1"/>
+              </a:solidFill>
+            </a:endParaRPr>
+          </a:p>
+          <a:p>
+            <a:pPr marL="457200" lvl="1" indent="0" algn="ctr" eaLnBrk="1" hangingPunct="1">
+              <a:buNone/>
+              <a:defRPr/>
+            </a:pPr>
+            <a:r>
+              <a:rPr lang="de-DE" sz="2400" dirty="0" smtClean="0">
+                <a:solidFill>
+                  <a:schemeClr val="tx1"/>
+                </a:solidFill>
+              </a:rPr>
+              <a:t>Fragen?</a:t>
+            </a:r>
+            <a:endParaRPr lang="de-DE" sz="2400" dirty="0" smtClean="0">
+              <a:solidFill>
+                <a:schemeClr val="tx1"/>
+              </a:solidFill>
+            </a:endParaRPr>
+          </a:p>
+          <a:p>
+            <a:pPr lvl="1" eaLnBrk="1" hangingPunct="1">
+              <a:buFont typeface="Wingdings" pitchFamily="2" charset="2"/>
+              <a:buChar char="§"/>
+              <a:defRPr/>
+            </a:pPr>
+            <a:endParaRPr lang="de-DE" sz="2400" dirty="0">
+              <a:solidFill>
+                <a:schemeClr val="tx1"/>
+              </a:solidFill>
+            </a:endParaRPr>
+          </a:p>
+          <a:p>
+            <a:pPr marL="914400" lvl="2" indent="0" eaLnBrk="1" hangingPunct="1">
+              <a:buNone/>
+              <a:defRPr/>
+            </a:pPr>
+            <a:endParaRPr lang="de-DE" sz="1200" dirty="0" smtClean="0">
+              <a:solidFill>
+                <a:schemeClr val="tx1"/>
+              </a:solidFill>
+            </a:endParaRPr>
+          </a:p>
+          <a:p>
+            <a:pPr lvl="1" eaLnBrk="1" hangingPunct="1">
+              <a:buFont typeface="Wingdings" pitchFamily="2" charset="2"/>
+              <a:buChar char="§"/>
+              <a:defRPr/>
+            </a:pPr>
+            <a:endParaRPr lang="de-DE" sz="2400" dirty="0" smtClean="0">
+              <a:solidFill>
+                <a:schemeClr val="tx1"/>
+              </a:solidFill>
+            </a:endParaRPr>
+          </a:p>
+          <a:p>
+            <a:pPr lvl="2" eaLnBrk="1" hangingPunct="1">
+              <a:buFont typeface="Wingdings" pitchFamily="2" charset="2"/>
+              <a:buChar char="§"/>
+              <a:defRPr/>
+            </a:pPr>
+            <a:endParaRPr lang="de-DE" sz="2000" dirty="0" smtClean="0">
+              <a:solidFill>
+                <a:schemeClr val="tx1"/>
+              </a:solidFill>
+            </a:endParaRPr>
+          </a:p>
+          <a:p>
+            <a:pPr marL="457200" lvl="1" indent="0" eaLnBrk="1" hangingPunct="1">
+              <a:buNone/>
+              <a:defRPr/>
+            </a:pPr>
+            <a:r>
+              <a:rPr lang="de-DE" sz="2400" dirty="0" smtClean="0">
+                <a:solidFill>
+                  <a:srgbClr val="333333"/>
+                </a:solidFill>
+              </a:rPr>
+              <a:t/>
+            </a:r>
+            <a:br>
+              <a:rPr lang="de-DE" sz="2400" dirty="0" smtClean="0">
+                <a:solidFill>
+                  <a:srgbClr val="333333"/>
+                </a:solidFill>
+              </a:rPr>
+            </a:br>
+            <a:endParaRPr lang="de-DE" sz="2400" dirty="0" smtClean="0">
+              <a:solidFill>
+                <a:srgbClr val="333333"/>
+              </a:solidFill>
+            </a:endParaRPr>
+          </a:p>
+          <a:p>
+            <a:pPr marL="457200" lvl="1" indent="0" eaLnBrk="1" hangingPunct="1">
+              <a:buNone/>
+              <a:defRPr/>
+            </a:pPr>
+            <a:endParaRPr lang="de-DE" sz="1800" dirty="0" smtClean="0">
+              <a:solidFill>
+                <a:schemeClr val="tx1"/>
+              </a:solidFill>
+            </a:endParaRPr>
+          </a:p>
+          <a:p>
+            <a:pPr lvl="1" eaLnBrk="1" hangingPunct="1">
+              <a:buFont typeface="Wingdings" pitchFamily="2" charset="2"/>
+              <a:buChar char="§"/>
+              <a:defRPr/>
+            </a:pPr>
+            <a:endParaRPr lang="de-DE" sz="1800" dirty="0" smtClean="0">
+              <a:solidFill>
+                <a:schemeClr val="tx1"/>
+              </a:solidFill>
+            </a:endParaRPr>
+          </a:p>
+          <a:p>
+            <a:pPr marL="457200" lvl="1" indent="0" eaLnBrk="1" hangingPunct="1">
+              <a:buNone/>
+              <a:defRPr/>
+            </a:pPr>
+            <a:endParaRPr lang="de-DE" sz="1800" dirty="0" smtClean="0">
+              <a:solidFill>
+                <a:schemeClr val="tx1"/>
+              </a:solidFill>
+            </a:endParaRPr>
+          </a:p>
+          <a:p>
+            <a:pPr lvl="1" eaLnBrk="1" hangingPunct="1">
+              <a:buFont typeface="Wingdings" pitchFamily="2" charset="2"/>
+              <a:buChar char="§"/>
+              <a:defRPr/>
+            </a:pPr>
+            <a:endParaRPr lang="de-DE" sz="1800" dirty="0" smtClean="0"/>
+          </a:p>
+          <a:p>
+            <a:pPr lvl="3" eaLnBrk="1" hangingPunct="1">
+              <a:buFont typeface="Arial" pitchFamily="34" charset="0"/>
+              <a:buChar char="•"/>
+              <a:defRPr/>
+            </a:pPr>
+            <a:endParaRPr lang="de-DE" dirty="0" smtClean="0"/>
+          </a:p>
+          <a:p>
+            <a:pPr lvl="2" eaLnBrk="1" hangingPunct="1">
+              <a:buFont typeface="Arial" pitchFamily="34" charset="0"/>
+              <a:buChar char="•"/>
+              <a:defRPr/>
+            </a:pPr>
+            <a:endParaRPr lang="de-DE" sz="1800" dirty="0" smtClean="0"/>
+          </a:p>
+        </p:txBody>
+      </p:sp>
+    </p:spTree>
+    <p:extLst>
+      <p:ext uri="{BB962C8B-B14F-4D97-AF65-F5344CB8AC3E}">
+        <p14:creationId xmlns:p14="http://schemas.microsoft.com/office/powerpoint/2010/main" val="99329583"/>
+      </p:ext>
+    </p:extLst>
+  </p:cSld>
+  <p:clrMapOvr>
+    <a:masterClrMapping/>
+  </p:clrMapOvr>
+  <mc:AlternateContent xmlns:mc="http://schemas.openxmlformats.org/markup-compatibility/2006">
+    <mc:Choice xmlns:p14="http://schemas.microsoft.com/office/powerpoint/2010/main" Requires="p14">
+      <p:transition spd="med">
+        <p14:prism isContent="1"/>
+      </p:transition>
+    </mc:Choice>
+    <mc:Fallback>
+      <p:transition spd="med">
+        <p:fade/>
+      </p:transition>
+    </mc:Fallback>
+  </mc:AlternateContent>
+  <p:timing>
+    <p:tnLst>
+      <p:par>
+        <p:cTn id="1" dur="indefinite" restart="never" nodeType="tmRoot"/>
+      </p:par>
+    </p:tnLst>
+  </p:timing>
+</p:sld>
+</file>
+
+<file path=ppt/slides/slide3.xml><?xml version="1.0" encoding="utf-8"?>
+<p:sld xmlns:a="http://schemas.openxmlformats.org/drawingml/2006/main" xmlns:r="http://schemas.openxmlformats.org/officeDocument/2006/relationships" xmlns:p="http://schemas.openxmlformats.org/presentationml/2006/main">
+  <p:cSld>
+    <p:spTree>
+      <p:nvGrpSpPr>
+        <p:cNvPr id="1" name=""/>
+        <p:cNvGrpSpPr/>
+        <p:nvPr/>
+      </p:nvGrpSpPr>
+      <p:grpSpPr>
+        <a:xfrm>
+          <a:off x="0" y="0"/>
+          <a:ext cx="0" cy="0"/>
+          <a:chOff x="0" y="0"/>
+          <a:chExt cx="0" cy="0"/>
+        </a:xfrm>
+      </p:grpSpPr>
+      <p:sp>
+        <p:nvSpPr>
+          <p:cNvPr id="14338" name="Title 1"/>
+          <p:cNvSpPr>
+            <a:spLocks noGrp="1"/>
+          </p:cNvSpPr>
+          <p:nvPr>
+            <p:ph type="title"/>
+          </p:nvPr>
+        </p:nvSpPr>
+        <p:spPr bwMode="auto">
+          <a:xfrm>
+            <a:off x="457200" y="857250"/>
+            <a:ext cx="8229600" cy="560388"/>
+          </a:xfrm>
           <a:noFill/>
           <a:extLst>
             <a:ext uri="{909E8E84-426E-40DD-AFC4-6F175D3DCCD1}">
@@ -4162,207 +7968,248 @@
               <a:avLst/>
             </a:prstTxWarp>
           </a:bodyPr>
-          <a:lstStyle>
-            <a:lvl1pPr marL="342900" indent="-342900" algn="l" rtl="0" eaLnBrk="0" fontAlgn="base" hangingPunct="0">
-              <a:spcBef>
-                <a:spcPct val="20000"/>
-              </a:spcBef>
-              <a:spcAft>
-                <a:spcPct val="0"/>
-              </a:spcAft>
-              <a:buChar char="•"/>
-              <a:defRPr sz="2000">
-                <a:solidFill>
-                  <a:schemeClr val="tx2"/>
-                </a:solidFill>
-                <a:latin typeface="+mn-lt"/>
-                <a:ea typeface="+mn-ea"/>
-                <a:cs typeface="+mn-cs"/>
-              </a:defRPr>
-            </a:lvl1pPr>
-            <a:lvl2pPr marL="742950" indent="-285750" algn="l" rtl="0" eaLnBrk="0" fontAlgn="base" hangingPunct="0">
-              <a:spcBef>
-                <a:spcPct val="20000"/>
-              </a:spcBef>
-              <a:spcAft>
-                <a:spcPct val="0"/>
-              </a:spcAft>
-              <a:buChar char="–"/>
-              <a:defRPr sz="2800">
-                <a:solidFill>
-                  <a:schemeClr val="tx2"/>
-                </a:solidFill>
-                <a:latin typeface="+mn-lt"/>
-              </a:defRPr>
-            </a:lvl2pPr>
-            <a:lvl3pPr marL="1143000" indent="-228600" algn="l" rtl="0" eaLnBrk="0" fontAlgn="base" hangingPunct="0">
-              <a:spcBef>
-                <a:spcPct val="20000"/>
-              </a:spcBef>
-              <a:spcAft>
-                <a:spcPct val="0"/>
-              </a:spcAft>
-              <a:buChar char="•"/>
-              <a:defRPr sz="1600">
-                <a:solidFill>
-                  <a:schemeClr val="tx2"/>
-                </a:solidFill>
-                <a:latin typeface="+mn-lt"/>
-              </a:defRPr>
-            </a:lvl3pPr>
-            <a:lvl4pPr marL="1562100" indent="-228600" algn="l" rtl="0" eaLnBrk="0" fontAlgn="base" hangingPunct="0">
-              <a:spcBef>
-                <a:spcPct val="20000"/>
-              </a:spcBef>
-              <a:spcAft>
-                <a:spcPct val="0"/>
-              </a:spcAft>
-              <a:buChar char="–"/>
-              <a:defRPr sz="1400">
-                <a:solidFill>
-                  <a:schemeClr val="tx2"/>
-                </a:solidFill>
-                <a:latin typeface="+mn-lt"/>
-              </a:defRPr>
-            </a:lvl4pPr>
-            <a:lvl5pPr marL="1979613" indent="-227013" algn="l" rtl="0" eaLnBrk="0" fontAlgn="base" hangingPunct="0">
-              <a:spcBef>
-                <a:spcPct val="20000"/>
-              </a:spcBef>
-              <a:spcAft>
-                <a:spcPct val="0"/>
-              </a:spcAft>
-              <a:buChar char="»"/>
-              <a:defRPr sz="1400">
-                <a:solidFill>
-                  <a:schemeClr val="tx2"/>
-                </a:solidFill>
-                <a:latin typeface="+mn-lt"/>
-              </a:defRPr>
-            </a:lvl5pPr>
-            <a:lvl6pPr marL="2436813" indent="-227013" algn="l" rtl="0" fontAlgn="base">
-              <a:spcBef>
-                <a:spcPct val="20000"/>
-              </a:spcBef>
-              <a:spcAft>
-                <a:spcPct val="0"/>
-              </a:spcAft>
-              <a:buChar char="»"/>
-              <a:defRPr sz="1400">
-                <a:solidFill>
-                  <a:schemeClr val="tx2"/>
-                </a:solidFill>
-                <a:latin typeface="+mn-lt"/>
-              </a:defRPr>
-            </a:lvl6pPr>
-            <a:lvl7pPr marL="2894013" indent="-227013" algn="l" rtl="0" fontAlgn="base">
-              <a:spcBef>
-                <a:spcPct val="20000"/>
-              </a:spcBef>
-              <a:spcAft>
-                <a:spcPct val="0"/>
-              </a:spcAft>
-              <a:buChar char="»"/>
-              <a:defRPr sz="1400">
-                <a:solidFill>
-                  <a:schemeClr val="tx2"/>
-                </a:solidFill>
-                <a:latin typeface="+mn-lt"/>
-              </a:defRPr>
-            </a:lvl7pPr>
-            <a:lvl8pPr marL="3351213" indent="-227013" algn="l" rtl="0" fontAlgn="base">
-              <a:spcBef>
-                <a:spcPct val="20000"/>
-              </a:spcBef>
-              <a:spcAft>
-                <a:spcPct val="0"/>
-              </a:spcAft>
-              <a:buChar char="»"/>
-              <a:defRPr sz="1400">
-                <a:solidFill>
-                  <a:schemeClr val="tx2"/>
-                </a:solidFill>
-                <a:latin typeface="+mn-lt"/>
-              </a:defRPr>
-            </a:lvl8pPr>
-            <a:lvl9pPr marL="3808413" indent="-227013" algn="l" rtl="0" fontAlgn="base">
-              <a:spcBef>
-                <a:spcPct val="20000"/>
-              </a:spcBef>
-              <a:spcAft>
-                <a:spcPct val="0"/>
-              </a:spcAft>
-              <a:buChar char="»"/>
-              <a:defRPr sz="1400">
-                <a:solidFill>
-                  <a:schemeClr val="tx2"/>
-                </a:solidFill>
-                <a:latin typeface="+mn-lt"/>
-              </a:defRPr>
-            </a:lvl9pPr>
-          </a:lstStyle>
+          <a:lstStyle/>
           <a:p>
             <a:pPr eaLnBrk="1" hangingPunct="1"/>
             <a:r>
-              <a:rPr lang="en-US" kern="0" dirty="0" err="1" smtClean="0"/>
-              <a:t>sdf</a:t>
-            </a:r>
-            <a:endParaRPr lang="en-US" kern="0" dirty="0" smtClean="0"/>
-          </a:p>
-          <a:p>
-            <a:pPr eaLnBrk="1" hangingPunct="1"/>
-            <a:endParaRPr lang="en-US" kern="0" dirty="0"/>
-          </a:p>
-          <a:p>
-            <a:pPr eaLnBrk="1" hangingPunct="1"/>
-            <a:r>
-              <a:rPr lang="en-US" kern="0" dirty="0" err="1" smtClean="0"/>
-              <a:t>sdf</a:t>
-            </a:r>
-            <a:endParaRPr lang="en-US" kern="0" dirty="0" smtClean="0"/>
-          </a:p>
-          <a:p>
-            <a:pPr eaLnBrk="1" hangingPunct="1"/>
-            <a:endParaRPr lang="en-US" kern="0" dirty="0"/>
-          </a:p>
-          <a:p>
-            <a:pPr eaLnBrk="1" hangingPunct="1"/>
-            <a:r>
-              <a:rPr lang="en-US" kern="0" dirty="0" err="1" smtClean="0"/>
-              <a:t>sdf</a:t>
-            </a:r>
-            <a:endParaRPr lang="en-US" kern="0" dirty="0" smtClean="0"/>
-          </a:p>
-          <a:p>
-            <a:pPr eaLnBrk="1" hangingPunct="1"/>
-            <a:endParaRPr lang="en-US" kern="0" dirty="0"/>
-          </a:p>
-          <a:p>
-            <a:pPr eaLnBrk="1" hangingPunct="1"/>
-            <a:endParaRPr lang="en-US" kern="0" dirty="0" smtClean="0"/>
-          </a:p>
-          <a:p>
-            <a:pPr eaLnBrk="1" hangingPunct="1"/>
-            <a:r>
-              <a:rPr lang="en-US" kern="0" dirty="0" err="1" smtClean="0"/>
-              <a:t>sdf</a:t>
-            </a:r>
-            <a:endParaRPr lang="en-US" kern="0" dirty="0" smtClean="0"/>
-          </a:p>
-          <a:p>
-            <a:pPr eaLnBrk="1" hangingPunct="1"/>
-            <a:endParaRPr lang="en-US" kern="0" dirty="0"/>
-          </a:p>
-          <a:p>
-            <a:pPr eaLnBrk="1" hangingPunct="1"/>
-            <a:endParaRPr lang="en-US" kern="0" dirty="0" smtClean="0"/>
-          </a:p>
-          <a:p>
-            <a:pPr eaLnBrk="1" hangingPunct="1"/>
-            <a:endParaRPr lang="en-US" kern="0" dirty="0" smtClean="0"/>
+              <a:rPr lang="de-DE" dirty="0"/>
+              <a:t>Einleitung</a:t>
+            </a:r>
+            <a:endParaRPr lang="de-DE" dirty="0" smtClean="0"/>
           </a:p>
         </p:txBody>
       </p:sp>
+      <p:sp>
+        <p:nvSpPr>
+          <p:cNvPr id="3075" name="Content Placeholder 2"/>
+          <p:cNvSpPr>
+            <a:spLocks noGrp="1"/>
+          </p:cNvSpPr>
+          <p:nvPr>
+            <p:ph idx="1"/>
+          </p:nvPr>
+        </p:nvSpPr>
+        <p:spPr bwMode="auto">
+          <a:xfrm>
+            <a:off x="457200" y="1844824"/>
+            <a:ext cx="8229600" cy="4281339"/>
+          </a:xfrm>
+          <a:ln>
+            <a:miter lim="800000"/>
+            <a:headEnd/>
+            <a:tailEnd/>
+          </a:ln>
+        </p:spPr>
+        <p:txBody>
+          <a:bodyPr vert="horz" wrap="square" lIns="91440" tIns="45720" rIns="91440" bIns="45720" numCol="1" anchor="t" anchorCtr="0" compatLnSpc="1">
+            <a:prstTxWarp prst="textNoShape">
+              <a:avLst/>
+            </a:prstTxWarp>
+          </a:bodyPr>
+          <a:lstStyle/>
+          <a:p>
+            <a:pPr lvl="1" eaLnBrk="1" hangingPunct="1">
+              <a:buFont typeface="Wingdings" pitchFamily="2" charset="2"/>
+              <a:buChar char="§"/>
+              <a:defRPr/>
+            </a:pPr>
+            <a:r>
+              <a:rPr lang="de-DE" sz="2400" dirty="0" err="1" smtClean="0">
+                <a:solidFill>
+                  <a:schemeClr val="tx1"/>
+                </a:solidFill>
+              </a:rPr>
+              <a:t>asdf</a:t>
+            </a:r>
+            <a:endParaRPr lang="de-DE" sz="2400" dirty="0">
+              <a:solidFill>
+                <a:schemeClr val="tx1"/>
+              </a:solidFill>
+            </a:endParaRPr>
+          </a:p>
+          <a:p>
+            <a:pPr lvl="1" eaLnBrk="1" hangingPunct="1">
+              <a:buFont typeface="Wingdings" pitchFamily="2" charset="2"/>
+              <a:buChar char="§"/>
+              <a:defRPr/>
+            </a:pPr>
+            <a:endParaRPr lang="de-DE" sz="2400" dirty="0" smtClean="0">
+              <a:solidFill>
+                <a:schemeClr val="tx1"/>
+              </a:solidFill>
+            </a:endParaRPr>
+          </a:p>
+          <a:p>
+            <a:pPr lvl="1" eaLnBrk="1" hangingPunct="1">
+              <a:buFont typeface="Wingdings" pitchFamily="2" charset="2"/>
+              <a:buChar char="§"/>
+              <a:defRPr/>
+            </a:pPr>
+            <a:endParaRPr lang="de-DE" sz="2400" dirty="0">
+              <a:solidFill>
+                <a:schemeClr val="tx1"/>
+              </a:solidFill>
+            </a:endParaRPr>
+          </a:p>
+          <a:p>
+            <a:pPr marL="914400" lvl="2" indent="0" eaLnBrk="1" hangingPunct="1">
+              <a:buNone/>
+              <a:defRPr/>
+            </a:pPr>
+            <a:endParaRPr lang="de-DE" sz="1200" dirty="0" smtClean="0">
+              <a:solidFill>
+                <a:schemeClr val="tx1"/>
+              </a:solidFill>
+            </a:endParaRPr>
+          </a:p>
+          <a:p>
+            <a:pPr lvl="1" eaLnBrk="1" hangingPunct="1">
+              <a:buFont typeface="Wingdings" pitchFamily="2" charset="2"/>
+              <a:buChar char="§"/>
+              <a:defRPr/>
+            </a:pPr>
+            <a:endParaRPr lang="de-DE" sz="2400" dirty="0" smtClean="0">
+              <a:solidFill>
+                <a:schemeClr val="tx1"/>
+              </a:solidFill>
+            </a:endParaRPr>
+          </a:p>
+          <a:p>
+            <a:pPr lvl="2" eaLnBrk="1" hangingPunct="1">
+              <a:buFont typeface="Wingdings" pitchFamily="2" charset="2"/>
+              <a:buChar char="§"/>
+              <a:defRPr/>
+            </a:pPr>
+            <a:endParaRPr lang="de-DE" sz="2000" dirty="0" smtClean="0">
+              <a:solidFill>
+                <a:schemeClr val="tx1"/>
+              </a:solidFill>
+            </a:endParaRPr>
+          </a:p>
+          <a:p>
+            <a:pPr marL="457200" lvl="1" indent="0" eaLnBrk="1" hangingPunct="1">
+              <a:buNone/>
+              <a:defRPr/>
+            </a:pPr>
+            <a:r>
+              <a:rPr lang="de-DE" sz="2400" dirty="0" smtClean="0">
+                <a:solidFill>
+                  <a:srgbClr val="333333"/>
+                </a:solidFill>
+              </a:rPr>
+              <a:t/>
+            </a:r>
+            <a:br>
+              <a:rPr lang="de-DE" sz="2400" dirty="0" smtClean="0">
+                <a:solidFill>
+                  <a:srgbClr val="333333"/>
+                </a:solidFill>
+              </a:rPr>
+            </a:br>
+            <a:endParaRPr lang="de-DE" sz="2400" dirty="0" smtClean="0">
+              <a:solidFill>
+                <a:srgbClr val="333333"/>
+              </a:solidFill>
+            </a:endParaRPr>
+          </a:p>
+          <a:p>
+            <a:pPr marL="457200" lvl="1" indent="0" eaLnBrk="1" hangingPunct="1">
+              <a:buNone/>
+              <a:defRPr/>
+            </a:pPr>
+            <a:endParaRPr lang="de-DE" sz="1800" dirty="0" smtClean="0">
+              <a:solidFill>
+                <a:schemeClr val="tx1"/>
+              </a:solidFill>
+            </a:endParaRPr>
+          </a:p>
+          <a:p>
+            <a:pPr lvl="1" eaLnBrk="1" hangingPunct="1">
+              <a:buFont typeface="Wingdings" pitchFamily="2" charset="2"/>
+              <a:buChar char="§"/>
+              <a:defRPr/>
+            </a:pPr>
+            <a:endParaRPr lang="de-DE" sz="1800" dirty="0" smtClean="0">
+              <a:solidFill>
+                <a:schemeClr val="tx1"/>
+              </a:solidFill>
+            </a:endParaRPr>
+          </a:p>
+          <a:p>
+            <a:pPr marL="457200" lvl="1" indent="0" eaLnBrk="1" hangingPunct="1">
+              <a:buNone/>
+              <a:defRPr/>
+            </a:pPr>
+            <a:endParaRPr lang="de-DE" sz="1800" dirty="0" smtClean="0">
+              <a:solidFill>
+                <a:schemeClr val="tx1"/>
+              </a:solidFill>
+            </a:endParaRPr>
+          </a:p>
+          <a:p>
+            <a:pPr lvl="1" eaLnBrk="1" hangingPunct="1">
+              <a:buFont typeface="Wingdings" pitchFamily="2" charset="2"/>
+              <a:buChar char="§"/>
+              <a:defRPr/>
+            </a:pPr>
+            <a:endParaRPr lang="de-DE" sz="1800" dirty="0" smtClean="0"/>
+          </a:p>
+          <a:p>
+            <a:pPr lvl="3" eaLnBrk="1" hangingPunct="1">
+              <a:buFont typeface="Arial" pitchFamily="34" charset="0"/>
+              <a:buChar char="•"/>
+              <a:defRPr/>
+            </a:pPr>
+            <a:endParaRPr lang="de-DE" dirty="0" smtClean="0"/>
+          </a:p>
+          <a:p>
+            <a:pPr lvl="2" eaLnBrk="1" hangingPunct="1">
+              <a:buFont typeface="Arial" pitchFamily="34" charset="0"/>
+              <a:buChar char="•"/>
+              <a:defRPr/>
+            </a:pPr>
+            <a:endParaRPr lang="de-DE" sz="1800" dirty="0" smtClean="0"/>
+          </a:p>
+        </p:txBody>
+      </p:sp>
+      <p:cxnSp>
+        <p:nvCxnSpPr>
+          <p:cNvPr id="5" name="Straight Connector 4"/>
+          <p:cNvCxnSpPr/>
+          <p:nvPr/>
+        </p:nvCxnSpPr>
+        <p:spPr>
+          <a:xfrm>
+            <a:off x="428625" y="1285875"/>
+            <a:ext cx="6929438" cy="1588"/>
+          </a:xfrm>
+          <a:prstGeom prst="line">
+            <a:avLst/>
+          </a:prstGeom>
+          <a:ln w="50800">
+            <a:solidFill>
+              <a:schemeClr val="tx2">
+                <a:lumMod val="40000"/>
+                <a:lumOff val="60000"/>
+              </a:schemeClr>
+            </a:solidFill>
+          </a:ln>
+        </p:spPr>
+        <p:style>
+          <a:lnRef idx="1">
+            <a:schemeClr val="accent1"/>
+          </a:lnRef>
+          <a:fillRef idx="0">
+            <a:schemeClr val="accent1"/>
+          </a:fillRef>
+          <a:effectRef idx="0">
+            <a:schemeClr val="accent1"/>
+          </a:effectRef>
+          <a:fontRef idx="minor">
+            <a:schemeClr val="tx1"/>
+          </a:fontRef>
+        </p:style>
+      </p:cxnSp>
     </p:spTree>
     <p:extLst>
       <p:ext uri="{BB962C8B-B14F-4D97-AF65-F5344CB8AC3E}">
@@ -4458,8 +8305,8 @@
           <a:p>
             <a:pPr eaLnBrk="1" hangingPunct="1"/>
             <a:r>
-              <a:rPr lang="de-DE" dirty="0" err="1" smtClean="0"/>
-              <a:t>sdfasdf</a:t>
+              <a:rPr lang="de-DE" dirty="0"/>
+              <a:t>Projektbeschreibung</a:t>
             </a:r>
             <a:endParaRPr lang="de-DE" dirty="0" smtClean="0"/>
           </a:p>
@@ -4505,8 +8352,20 @@
                   <a:schemeClr val="tx1"/>
                 </a:solidFill>
               </a:rPr>
-              <a:t>sdf</a:t>
-            </a:r>
+              <a:t>asdf</a:t>
+            </a:r>
+            <a:endParaRPr lang="de-DE" sz="2400" dirty="0">
+              <a:solidFill>
+                <a:schemeClr val="tx1"/>
+              </a:solidFill>
+            </a:endParaRPr>
+          </a:p>
+          <a:p>
+            <a:pPr lvl="1" eaLnBrk="1" hangingPunct="1">
+              <a:buFont typeface="Wingdings" pitchFamily="2" charset="2"/>
+              <a:buChar char="§"/>
+              <a:defRPr/>
+            </a:pPr>
             <a:endParaRPr lang="de-DE" sz="2400" dirty="0" smtClean="0">
               <a:solidFill>
                 <a:schemeClr val="tx1"/>
@@ -4684,267 +8543,23 @@
           </a:fontRef>
         </p:style>
       </p:cxnSp>
-      <p:sp>
-        <p:nvSpPr>
-          <p:cNvPr id="6" name="Content Placeholder 2"/>
-          <p:cNvSpPr txBox="1">
-            <a:spLocks/>
-          </p:cNvSpPr>
-          <p:nvPr/>
-        </p:nvSpPr>
-        <p:spPr bwMode="auto">
-          <a:xfrm>
-            <a:off x="611560" y="2708920"/>
-            <a:ext cx="8224819" cy="2880319"/>
-          </a:xfrm>
-          <a:prstGeom prst="rect">
-            <a:avLst/>
-          </a:prstGeom>
-          <a:noFill/>
-          <a:extLst>
-            <a:ext uri="{909E8E84-426E-40DD-AFC4-6F175D3DCCD1}">
-              <a14:hiddenFill xmlns:a14="http://schemas.microsoft.com/office/drawing/2010/main">
-                <a:solidFill>
-                  <a:srgbClr val="FFFFFF"/>
-                </a:solidFill>
-              </a14:hiddenFill>
-            </a:ext>
-            <a:ext uri="{91240B29-F687-4F45-9708-019B960494DF}">
-              <a14:hiddenLine xmlns:a14="http://schemas.microsoft.com/office/drawing/2010/main" w="9525">
-                <a:solidFill>
-                  <a:srgbClr val="000000"/>
-                </a:solidFill>
-                <a:miter lim="800000"/>
-                <a:headEnd/>
-                <a:tailEnd/>
-              </a14:hiddenLine>
-            </a:ext>
-          </a:extLst>
-        </p:spPr>
-        <p:txBody>
-          <a:bodyPr vert="horz" wrap="square" lIns="91440" tIns="45720" rIns="91440" bIns="45720" numCol="1" anchor="t" anchorCtr="0" compatLnSpc="1">
-            <a:prstTxWarp prst="textNoShape">
-              <a:avLst/>
-            </a:prstTxWarp>
-          </a:bodyPr>
-          <a:lstStyle>
-            <a:lvl1pPr marL="342900" indent="-342900" algn="l" rtl="0" eaLnBrk="0" fontAlgn="base" hangingPunct="0">
-              <a:spcBef>
-                <a:spcPct val="20000"/>
-              </a:spcBef>
-              <a:spcAft>
-                <a:spcPct val="0"/>
-              </a:spcAft>
-              <a:buChar char="•"/>
-              <a:defRPr sz="2000">
-                <a:solidFill>
-                  <a:schemeClr val="tx2"/>
-                </a:solidFill>
-                <a:latin typeface="+mn-lt"/>
-                <a:ea typeface="+mn-ea"/>
-                <a:cs typeface="+mn-cs"/>
-              </a:defRPr>
-            </a:lvl1pPr>
-            <a:lvl2pPr marL="742950" indent="-285750" algn="l" rtl="0" eaLnBrk="0" fontAlgn="base" hangingPunct="0">
-              <a:spcBef>
-                <a:spcPct val="20000"/>
-              </a:spcBef>
-              <a:spcAft>
-                <a:spcPct val="0"/>
-              </a:spcAft>
-              <a:buChar char="–"/>
-              <a:defRPr sz="2800">
-                <a:solidFill>
-                  <a:schemeClr val="tx2"/>
-                </a:solidFill>
-                <a:latin typeface="+mn-lt"/>
-              </a:defRPr>
-            </a:lvl2pPr>
-            <a:lvl3pPr marL="1143000" indent="-228600" algn="l" rtl="0" eaLnBrk="0" fontAlgn="base" hangingPunct="0">
-              <a:spcBef>
-                <a:spcPct val="20000"/>
-              </a:spcBef>
-              <a:spcAft>
-                <a:spcPct val="0"/>
-              </a:spcAft>
-              <a:buChar char="•"/>
-              <a:defRPr sz="1600">
-                <a:solidFill>
-                  <a:schemeClr val="tx2"/>
-                </a:solidFill>
-                <a:latin typeface="+mn-lt"/>
-              </a:defRPr>
-            </a:lvl3pPr>
-            <a:lvl4pPr marL="1562100" indent="-228600" algn="l" rtl="0" eaLnBrk="0" fontAlgn="base" hangingPunct="0">
-              <a:spcBef>
-                <a:spcPct val="20000"/>
-              </a:spcBef>
-              <a:spcAft>
-                <a:spcPct val="0"/>
-              </a:spcAft>
-              <a:buChar char="–"/>
-              <a:defRPr sz="1400">
-                <a:solidFill>
-                  <a:schemeClr val="tx2"/>
-                </a:solidFill>
-                <a:latin typeface="+mn-lt"/>
-              </a:defRPr>
-            </a:lvl4pPr>
-            <a:lvl5pPr marL="1979613" indent="-227013" algn="l" rtl="0" eaLnBrk="0" fontAlgn="base" hangingPunct="0">
-              <a:spcBef>
-                <a:spcPct val="20000"/>
-              </a:spcBef>
-              <a:spcAft>
-                <a:spcPct val="0"/>
-              </a:spcAft>
-              <a:buChar char="»"/>
-              <a:defRPr sz="1400">
-                <a:solidFill>
-                  <a:schemeClr val="tx2"/>
-                </a:solidFill>
-                <a:latin typeface="+mn-lt"/>
-              </a:defRPr>
-            </a:lvl5pPr>
-            <a:lvl6pPr marL="2436813" indent="-227013" algn="l" rtl="0" fontAlgn="base">
-              <a:spcBef>
-                <a:spcPct val="20000"/>
-              </a:spcBef>
-              <a:spcAft>
-                <a:spcPct val="0"/>
-              </a:spcAft>
-              <a:buChar char="»"/>
-              <a:defRPr sz="1400">
-                <a:solidFill>
-                  <a:schemeClr val="tx2"/>
-                </a:solidFill>
-                <a:latin typeface="+mn-lt"/>
-              </a:defRPr>
-            </a:lvl6pPr>
-            <a:lvl7pPr marL="2894013" indent="-227013" algn="l" rtl="0" fontAlgn="base">
-              <a:spcBef>
-                <a:spcPct val="20000"/>
-              </a:spcBef>
-              <a:spcAft>
-                <a:spcPct val="0"/>
-              </a:spcAft>
-              <a:buChar char="»"/>
-              <a:defRPr sz="1400">
-                <a:solidFill>
-                  <a:schemeClr val="tx2"/>
-                </a:solidFill>
-                <a:latin typeface="+mn-lt"/>
-              </a:defRPr>
-            </a:lvl7pPr>
-            <a:lvl8pPr marL="3351213" indent="-227013" algn="l" rtl="0" fontAlgn="base">
-              <a:spcBef>
-                <a:spcPct val="20000"/>
-              </a:spcBef>
-              <a:spcAft>
-                <a:spcPct val="0"/>
-              </a:spcAft>
-              <a:buChar char="»"/>
-              <a:defRPr sz="1400">
-                <a:solidFill>
-                  <a:schemeClr val="tx2"/>
-                </a:solidFill>
-                <a:latin typeface="+mn-lt"/>
-              </a:defRPr>
-            </a:lvl8pPr>
-            <a:lvl9pPr marL="3808413" indent="-227013" algn="l" rtl="0" fontAlgn="base">
-              <a:spcBef>
-                <a:spcPct val="20000"/>
-              </a:spcBef>
-              <a:spcAft>
-                <a:spcPct val="0"/>
-              </a:spcAft>
-              <a:buChar char="»"/>
-              <a:defRPr sz="1400">
-                <a:solidFill>
-                  <a:schemeClr val="tx2"/>
-                </a:solidFill>
-                <a:latin typeface="+mn-lt"/>
-              </a:defRPr>
-            </a:lvl9pPr>
-          </a:lstStyle>
-          <a:p>
-            <a:pPr eaLnBrk="1" hangingPunct="1"/>
-            <a:r>
-              <a:rPr lang="en-US" kern="0" dirty="0" err="1" smtClean="0"/>
-              <a:t>sdf</a:t>
-            </a:r>
-            <a:endParaRPr lang="en-US" kern="0" dirty="0" smtClean="0"/>
-          </a:p>
-          <a:p>
-            <a:pPr eaLnBrk="1" hangingPunct="1"/>
-            <a:endParaRPr lang="en-US" kern="0" dirty="0"/>
-          </a:p>
-          <a:p>
-            <a:pPr eaLnBrk="1" hangingPunct="1"/>
-            <a:r>
-              <a:rPr lang="en-US" kern="0" dirty="0" err="1" smtClean="0"/>
-              <a:t>sdf</a:t>
-            </a:r>
-            <a:endParaRPr lang="en-US" kern="0" dirty="0" smtClean="0"/>
-          </a:p>
-          <a:p>
-            <a:pPr eaLnBrk="1" hangingPunct="1"/>
-            <a:endParaRPr lang="en-US" kern="0" dirty="0"/>
-          </a:p>
-          <a:p>
-            <a:pPr eaLnBrk="1" hangingPunct="1"/>
-            <a:r>
-              <a:rPr lang="en-US" kern="0" dirty="0" err="1" smtClean="0"/>
-              <a:t>sdf</a:t>
-            </a:r>
-            <a:endParaRPr lang="en-US" kern="0" dirty="0" smtClean="0"/>
-          </a:p>
-          <a:p>
-            <a:pPr eaLnBrk="1" hangingPunct="1"/>
-            <a:endParaRPr lang="en-US" kern="0" dirty="0"/>
-          </a:p>
-          <a:p>
-            <a:pPr eaLnBrk="1" hangingPunct="1"/>
-            <a:endParaRPr lang="en-US" kern="0" dirty="0" smtClean="0"/>
-          </a:p>
-          <a:p>
-            <a:pPr eaLnBrk="1" hangingPunct="1"/>
-            <a:r>
-              <a:rPr lang="en-US" kern="0" dirty="0" err="1" smtClean="0"/>
-              <a:t>sdf</a:t>
-            </a:r>
-            <a:endParaRPr lang="en-US" kern="0" dirty="0" smtClean="0"/>
-          </a:p>
-          <a:p>
-            <a:pPr eaLnBrk="1" hangingPunct="1"/>
-            <a:endParaRPr lang="en-US" kern="0" dirty="0"/>
-          </a:p>
-          <a:p>
-            <a:pPr eaLnBrk="1" hangingPunct="1"/>
-            <a:endParaRPr lang="en-US" kern="0" dirty="0" smtClean="0"/>
-          </a:p>
-          <a:p>
-            <a:pPr eaLnBrk="1" hangingPunct="1"/>
-            <a:endParaRPr lang="en-US" kern="0" dirty="0" smtClean="0"/>
-          </a:p>
-        </p:txBody>
-      </p:sp>
     </p:spTree>
     <p:extLst>
       <p:ext uri="{BB962C8B-B14F-4D97-AF65-F5344CB8AC3E}">
-        <p14:creationId xmlns:p14="http://schemas.microsoft.com/office/powerpoint/2010/main" val="804506421"/>
+        <p14:creationId xmlns:p14="http://schemas.microsoft.com/office/powerpoint/2010/main" val="2355734907"/>
       </p:ext>
     </p:extLst>
   </p:cSld>
   <p:clrMapOvr>
     <a:masterClrMapping/>
   </p:clrMapOvr>
-  <mc:AlternateContent xmlns:mc="http://schemas.openxmlformats.org/markup-compatibility/2006" xmlns:p14="http://schemas.microsoft.com/office/powerpoint/2010/main">
-    <mc:Choice Requires="p14">
+  <mc:AlternateContent xmlns:mc="http://schemas.openxmlformats.org/markup-compatibility/2006">
+    <mc:Choice xmlns:p14="http://schemas.microsoft.com/office/powerpoint/2010/main" Requires="p14">
       <p:transition spd="med">
         <p14:prism isContent="1"/>
       </p:transition>
     </mc:Choice>
-    <mc:Fallback xmlns="">
+    <mc:Fallback>
       <p:transition spd="med">
         <p:fade/>
       </p:transition>
@@ -4979,6 +8594,59 @@
       </p:grpSpPr>
       <p:sp>
         <p:nvSpPr>
+          <p:cNvPr id="14338" name="Title 1"/>
+          <p:cNvSpPr>
+            <a:spLocks noGrp="1"/>
+          </p:cNvSpPr>
+          <p:nvPr>
+            <p:ph type="title"/>
+          </p:nvPr>
+        </p:nvSpPr>
+        <p:spPr bwMode="auto">
+          <a:xfrm>
+            <a:off x="457200" y="857250"/>
+            <a:ext cx="8229600" cy="560388"/>
+          </a:xfrm>
+          <a:noFill/>
+          <a:extLst>
+            <a:ext uri="{909E8E84-426E-40DD-AFC4-6F175D3DCCD1}">
+              <a14:hiddenFill xmlns:a14="http://schemas.microsoft.com/office/drawing/2010/main">
+                <a:solidFill>
+                  <a:srgbClr val="FFFFFF"/>
+                </a:solidFill>
+              </a14:hiddenFill>
+            </a:ext>
+            <a:ext uri="{91240B29-F687-4F45-9708-019B960494DF}">
+              <a14:hiddenLine xmlns:a14="http://schemas.microsoft.com/office/drawing/2010/main" w="9525">
+                <a:solidFill>
+                  <a:srgbClr val="000000"/>
+                </a:solidFill>
+                <a:miter lim="800000"/>
+                <a:headEnd/>
+                <a:tailEnd/>
+              </a14:hiddenLine>
+            </a:ext>
+          </a:extLst>
+        </p:spPr>
+        <p:txBody>
+          <a:bodyPr vert="horz" wrap="square" lIns="91440" tIns="45720" rIns="91440" bIns="45720" numCol="1" anchor="t" anchorCtr="0" compatLnSpc="1">
+            <a:prstTxWarp prst="textNoShape">
+              <a:avLst/>
+            </a:prstTxWarp>
+          </a:bodyPr>
+          <a:lstStyle/>
+          <a:p>
+            <a:pPr eaLnBrk="1" hangingPunct="1"/>
+            <a:r>
+              <a:rPr lang="de-DE" dirty="0"/>
+              <a:t>Projektbeschreibung</a:t>
+            </a:r>
+            <a:endParaRPr lang="de-DE" dirty="0" smtClean="0"/>
+          </a:p>
+        </p:txBody>
+      </p:sp>
+      <p:sp>
+        <p:nvSpPr>
           <p:cNvPr id="3075" name="Content Placeholder 2"/>
           <p:cNvSpPr>
             <a:spLocks noGrp="1"/>
@@ -4989,7 +8657,7 @@
         </p:nvSpPr>
         <p:spPr bwMode="auto">
           <a:xfrm>
-            <a:off x="251520" y="2576661"/>
+            <a:off x="457200" y="1844824"/>
             <a:ext cx="8229600" cy="4281339"/>
           </a:xfrm>
           <a:ln>
@@ -5006,59 +8674,31 @@
           </a:bodyPr>
           <a:lstStyle/>
           <a:p>
-            <a:pPr marL="457200" lvl="1" indent="0" algn="ctr" eaLnBrk="1" hangingPunct="1">
-              <a:buNone/>
-              <a:defRPr/>
-            </a:pPr>
-            <a:r>
-              <a:rPr lang="de-DE" dirty="0" smtClean="0">
+            <a:pPr lvl="1" eaLnBrk="1" hangingPunct="1">
+              <a:buFont typeface="Wingdings" pitchFamily="2" charset="2"/>
+              <a:buChar char="§"/>
+              <a:defRPr/>
+            </a:pPr>
+            <a:r>
+              <a:rPr lang="de-DE" sz="2400" dirty="0" err="1" smtClean="0">
                 <a:solidFill>
                   <a:schemeClr val="tx1"/>
                 </a:solidFill>
               </a:rPr>
-              <a:t>Vielen</a:t>
-            </a:r>
-            <a:r>
-              <a:rPr lang="de-DE" sz="3200" dirty="0" smtClean="0">
-                <a:solidFill>
-                  <a:schemeClr val="tx1"/>
-                </a:solidFill>
-              </a:rPr>
-              <a:t> </a:t>
-            </a:r>
-            <a:r>
-              <a:rPr lang="de-DE" dirty="0" smtClean="0">
-                <a:solidFill>
-                  <a:schemeClr val="tx1"/>
-                </a:solidFill>
-              </a:rPr>
-              <a:t>Dank für Ihre Aufmerksamkeit!</a:t>
-            </a:r>
-          </a:p>
-          <a:p>
-            <a:pPr marL="457200" lvl="1" indent="0" algn="ctr" eaLnBrk="1" hangingPunct="1">
-              <a:buNone/>
-              <a:defRPr/>
-            </a:pPr>
-            <a:endParaRPr lang="de-DE" sz="2400" dirty="0" smtClean="0">
-              <a:solidFill>
-                <a:schemeClr val="tx1"/>
-              </a:solidFill>
-            </a:endParaRPr>
-          </a:p>
-          <a:p>
-            <a:pPr marL="457200" lvl="1" indent="0" algn="ctr" eaLnBrk="1" hangingPunct="1">
-              <a:buNone/>
-              <a:defRPr/>
-            </a:pPr>
-            <a:r>
-              <a:rPr lang="de-DE" sz="2400" dirty="0" smtClean="0">
-                <a:solidFill>
-                  <a:schemeClr val="tx1"/>
-                </a:solidFill>
-              </a:rPr>
-              <a:t>Fragen?</a:t>
-            </a:r>
+              <a:t>asdf</a:t>
+            </a:r>
+            <a:endParaRPr lang="de-DE" sz="2400" dirty="0">
+              <a:solidFill>
+                <a:schemeClr val="tx1"/>
+              </a:solidFill>
+            </a:endParaRPr>
+          </a:p>
+          <a:p>
+            <a:pPr lvl="1" eaLnBrk="1" hangingPunct="1">
+              <a:buFont typeface="Wingdings" pitchFamily="2" charset="2"/>
+              <a:buChar char="§"/>
+              <a:defRPr/>
+            </a:pPr>
             <a:endParaRPr lang="de-DE" sz="2400" dirty="0" smtClean="0">
               <a:solidFill>
                 <a:schemeClr val="tx1"/>
@@ -5198,10 +8838,1380 @@
           </a:p>
         </p:txBody>
       </p:sp>
+      <p:cxnSp>
+        <p:nvCxnSpPr>
+          <p:cNvPr id="5" name="Straight Connector 4"/>
+          <p:cNvCxnSpPr/>
+          <p:nvPr/>
+        </p:nvCxnSpPr>
+        <p:spPr>
+          <a:xfrm>
+            <a:off x="428625" y="1285875"/>
+            <a:ext cx="6929438" cy="1588"/>
+          </a:xfrm>
+          <a:prstGeom prst="line">
+            <a:avLst/>
+          </a:prstGeom>
+          <a:ln w="50800">
+            <a:solidFill>
+              <a:schemeClr val="tx2">
+                <a:lumMod val="40000"/>
+                <a:lumOff val="60000"/>
+              </a:schemeClr>
+            </a:solidFill>
+          </a:ln>
+        </p:spPr>
+        <p:style>
+          <a:lnRef idx="1">
+            <a:schemeClr val="accent1"/>
+          </a:lnRef>
+          <a:fillRef idx="0">
+            <a:schemeClr val="accent1"/>
+          </a:fillRef>
+          <a:effectRef idx="0">
+            <a:schemeClr val="accent1"/>
+          </a:effectRef>
+          <a:fontRef idx="minor">
+            <a:schemeClr val="tx1"/>
+          </a:fontRef>
+        </p:style>
+      </p:cxnSp>
     </p:spTree>
     <p:extLst>
       <p:ext uri="{BB962C8B-B14F-4D97-AF65-F5344CB8AC3E}">
-        <p14:creationId xmlns:p14="http://schemas.microsoft.com/office/powerpoint/2010/main" val="99329583"/>
+        <p14:creationId xmlns:p14="http://schemas.microsoft.com/office/powerpoint/2010/main" val="1002374224"/>
+      </p:ext>
+    </p:extLst>
+  </p:cSld>
+  <p:clrMapOvr>
+    <a:masterClrMapping/>
+  </p:clrMapOvr>
+  <mc:AlternateContent xmlns:mc="http://schemas.openxmlformats.org/markup-compatibility/2006">
+    <mc:Choice xmlns:p14="http://schemas.microsoft.com/office/powerpoint/2010/main" Requires="p14">
+      <p:transition spd="med">
+        <p14:prism isContent="1"/>
+      </p:transition>
+    </mc:Choice>
+    <mc:Fallback>
+      <p:transition spd="med">
+        <p:fade/>
+      </p:transition>
+    </mc:Fallback>
+  </mc:AlternateContent>
+  <p:timing>
+    <p:tnLst>
+      <p:par>
+        <p:cTn id="1" dur="indefinite" restart="never" nodeType="tmRoot"/>
+      </p:par>
+    </p:tnLst>
+  </p:timing>
+</p:sld>
+</file>
+
+<file path=ppt/slides/slide6.xml><?xml version="1.0" encoding="utf-8"?>
+<p:sld xmlns:a="http://schemas.openxmlformats.org/drawingml/2006/main" xmlns:r="http://schemas.openxmlformats.org/officeDocument/2006/relationships" xmlns:p="http://schemas.openxmlformats.org/presentationml/2006/main">
+  <p:cSld>
+    <p:spTree>
+      <p:nvGrpSpPr>
+        <p:cNvPr id="1" name=""/>
+        <p:cNvGrpSpPr/>
+        <p:nvPr/>
+      </p:nvGrpSpPr>
+      <p:grpSpPr>
+        <a:xfrm>
+          <a:off x="0" y="0"/>
+          <a:ext cx="0" cy="0"/>
+          <a:chOff x="0" y="0"/>
+          <a:chExt cx="0" cy="0"/>
+        </a:xfrm>
+      </p:grpSpPr>
+      <p:sp>
+        <p:nvSpPr>
+          <p:cNvPr id="14338" name="Title 1"/>
+          <p:cNvSpPr>
+            <a:spLocks noGrp="1"/>
+          </p:cNvSpPr>
+          <p:nvPr>
+            <p:ph type="title"/>
+          </p:nvPr>
+        </p:nvSpPr>
+        <p:spPr bwMode="auto">
+          <a:xfrm>
+            <a:off x="457200" y="857250"/>
+            <a:ext cx="8229600" cy="560388"/>
+          </a:xfrm>
+          <a:noFill/>
+          <a:extLst>
+            <a:ext uri="{909E8E84-426E-40DD-AFC4-6F175D3DCCD1}">
+              <a14:hiddenFill xmlns:a14="http://schemas.microsoft.com/office/drawing/2010/main">
+                <a:solidFill>
+                  <a:srgbClr val="FFFFFF"/>
+                </a:solidFill>
+              </a14:hiddenFill>
+            </a:ext>
+            <a:ext uri="{91240B29-F687-4F45-9708-019B960494DF}">
+              <a14:hiddenLine xmlns:a14="http://schemas.microsoft.com/office/drawing/2010/main" w="9525">
+                <a:solidFill>
+                  <a:srgbClr val="000000"/>
+                </a:solidFill>
+                <a:miter lim="800000"/>
+                <a:headEnd/>
+                <a:tailEnd/>
+              </a14:hiddenLine>
+            </a:ext>
+          </a:extLst>
+        </p:spPr>
+        <p:txBody>
+          <a:bodyPr vert="horz" wrap="square" lIns="91440" tIns="45720" rIns="91440" bIns="45720" numCol="1" anchor="t" anchorCtr="0" compatLnSpc="1">
+            <a:prstTxWarp prst="textNoShape">
+              <a:avLst/>
+            </a:prstTxWarp>
+          </a:bodyPr>
+          <a:lstStyle/>
+          <a:p>
+            <a:pPr eaLnBrk="1" hangingPunct="1"/>
+            <a:r>
+              <a:rPr lang="de-DE" dirty="0"/>
+              <a:t>Projektplanung</a:t>
+            </a:r>
+            <a:endParaRPr lang="de-DE" dirty="0" smtClean="0"/>
+          </a:p>
+        </p:txBody>
+      </p:sp>
+      <p:sp>
+        <p:nvSpPr>
+          <p:cNvPr id="3075" name="Content Placeholder 2"/>
+          <p:cNvSpPr>
+            <a:spLocks noGrp="1"/>
+          </p:cNvSpPr>
+          <p:nvPr>
+            <p:ph idx="1"/>
+          </p:nvPr>
+        </p:nvSpPr>
+        <p:spPr bwMode="auto">
+          <a:xfrm>
+            <a:off x="457200" y="1844824"/>
+            <a:ext cx="8229600" cy="4281339"/>
+          </a:xfrm>
+          <a:ln>
+            <a:miter lim="800000"/>
+            <a:headEnd/>
+            <a:tailEnd/>
+          </a:ln>
+        </p:spPr>
+        <p:txBody>
+          <a:bodyPr vert="horz" wrap="square" lIns="91440" tIns="45720" rIns="91440" bIns="45720" numCol="1" anchor="t" anchorCtr="0" compatLnSpc="1">
+            <a:prstTxWarp prst="textNoShape">
+              <a:avLst/>
+            </a:prstTxWarp>
+          </a:bodyPr>
+          <a:lstStyle/>
+          <a:p>
+            <a:pPr lvl="1" eaLnBrk="1" hangingPunct="1">
+              <a:buFont typeface="Wingdings" pitchFamily="2" charset="2"/>
+              <a:buChar char="§"/>
+              <a:defRPr/>
+            </a:pPr>
+            <a:r>
+              <a:rPr lang="de-DE" sz="2400" dirty="0" err="1" smtClean="0">
+                <a:solidFill>
+                  <a:schemeClr val="tx1"/>
+                </a:solidFill>
+              </a:rPr>
+              <a:t>asdf</a:t>
+            </a:r>
+            <a:endParaRPr lang="de-DE" sz="2400" dirty="0">
+              <a:solidFill>
+                <a:schemeClr val="tx1"/>
+              </a:solidFill>
+            </a:endParaRPr>
+          </a:p>
+          <a:p>
+            <a:pPr lvl="1" eaLnBrk="1" hangingPunct="1">
+              <a:buFont typeface="Wingdings" pitchFamily="2" charset="2"/>
+              <a:buChar char="§"/>
+              <a:defRPr/>
+            </a:pPr>
+            <a:endParaRPr lang="de-DE" sz="2400" dirty="0" smtClean="0">
+              <a:solidFill>
+                <a:schemeClr val="tx1"/>
+              </a:solidFill>
+            </a:endParaRPr>
+          </a:p>
+          <a:p>
+            <a:pPr lvl="1" eaLnBrk="1" hangingPunct="1">
+              <a:buFont typeface="Wingdings" pitchFamily="2" charset="2"/>
+              <a:buChar char="§"/>
+              <a:defRPr/>
+            </a:pPr>
+            <a:endParaRPr lang="de-DE" sz="2400" dirty="0">
+              <a:solidFill>
+                <a:schemeClr val="tx1"/>
+              </a:solidFill>
+            </a:endParaRPr>
+          </a:p>
+          <a:p>
+            <a:pPr marL="914400" lvl="2" indent="0" eaLnBrk="1" hangingPunct="1">
+              <a:buNone/>
+              <a:defRPr/>
+            </a:pPr>
+            <a:endParaRPr lang="de-DE" sz="1200" dirty="0" smtClean="0">
+              <a:solidFill>
+                <a:schemeClr val="tx1"/>
+              </a:solidFill>
+            </a:endParaRPr>
+          </a:p>
+          <a:p>
+            <a:pPr lvl="1" eaLnBrk="1" hangingPunct="1">
+              <a:buFont typeface="Wingdings" pitchFamily="2" charset="2"/>
+              <a:buChar char="§"/>
+              <a:defRPr/>
+            </a:pPr>
+            <a:endParaRPr lang="de-DE" sz="2400" dirty="0" smtClean="0">
+              <a:solidFill>
+                <a:schemeClr val="tx1"/>
+              </a:solidFill>
+            </a:endParaRPr>
+          </a:p>
+          <a:p>
+            <a:pPr lvl="2" eaLnBrk="1" hangingPunct="1">
+              <a:buFont typeface="Wingdings" pitchFamily="2" charset="2"/>
+              <a:buChar char="§"/>
+              <a:defRPr/>
+            </a:pPr>
+            <a:endParaRPr lang="de-DE" sz="2000" dirty="0" smtClean="0">
+              <a:solidFill>
+                <a:schemeClr val="tx1"/>
+              </a:solidFill>
+            </a:endParaRPr>
+          </a:p>
+          <a:p>
+            <a:pPr marL="457200" lvl="1" indent="0" eaLnBrk="1" hangingPunct="1">
+              <a:buNone/>
+              <a:defRPr/>
+            </a:pPr>
+            <a:r>
+              <a:rPr lang="de-DE" sz="2400" dirty="0" smtClean="0">
+                <a:solidFill>
+                  <a:srgbClr val="333333"/>
+                </a:solidFill>
+              </a:rPr>
+              <a:t/>
+            </a:r>
+            <a:br>
+              <a:rPr lang="de-DE" sz="2400" dirty="0" smtClean="0">
+                <a:solidFill>
+                  <a:srgbClr val="333333"/>
+                </a:solidFill>
+              </a:rPr>
+            </a:br>
+            <a:endParaRPr lang="de-DE" sz="2400" dirty="0" smtClean="0">
+              <a:solidFill>
+                <a:srgbClr val="333333"/>
+              </a:solidFill>
+            </a:endParaRPr>
+          </a:p>
+          <a:p>
+            <a:pPr marL="457200" lvl="1" indent="0" eaLnBrk="1" hangingPunct="1">
+              <a:buNone/>
+              <a:defRPr/>
+            </a:pPr>
+            <a:endParaRPr lang="de-DE" sz="1800" dirty="0" smtClean="0">
+              <a:solidFill>
+                <a:schemeClr val="tx1"/>
+              </a:solidFill>
+            </a:endParaRPr>
+          </a:p>
+          <a:p>
+            <a:pPr lvl="1" eaLnBrk="1" hangingPunct="1">
+              <a:buFont typeface="Wingdings" pitchFamily="2" charset="2"/>
+              <a:buChar char="§"/>
+              <a:defRPr/>
+            </a:pPr>
+            <a:endParaRPr lang="de-DE" sz="1800" dirty="0" smtClean="0">
+              <a:solidFill>
+                <a:schemeClr val="tx1"/>
+              </a:solidFill>
+            </a:endParaRPr>
+          </a:p>
+          <a:p>
+            <a:pPr marL="457200" lvl="1" indent="0" eaLnBrk="1" hangingPunct="1">
+              <a:buNone/>
+              <a:defRPr/>
+            </a:pPr>
+            <a:endParaRPr lang="de-DE" sz="1800" dirty="0" smtClean="0">
+              <a:solidFill>
+                <a:schemeClr val="tx1"/>
+              </a:solidFill>
+            </a:endParaRPr>
+          </a:p>
+          <a:p>
+            <a:pPr lvl="1" eaLnBrk="1" hangingPunct="1">
+              <a:buFont typeface="Wingdings" pitchFamily="2" charset="2"/>
+              <a:buChar char="§"/>
+              <a:defRPr/>
+            </a:pPr>
+            <a:endParaRPr lang="de-DE" sz="1800" dirty="0" smtClean="0"/>
+          </a:p>
+          <a:p>
+            <a:pPr lvl="3" eaLnBrk="1" hangingPunct="1">
+              <a:buFont typeface="Arial" pitchFamily="34" charset="0"/>
+              <a:buChar char="•"/>
+              <a:defRPr/>
+            </a:pPr>
+            <a:endParaRPr lang="de-DE" dirty="0" smtClean="0"/>
+          </a:p>
+          <a:p>
+            <a:pPr lvl="2" eaLnBrk="1" hangingPunct="1">
+              <a:buFont typeface="Arial" pitchFamily="34" charset="0"/>
+              <a:buChar char="•"/>
+              <a:defRPr/>
+            </a:pPr>
+            <a:endParaRPr lang="de-DE" sz="1800" dirty="0" smtClean="0"/>
+          </a:p>
+        </p:txBody>
+      </p:sp>
+      <p:cxnSp>
+        <p:nvCxnSpPr>
+          <p:cNvPr id="5" name="Straight Connector 4"/>
+          <p:cNvCxnSpPr/>
+          <p:nvPr/>
+        </p:nvCxnSpPr>
+        <p:spPr>
+          <a:xfrm>
+            <a:off x="428625" y="1285875"/>
+            <a:ext cx="6929438" cy="1588"/>
+          </a:xfrm>
+          <a:prstGeom prst="line">
+            <a:avLst/>
+          </a:prstGeom>
+          <a:ln w="50800">
+            <a:solidFill>
+              <a:schemeClr val="tx2">
+                <a:lumMod val="40000"/>
+                <a:lumOff val="60000"/>
+              </a:schemeClr>
+            </a:solidFill>
+          </a:ln>
+        </p:spPr>
+        <p:style>
+          <a:lnRef idx="1">
+            <a:schemeClr val="accent1"/>
+          </a:lnRef>
+          <a:fillRef idx="0">
+            <a:schemeClr val="accent1"/>
+          </a:fillRef>
+          <a:effectRef idx="0">
+            <a:schemeClr val="accent1"/>
+          </a:effectRef>
+          <a:fontRef idx="minor">
+            <a:schemeClr val="tx1"/>
+          </a:fontRef>
+        </p:style>
+      </p:cxnSp>
+    </p:spTree>
+    <p:extLst>
+      <p:ext uri="{BB962C8B-B14F-4D97-AF65-F5344CB8AC3E}">
+        <p14:creationId xmlns:p14="http://schemas.microsoft.com/office/powerpoint/2010/main" val="3883273718"/>
+      </p:ext>
+    </p:extLst>
+  </p:cSld>
+  <p:clrMapOvr>
+    <a:masterClrMapping/>
+  </p:clrMapOvr>
+  <mc:AlternateContent xmlns:mc="http://schemas.openxmlformats.org/markup-compatibility/2006">
+    <mc:Choice xmlns:p14="http://schemas.microsoft.com/office/powerpoint/2010/main" Requires="p14">
+      <p:transition spd="med">
+        <p14:prism isContent="1"/>
+      </p:transition>
+    </mc:Choice>
+    <mc:Fallback>
+      <p:transition spd="med">
+        <p:fade/>
+      </p:transition>
+    </mc:Fallback>
+  </mc:AlternateContent>
+  <p:timing>
+    <p:tnLst>
+      <p:par>
+        <p:cTn id="1" dur="indefinite" restart="never" nodeType="tmRoot"/>
+      </p:par>
+    </p:tnLst>
+  </p:timing>
+</p:sld>
+</file>
+
+<file path=ppt/slides/slide7.xml><?xml version="1.0" encoding="utf-8"?>
+<p:sld xmlns:a="http://schemas.openxmlformats.org/drawingml/2006/main" xmlns:r="http://schemas.openxmlformats.org/officeDocument/2006/relationships" xmlns:p="http://schemas.openxmlformats.org/presentationml/2006/main">
+  <p:cSld>
+    <p:spTree>
+      <p:nvGrpSpPr>
+        <p:cNvPr id="1" name=""/>
+        <p:cNvGrpSpPr/>
+        <p:nvPr/>
+      </p:nvGrpSpPr>
+      <p:grpSpPr>
+        <a:xfrm>
+          <a:off x="0" y="0"/>
+          <a:ext cx="0" cy="0"/>
+          <a:chOff x="0" y="0"/>
+          <a:chExt cx="0" cy="0"/>
+        </a:xfrm>
+      </p:grpSpPr>
+      <p:sp>
+        <p:nvSpPr>
+          <p:cNvPr id="14338" name="Title 1"/>
+          <p:cNvSpPr>
+            <a:spLocks noGrp="1"/>
+          </p:cNvSpPr>
+          <p:nvPr>
+            <p:ph type="title"/>
+          </p:nvPr>
+        </p:nvSpPr>
+        <p:spPr bwMode="auto">
+          <a:xfrm>
+            <a:off x="457200" y="857250"/>
+            <a:ext cx="8229600" cy="560388"/>
+          </a:xfrm>
+          <a:noFill/>
+          <a:extLst>
+            <a:ext uri="{909E8E84-426E-40DD-AFC4-6F175D3DCCD1}">
+              <a14:hiddenFill xmlns:a14="http://schemas.microsoft.com/office/drawing/2010/main">
+                <a:solidFill>
+                  <a:srgbClr val="FFFFFF"/>
+                </a:solidFill>
+              </a14:hiddenFill>
+            </a:ext>
+            <a:ext uri="{91240B29-F687-4F45-9708-019B960494DF}">
+              <a14:hiddenLine xmlns:a14="http://schemas.microsoft.com/office/drawing/2010/main" w="9525">
+                <a:solidFill>
+                  <a:srgbClr val="000000"/>
+                </a:solidFill>
+                <a:miter lim="800000"/>
+                <a:headEnd/>
+                <a:tailEnd/>
+              </a14:hiddenLine>
+            </a:ext>
+          </a:extLst>
+        </p:spPr>
+        <p:txBody>
+          <a:bodyPr vert="horz" wrap="square" lIns="91440" tIns="45720" rIns="91440" bIns="45720" numCol="1" anchor="t" anchorCtr="0" compatLnSpc="1">
+            <a:prstTxWarp prst="textNoShape">
+              <a:avLst/>
+            </a:prstTxWarp>
+          </a:bodyPr>
+          <a:lstStyle/>
+          <a:p>
+            <a:pPr eaLnBrk="1" hangingPunct="1"/>
+            <a:r>
+              <a:rPr lang="de-DE" dirty="0"/>
+              <a:t>Projektplanung</a:t>
+            </a:r>
+            <a:endParaRPr lang="de-DE" dirty="0" smtClean="0"/>
+          </a:p>
+        </p:txBody>
+      </p:sp>
+      <p:sp>
+        <p:nvSpPr>
+          <p:cNvPr id="3075" name="Content Placeholder 2"/>
+          <p:cNvSpPr>
+            <a:spLocks noGrp="1"/>
+          </p:cNvSpPr>
+          <p:nvPr>
+            <p:ph idx="1"/>
+          </p:nvPr>
+        </p:nvSpPr>
+        <p:spPr bwMode="auto">
+          <a:xfrm>
+            <a:off x="457200" y="1844824"/>
+            <a:ext cx="8229600" cy="4281339"/>
+          </a:xfrm>
+          <a:ln>
+            <a:miter lim="800000"/>
+            <a:headEnd/>
+            <a:tailEnd/>
+          </a:ln>
+        </p:spPr>
+        <p:txBody>
+          <a:bodyPr vert="horz" wrap="square" lIns="91440" tIns="45720" rIns="91440" bIns="45720" numCol="1" anchor="t" anchorCtr="0" compatLnSpc="1">
+            <a:prstTxWarp prst="textNoShape">
+              <a:avLst/>
+            </a:prstTxWarp>
+          </a:bodyPr>
+          <a:lstStyle/>
+          <a:p>
+            <a:pPr lvl="1" eaLnBrk="1" hangingPunct="1">
+              <a:buFont typeface="Wingdings" pitchFamily="2" charset="2"/>
+              <a:buChar char="§"/>
+              <a:defRPr/>
+            </a:pPr>
+            <a:r>
+              <a:rPr lang="de-DE" sz="2400" dirty="0" err="1" smtClean="0">
+                <a:solidFill>
+                  <a:schemeClr val="tx1"/>
+                </a:solidFill>
+              </a:rPr>
+              <a:t>asdf</a:t>
+            </a:r>
+            <a:endParaRPr lang="de-DE" sz="2400" dirty="0">
+              <a:solidFill>
+                <a:schemeClr val="tx1"/>
+              </a:solidFill>
+            </a:endParaRPr>
+          </a:p>
+          <a:p>
+            <a:pPr lvl="1" eaLnBrk="1" hangingPunct="1">
+              <a:buFont typeface="Wingdings" pitchFamily="2" charset="2"/>
+              <a:buChar char="§"/>
+              <a:defRPr/>
+            </a:pPr>
+            <a:endParaRPr lang="de-DE" sz="2400" dirty="0" smtClean="0">
+              <a:solidFill>
+                <a:schemeClr val="tx1"/>
+              </a:solidFill>
+            </a:endParaRPr>
+          </a:p>
+          <a:p>
+            <a:pPr lvl="1" eaLnBrk="1" hangingPunct="1">
+              <a:buFont typeface="Wingdings" pitchFamily="2" charset="2"/>
+              <a:buChar char="§"/>
+              <a:defRPr/>
+            </a:pPr>
+            <a:endParaRPr lang="de-DE" sz="2400" dirty="0">
+              <a:solidFill>
+                <a:schemeClr val="tx1"/>
+              </a:solidFill>
+            </a:endParaRPr>
+          </a:p>
+          <a:p>
+            <a:pPr marL="914400" lvl="2" indent="0" eaLnBrk="1" hangingPunct="1">
+              <a:buNone/>
+              <a:defRPr/>
+            </a:pPr>
+            <a:endParaRPr lang="de-DE" sz="1200" dirty="0" smtClean="0">
+              <a:solidFill>
+                <a:schemeClr val="tx1"/>
+              </a:solidFill>
+            </a:endParaRPr>
+          </a:p>
+          <a:p>
+            <a:pPr lvl="1" eaLnBrk="1" hangingPunct="1">
+              <a:buFont typeface="Wingdings" pitchFamily="2" charset="2"/>
+              <a:buChar char="§"/>
+              <a:defRPr/>
+            </a:pPr>
+            <a:endParaRPr lang="de-DE" sz="2400" dirty="0" smtClean="0">
+              <a:solidFill>
+                <a:schemeClr val="tx1"/>
+              </a:solidFill>
+            </a:endParaRPr>
+          </a:p>
+          <a:p>
+            <a:pPr lvl="2" eaLnBrk="1" hangingPunct="1">
+              <a:buFont typeface="Wingdings" pitchFamily="2" charset="2"/>
+              <a:buChar char="§"/>
+              <a:defRPr/>
+            </a:pPr>
+            <a:endParaRPr lang="de-DE" sz="2000" dirty="0" smtClean="0">
+              <a:solidFill>
+                <a:schemeClr val="tx1"/>
+              </a:solidFill>
+            </a:endParaRPr>
+          </a:p>
+          <a:p>
+            <a:pPr marL="457200" lvl="1" indent="0" eaLnBrk="1" hangingPunct="1">
+              <a:buNone/>
+              <a:defRPr/>
+            </a:pPr>
+            <a:r>
+              <a:rPr lang="de-DE" sz="2400" dirty="0" smtClean="0">
+                <a:solidFill>
+                  <a:srgbClr val="333333"/>
+                </a:solidFill>
+              </a:rPr>
+              <a:t/>
+            </a:r>
+            <a:br>
+              <a:rPr lang="de-DE" sz="2400" dirty="0" smtClean="0">
+                <a:solidFill>
+                  <a:srgbClr val="333333"/>
+                </a:solidFill>
+              </a:rPr>
+            </a:br>
+            <a:endParaRPr lang="de-DE" sz="2400" dirty="0" smtClean="0">
+              <a:solidFill>
+                <a:srgbClr val="333333"/>
+              </a:solidFill>
+            </a:endParaRPr>
+          </a:p>
+          <a:p>
+            <a:pPr marL="457200" lvl="1" indent="0" eaLnBrk="1" hangingPunct="1">
+              <a:buNone/>
+              <a:defRPr/>
+            </a:pPr>
+            <a:endParaRPr lang="de-DE" sz="1800" dirty="0" smtClean="0">
+              <a:solidFill>
+                <a:schemeClr val="tx1"/>
+              </a:solidFill>
+            </a:endParaRPr>
+          </a:p>
+          <a:p>
+            <a:pPr lvl="1" eaLnBrk="1" hangingPunct="1">
+              <a:buFont typeface="Wingdings" pitchFamily="2" charset="2"/>
+              <a:buChar char="§"/>
+              <a:defRPr/>
+            </a:pPr>
+            <a:endParaRPr lang="de-DE" sz="1800" dirty="0" smtClean="0">
+              <a:solidFill>
+                <a:schemeClr val="tx1"/>
+              </a:solidFill>
+            </a:endParaRPr>
+          </a:p>
+          <a:p>
+            <a:pPr marL="457200" lvl="1" indent="0" eaLnBrk="1" hangingPunct="1">
+              <a:buNone/>
+              <a:defRPr/>
+            </a:pPr>
+            <a:endParaRPr lang="de-DE" sz="1800" dirty="0" smtClean="0">
+              <a:solidFill>
+                <a:schemeClr val="tx1"/>
+              </a:solidFill>
+            </a:endParaRPr>
+          </a:p>
+          <a:p>
+            <a:pPr lvl="1" eaLnBrk="1" hangingPunct="1">
+              <a:buFont typeface="Wingdings" pitchFamily="2" charset="2"/>
+              <a:buChar char="§"/>
+              <a:defRPr/>
+            </a:pPr>
+            <a:endParaRPr lang="de-DE" sz="1800" dirty="0" smtClean="0"/>
+          </a:p>
+          <a:p>
+            <a:pPr lvl="3" eaLnBrk="1" hangingPunct="1">
+              <a:buFont typeface="Arial" pitchFamily="34" charset="0"/>
+              <a:buChar char="•"/>
+              <a:defRPr/>
+            </a:pPr>
+            <a:endParaRPr lang="de-DE" dirty="0" smtClean="0"/>
+          </a:p>
+          <a:p>
+            <a:pPr lvl="2" eaLnBrk="1" hangingPunct="1">
+              <a:buFont typeface="Arial" pitchFamily="34" charset="0"/>
+              <a:buChar char="•"/>
+              <a:defRPr/>
+            </a:pPr>
+            <a:endParaRPr lang="de-DE" sz="1800" dirty="0" smtClean="0"/>
+          </a:p>
+        </p:txBody>
+      </p:sp>
+      <p:cxnSp>
+        <p:nvCxnSpPr>
+          <p:cNvPr id="5" name="Straight Connector 4"/>
+          <p:cNvCxnSpPr/>
+          <p:nvPr/>
+        </p:nvCxnSpPr>
+        <p:spPr>
+          <a:xfrm>
+            <a:off x="428625" y="1285875"/>
+            <a:ext cx="6929438" cy="1588"/>
+          </a:xfrm>
+          <a:prstGeom prst="line">
+            <a:avLst/>
+          </a:prstGeom>
+          <a:ln w="50800">
+            <a:solidFill>
+              <a:schemeClr val="tx2">
+                <a:lumMod val="40000"/>
+                <a:lumOff val="60000"/>
+              </a:schemeClr>
+            </a:solidFill>
+          </a:ln>
+        </p:spPr>
+        <p:style>
+          <a:lnRef idx="1">
+            <a:schemeClr val="accent1"/>
+          </a:lnRef>
+          <a:fillRef idx="0">
+            <a:schemeClr val="accent1"/>
+          </a:fillRef>
+          <a:effectRef idx="0">
+            <a:schemeClr val="accent1"/>
+          </a:effectRef>
+          <a:fontRef idx="minor">
+            <a:schemeClr val="tx1"/>
+          </a:fontRef>
+        </p:style>
+      </p:cxnSp>
+    </p:spTree>
+    <p:extLst>
+      <p:ext uri="{BB962C8B-B14F-4D97-AF65-F5344CB8AC3E}">
+        <p14:creationId xmlns:p14="http://schemas.microsoft.com/office/powerpoint/2010/main" val="87044404"/>
+      </p:ext>
+    </p:extLst>
+  </p:cSld>
+  <p:clrMapOvr>
+    <a:masterClrMapping/>
+  </p:clrMapOvr>
+  <mc:AlternateContent xmlns:mc="http://schemas.openxmlformats.org/markup-compatibility/2006">
+    <mc:Choice xmlns:p14="http://schemas.microsoft.com/office/powerpoint/2010/main" Requires="p14">
+      <p:transition spd="med">
+        <p14:prism isContent="1"/>
+      </p:transition>
+    </mc:Choice>
+    <mc:Fallback>
+      <p:transition spd="med">
+        <p:fade/>
+      </p:transition>
+    </mc:Fallback>
+  </mc:AlternateContent>
+  <p:timing>
+    <p:tnLst>
+      <p:par>
+        <p:cTn id="1" dur="indefinite" restart="never" nodeType="tmRoot"/>
+      </p:par>
+    </p:tnLst>
+  </p:timing>
+</p:sld>
+</file>
+
+<file path=ppt/slides/slide8.xml><?xml version="1.0" encoding="utf-8"?>
+<p:sld xmlns:a="http://schemas.openxmlformats.org/drawingml/2006/main" xmlns:r="http://schemas.openxmlformats.org/officeDocument/2006/relationships" xmlns:p="http://schemas.openxmlformats.org/presentationml/2006/main">
+  <p:cSld>
+    <p:spTree>
+      <p:nvGrpSpPr>
+        <p:cNvPr id="1" name=""/>
+        <p:cNvGrpSpPr/>
+        <p:nvPr/>
+      </p:nvGrpSpPr>
+      <p:grpSpPr>
+        <a:xfrm>
+          <a:off x="0" y="0"/>
+          <a:ext cx="0" cy="0"/>
+          <a:chOff x="0" y="0"/>
+          <a:chExt cx="0" cy="0"/>
+        </a:xfrm>
+      </p:grpSpPr>
+      <p:sp>
+        <p:nvSpPr>
+          <p:cNvPr id="14338" name="Title 1"/>
+          <p:cNvSpPr>
+            <a:spLocks noGrp="1"/>
+          </p:cNvSpPr>
+          <p:nvPr>
+            <p:ph type="title"/>
+          </p:nvPr>
+        </p:nvSpPr>
+        <p:spPr bwMode="auto">
+          <a:xfrm>
+            <a:off x="457200" y="857250"/>
+            <a:ext cx="8229600" cy="560388"/>
+          </a:xfrm>
+          <a:noFill/>
+          <a:extLst>
+            <a:ext uri="{909E8E84-426E-40DD-AFC4-6F175D3DCCD1}">
+              <a14:hiddenFill xmlns:a14="http://schemas.microsoft.com/office/drawing/2010/main">
+                <a:solidFill>
+                  <a:srgbClr val="FFFFFF"/>
+                </a:solidFill>
+              </a14:hiddenFill>
+            </a:ext>
+            <a:ext uri="{91240B29-F687-4F45-9708-019B960494DF}">
+              <a14:hiddenLine xmlns:a14="http://schemas.microsoft.com/office/drawing/2010/main" w="9525">
+                <a:solidFill>
+                  <a:srgbClr val="000000"/>
+                </a:solidFill>
+                <a:miter lim="800000"/>
+                <a:headEnd/>
+                <a:tailEnd/>
+              </a14:hiddenLine>
+            </a:ext>
+          </a:extLst>
+        </p:spPr>
+        <p:txBody>
+          <a:bodyPr vert="horz" wrap="square" lIns="91440" tIns="45720" rIns="91440" bIns="45720" numCol="1" anchor="t" anchorCtr="0" compatLnSpc="1">
+            <a:prstTxWarp prst="textNoShape">
+              <a:avLst/>
+            </a:prstTxWarp>
+          </a:bodyPr>
+          <a:lstStyle/>
+          <a:p>
+            <a:pPr eaLnBrk="1" hangingPunct="1"/>
+            <a:r>
+              <a:rPr lang="de-DE" dirty="0"/>
+              <a:t>Projektentwicklung</a:t>
+            </a:r>
+            <a:endParaRPr lang="de-DE" dirty="0" smtClean="0"/>
+          </a:p>
+        </p:txBody>
+      </p:sp>
+      <p:sp>
+        <p:nvSpPr>
+          <p:cNvPr id="3075" name="Content Placeholder 2"/>
+          <p:cNvSpPr>
+            <a:spLocks noGrp="1"/>
+          </p:cNvSpPr>
+          <p:nvPr>
+            <p:ph idx="1"/>
+          </p:nvPr>
+        </p:nvSpPr>
+        <p:spPr bwMode="auto">
+          <a:xfrm>
+            <a:off x="457200" y="1844824"/>
+            <a:ext cx="8229600" cy="4281339"/>
+          </a:xfrm>
+          <a:ln>
+            <a:miter lim="800000"/>
+            <a:headEnd/>
+            <a:tailEnd/>
+          </a:ln>
+        </p:spPr>
+        <p:txBody>
+          <a:bodyPr vert="horz" wrap="square" lIns="91440" tIns="45720" rIns="91440" bIns="45720" numCol="1" anchor="t" anchorCtr="0" compatLnSpc="1">
+            <a:prstTxWarp prst="textNoShape">
+              <a:avLst/>
+            </a:prstTxWarp>
+          </a:bodyPr>
+          <a:lstStyle/>
+          <a:p>
+            <a:pPr lvl="1" eaLnBrk="1" hangingPunct="1">
+              <a:buFont typeface="Wingdings" pitchFamily="2" charset="2"/>
+              <a:buChar char="§"/>
+              <a:defRPr/>
+            </a:pPr>
+            <a:r>
+              <a:rPr lang="de-DE" sz="2400" dirty="0" err="1" smtClean="0">
+                <a:solidFill>
+                  <a:schemeClr val="tx1"/>
+                </a:solidFill>
+              </a:rPr>
+              <a:t>asdf</a:t>
+            </a:r>
+            <a:endParaRPr lang="de-DE" sz="2400" dirty="0">
+              <a:solidFill>
+                <a:schemeClr val="tx1"/>
+              </a:solidFill>
+            </a:endParaRPr>
+          </a:p>
+          <a:p>
+            <a:pPr lvl="1" eaLnBrk="1" hangingPunct="1">
+              <a:buFont typeface="Wingdings" pitchFamily="2" charset="2"/>
+              <a:buChar char="§"/>
+              <a:defRPr/>
+            </a:pPr>
+            <a:endParaRPr lang="de-DE" sz="2400" dirty="0" smtClean="0">
+              <a:solidFill>
+                <a:schemeClr val="tx1"/>
+              </a:solidFill>
+            </a:endParaRPr>
+          </a:p>
+          <a:p>
+            <a:pPr lvl="1" eaLnBrk="1" hangingPunct="1">
+              <a:buFont typeface="Wingdings" pitchFamily="2" charset="2"/>
+              <a:buChar char="§"/>
+              <a:defRPr/>
+            </a:pPr>
+            <a:endParaRPr lang="de-DE" sz="2400" dirty="0">
+              <a:solidFill>
+                <a:schemeClr val="tx1"/>
+              </a:solidFill>
+            </a:endParaRPr>
+          </a:p>
+          <a:p>
+            <a:pPr marL="914400" lvl="2" indent="0" eaLnBrk="1" hangingPunct="1">
+              <a:buNone/>
+              <a:defRPr/>
+            </a:pPr>
+            <a:endParaRPr lang="de-DE" sz="1200" dirty="0" smtClean="0">
+              <a:solidFill>
+                <a:schemeClr val="tx1"/>
+              </a:solidFill>
+            </a:endParaRPr>
+          </a:p>
+          <a:p>
+            <a:pPr lvl="1" eaLnBrk="1" hangingPunct="1">
+              <a:buFont typeface="Wingdings" pitchFamily="2" charset="2"/>
+              <a:buChar char="§"/>
+              <a:defRPr/>
+            </a:pPr>
+            <a:endParaRPr lang="de-DE" sz="2400" dirty="0" smtClean="0">
+              <a:solidFill>
+                <a:schemeClr val="tx1"/>
+              </a:solidFill>
+            </a:endParaRPr>
+          </a:p>
+          <a:p>
+            <a:pPr lvl="2" eaLnBrk="1" hangingPunct="1">
+              <a:buFont typeface="Wingdings" pitchFamily="2" charset="2"/>
+              <a:buChar char="§"/>
+              <a:defRPr/>
+            </a:pPr>
+            <a:endParaRPr lang="de-DE" sz="2000" dirty="0" smtClean="0">
+              <a:solidFill>
+                <a:schemeClr val="tx1"/>
+              </a:solidFill>
+            </a:endParaRPr>
+          </a:p>
+          <a:p>
+            <a:pPr marL="457200" lvl="1" indent="0" eaLnBrk="1" hangingPunct="1">
+              <a:buNone/>
+              <a:defRPr/>
+            </a:pPr>
+            <a:r>
+              <a:rPr lang="de-DE" sz="2400" dirty="0" smtClean="0">
+                <a:solidFill>
+                  <a:srgbClr val="333333"/>
+                </a:solidFill>
+              </a:rPr>
+              <a:t/>
+            </a:r>
+            <a:br>
+              <a:rPr lang="de-DE" sz="2400" dirty="0" smtClean="0">
+                <a:solidFill>
+                  <a:srgbClr val="333333"/>
+                </a:solidFill>
+              </a:rPr>
+            </a:br>
+            <a:endParaRPr lang="de-DE" sz="2400" dirty="0" smtClean="0">
+              <a:solidFill>
+                <a:srgbClr val="333333"/>
+              </a:solidFill>
+            </a:endParaRPr>
+          </a:p>
+          <a:p>
+            <a:pPr marL="457200" lvl="1" indent="0" eaLnBrk="1" hangingPunct="1">
+              <a:buNone/>
+              <a:defRPr/>
+            </a:pPr>
+            <a:endParaRPr lang="de-DE" sz="1800" dirty="0" smtClean="0">
+              <a:solidFill>
+                <a:schemeClr val="tx1"/>
+              </a:solidFill>
+            </a:endParaRPr>
+          </a:p>
+          <a:p>
+            <a:pPr lvl="1" eaLnBrk="1" hangingPunct="1">
+              <a:buFont typeface="Wingdings" pitchFamily="2" charset="2"/>
+              <a:buChar char="§"/>
+              <a:defRPr/>
+            </a:pPr>
+            <a:endParaRPr lang="de-DE" sz="1800" dirty="0" smtClean="0">
+              <a:solidFill>
+                <a:schemeClr val="tx1"/>
+              </a:solidFill>
+            </a:endParaRPr>
+          </a:p>
+          <a:p>
+            <a:pPr marL="457200" lvl="1" indent="0" eaLnBrk="1" hangingPunct="1">
+              <a:buNone/>
+              <a:defRPr/>
+            </a:pPr>
+            <a:endParaRPr lang="de-DE" sz="1800" dirty="0" smtClean="0">
+              <a:solidFill>
+                <a:schemeClr val="tx1"/>
+              </a:solidFill>
+            </a:endParaRPr>
+          </a:p>
+          <a:p>
+            <a:pPr lvl="1" eaLnBrk="1" hangingPunct="1">
+              <a:buFont typeface="Wingdings" pitchFamily="2" charset="2"/>
+              <a:buChar char="§"/>
+              <a:defRPr/>
+            </a:pPr>
+            <a:endParaRPr lang="de-DE" sz="1800" dirty="0" smtClean="0"/>
+          </a:p>
+          <a:p>
+            <a:pPr lvl="3" eaLnBrk="1" hangingPunct="1">
+              <a:buFont typeface="Arial" pitchFamily="34" charset="0"/>
+              <a:buChar char="•"/>
+              <a:defRPr/>
+            </a:pPr>
+            <a:endParaRPr lang="de-DE" dirty="0" smtClean="0"/>
+          </a:p>
+          <a:p>
+            <a:pPr lvl="2" eaLnBrk="1" hangingPunct="1">
+              <a:buFont typeface="Arial" pitchFamily="34" charset="0"/>
+              <a:buChar char="•"/>
+              <a:defRPr/>
+            </a:pPr>
+            <a:endParaRPr lang="de-DE" sz="1800" dirty="0" smtClean="0"/>
+          </a:p>
+        </p:txBody>
+      </p:sp>
+      <p:cxnSp>
+        <p:nvCxnSpPr>
+          <p:cNvPr id="5" name="Straight Connector 4"/>
+          <p:cNvCxnSpPr/>
+          <p:nvPr/>
+        </p:nvCxnSpPr>
+        <p:spPr>
+          <a:xfrm>
+            <a:off x="428625" y="1285875"/>
+            <a:ext cx="6929438" cy="1588"/>
+          </a:xfrm>
+          <a:prstGeom prst="line">
+            <a:avLst/>
+          </a:prstGeom>
+          <a:ln w="50800">
+            <a:solidFill>
+              <a:schemeClr val="tx2">
+                <a:lumMod val="40000"/>
+                <a:lumOff val="60000"/>
+              </a:schemeClr>
+            </a:solidFill>
+          </a:ln>
+        </p:spPr>
+        <p:style>
+          <a:lnRef idx="1">
+            <a:schemeClr val="accent1"/>
+          </a:lnRef>
+          <a:fillRef idx="0">
+            <a:schemeClr val="accent1"/>
+          </a:fillRef>
+          <a:effectRef idx="0">
+            <a:schemeClr val="accent1"/>
+          </a:effectRef>
+          <a:fontRef idx="minor">
+            <a:schemeClr val="tx1"/>
+          </a:fontRef>
+        </p:style>
+      </p:cxnSp>
+    </p:spTree>
+    <p:extLst>
+      <p:ext uri="{BB962C8B-B14F-4D97-AF65-F5344CB8AC3E}">
+        <p14:creationId xmlns:p14="http://schemas.microsoft.com/office/powerpoint/2010/main" val="3676420127"/>
+      </p:ext>
+    </p:extLst>
+  </p:cSld>
+  <p:clrMapOvr>
+    <a:masterClrMapping/>
+  </p:clrMapOvr>
+  <mc:AlternateContent xmlns:mc="http://schemas.openxmlformats.org/markup-compatibility/2006">
+    <mc:Choice xmlns:p14="http://schemas.microsoft.com/office/powerpoint/2010/main" Requires="p14">
+      <p:transition spd="med">
+        <p14:prism isContent="1"/>
+      </p:transition>
+    </mc:Choice>
+    <mc:Fallback>
+      <p:transition spd="med">
+        <p:fade/>
+      </p:transition>
+    </mc:Fallback>
+  </mc:AlternateContent>
+  <p:timing>
+    <p:tnLst>
+      <p:par>
+        <p:cTn id="1" dur="indefinite" restart="never" nodeType="tmRoot"/>
+      </p:par>
+    </p:tnLst>
+  </p:timing>
+</p:sld>
+</file>
+
+<file path=ppt/slides/slide9.xml><?xml version="1.0" encoding="utf-8"?>
+<p:sld xmlns:a="http://schemas.openxmlformats.org/drawingml/2006/main" xmlns:r="http://schemas.openxmlformats.org/officeDocument/2006/relationships" xmlns:p="http://schemas.openxmlformats.org/presentationml/2006/main">
+  <p:cSld>
+    <p:spTree>
+      <p:nvGrpSpPr>
+        <p:cNvPr id="1" name=""/>
+        <p:cNvGrpSpPr/>
+        <p:nvPr/>
+      </p:nvGrpSpPr>
+      <p:grpSpPr>
+        <a:xfrm>
+          <a:off x="0" y="0"/>
+          <a:ext cx="0" cy="0"/>
+          <a:chOff x="0" y="0"/>
+          <a:chExt cx="0" cy="0"/>
+        </a:xfrm>
+      </p:grpSpPr>
+      <p:sp>
+        <p:nvSpPr>
+          <p:cNvPr id="14338" name="Title 1"/>
+          <p:cNvSpPr>
+            <a:spLocks noGrp="1"/>
+          </p:cNvSpPr>
+          <p:nvPr>
+            <p:ph type="title"/>
+          </p:nvPr>
+        </p:nvSpPr>
+        <p:spPr bwMode="auto">
+          <a:xfrm>
+            <a:off x="457200" y="857250"/>
+            <a:ext cx="8229600" cy="560388"/>
+          </a:xfrm>
+          <a:noFill/>
+          <a:extLst>
+            <a:ext uri="{909E8E84-426E-40DD-AFC4-6F175D3DCCD1}">
+              <a14:hiddenFill xmlns:a14="http://schemas.microsoft.com/office/drawing/2010/main">
+                <a:solidFill>
+                  <a:srgbClr val="FFFFFF"/>
+                </a:solidFill>
+              </a14:hiddenFill>
+            </a:ext>
+            <a:ext uri="{91240B29-F687-4F45-9708-019B960494DF}">
+              <a14:hiddenLine xmlns:a14="http://schemas.microsoft.com/office/drawing/2010/main" w="9525">
+                <a:solidFill>
+                  <a:srgbClr val="000000"/>
+                </a:solidFill>
+                <a:miter lim="800000"/>
+                <a:headEnd/>
+                <a:tailEnd/>
+              </a14:hiddenLine>
+            </a:ext>
+          </a:extLst>
+        </p:spPr>
+        <p:txBody>
+          <a:bodyPr vert="horz" wrap="square" lIns="91440" tIns="45720" rIns="91440" bIns="45720" numCol="1" anchor="t" anchorCtr="0" compatLnSpc="1">
+            <a:prstTxWarp prst="textNoShape">
+              <a:avLst/>
+            </a:prstTxWarp>
+          </a:bodyPr>
+          <a:lstStyle/>
+          <a:p>
+            <a:pPr eaLnBrk="1" hangingPunct="1"/>
+            <a:r>
+              <a:rPr lang="de-DE" dirty="0"/>
+              <a:t>Projektentwicklung</a:t>
+            </a:r>
+            <a:endParaRPr lang="de-DE" dirty="0" smtClean="0"/>
+          </a:p>
+        </p:txBody>
+      </p:sp>
+      <p:sp>
+        <p:nvSpPr>
+          <p:cNvPr id="3075" name="Content Placeholder 2"/>
+          <p:cNvSpPr>
+            <a:spLocks noGrp="1"/>
+          </p:cNvSpPr>
+          <p:nvPr>
+            <p:ph idx="1"/>
+          </p:nvPr>
+        </p:nvSpPr>
+        <p:spPr bwMode="auto">
+          <a:xfrm>
+            <a:off x="457200" y="1844824"/>
+            <a:ext cx="8229600" cy="4281339"/>
+          </a:xfrm>
+          <a:ln>
+            <a:miter lim="800000"/>
+            <a:headEnd/>
+            <a:tailEnd/>
+          </a:ln>
+        </p:spPr>
+        <p:txBody>
+          <a:bodyPr vert="horz" wrap="square" lIns="91440" tIns="45720" rIns="91440" bIns="45720" numCol="1" anchor="t" anchorCtr="0" compatLnSpc="1">
+            <a:prstTxWarp prst="textNoShape">
+              <a:avLst/>
+            </a:prstTxWarp>
+          </a:bodyPr>
+          <a:lstStyle/>
+          <a:p>
+            <a:pPr lvl="1" eaLnBrk="1" hangingPunct="1">
+              <a:buFont typeface="Wingdings" pitchFamily="2" charset="2"/>
+              <a:buChar char="§"/>
+              <a:defRPr/>
+            </a:pPr>
+            <a:r>
+              <a:rPr lang="de-DE" sz="2400" dirty="0" err="1" smtClean="0">
+                <a:solidFill>
+                  <a:schemeClr val="tx1"/>
+                </a:solidFill>
+              </a:rPr>
+              <a:t>asdf</a:t>
+            </a:r>
+            <a:endParaRPr lang="de-DE" sz="2400" dirty="0">
+              <a:solidFill>
+                <a:schemeClr val="tx1"/>
+              </a:solidFill>
+            </a:endParaRPr>
+          </a:p>
+          <a:p>
+            <a:pPr lvl="1" eaLnBrk="1" hangingPunct="1">
+              <a:buFont typeface="Wingdings" pitchFamily="2" charset="2"/>
+              <a:buChar char="§"/>
+              <a:defRPr/>
+            </a:pPr>
+            <a:endParaRPr lang="de-DE" sz="2400" dirty="0" smtClean="0">
+              <a:solidFill>
+                <a:schemeClr val="tx1"/>
+              </a:solidFill>
+            </a:endParaRPr>
+          </a:p>
+          <a:p>
+            <a:pPr lvl="1" eaLnBrk="1" hangingPunct="1">
+              <a:buFont typeface="Wingdings" pitchFamily="2" charset="2"/>
+              <a:buChar char="§"/>
+              <a:defRPr/>
+            </a:pPr>
+            <a:endParaRPr lang="de-DE" sz="2400" dirty="0">
+              <a:solidFill>
+                <a:schemeClr val="tx1"/>
+              </a:solidFill>
+            </a:endParaRPr>
+          </a:p>
+          <a:p>
+            <a:pPr marL="914400" lvl="2" indent="0" eaLnBrk="1" hangingPunct="1">
+              <a:buNone/>
+              <a:defRPr/>
+            </a:pPr>
+            <a:endParaRPr lang="de-DE" sz="1200" dirty="0" smtClean="0">
+              <a:solidFill>
+                <a:schemeClr val="tx1"/>
+              </a:solidFill>
+            </a:endParaRPr>
+          </a:p>
+          <a:p>
+            <a:pPr lvl="1" eaLnBrk="1" hangingPunct="1">
+              <a:buFont typeface="Wingdings" pitchFamily="2" charset="2"/>
+              <a:buChar char="§"/>
+              <a:defRPr/>
+            </a:pPr>
+            <a:endParaRPr lang="de-DE" sz="2400" dirty="0" smtClean="0">
+              <a:solidFill>
+                <a:schemeClr val="tx1"/>
+              </a:solidFill>
+            </a:endParaRPr>
+          </a:p>
+          <a:p>
+            <a:pPr lvl="2" eaLnBrk="1" hangingPunct="1">
+              <a:buFont typeface="Wingdings" pitchFamily="2" charset="2"/>
+              <a:buChar char="§"/>
+              <a:defRPr/>
+            </a:pPr>
+            <a:endParaRPr lang="de-DE" sz="2000" dirty="0" smtClean="0">
+              <a:solidFill>
+                <a:schemeClr val="tx1"/>
+              </a:solidFill>
+            </a:endParaRPr>
+          </a:p>
+          <a:p>
+            <a:pPr marL="457200" lvl="1" indent="0" eaLnBrk="1" hangingPunct="1">
+              <a:buNone/>
+              <a:defRPr/>
+            </a:pPr>
+            <a:r>
+              <a:rPr lang="de-DE" sz="2400" dirty="0" smtClean="0">
+                <a:solidFill>
+                  <a:srgbClr val="333333"/>
+                </a:solidFill>
+              </a:rPr>
+              <a:t/>
+            </a:r>
+            <a:br>
+              <a:rPr lang="de-DE" sz="2400" dirty="0" smtClean="0">
+                <a:solidFill>
+                  <a:srgbClr val="333333"/>
+                </a:solidFill>
+              </a:rPr>
+            </a:br>
+            <a:endParaRPr lang="de-DE" sz="2400" dirty="0" smtClean="0">
+              <a:solidFill>
+                <a:srgbClr val="333333"/>
+              </a:solidFill>
+            </a:endParaRPr>
+          </a:p>
+          <a:p>
+            <a:pPr marL="457200" lvl="1" indent="0" eaLnBrk="1" hangingPunct="1">
+              <a:buNone/>
+              <a:defRPr/>
+            </a:pPr>
+            <a:endParaRPr lang="de-DE" sz="1800" dirty="0" smtClean="0">
+              <a:solidFill>
+                <a:schemeClr val="tx1"/>
+              </a:solidFill>
+            </a:endParaRPr>
+          </a:p>
+          <a:p>
+            <a:pPr lvl="1" eaLnBrk="1" hangingPunct="1">
+              <a:buFont typeface="Wingdings" pitchFamily="2" charset="2"/>
+              <a:buChar char="§"/>
+              <a:defRPr/>
+            </a:pPr>
+            <a:endParaRPr lang="de-DE" sz="1800" dirty="0" smtClean="0">
+              <a:solidFill>
+                <a:schemeClr val="tx1"/>
+              </a:solidFill>
+            </a:endParaRPr>
+          </a:p>
+          <a:p>
+            <a:pPr marL="457200" lvl="1" indent="0" eaLnBrk="1" hangingPunct="1">
+              <a:buNone/>
+              <a:defRPr/>
+            </a:pPr>
+            <a:endParaRPr lang="de-DE" sz="1800" dirty="0" smtClean="0">
+              <a:solidFill>
+                <a:schemeClr val="tx1"/>
+              </a:solidFill>
+            </a:endParaRPr>
+          </a:p>
+          <a:p>
+            <a:pPr lvl="1" eaLnBrk="1" hangingPunct="1">
+              <a:buFont typeface="Wingdings" pitchFamily="2" charset="2"/>
+              <a:buChar char="§"/>
+              <a:defRPr/>
+            </a:pPr>
+            <a:endParaRPr lang="de-DE" sz="1800" dirty="0" smtClean="0"/>
+          </a:p>
+          <a:p>
+            <a:pPr lvl="3" eaLnBrk="1" hangingPunct="1">
+              <a:buFont typeface="Arial" pitchFamily="34" charset="0"/>
+              <a:buChar char="•"/>
+              <a:defRPr/>
+            </a:pPr>
+            <a:endParaRPr lang="de-DE" dirty="0" smtClean="0"/>
+          </a:p>
+          <a:p>
+            <a:pPr lvl="2" eaLnBrk="1" hangingPunct="1">
+              <a:buFont typeface="Arial" pitchFamily="34" charset="0"/>
+              <a:buChar char="•"/>
+              <a:defRPr/>
+            </a:pPr>
+            <a:endParaRPr lang="de-DE" sz="1800" dirty="0" smtClean="0"/>
+          </a:p>
+        </p:txBody>
+      </p:sp>
+      <p:cxnSp>
+        <p:nvCxnSpPr>
+          <p:cNvPr id="5" name="Straight Connector 4"/>
+          <p:cNvCxnSpPr/>
+          <p:nvPr/>
+        </p:nvCxnSpPr>
+        <p:spPr>
+          <a:xfrm>
+            <a:off x="428625" y="1285875"/>
+            <a:ext cx="6929438" cy="1588"/>
+          </a:xfrm>
+          <a:prstGeom prst="line">
+            <a:avLst/>
+          </a:prstGeom>
+          <a:ln w="50800">
+            <a:solidFill>
+              <a:schemeClr val="tx2">
+                <a:lumMod val="40000"/>
+                <a:lumOff val="60000"/>
+              </a:schemeClr>
+            </a:solidFill>
+          </a:ln>
+        </p:spPr>
+        <p:style>
+          <a:lnRef idx="1">
+            <a:schemeClr val="accent1"/>
+          </a:lnRef>
+          <a:fillRef idx="0">
+            <a:schemeClr val="accent1"/>
+          </a:fillRef>
+          <a:effectRef idx="0">
+            <a:schemeClr val="accent1"/>
+          </a:effectRef>
+          <a:fontRef idx="minor">
+            <a:schemeClr val="tx1"/>
+          </a:fontRef>
+        </p:style>
+      </p:cxnSp>
+    </p:spTree>
+    <p:extLst>
+      <p:ext uri="{BB962C8B-B14F-4D97-AF65-F5344CB8AC3E}">
+        <p14:creationId xmlns:p14="http://schemas.microsoft.com/office/powerpoint/2010/main" val="2245083226"/>
       </p:ext>
     </p:extLst>
   </p:cSld>

--- a/Präsentation/Presentation - Benjo.pptx
+++ b/Präsentation/Presentation - Benjo.pptx
@@ -3341,7 +3341,6 @@
               <a:rPr lang="en-US" sz="1600" dirty="0" smtClean="0"/>
               <a:t>benedikt.n@mytum.de, nschmidbartl@mytum.de</a:t>
             </a:r>
-            <a:endParaRPr lang="en-US" sz="1600" dirty="0" smtClean="0"/>
           </a:p>
         </p:txBody>
       </p:sp>
@@ -3773,13 +3772,13 @@
   <p:clrMapOvr>
     <a:masterClrMapping/>
   </p:clrMapOvr>
-  <mc:AlternateContent xmlns:mc="http://schemas.openxmlformats.org/markup-compatibility/2006">
-    <mc:Choice xmlns:p14="http://schemas.microsoft.com/office/powerpoint/2010/main" Requires="p14">
+  <mc:AlternateContent xmlns:mc="http://schemas.openxmlformats.org/markup-compatibility/2006" xmlns:p14="http://schemas.microsoft.com/office/powerpoint/2010/main">
+    <mc:Choice Requires="p14">
       <p:transition spd="med">
         <p14:prism isContent="1"/>
       </p:transition>
     </mc:Choice>
-    <mc:Fallback>
+    <mc:Fallback xmlns="">
       <p:transition spd="med">
         <p:fade/>
       </p:transition>
@@ -4116,13 +4115,13 @@
   <p:clrMapOvr>
     <a:masterClrMapping/>
   </p:clrMapOvr>
-  <mc:AlternateContent xmlns:mc="http://schemas.openxmlformats.org/markup-compatibility/2006">
-    <mc:Choice xmlns:p14="http://schemas.microsoft.com/office/powerpoint/2010/main" Requires="p14">
+  <mc:AlternateContent xmlns:mc="http://schemas.openxmlformats.org/markup-compatibility/2006" xmlns:p14="http://schemas.microsoft.com/office/powerpoint/2010/main">
+    <mc:Choice Requires="p14">
       <p:transition spd="med">
         <p14:prism isContent="1"/>
       </p:transition>
     </mc:Choice>
-    <mc:Fallback>
+    <mc:Fallback xmlns="">
       <p:transition spd="med">
         <p:fade/>
       </p:transition>
@@ -4459,13 +4458,13 @@
   <p:clrMapOvr>
     <a:masterClrMapping/>
   </p:clrMapOvr>
-  <mc:AlternateContent xmlns:mc="http://schemas.openxmlformats.org/markup-compatibility/2006">
-    <mc:Choice xmlns:p14="http://schemas.microsoft.com/office/powerpoint/2010/main" Requires="p14">
+  <mc:AlternateContent xmlns:mc="http://schemas.openxmlformats.org/markup-compatibility/2006" xmlns:p14="http://schemas.microsoft.com/office/powerpoint/2010/main">
+    <mc:Choice Requires="p14">
       <p:transition spd="med">
         <p14:prism isContent="1"/>
       </p:transition>
     </mc:Choice>
-    <mc:Fallback>
+    <mc:Fallback xmlns="">
       <p:transition spd="med">
         <p:fade/>
       </p:transition>
@@ -4802,13 +4801,13 @@
   <p:clrMapOvr>
     <a:masterClrMapping/>
   </p:clrMapOvr>
-  <mc:AlternateContent xmlns:mc="http://schemas.openxmlformats.org/markup-compatibility/2006">
-    <mc:Choice xmlns:p14="http://schemas.microsoft.com/office/powerpoint/2010/main" Requires="p14">
+  <mc:AlternateContent xmlns:mc="http://schemas.openxmlformats.org/markup-compatibility/2006" xmlns:p14="http://schemas.microsoft.com/office/powerpoint/2010/main">
+    <mc:Choice Requires="p14">
       <p:transition spd="med">
         <p14:prism isContent="1"/>
       </p:transition>
     </mc:Choice>
-    <mc:Fallback>
+    <mc:Fallback xmlns="">
       <p:transition spd="med">
         <p:fade/>
       </p:transition>
@@ -5149,13 +5148,13 @@
   <p:clrMapOvr>
     <a:masterClrMapping/>
   </p:clrMapOvr>
-  <mc:AlternateContent xmlns:mc="http://schemas.openxmlformats.org/markup-compatibility/2006">
-    <mc:Choice xmlns:p14="http://schemas.microsoft.com/office/powerpoint/2010/main" Requires="p14">
+  <mc:AlternateContent xmlns:mc="http://schemas.openxmlformats.org/markup-compatibility/2006" xmlns:p14="http://schemas.microsoft.com/office/powerpoint/2010/main">
+    <mc:Choice Requires="p14">
       <p:transition spd="med">
         <p14:prism isContent="1"/>
       </p:transition>
     </mc:Choice>
-    <mc:Fallback>
+    <mc:Fallback xmlns="">
       <p:transition spd="med">
         <p:fade/>
       </p:transition>
@@ -5496,13 +5495,13 @@
   <p:clrMapOvr>
     <a:masterClrMapping/>
   </p:clrMapOvr>
-  <mc:AlternateContent xmlns:mc="http://schemas.openxmlformats.org/markup-compatibility/2006">
-    <mc:Choice xmlns:p14="http://schemas.microsoft.com/office/powerpoint/2010/main" Requires="p14">
+  <mc:AlternateContent xmlns:mc="http://schemas.openxmlformats.org/markup-compatibility/2006" xmlns:p14="http://schemas.microsoft.com/office/powerpoint/2010/main">
+    <mc:Choice Requires="p14">
       <p:transition spd="med">
         <p14:prism isContent="1"/>
       </p:transition>
     </mc:Choice>
-    <mc:Fallback>
+    <mc:Fallback xmlns="">
       <p:transition spd="med">
         <p:fade/>
       </p:transition>
@@ -5843,13 +5842,13 @@
   <p:clrMapOvr>
     <a:masterClrMapping/>
   </p:clrMapOvr>
-  <mc:AlternateContent xmlns:mc="http://schemas.openxmlformats.org/markup-compatibility/2006">
-    <mc:Choice xmlns:p14="http://schemas.microsoft.com/office/powerpoint/2010/main" Requires="p14">
+  <mc:AlternateContent xmlns:mc="http://schemas.openxmlformats.org/markup-compatibility/2006" xmlns:p14="http://schemas.microsoft.com/office/powerpoint/2010/main">
+    <mc:Choice Requires="p14">
       <p:transition spd="med">
         <p14:prism isContent="1"/>
       </p:transition>
     </mc:Choice>
-    <mc:Fallback>
+    <mc:Fallback xmlns="">
       <p:transition spd="med">
         <p:fade/>
       </p:transition>
@@ -6190,13 +6189,13 @@
   <p:clrMapOvr>
     <a:masterClrMapping/>
   </p:clrMapOvr>
-  <mc:AlternateContent xmlns:mc="http://schemas.openxmlformats.org/markup-compatibility/2006">
-    <mc:Choice xmlns:p14="http://schemas.microsoft.com/office/powerpoint/2010/main" Requires="p14">
+  <mc:AlternateContent xmlns:mc="http://schemas.openxmlformats.org/markup-compatibility/2006" xmlns:p14="http://schemas.microsoft.com/office/powerpoint/2010/main">
+    <mc:Choice Requires="p14">
       <p:transition spd="med">
         <p14:prism isContent="1"/>
       </p:transition>
     </mc:Choice>
-    <mc:Fallback>
+    <mc:Fallback xmlns="">
       <p:transition spd="med">
         <p:fade/>
       </p:transition>
@@ -6537,13 +6536,13 @@
   <p:clrMapOvr>
     <a:masterClrMapping/>
   </p:clrMapOvr>
-  <mc:AlternateContent xmlns:mc="http://schemas.openxmlformats.org/markup-compatibility/2006">
-    <mc:Choice xmlns:p14="http://schemas.microsoft.com/office/powerpoint/2010/main" Requires="p14">
+  <mc:AlternateContent xmlns:mc="http://schemas.openxmlformats.org/markup-compatibility/2006" xmlns:p14="http://schemas.microsoft.com/office/powerpoint/2010/main">
+    <mc:Choice Requires="p14">
       <p:transition spd="med">
         <p14:prism isContent="1"/>
       </p:transition>
     </mc:Choice>
-    <mc:Fallback>
+    <mc:Fallback xmlns="">
       <p:transition spd="med">
         <p:fade/>
       </p:transition>
@@ -6880,13 +6879,13 @@
   <p:clrMapOvr>
     <a:masterClrMapping/>
   </p:clrMapOvr>
-  <mc:AlternateContent xmlns:mc="http://schemas.openxmlformats.org/markup-compatibility/2006">
-    <mc:Choice xmlns:p14="http://schemas.microsoft.com/office/powerpoint/2010/main" Requires="p14">
+  <mc:AlternateContent xmlns:mc="http://schemas.openxmlformats.org/markup-compatibility/2006" xmlns:p14="http://schemas.microsoft.com/office/powerpoint/2010/main">
+    <mc:Choice Requires="p14">
       <p:transition spd="med">
         <p14:prism isContent="1"/>
       </p:transition>
     </mc:Choice>
-    <mc:Fallback>
+    <mc:Fallback xmlns="">
       <p:transition spd="med">
         <p:fade/>
       </p:transition>
@@ -7261,7 +7260,7 @@
         </p:blipFill>
         <p:spPr>
           <a:xfrm>
-            <a:off x="6228184" y="1716088"/>
+            <a:off x="6243174" y="1716088"/>
             <a:ext cx="1799158" cy="4229750"/>
           </a:xfrm>
           <a:prstGeom prst="rect">
@@ -7617,13 +7616,13 @@
   <p:clrMapOvr>
     <a:masterClrMapping/>
   </p:clrMapOvr>
-  <mc:AlternateContent xmlns:mc="http://schemas.openxmlformats.org/markup-compatibility/2006">
-    <mc:Choice xmlns:p14="http://schemas.microsoft.com/office/powerpoint/2010/main" Requires="p14">
+  <mc:AlternateContent xmlns:mc="http://schemas.openxmlformats.org/markup-compatibility/2006" xmlns:p14="http://schemas.microsoft.com/office/powerpoint/2010/main">
+    <mc:Choice Requires="p14">
       <p:transition spd="med">
         <p14:prism isContent="1"/>
       </p:transition>
     </mc:Choice>
-    <mc:Fallback>
+    <mc:Fallback xmlns="">
       <p:transition spd="med">
         <p:fade/>
       </p:transition>
@@ -7738,11 +7737,6 @@
               </a:rPr>
               <a:t>Fragen?</a:t>
             </a:r>
-            <a:endParaRPr lang="de-DE" sz="2400" dirty="0" smtClean="0">
-              <a:solidFill>
-                <a:schemeClr val="tx1"/>
-              </a:solidFill>
-            </a:endParaRPr>
           </a:p>
           <a:p>
             <a:pPr lvl="1" eaLnBrk="1" hangingPunct="1">
@@ -7887,13 +7881,13 @@
   <p:clrMapOvr>
     <a:masterClrMapping/>
   </p:clrMapOvr>
-  <mc:AlternateContent xmlns:mc="http://schemas.openxmlformats.org/markup-compatibility/2006">
-    <mc:Choice xmlns:p14="http://schemas.microsoft.com/office/powerpoint/2010/main" Requires="p14">
+  <mc:AlternateContent xmlns:mc="http://schemas.openxmlformats.org/markup-compatibility/2006" xmlns:p14="http://schemas.microsoft.com/office/powerpoint/2010/main">
+    <mc:Choice Requires="p14">
       <p:transition spd="med">
         <p14:prism isContent="1"/>
       </p:transition>
     </mc:Choice>
-    <mc:Fallback>
+    <mc:Fallback xmlns="">
       <p:transition spd="med">
         <p:fade/>
       </p:transition>
@@ -8553,13 +8547,13 @@
   <p:clrMapOvr>
     <a:masterClrMapping/>
   </p:clrMapOvr>
-  <mc:AlternateContent xmlns:mc="http://schemas.openxmlformats.org/markup-compatibility/2006">
-    <mc:Choice xmlns:p14="http://schemas.microsoft.com/office/powerpoint/2010/main" Requires="p14">
+  <mc:AlternateContent xmlns:mc="http://schemas.openxmlformats.org/markup-compatibility/2006" xmlns:p14="http://schemas.microsoft.com/office/powerpoint/2010/main">
+    <mc:Choice Requires="p14">
       <p:transition spd="med">
         <p14:prism isContent="1"/>
       </p:transition>
     </mc:Choice>
-    <mc:Fallback>
+    <mc:Fallback xmlns="">
       <p:transition spd="med">
         <p:fade/>
       </p:transition>
@@ -8886,13 +8880,13 @@
   <p:clrMapOvr>
     <a:masterClrMapping/>
   </p:clrMapOvr>
-  <mc:AlternateContent xmlns:mc="http://schemas.openxmlformats.org/markup-compatibility/2006">
-    <mc:Choice xmlns:p14="http://schemas.microsoft.com/office/powerpoint/2010/main" Requires="p14">
+  <mc:AlternateContent xmlns:mc="http://schemas.openxmlformats.org/markup-compatibility/2006" xmlns:p14="http://schemas.microsoft.com/office/powerpoint/2010/main">
+    <mc:Choice Requires="p14">
       <p:transition spd="med">
         <p14:prism isContent="1"/>
       </p:transition>
     </mc:Choice>
-    <mc:Fallback>
+    <mc:Fallback xmlns="">
       <p:transition spd="med">
         <p:fade/>
       </p:transition>
@@ -9219,13 +9213,13 @@
   <p:clrMapOvr>
     <a:masterClrMapping/>
   </p:clrMapOvr>
-  <mc:AlternateContent xmlns:mc="http://schemas.openxmlformats.org/markup-compatibility/2006">
-    <mc:Choice xmlns:p14="http://schemas.microsoft.com/office/powerpoint/2010/main" Requires="p14">
+  <mc:AlternateContent xmlns:mc="http://schemas.openxmlformats.org/markup-compatibility/2006" xmlns:p14="http://schemas.microsoft.com/office/powerpoint/2010/main">
+    <mc:Choice Requires="p14">
       <p:transition spd="med">
         <p14:prism isContent="1"/>
       </p:transition>
     </mc:Choice>
-    <mc:Fallback>
+    <mc:Fallback xmlns="">
       <p:transition spd="med">
         <p:fade/>
       </p:transition>
@@ -9552,13 +9546,13 @@
   <p:clrMapOvr>
     <a:masterClrMapping/>
   </p:clrMapOvr>
-  <mc:AlternateContent xmlns:mc="http://schemas.openxmlformats.org/markup-compatibility/2006">
-    <mc:Choice xmlns:p14="http://schemas.microsoft.com/office/powerpoint/2010/main" Requires="p14">
+  <mc:AlternateContent xmlns:mc="http://schemas.openxmlformats.org/markup-compatibility/2006" xmlns:p14="http://schemas.microsoft.com/office/powerpoint/2010/main">
+    <mc:Choice Requires="p14">
       <p:transition spd="med">
         <p14:prism isContent="1"/>
       </p:transition>
     </mc:Choice>
-    <mc:Fallback>
+    <mc:Fallback xmlns="">
       <p:transition spd="med">
         <p:fade/>
       </p:transition>
@@ -9885,13 +9879,13 @@
   <p:clrMapOvr>
     <a:masterClrMapping/>
   </p:clrMapOvr>
-  <mc:AlternateContent xmlns:mc="http://schemas.openxmlformats.org/markup-compatibility/2006">
-    <mc:Choice xmlns:p14="http://schemas.microsoft.com/office/powerpoint/2010/main" Requires="p14">
+  <mc:AlternateContent xmlns:mc="http://schemas.openxmlformats.org/markup-compatibility/2006" xmlns:p14="http://schemas.microsoft.com/office/powerpoint/2010/main">
+    <mc:Choice Requires="p14">
       <p:transition spd="med">
         <p14:prism isContent="1"/>
       </p:transition>
     </mc:Choice>
-    <mc:Fallback>
+    <mc:Fallback xmlns="">
       <p:transition spd="med">
         <p:fade/>
       </p:transition>
@@ -10218,13 +10212,13 @@
   <p:clrMapOvr>
     <a:masterClrMapping/>
   </p:clrMapOvr>
-  <mc:AlternateContent xmlns:mc="http://schemas.openxmlformats.org/markup-compatibility/2006">
-    <mc:Choice xmlns:p14="http://schemas.microsoft.com/office/powerpoint/2010/main" Requires="p14">
+  <mc:AlternateContent xmlns:mc="http://schemas.openxmlformats.org/markup-compatibility/2006" xmlns:p14="http://schemas.microsoft.com/office/powerpoint/2010/main">
+    <mc:Choice Requires="p14">
       <p:transition spd="med">
         <p14:prism isContent="1"/>
       </p:transition>
     </mc:Choice>
-    <mc:Fallback>
+    <mc:Fallback xmlns="">
       <p:transition spd="med">
         <p:fade/>
       </p:transition>

--- a/Präsentation/Presentation - Benjo.pptx
+++ b/Präsentation/Presentation - Benjo.pptx
@@ -7041,38 +7041,10 @@
               <a:defRPr/>
             </a:pPr>
             <a:r>
-              <a:rPr lang="de-DE" sz="2400" dirty="0" smtClean="0"/>
-              <a:t>Projektplanung</a:t>
-            </a:r>
-          </a:p>
-          <a:p>
-            <a:pPr lvl="1" eaLnBrk="1" hangingPunct="1">
-              <a:lnSpc>
-                <a:spcPct val="150000"/>
-              </a:lnSpc>
-              <a:buFont typeface="Wingdings" pitchFamily="2" charset="2"/>
-              <a:buChar char="§"/>
-              <a:defRPr/>
-            </a:pPr>
-            <a:r>
-              <a:rPr lang="de-DE" sz="2400" dirty="0" smtClean="0"/>
-              <a:t>Projektentwicklung</a:t>
-            </a:r>
-            <a:endParaRPr lang="de-DE" sz="1200" dirty="0" smtClean="0"/>
-          </a:p>
-          <a:p>
-            <a:pPr lvl="1" eaLnBrk="1" hangingPunct="1">
-              <a:lnSpc>
-                <a:spcPct val="150000"/>
-              </a:lnSpc>
-              <a:buFont typeface="Wingdings" pitchFamily="2" charset="2"/>
-              <a:buChar char="§"/>
-              <a:defRPr/>
-            </a:pPr>
-            <a:r>
-              <a:rPr lang="de-DE" sz="2400" dirty="0" smtClean="0"/>
+              <a:rPr lang="de-DE" sz="2400" smtClean="0"/>
               <a:t>Lieferanten-Terminal</a:t>
             </a:r>
+            <a:endParaRPr lang="de-DE" sz="2400" dirty="0" smtClean="0"/>
           </a:p>
           <a:p>
             <a:pPr lvl="1" eaLnBrk="1" hangingPunct="1">

--- a/Präsentation/Presentation - Benjo.pptx
+++ b/Präsentation/Presentation - Benjo.pptx
@@ -7041,13 +7041,13 @@
               <a:defRPr/>
             </a:pPr>
             <a:r>
-              <a:rPr lang="de-DE" sz="2400" smtClean="0"/>
-              <a:t>Lieferanten-Terminal</a:t>
+              <a:rPr lang="de-DE" sz="2400" dirty="0" smtClean="0"/>
+              <a:t>Software-System</a:t>
             </a:r>
             <a:endParaRPr lang="de-DE" sz="2400" dirty="0" smtClean="0"/>
           </a:p>
           <a:p>
-            <a:pPr lvl="1" eaLnBrk="1" hangingPunct="1">
+            <a:pPr lvl="2" eaLnBrk="1" hangingPunct="1">
               <a:lnSpc>
                 <a:spcPct val="150000"/>
               </a:lnSpc>
@@ -7056,13 +7056,13 @@
               <a:defRPr/>
             </a:pPr>
             <a:r>
-              <a:rPr lang="de-DE" sz="2400" dirty="0" smtClean="0"/>
-              <a:t>Administrations-Oberfläche</a:t>
-            </a:r>
-            <a:endParaRPr lang="de-DE" sz="2400" dirty="0"/>
-          </a:p>
-          <a:p>
-            <a:pPr lvl="1" eaLnBrk="1" hangingPunct="1">
+              <a:rPr lang="de-DE" sz="1800" dirty="0" smtClean="0"/>
+              <a:t>Lieferanten-Terminal</a:t>
+            </a:r>
+            <a:endParaRPr lang="de-DE" sz="1800" dirty="0" smtClean="0"/>
+          </a:p>
+          <a:p>
+            <a:pPr lvl="2" eaLnBrk="1" hangingPunct="1">
               <a:lnSpc>
                 <a:spcPct val="150000"/>
               </a:lnSpc>
@@ -7071,8 +7071,23 @@
               <a:defRPr/>
             </a:pPr>
             <a:r>
+              <a:rPr lang="de-DE" sz="1800" dirty="0" smtClean="0"/>
+              <a:t>Administrations-Oberfläche</a:t>
+            </a:r>
+            <a:endParaRPr lang="de-DE" sz="1800" dirty="0"/>
+          </a:p>
+          <a:p>
+            <a:pPr lvl="1" eaLnBrk="1" hangingPunct="1">
+              <a:lnSpc>
+                <a:spcPct val="150000"/>
+              </a:lnSpc>
+              <a:buFont typeface="Wingdings" pitchFamily="2" charset="2"/>
+              <a:buChar char="§"/>
+              <a:defRPr/>
+            </a:pPr>
+            <a:r>
               <a:rPr lang="de-DE" sz="2400" dirty="0" smtClean="0"/>
-              <a:t>Zusammenfassung</a:t>
+              <a:t>Evaluation</a:t>
             </a:r>
             <a:endParaRPr lang="de-DE" sz="2400" dirty="0">
               <a:solidFill>

--- a/Präsentation/Presentation - Benjo.pptx
+++ b/Präsentation/Presentation - Benjo.pptx
@@ -10,14 +10,14 @@
   <p:sldIdLst>
     <p:sldId id="256" r:id="rId2"/>
     <p:sldId id="272" r:id="rId3"/>
-    <p:sldId id="291" r:id="rId4"/>
-    <p:sldId id="294" r:id="rId5"/>
-    <p:sldId id="304" r:id="rId6"/>
-    <p:sldId id="295" r:id="rId7"/>
-    <p:sldId id="305" r:id="rId8"/>
-    <p:sldId id="296" r:id="rId9"/>
-    <p:sldId id="306" r:id="rId10"/>
-    <p:sldId id="297" r:id="rId11"/>
+    <p:sldId id="294" r:id="rId4"/>
+    <p:sldId id="304" r:id="rId5"/>
+    <p:sldId id="295" r:id="rId6"/>
+    <p:sldId id="306" r:id="rId7"/>
+    <p:sldId id="312" r:id="rId8"/>
+    <p:sldId id="297" r:id="rId9"/>
+    <p:sldId id="314" r:id="rId10"/>
+    <p:sldId id="313" r:id="rId11"/>
     <p:sldId id="307" r:id="rId12"/>
     <p:sldId id="298" r:id="rId13"/>
     <p:sldId id="302" r:id="rId14"/>
@@ -176,6 +176,2604 @@
 </p:presentation>
 </file>
 
+<file path=ppt/diagrams/colors1.xml><?xml version="1.0" encoding="utf-8"?>
+<dgm:colorsDef xmlns:dgm="http://schemas.openxmlformats.org/drawingml/2006/diagram" xmlns:a="http://schemas.openxmlformats.org/drawingml/2006/main" uniqueId="urn:microsoft.com/office/officeart/2005/8/colors/accent1_2">
+  <dgm:title val=""/>
+  <dgm:desc val=""/>
+  <dgm:catLst>
+    <dgm:cat type="accent1" pri="11200"/>
+  </dgm:catLst>
+  <dgm:styleLbl name="node0">
+    <dgm:fillClrLst meth="repeat">
+      <a:schemeClr val="accent1"/>
+    </dgm:fillClrLst>
+    <dgm:linClrLst meth="repeat">
+      <a:schemeClr val="lt1"/>
+    </dgm:linClrLst>
+    <dgm:effectClrLst/>
+    <dgm:txLinClrLst/>
+    <dgm:txFillClrLst/>
+    <dgm:txEffectClrLst/>
+  </dgm:styleLbl>
+  <dgm:styleLbl name="alignNode1">
+    <dgm:fillClrLst meth="repeat">
+      <a:schemeClr val="accent1"/>
+    </dgm:fillClrLst>
+    <dgm:linClrLst meth="repeat">
+      <a:schemeClr val="accent1"/>
+    </dgm:linClrLst>
+    <dgm:effectClrLst/>
+    <dgm:txLinClrLst/>
+    <dgm:txFillClrLst/>
+    <dgm:txEffectClrLst/>
+  </dgm:styleLbl>
+  <dgm:styleLbl name="node1">
+    <dgm:fillClrLst meth="repeat">
+      <a:schemeClr val="accent1"/>
+    </dgm:fillClrLst>
+    <dgm:linClrLst meth="repeat">
+      <a:schemeClr val="lt1"/>
+    </dgm:linClrLst>
+    <dgm:effectClrLst/>
+    <dgm:txLinClrLst/>
+    <dgm:txFillClrLst/>
+    <dgm:txEffectClrLst/>
+  </dgm:styleLbl>
+  <dgm:styleLbl name="lnNode1">
+    <dgm:fillClrLst meth="repeat">
+      <a:schemeClr val="accent1"/>
+    </dgm:fillClrLst>
+    <dgm:linClrLst meth="repeat">
+      <a:schemeClr val="lt1"/>
+    </dgm:linClrLst>
+    <dgm:effectClrLst/>
+    <dgm:txLinClrLst/>
+    <dgm:txFillClrLst/>
+    <dgm:txEffectClrLst/>
+  </dgm:styleLbl>
+  <dgm:styleLbl name="vennNode1">
+    <dgm:fillClrLst meth="repeat">
+      <a:schemeClr val="accent1">
+        <a:alpha val="50000"/>
+      </a:schemeClr>
+    </dgm:fillClrLst>
+    <dgm:linClrLst meth="repeat">
+      <a:schemeClr val="lt1"/>
+    </dgm:linClrLst>
+    <dgm:effectClrLst/>
+    <dgm:txLinClrLst/>
+    <dgm:txFillClrLst/>
+    <dgm:txEffectClrLst/>
+  </dgm:styleLbl>
+  <dgm:styleLbl name="node2">
+    <dgm:fillClrLst meth="repeat">
+      <a:schemeClr val="accent1"/>
+    </dgm:fillClrLst>
+    <dgm:linClrLst meth="repeat">
+      <a:schemeClr val="lt1"/>
+    </dgm:linClrLst>
+    <dgm:effectClrLst/>
+    <dgm:txLinClrLst/>
+    <dgm:txFillClrLst/>
+    <dgm:txEffectClrLst/>
+  </dgm:styleLbl>
+  <dgm:styleLbl name="node3">
+    <dgm:fillClrLst meth="repeat">
+      <a:schemeClr val="accent1"/>
+    </dgm:fillClrLst>
+    <dgm:linClrLst meth="repeat">
+      <a:schemeClr val="lt1"/>
+    </dgm:linClrLst>
+    <dgm:effectClrLst/>
+    <dgm:txLinClrLst/>
+    <dgm:txFillClrLst/>
+    <dgm:txEffectClrLst/>
+  </dgm:styleLbl>
+  <dgm:styleLbl name="node4">
+    <dgm:fillClrLst meth="repeat">
+      <a:schemeClr val="accent1"/>
+    </dgm:fillClrLst>
+    <dgm:linClrLst meth="repeat">
+      <a:schemeClr val="lt1"/>
+    </dgm:linClrLst>
+    <dgm:effectClrLst/>
+    <dgm:txLinClrLst/>
+    <dgm:txFillClrLst/>
+    <dgm:txEffectClrLst/>
+  </dgm:styleLbl>
+  <dgm:styleLbl name="fgImgPlace1">
+    <dgm:fillClrLst meth="repeat">
+      <a:schemeClr val="accent1">
+        <a:tint val="50000"/>
+      </a:schemeClr>
+    </dgm:fillClrLst>
+    <dgm:linClrLst meth="repeat">
+      <a:schemeClr val="lt1"/>
+    </dgm:linClrLst>
+    <dgm:effectClrLst/>
+    <dgm:txLinClrLst/>
+    <dgm:txFillClrLst meth="repeat">
+      <a:schemeClr val="lt1"/>
+    </dgm:txFillClrLst>
+    <dgm:txEffectClrLst/>
+  </dgm:styleLbl>
+  <dgm:styleLbl name="alignImgPlace1">
+    <dgm:fillClrLst meth="repeat">
+      <a:schemeClr val="accent1">
+        <a:tint val="50000"/>
+      </a:schemeClr>
+    </dgm:fillClrLst>
+    <dgm:linClrLst meth="repeat">
+      <a:schemeClr val="lt1"/>
+    </dgm:linClrLst>
+    <dgm:effectClrLst/>
+    <dgm:txLinClrLst/>
+    <dgm:txFillClrLst meth="repeat">
+      <a:schemeClr val="lt1"/>
+    </dgm:txFillClrLst>
+    <dgm:txEffectClrLst/>
+  </dgm:styleLbl>
+  <dgm:styleLbl name="bgImgPlace1">
+    <dgm:fillClrLst meth="repeat">
+      <a:schemeClr val="accent1">
+        <a:tint val="50000"/>
+      </a:schemeClr>
+    </dgm:fillClrLst>
+    <dgm:linClrLst meth="repeat">
+      <a:schemeClr val="lt1"/>
+    </dgm:linClrLst>
+    <dgm:effectClrLst/>
+    <dgm:txLinClrLst/>
+    <dgm:txFillClrLst meth="repeat">
+      <a:schemeClr val="lt1"/>
+    </dgm:txFillClrLst>
+    <dgm:txEffectClrLst/>
+  </dgm:styleLbl>
+  <dgm:styleLbl name="sibTrans2D1">
+    <dgm:fillClrLst meth="repeat">
+      <a:schemeClr val="accent1">
+        <a:tint val="60000"/>
+      </a:schemeClr>
+    </dgm:fillClrLst>
+    <dgm:linClrLst meth="repeat">
+      <a:schemeClr val="accent1">
+        <a:tint val="60000"/>
+      </a:schemeClr>
+    </dgm:linClrLst>
+    <dgm:effectClrLst/>
+    <dgm:txLinClrLst/>
+    <dgm:txFillClrLst/>
+    <dgm:txEffectClrLst/>
+  </dgm:styleLbl>
+  <dgm:styleLbl name="fgSibTrans2D1">
+    <dgm:fillClrLst meth="repeat">
+      <a:schemeClr val="accent1">
+        <a:tint val="60000"/>
+      </a:schemeClr>
+    </dgm:fillClrLst>
+    <dgm:linClrLst meth="repeat">
+      <a:schemeClr val="accent1">
+        <a:tint val="60000"/>
+      </a:schemeClr>
+    </dgm:linClrLst>
+    <dgm:effectClrLst/>
+    <dgm:txLinClrLst/>
+    <dgm:txFillClrLst/>
+    <dgm:txEffectClrLst/>
+  </dgm:styleLbl>
+  <dgm:styleLbl name="bgSibTrans2D1">
+    <dgm:fillClrLst meth="repeat">
+      <a:schemeClr val="accent1">
+        <a:tint val="60000"/>
+      </a:schemeClr>
+    </dgm:fillClrLst>
+    <dgm:linClrLst meth="repeat">
+      <a:schemeClr val="accent1">
+        <a:tint val="60000"/>
+      </a:schemeClr>
+    </dgm:linClrLst>
+    <dgm:effectClrLst/>
+    <dgm:txLinClrLst/>
+    <dgm:txFillClrLst/>
+    <dgm:txEffectClrLst/>
+  </dgm:styleLbl>
+  <dgm:styleLbl name="sibTrans1D1">
+    <dgm:fillClrLst meth="repeat">
+      <a:schemeClr val="accent1"/>
+    </dgm:fillClrLst>
+    <dgm:linClrLst meth="repeat">
+      <a:schemeClr val="accent1"/>
+    </dgm:linClrLst>
+    <dgm:effectClrLst/>
+    <dgm:txLinClrLst/>
+    <dgm:txFillClrLst meth="repeat">
+      <a:schemeClr val="tx1"/>
+    </dgm:txFillClrLst>
+    <dgm:txEffectClrLst/>
+  </dgm:styleLbl>
+  <dgm:styleLbl name="callout">
+    <dgm:fillClrLst meth="repeat">
+      <a:schemeClr val="accent1"/>
+    </dgm:fillClrLst>
+    <dgm:linClrLst meth="repeat">
+      <a:schemeClr val="accent1">
+        <a:tint val="50000"/>
+      </a:schemeClr>
+    </dgm:linClrLst>
+    <dgm:effectClrLst/>
+    <dgm:txLinClrLst/>
+    <dgm:txFillClrLst meth="repeat">
+      <a:schemeClr val="tx1"/>
+    </dgm:txFillClrLst>
+    <dgm:txEffectClrLst/>
+  </dgm:styleLbl>
+  <dgm:styleLbl name="asst0">
+    <dgm:fillClrLst meth="repeat">
+      <a:schemeClr val="accent1"/>
+    </dgm:fillClrLst>
+    <dgm:linClrLst meth="repeat">
+      <a:schemeClr val="lt1"/>
+    </dgm:linClrLst>
+    <dgm:effectClrLst/>
+    <dgm:txLinClrLst/>
+    <dgm:txFillClrLst/>
+    <dgm:txEffectClrLst/>
+  </dgm:styleLbl>
+  <dgm:styleLbl name="asst1">
+    <dgm:fillClrLst meth="repeat">
+      <a:schemeClr val="accent1"/>
+    </dgm:fillClrLst>
+    <dgm:linClrLst meth="repeat">
+      <a:schemeClr val="lt1"/>
+    </dgm:linClrLst>
+    <dgm:effectClrLst/>
+    <dgm:txLinClrLst/>
+    <dgm:txFillClrLst/>
+    <dgm:txEffectClrLst/>
+  </dgm:styleLbl>
+  <dgm:styleLbl name="asst2">
+    <dgm:fillClrLst meth="repeat">
+      <a:schemeClr val="accent1"/>
+    </dgm:fillClrLst>
+    <dgm:linClrLst meth="repeat">
+      <a:schemeClr val="lt1"/>
+    </dgm:linClrLst>
+    <dgm:effectClrLst/>
+    <dgm:txLinClrLst/>
+    <dgm:txFillClrLst/>
+    <dgm:txEffectClrLst/>
+  </dgm:styleLbl>
+  <dgm:styleLbl name="asst3">
+    <dgm:fillClrLst meth="repeat">
+      <a:schemeClr val="accent1"/>
+    </dgm:fillClrLst>
+    <dgm:linClrLst meth="repeat">
+      <a:schemeClr val="lt1"/>
+    </dgm:linClrLst>
+    <dgm:effectClrLst/>
+    <dgm:txLinClrLst/>
+    <dgm:txFillClrLst/>
+    <dgm:txEffectClrLst/>
+  </dgm:styleLbl>
+  <dgm:styleLbl name="asst4">
+    <dgm:fillClrLst meth="repeat">
+      <a:schemeClr val="accent1"/>
+    </dgm:fillClrLst>
+    <dgm:linClrLst meth="repeat">
+      <a:schemeClr val="lt1"/>
+    </dgm:linClrLst>
+    <dgm:effectClrLst/>
+    <dgm:txLinClrLst/>
+    <dgm:txFillClrLst/>
+    <dgm:txEffectClrLst/>
+  </dgm:styleLbl>
+  <dgm:styleLbl name="parChTrans2D1">
+    <dgm:fillClrLst meth="repeat">
+      <a:schemeClr val="accent1">
+        <a:tint val="60000"/>
+      </a:schemeClr>
+    </dgm:fillClrLst>
+    <dgm:linClrLst meth="repeat">
+      <a:schemeClr val="accent1">
+        <a:tint val="60000"/>
+      </a:schemeClr>
+    </dgm:linClrLst>
+    <dgm:effectClrLst/>
+    <dgm:txLinClrLst/>
+    <dgm:txFillClrLst meth="repeat">
+      <a:schemeClr val="lt1"/>
+    </dgm:txFillClrLst>
+    <dgm:txEffectClrLst/>
+  </dgm:styleLbl>
+  <dgm:styleLbl name="parChTrans2D2">
+    <dgm:fillClrLst meth="repeat">
+      <a:schemeClr val="accent1"/>
+    </dgm:fillClrLst>
+    <dgm:linClrLst meth="repeat">
+      <a:schemeClr val="accent1"/>
+    </dgm:linClrLst>
+    <dgm:effectClrLst/>
+    <dgm:txLinClrLst/>
+    <dgm:txFillClrLst meth="repeat">
+      <a:schemeClr val="lt1"/>
+    </dgm:txFillClrLst>
+    <dgm:txEffectClrLst/>
+  </dgm:styleLbl>
+  <dgm:styleLbl name="parChTrans2D3">
+    <dgm:fillClrLst meth="repeat">
+      <a:schemeClr val="accent1"/>
+    </dgm:fillClrLst>
+    <dgm:linClrLst meth="repeat">
+      <a:schemeClr val="accent1"/>
+    </dgm:linClrLst>
+    <dgm:effectClrLst/>
+    <dgm:txLinClrLst/>
+    <dgm:txFillClrLst meth="repeat">
+      <a:schemeClr val="lt1"/>
+    </dgm:txFillClrLst>
+    <dgm:txEffectClrLst/>
+  </dgm:styleLbl>
+  <dgm:styleLbl name="parChTrans2D4">
+    <dgm:fillClrLst meth="repeat">
+      <a:schemeClr val="accent1"/>
+    </dgm:fillClrLst>
+    <dgm:linClrLst meth="repeat">
+      <a:schemeClr val="accent1"/>
+    </dgm:linClrLst>
+    <dgm:effectClrLst/>
+    <dgm:txLinClrLst/>
+    <dgm:txFillClrLst meth="repeat">
+      <a:schemeClr val="lt1"/>
+    </dgm:txFillClrLst>
+    <dgm:txEffectClrLst/>
+  </dgm:styleLbl>
+  <dgm:styleLbl name="parChTrans1D1">
+    <dgm:fillClrLst meth="repeat">
+      <a:schemeClr val="accent1"/>
+    </dgm:fillClrLst>
+    <dgm:linClrLst meth="repeat">
+      <a:schemeClr val="accent1">
+        <a:shade val="60000"/>
+      </a:schemeClr>
+    </dgm:linClrLst>
+    <dgm:effectClrLst/>
+    <dgm:txLinClrLst/>
+    <dgm:txFillClrLst meth="repeat">
+      <a:schemeClr val="tx1"/>
+    </dgm:txFillClrLst>
+    <dgm:txEffectClrLst/>
+  </dgm:styleLbl>
+  <dgm:styleLbl name="parChTrans1D2">
+    <dgm:fillClrLst meth="repeat">
+      <a:schemeClr val="accent1"/>
+    </dgm:fillClrLst>
+    <dgm:linClrLst meth="repeat">
+      <a:schemeClr val="accent1">
+        <a:shade val="60000"/>
+      </a:schemeClr>
+    </dgm:linClrLst>
+    <dgm:effectClrLst/>
+    <dgm:txLinClrLst/>
+    <dgm:txFillClrLst meth="repeat">
+      <a:schemeClr val="tx1"/>
+    </dgm:txFillClrLst>
+    <dgm:txEffectClrLst/>
+  </dgm:styleLbl>
+  <dgm:styleLbl name="parChTrans1D3">
+    <dgm:fillClrLst meth="repeat">
+      <a:schemeClr val="accent1"/>
+    </dgm:fillClrLst>
+    <dgm:linClrLst meth="repeat">
+      <a:schemeClr val="accent1">
+        <a:shade val="80000"/>
+      </a:schemeClr>
+    </dgm:linClrLst>
+    <dgm:effectClrLst/>
+    <dgm:txLinClrLst/>
+    <dgm:txFillClrLst meth="repeat">
+      <a:schemeClr val="tx1"/>
+    </dgm:txFillClrLst>
+    <dgm:txEffectClrLst/>
+  </dgm:styleLbl>
+  <dgm:styleLbl name="parChTrans1D4">
+    <dgm:fillClrLst meth="repeat">
+      <a:schemeClr val="accent1"/>
+    </dgm:fillClrLst>
+    <dgm:linClrLst meth="repeat">
+      <a:schemeClr val="accent1">
+        <a:shade val="80000"/>
+      </a:schemeClr>
+    </dgm:linClrLst>
+    <dgm:effectClrLst/>
+    <dgm:txLinClrLst/>
+    <dgm:txFillClrLst meth="repeat">
+      <a:schemeClr val="tx1"/>
+    </dgm:txFillClrLst>
+    <dgm:txEffectClrLst/>
+  </dgm:styleLbl>
+  <dgm:styleLbl name="fgAcc1">
+    <dgm:fillClrLst meth="repeat">
+      <a:schemeClr val="lt1">
+        <a:alpha val="90000"/>
+      </a:schemeClr>
+    </dgm:fillClrLst>
+    <dgm:linClrLst meth="repeat">
+      <a:schemeClr val="accent1"/>
+    </dgm:linClrLst>
+    <dgm:effectClrLst/>
+    <dgm:txLinClrLst/>
+    <dgm:txFillClrLst meth="repeat">
+      <a:schemeClr val="dk1"/>
+    </dgm:txFillClrLst>
+    <dgm:txEffectClrLst/>
+  </dgm:styleLbl>
+  <dgm:styleLbl name="conFgAcc1">
+    <dgm:fillClrLst meth="repeat">
+      <a:schemeClr val="lt1">
+        <a:alpha val="90000"/>
+      </a:schemeClr>
+    </dgm:fillClrLst>
+    <dgm:linClrLst meth="repeat">
+      <a:schemeClr val="accent1"/>
+    </dgm:linClrLst>
+    <dgm:effectClrLst/>
+    <dgm:txLinClrLst/>
+    <dgm:txFillClrLst meth="repeat">
+      <a:schemeClr val="dk1"/>
+    </dgm:txFillClrLst>
+    <dgm:txEffectClrLst/>
+  </dgm:styleLbl>
+  <dgm:styleLbl name="alignAcc1">
+    <dgm:fillClrLst meth="repeat">
+      <a:schemeClr val="lt1">
+        <a:alpha val="90000"/>
+      </a:schemeClr>
+    </dgm:fillClrLst>
+    <dgm:linClrLst meth="repeat">
+      <a:schemeClr val="accent1"/>
+    </dgm:linClrLst>
+    <dgm:effectClrLst/>
+    <dgm:txLinClrLst/>
+    <dgm:txFillClrLst meth="repeat">
+      <a:schemeClr val="dk1"/>
+    </dgm:txFillClrLst>
+    <dgm:txEffectClrLst/>
+  </dgm:styleLbl>
+  <dgm:styleLbl name="trAlignAcc1">
+    <dgm:fillClrLst meth="repeat">
+      <a:schemeClr val="lt1">
+        <a:alpha val="40000"/>
+      </a:schemeClr>
+    </dgm:fillClrLst>
+    <dgm:linClrLst meth="repeat">
+      <a:schemeClr val="accent1"/>
+    </dgm:linClrLst>
+    <dgm:effectClrLst/>
+    <dgm:txLinClrLst/>
+    <dgm:txFillClrLst meth="repeat">
+      <a:schemeClr val="dk1"/>
+    </dgm:txFillClrLst>
+    <dgm:txEffectClrLst/>
+  </dgm:styleLbl>
+  <dgm:styleLbl name="bgAcc1">
+    <dgm:fillClrLst meth="repeat">
+      <a:schemeClr val="lt1">
+        <a:alpha val="90000"/>
+      </a:schemeClr>
+    </dgm:fillClrLst>
+    <dgm:linClrLst meth="repeat">
+      <a:schemeClr val="accent1"/>
+    </dgm:linClrLst>
+    <dgm:effectClrLst/>
+    <dgm:txLinClrLst/>
+    <dgm:txFillClrLst meth="repeat">
+      <a:schemeClr val="dk1"/>
+    </dgm:txFillClrLst>
+    <dgm:txEffectClrLst/>
+  </dgm:styleLbl>
+  <dgm:styleLbl name="solidFgAcc1">
+    <dgm:fillClrLst meth="repeat">
+      <a:schemeClr val="lt1"/>
+    </dgm:fillClrLst>
+    <dgm:linClrLst meth="repeat">
+      <a:schemeClr val="accent1"/>
+    </dgm:linClrLst>
+    <dgm:effectClrLst/>
+    <dgm:txLinClrLst/>
+    <dgm:txFillClrLst meth="repeat">
+      <a:schemeClr val="dk1"/>
+    </dgm:txFillClrLst>
+    <dgm:txEffectClrLst/>
+  </dgm:styleLbl>
+  <dgm:styleLbl name="solidAlignAcc1">
+    <dgm:fillClrLst meth="repeat">
+      <a:schemeClr val="lt1"/>
+    </dgm:fillClrLst>
+    <dgm:linClrLst meth="repeat">
+      <a:schemeClr val="accent1"/>
+    </dgm:linClrLst>
+    <dgm:effectClrLst/>
+    <dgm:txLinClrLst/>
+    <dgm:txFillClrLst meth="repeat">
+      <a:schemeClr val="dk1"/>
+    </dgm:txFillClrLst>
+    <dgm:txEffectClrLst/>
+  </dgm:styleLbl>
+  <dgm:styleLbl name="solidBgAcc1">
+    <dgm:fillClrLst meth="repeat">
+      <a:schemeClr val="lt1"/>
+    </dgm:fillClrLst>
+    <dgm:linClrLst meth="repeat">
+      <a:schemeClr val="accent1"/>
+    </dgm:linClrLst>
+    <dgm:effectClrLst/>
+    <dgm:txLinClrLst/>
+    <dgm:txFillClrLst meth="repeat">
+      <a:schemeClr val="dk1"/>
+    </dgm:txFillClrLst>
+    <dgm:txEffectClrLst/>
+  </dgm:styleLbl>
+  <dgm:styleLbl name="fgAccFollowNode1">
+    <dgm:fillClrLst meth="repeat">
+      <a:schemeClr val="accent1">
+        <a:alpha val="90000"/>
+        <a:tint val="40000"/>
+      </a:schemeClr>
+    </dgm:fillClrLst>
+    <dgm:linClrLst meth="repeat">
+      <a:schemeClr val="accent1">
+        <a:alpha val="90000"/>
+        <a:tint val="40000"/>
+      </a:schemeClr>
+    </dgm:linClrLst>
+    <dgm:effectClrLst/>
+    <dgm:txLinClrLst/>
+    <dgm:txFillClrLst meth="repeat">
+      <a:schemeClr val="dk1"/>
+    </dgm:txFillClrLst>
+    <dgm:txEffectClrLst/>
+  </dgm:styleLbl>
+  <dgm:styleLbl name="alignAccFollowNode1">
+    <dgm:fillClrLst meth="repeat">
+      <a:schemeClr val="accent1">
+        <a:alpha val="90000"/>
+        <a:tint val="40000"/>
+      </a:schemeClr>
+    </dgm:fillClrLst>
+    <dgm:linClrLst meth="repeat">
+      <a:schemeClr val="accent1">
+        <a:alpha val="90000"/>
+        <a:tint val="40000"/>
+      </a:schemeClr>
+    </dgm:linClrLst>
+    <dgm:effectClrLst/>
+    <dgm:txLinClrLst/>
+    <dgm:txFillClrLst meth="repeat">
+      <a:schemeClr val="dk1"/>
+    </dgm:txFillClrLst>
+    <dgm:txEffectClrLst/>
+  </dgm:styleLbl>
+  <dgm:styleLbl name="bgAccFollowNode1">
+    <dgm:fillClrLst meth="repeat">
+      <a:schemeClr val="accent1">
+        <a:alpha val="90000"/>
+        <a:tint val="40000"/>
+      </a:schemeClr>
+    </dgm:fillClrLst>
+    <dgm:linClrLst meth="repeat">
+      <a:schemeClr val="accent1">
+        <a:alpha val="90000"/>
+        <a:tint val="40000"/>
+      </a:schemeClr>
+    </dgm:linClrLst>
+    <dgm:effectClrLst/>
+    <dgm:txLinClrLst/>
+    <dgm:txFillClrLst meth="repeat">
+      <a:schemeClr val="dk1"/>
+    </dgm:txFillClrLst>
+    <dgm:txEffectClrLst/>
+  </dgm:styleLbl>
+  <dgm:styleLbl name="fgAcc0">
+    <dgm:fillClrLst meth="repeat">
+      <a:schemeClr val="lt1">
+        <a:alpha val="90000"/>
+      </a:schemeClr>
+    </dgm:fillClrLst>
+    <dgm:linClrLst meth="repeat">
+      <a:schemeClr val="accent1"/>
+    </dgm:linClrLst>
+    <dgm:effectClrLst/>
+    <dgm:txLinClrLst/>
+    <dgm:txFillClrLst meth="repeat">
+      <a:schemeClr val="dk1"/>
+    </dgm:txFillClrLst>
+    <dgm:txEffectClrLst/>
+  </dgm:styleLbl>
+  <dgm:styleLbl name="fgAcc2">
+    <dgm:fillClrLst meth="repeat">
+      <a:schemeClr val="lt1">
+        <a:alpha val="90000"/>
+      </a:schemeClr>
+    </dgm:fillClrLst>
+    <dgm:linClrLst meth="repeat">
+      <a:schemeClr val="accent1"/>
+    </dgm:linClrLst>
+    <dgm:effectClrLst/>
+    <dgm:txLinClrLst/>
+    <dgm:txFillClrLst meth="repeat">
+      <a:schemeClr val="dk1"/>
+    </dgm:txFillClrLst>
+    <dgm:txEffectClrLst/>
+  </dgm:styleLbl>
+  <dgm:styleLbl name="fgAcc3">
+    <dgm:fillClrLst meth="repeat">
+      <a:schemeClr val="lt1">
+        <a:alpha val="90000"/>
+      </a:schemeClr>
+    </dgm:fillClrLst>
+    <dgm:linClrLst meth="repeat">
+      <a:schemeClr val="accent1"/>
+    </dgm:linClrLst>
+    <dgm:effectClrLst/>
+    <dgm:txLinClrLst/>
+    <dgm:txFillClrLst meth="repeat">
+      <a:schemeClr val="dk1"/>
+    </dgm:txFillClrLst>
+    <dgm:txEffectClrLst/>
+  </dgm:styleLbl>
+  <dgm:styleLbl name="fgAcc4">
+    <dgm:fillClrLst meth="repeat">
+      <a:schemeClr val="lt1">
+        <a:alpha val="90000"/>
+      </a:schemeClr>
+    </dgm:fillClrLst>
+    <dgm:linClrLst meth="repeat">
+      <a:schemeClr val="accent1"/>
+    </dgm:linClrLst>
+    <dgm:effectClrLst/>
+    <dgm:txLinClrLst/>
+    <dgm:txFillClrLst meth="repeat">
+      <a:schemeClr val="dk1"/>
+    </dgm:txFillClrLst>
+    <dgm:txEffectClrLst/>
+  </dgm:styleLbl>
+  <dgm:styleLbl name="bgShp">
+    <dgm:fillClrLst meth="repeat">
+      <a:schemeClr val="accent1">
+        <a:tint val="40000"/>
+      </a:schemeClr>
+    </dgm:fillClrLst>
+    <dgm:linClrLst meth="repeat">
+      <a:schemeClr val="accent1"/>
+    </dgm:linClrLst>
+    <dgm:effectClrLst/>
+    <dgm:txLinClrLst/>
+    <dgm:txFillClrLst meth="repeat">
+      <a:schemeClr val="dk1"/>
+    </dgm:txFillClrLst>
+    <dgm:txEffectClrLst/>
+  </dgm:styleLbl>
+  <dgm:styleLbl name="dkBgShp">
+    <dgm:fillClrLst meth="repeat">
+      <a:schemeClr val="accent1">
+        <a:shade val="80000"/>
+      </a:schemeClr>
+    </dgm:fillClrLst>
+    <dgm:linClrLst meth="repeat">
+      <a:schemeClr val="accent1"/>
+    </dgm:linClrLst>
+    <dgm:effectClrLst/>
+    <dgm:txLinClrLst/>
+    <dgm:txFillClrLst meth="repeat">
+      <a:schemeClr val="lt1"/>
+    </dgm:txFillClrLst>
+    <dgm:txEffectClrLst/>
+  </dgm:styleLbl>
+  <dgm:styleLbl name="trBgShp">
+    <dgm:fillClrLst meth="repeat">
+      <a:schemeClr val="accent1">
+        <a:tint val="50000"/>
+        <a:alpha val="40000"/>
+      </a:schemeClr>
+    </dgm:fillClrLst>
+    <dgm:linClrLst meth="repeat">
+      <a:schemeClr val="accent1"/>
+    </dgm:linClrLst>
+    <dgm:effectClrLst/>
+    <dgm:txLinClrLst/>
+    <dgm:txFillClrLst meth="repeat">
+      <a:schemeClr val="lt1"/>
+    </dgm:txFillClrLst>
+    <dgm:txEffectClrLst/>
+  </dgm:styleLbl>
+  <dgm:styleLbl name="fgShp">
+    <dgm:fillClrLst meth="repeat">
+      <a:schemeClr val="accent1">
+        <a:tint val="60000"/>
+      </a:schemeClr>
+    </dgm:fillClrLst>
+    <dgm:linClrLst meth="repeat">
+      <a:schemeClr val="lt1"/>
+    </dgm:linClrLst>
+    <dgm:effectClrLst/>
+    <dgm:txLinClrLst/>
+    <dgm:txFillClrLst meth="repeat">
+      <a:schemeClr val="dk1"/>
+    </dgm:txFillClrLst>
+    <dgm:txEffectClrLst/>
+  </dgm:styleLbl>
+  <dgm:styleLbl name="revTx">
+    <dgm:fillClrLst meth="repeat">
+      <a:schemeClr val="lt1">
+        <a:alpha val="0"/>
+      </a:schemeClr>
+    </dgm:fillClrLst>
+    <dgm:linClrLst meth="repeat">
+      <a:schemeClr val="dk1">
+        <a:alpha val="0"/>
+      </a:schemeClr>
+    </dgm:linClrLst>
+    <dgm:effectClrLst/>
+    <dgm:txLinClrLst/>
+    <dgm:txFillClrLst meth="repeat">
+      <a:schemeClr val="tx1"/>
+    </dgm:txFillClrLst>
+    <dgm:txEffectClrLst/>
+  </dgm:styleLbl>
+</dgm:colorsDef>
+</file>
+
+<file path=ppt/diagrams/data1.xml><?xml version="1.0" encoding="utf-8"?>
+<dgm:dataModel xmlns:dgm="http://schemas.openxmlformats.org/drawingml/2006/diagram" xmlns:a="http://schemas.openxmlformats.org/drawingml/2006/main">
+  <dgm:ptLst>
+    <dgm:pt modelId="{DA9EAE97-6B0B-4AF5-B131-94CFBFFC1524}" type="doc">
+      <dgm:prSet loTypeId="urn:microsoft.com/office/officeart/2005/8/layout/vList2" loCatId="list" qsTypeId="urn:microsoft.com/office/officeart/2005/8/quickstyle/simple1" qsCatId="simple" csTypeId="urn:microsoft.com/office/officeart/2005/8/colors/accent1_2" csCatId="accent1" phldr="1"/>
+      <dgm:spPr/>
+      <dgm:t>
+        <a:bodyPr/>
+        <a:lstStyle/>
+        <a:p>
+          <a:endParaRPr lang="de-DE"/>
+        </a:p>
+      </dgm:t>
+    </dgm:pt>
+    <dgm:pt modelId="{D7201869-597C-4DDF-85EE-A266750D987B}">
+      <dgm:prSet phldrT="[Text]"/>
+      <dgm:spPr/>
+      <dgm:t>
+        <a:bodyPr/>
+        <a:lstStyle/>
+        <a:p>
+          <a:r>
+            <a:rPr lang="de-DE" dirty="0" smtClean="0"/>
+            <a:t>Kontrolle</a:t>
+          </a:r>
+          <a:endParaRPr lang="de-DE" dirty="0"/>
+        </a:p>
+      </dgm:t>
+    </dgm:pt>
+    <dgm:pt modelId="{AFD0361E-C8F8-4983-9F60-ACBA53BC52CF}" type="parTrans" cxnId="{A87DBE74-1D7D-48F3-ACFD-71E5C1640205}">
+      <dgm:prSet/>
+      <dgm:spPr/>
+      <dgm:t>
+        <a:bodyPr/>
+        <a:lstStyle/>
+        <a:p>
+          <a:endParaRPr lang="de-DE"/>
+        </a:p>
+      </dgm:t>
+    </dgm:pt>
+    <dgm:pt modelId="{AA4E1628-E3BB-4A8A-A22D-A201621C85FA}" type="sibTrans" cxnId="{A87DBE74-1D7D-48F3-ACFD-71E5C1640205}">
+      <dgm:prSet/>
+      <dgm:spPr/>
+      <dgm:t>
+        <a:bodyPr/>
+        <a:lstStyle/>
+        <a:p>
+          <a:endParaRPr lang="de-DE"/>
+        </a:p>
+      </dgm:t>
+    </dgm:pt>
+    <dgm:pt modelId="{36C89B05-E230-4AF4-BC13-074F6D71EFDF}">
+      <dgm:prSet phldrT="[Text]"/>
+      <dgm:spPr/>
+      <dgm:t>
+        <a:bodyPr/>
+        <a:lstStyle/>
+        <a:p>
+          <a:r>
+            <a:rPr lang="de-DE" dirty="0" smtClean="0"/>
+            <a:t>Warnung bei ausbleibenden Lieferungen</a:t>
+          </a:r>
+          <a:endParaRPr lang="de-DE" dirty="0"/>
+        </a:p>
+      </dgm:t>
+    </dgm:pt>
+    <dgm:pt modelId="{22471A6C-2E1D-4B24-9646-EA6F7E7EE74B}" type="parTrans" cxnId="{1446285C-CD68-4F72-B42B-ABD08B7A13CA}">
+      <dgm:prSet/>
+      <dgm:spPr/>
+      <dgm:t>
+        <a:bodyPr/>
+        <a:lstStyle/>
+        <a:p>
+          <a:endParaRPr lang="de-DE"/>
+        </a:p>
+      </dgm:t>
+    </dgm:pt>
+    <dgm:pt modelId="{CD02BD40-306D-43D8-A9E9-5D87701B17F5}" type="sibTrans" cxnId="{1446285C-CD68-4F72-B42B-ABD08B7A13CA}">
+      <dgm:prSet/>
+      <dgm:spPr/>
+      <dgm:t>
+        <a:bodyPr/>
+        <a:lstStyle/>
+        <a:p>
+          <a:endParaRPr lang="de-DE"/>
+        </a:p>
+      </dgm:t>
+    </dgm:pt>
+    <dgm:pt modelId="{6F1B1741-BC41-4007-872E-460F0CF89A61}">
+      <dgm:prSet phldrT="[Text]"/>
+      <dgm:spPr/>
+      <dgm:t>
+        <a:bodyPr/>
+        <a:lstStyle/>
+        <a:p>
+          <a:r>
+            <a:rPr lang="de-DE" dirty="0" smtClean="0"/>
+            <a:t>Auswertung und Datenhaltung</a:t>
+          </a:r>
+          <a:endParaRPr lang="de-DE" dirty="0"/>
+        </a:p>
+      </dgm:t>
+    </dgm:pt>
+    <dgm:pt modelId="{A48AC68B-C23D-4EAC-8518-3834E1D5A303}" type="parTrans" cxnId="{622A3991-F987-412C-BB78-44D6110E6CAE}">
+      <dgm:prSet/>
+      <dgm:spPr/>
+      <dgm:t>
+        <a:bodyPr/>
+        <a:lstStyle/>
+        <a:p>
+          <a:endParaRPr lang="de-DE"/>
+        </a:p>
+      </dgm:t>
+    </dgm:pt>
+    <dgm:pt modelId="{5244AD48-5E9F-4041-88F4-1916665BA91C}" type="sibTrans" cxnId="{622A3991-F987-412C-BB78-44D6110E6CAE}">
+      <dgm:prSet/>
+      <dgm:spPr/>
+      <dgm:t>
+        <a:bodyPr/>
+        <a:lstStyle/>
+        <a:p>
+          <a:endParaRPr lang="de-DE"/>
+        </a:p>
+      </dgm:t>
+    </dgm:pt>
+    <dgm:pt modelId="{35496D0A-B292-4FF2-8AA6-7A932E019124}">
+      <dgm:prSet phldrT="[Text]"/>
+      <dgm:spPr/>
+      <dgm:t>
+        <a:bodyPr/>
+        <a:lstStyle/>
+        <a:p>
+          <a:r>
+            <a:rPr lang="de-DE" dirty="0" err="1" smtClean="0"/>
+            <a:t>Benchmarken</a:t>
+          </a:r>
+          <a:r>
+            <a:rPr lang="de-DE" dirty="0" smtClean="0"/>
+            <a:t> der Naturalrabatts</a:t>
+          </a:r>
+          <a:endParaRPr lang="de-DE" dirty="0"/>
+        </a:p>
+      </dgm:t>
+    </dgm:pt>
+    <dgm:pt modelId="{4660DD1E-AADA-467B-AC0E-D62735C6E3B6}" type="parTrans" cxnId="{5F35F3F3-81E8-4443-8182-F3A9AE7D6B8C}">
+      <dgm:prSet/>
+      <dgm:spPr/>
+      <dgm:t>
+        <a:bodyPr/>
+        <a:lstStyle/>
+        <a:p>
+          <a:endParaRPr lang="de-DE"/>
+        </a:p>
+      </dgm:t>
+    </dgm:pt>
+    <dgm:pt modelId="{33F72624-9357-4B47-A9AE-25540FDEFF20}" type="sibTrans" cxnId="{5F35F3F3-81E8-4443-8182-F3A9AE7D6B8C}">
+      <dgm:prSet/>
+      <dgm:spPr/>
+      <dgm:t>
+        <a:bodyPr/>
+        <a:lstStyle/>
+        <a:p>
+          <a:endParaRPr lang="de-DE"/>
+        </a:p>
+      </dgm:t>
+    </dgm:pt>
+    <dgm:pt modelId="{FF5A4E99-3600-44A9-B867-C86087587618}">
+      <dgm:prSet phldrT="[Text]"/>
+      <dgm:spPr/>
+      <dgm:t>
+        <a:bodyPr/>
+        <a:lstStyle/>
+        <a:p>
+          <a:r>
+            <a:rPr lang="de-DE" dirty="0" smtClean="0"/>
+            <a:t>Anwesenheitsprotokollierung</a:t>
+          </a:r>
+          <a:endParaRPr lang="de-DE" dirty="0"/>
+        </a:p>
+      </dgm:t>
+    </dgm:pt>
+    <dgm:pt modelId="{7FDB7CB2-FAD9-4AE6-B9FD-6730A50A01DE}" type="parTrans" cxnId="{2244CCD0-90AD-4C68-8F00-4F4387E5EFAE}">
+      <dgm:prSet/>
+      <dgm:spPr/>
+      <dgm:t>
+        <a:bodyPr/>
+        <a:lstStyle/>
+        <a:p>
+          <a:endParaRPr lang="de-DE"/>
+        </a:p>
+      </dgm:t>
+    </dgm:pt>
+    <dgm:pt modelId="{29E5F2B8-437A-4DF6-957B-60EAE4F0A3A8}" type="sibTrans" cxnId="{2244CCD0-90AD-4C68-8F00-4F4387E5EFAE}">
+      <dgm:prSet/>
+      <dgm:spPr/>
+      <dgm:t>
+        <a:bodyPr/>
+        <a:lstStyle/>
+        <a:p>
+          <a:endParaRPr lang="de-DE"/>
+        </a:p>
+      </dgm:t>
+    </dgm:pt>
+    <dgm:pt modelId="{9D34B6FE-9FF0-4219-906A-613270619081}">
+      <dgm:prSet phldrT="[Text]"/>
+      <dgm:spPr/>
+      <dgm:t>
+        <a:bodyPr/>
+        <a:lstStyle/>
+        <a:p>
+          <a:r>
+            <a:rPr lang="de-DE" dirty="0" smtClean="0"/>
+            <a:t>Termin- und Lieferantenmanagement</a:t>
+          </a:r>
+          <a:endParaRPr lang="de-DE" dirty="0"/>
+        </a:p>
+      </dgm:t>
+    </dgm:pt>
+    <dgm:pt modelId="{4B713F1E-DA31-4BC3-8E8D-687216EAB8B7}" type="parTrans" cxnId="{2ED8056B-E957-4BC3-A39F-FA8A2A2F0D64}">
+      <dgm:prSet/>
+      <dgm:spPr/>
+    </dgm:pt>
+    <dgm:pt modelId="{56EBABB7-316D-4230-B8EB-19237F67DB03}" type="sibTrans" cxnId="{2ED8056B-E957-4BC3-A39F-FA8A2A2F0D64}">
+      <dgm:prSet/>
+      <dgm:spPr/>
+    </dgm:pt>
+    <dgm:pt modelId="{8FCC9424-D29D-41ED-8755-CEB30A66E7B9}" type="pres">
+      <dgm:prSet presAssocID="{DA9EAE97-6B0B-4AF5-B131-94CFBFFC1524}" presName="linear" presStyleCnt="0">
+        <dgm:presLayoutVars>
+          <dgm:animLvl val="lvl"/>
+          <dgm:resizeHandles val="exact"/>
+        </dgm:presLayoutVars>
+      </dgm:prSet>
+      <dgm:spPr/>
+    </dgm:pt>
+    <dgm:pt modelId="{25AF1BBD-C21F-42A1-81E3-643FD17A2D2A}" type="pres">
+      <dgm:prSet presAssocID="{D7201869-597C-4DDF-85EE-A266750D987B}" presName="parentText" presStyleLbl="node1" presStyleIdx="0" presStyleCnt="2">
+        <dgm:presLayoutVars>
+          <dgm:chMax val="0"/>
+          <dgm:bulletEnabled val="1"/>
+        </dgm:presLayoutVars>
+      </dgm:prSet>
+      <dgm:spPr/>
+    </dgm:pt>
+    <dgm:pt modelId="{A6E1021F-E33D-4CBC-960B-5230D2CA23A2}" type="pres">
+      <dgm:prSet presAssocID="{D7201869-597C-4DDF-85EE-A266750D987B}" presName="childText" presStyleLbl="revTx" presStyleIdx="0" presStyleCnt="2">
+        <dgm:presLayoutVars>
+          <dgm:bulletEnabled val="1"/>
+        </dgm:presLayoutVars>
+      </dgm:prSet>
+      <dgm:spPr/>
+      <dgm:t>
+        <a:bodyPr/>
+        <a:lstStyle/>
+        <a:p>
+          <a:endParaRPr lang="de-DE"/>
+        </a:p>
+      </dgm:t>
+    </dgm:pt>
+    <dgm:pt modelId="{EF32CDF6-AE25-48B3-A45B-E7083603E093}" type="pres">
+      <dgm:prSet presAssocID="{6F1B1741-BC41-4007-872E-460F0CF89A61}" presName="parentText" presStyleLbl="node1" presStyleIdx="1" presStyleCnt="2">
+        <dgm:presLayoutVars>
+          <dgm:chMax val="0"/>
+          <dgm:bulletEnabled val="1"/>
+        </dgm:presLayoutVars>
+      </dgm:prSet>
+      <dgm:spPr/>
+      <dgm:t>
+        <a:bodyPr/>
+        <a:lstStyle/>
+        <a:p>
+          <a:endParaRPr lang="de-DE"/>
+        </a:p>
+      </dgm:t>
+    </dgm:pt>
+    <dgm:pt modelId="{EBDF2123-6575-4FA8-A036-64D74CCC718E}" type="pres">
+      <dgm:prSet presAssocID="{6F1B1741-BC41-4007-872E-460F0CF89A61}" presName="childText" presStyleLbl="revTx" presStyleIdx="1" presStyleCnt="2">
+        <dgm:presLayoutVars>
+          <dgm:bulletEnabled val="1"/>
+        </dgm:presLayoutVars>
+      </dgm:prSet>
+      <dgm:spPr/>
+      <dgm:t>
+        <a:bodyPr/>
+        <a:lstStyle/>
+        <a:p>
+          <a:endParaRPr lang="de-DE"/>
+        </a:p>
+      </dgm:t>
+    </dgm:pt>
+  </dgm:ptLst>
+  <dgm:cxnLst>
+    <dgm:cxn modelId="{2244CCD0-90AD-4C68-8F00-4F4387E5EFAE}" srcId="{D7201869-597C-4DDF-85EE-A266750D987B}" destId="{FF5A4E99-3600-44A9-B867-C86087587618}" srcOrd="1" destOrd="0" parTransId="{7FDB7CB2-FAD9-4AE6-B9FD-6730A50A01DE}" sibTransId="{29E5F2B8-437A-4DF6-957B-60EAE4F0A3A8}"/>
+    <dgm:cxn modelId="{D3B9B12E-5A23-4676-A436-019EA0FD31BD}" type="presOf" srcId="{9D34B6FE-9FF0-4219-906A-613270619081}" destId="{EBDF2123-6575-4FA8-A036-64D74CCC718E}" srcOrd="0" destOrd="1" presId="urn:microsoft.com/office/officeart/2005/8/layout/vList2"/>
+    <dgm:cxn modelId="{6DCF8C8F-87B5-4F02-B934-62385F7AB850}" type="presOf" srcId="{6F1B1741-BC41-4007-872E-460F0CF89A61}" destId="{EF32CDF6-AE25-48B3-A45B-E7083603E093}" srcOrd="0" destOrd="0" presId="urn:microsoft.com/office/officeart/2005/8/layout/vList2"/>
+    <dgm:cxn modelId="{1446285C-CD68-4F72-B42B-ABD08B7A13CA}" srcId="{D7201869-597C-4DDF-85EE-A266750D987B}" destId="{36C89B05-E230-4AF4-BC13-074F6D71EFDF}" srcOrd="0" destOrd="0" parTransId="{22471A6C-2E1D-4B24-9646-EA6F7E7EE74B}" sibTransId="{CD02BD40-306D-43D8-A9E9-5D87701B17F5}"/>
+    <dgm:cxn modelId="{89903988-9E29-44EC-AC51-E85BBEA3A0F7}" type="presOf" srcId="{FF5A4E99-3600-44A9-B867-C86087587618}" destId="{A6E1021F-E33D-4CBC-960B-5230D2CA23A2}" srcOrd="0" destOrd="1" presId="urn:microsoft.com/office/officeart/2005/8/layout/vList2"/>
+    <dgm:cxn modelId="{BDB5B33B-A15A-48C1-BC6F-B0F59D28A749}" type="presOf" srcId="{DA9EAE97-6B0B-4AF5-B131-94CFBFFC1524}" destId="{8FCC9424-D29D-41ED-8755-CEB30A66E7B9}" srcOrd="0" destOrd="0" presId="urn:microsoft.com/office/officeart/2005/8/layout/vList2"/>
+    <dgm:cxn modelId="{5F35F3F3-81E8-4443-8182-F3A9AE7D6B8C}" srcId="{6F1B1741-BC41-4007-872E-460F0CF89A61}" destId="{35496D0A-B292-4FF2-8AA6-7A932E019124}" srcOrd="0" destOrd="0" parTransId="{4660DD1E-AADA-467B-AC0E-D62735C6E3B6}" sibTransId="{33F72624-9357-4B47-A9AE-25540FDEFF20}"/>
+    <dgm:cxn modelId="{7E31D57D-FCE0-4E96-A130-01391105AF7E}" type="presOf" srcId="{35496D0A-B292-4FF2-8AA6-7A932E019124}" destId="{EBDF2123-6575-4FA8-A036-64D74CCC718E}" srcOrd="0" destOrd="0" presId="urn:microsoft.com/office/officeart/2005/8/layout/vList2"/>
+    <dgm:cxn modelId="{2ED8056B-E957-4BC3-A39F-FA8A2A2F0D64}" srcId="{6F1B1741-BC41-4007-872E-460F0CF89A61}" destId="{9D34B6FE-9FF0-4219-906A-613270619081}" srcOrd="1" destOrd="0" parTransId="{4B713F1E-DA31-4BC3-8E8D-687216EAB8B7}" sibTransId="{56EBABB7-316D-4230-B8EB-19237F67DB03}"/>
+    <dgm:cxn modelId="{A87DBE74-1D7D-48F3-ACFD-71E5C1640205}" srcId="{DA9EAE97-6B0B-4AF5-B131-94CFBFFC1524}" destId="{D7201869-597C-4DDF-85EE-A266750D987B}" srcOrd="0" destOrd="0" parTransId="{AFD0361E-C8F8-4983-9F60-ACBA53BC52CF}" sibTransId="{AA4E1628-E3BB-4A8A-A22D-A201621C85FA}"/>
+    <dgm:cxn modelId="{B4717305-B1D8-45D7-9EA9-9FAA63A8420D}" type="presOf" srcId="{36C89B05-E230-4AF4-BC13-074F6D71EFDF}" destId="{A6E1021F-E33D-4CBC-960B-5230D2CA23A2}" srcOrd="0" destOrd="0" presId="urn:microsoft.com/office/officeart/2005/8/layout/vList2"/>
+    <dgm:cxn modelId="{1A6810CE-51C9-492D-8242-D569D489A73A}" type="presOf" srcId="{D7201869-597C-4DDF-85EE-A266750D987B}" destId="{25AF1BBD-C21F-42A1-81E3-643FD17A2D2A}" srcOrd="0" destOrd="0" presId="urn:microsoft.com/office/officeart/2005/8/layout/vList2"/>
+    <dgm:cxn modelId="{622A3991-F987-412C-BB78-44D6110E6CAE}" srcId="{DA9EAE97-6B0B-4AF5-B131-94CFBFFC1524}" destId="{6F1B1741-BC41-4007-872E-460F0CF89A61}" srcOrd="1" destOrd="0" parTransId="{A48AC68B-C23D-4EAC-8518-3834E1D5A303}" sibTransId="{5244AD48-5E9F-4041-88F4-1916665BA91C}"/>
+    <dgm:cxn modelId="{F526A6FB-B280-4DB5-9158-991FECA390C1}" type="presParOf" srcId="{8FCC9424-D29D-41ED-8755-CEB30A66E7B9}" destId="{25AF1BBD-C21F-42A1-81E3-643FD17A2D2A}" srcOrd="0" destOrd="0" presId="urn:microsoft.com/office/officeart/2005/8/layout/vList2"/>
+    <dgm:cxn modelId="{C7D1D919-B7EC-463E-A344-9A24C83F532D}" type="presParOf" srcId="{8FCC9424-D29D-41ED-8755-CEB30A66E7B9}" destId="{A6E1021F-E33D-4CBC-960B-5230D2CA23A2}" srcOrd="1" destOrd="0" presId="urn:microsoft.com/office/officeart/2005/8/layout/vList2"/>
+    <dgm:cxn modelId="{BD1D473C-DD1A-4AD9-A732-4E4F137FD037}" type="presParOf" srcId="{8FCC9424-D29D-41ED-8755-CEB30A66E7B9}" destId="{EF32CDF6-AE25-48B3-A45B-E7083603E093}" srcOrd="2" destOrd="0" presId="urn:microsoft.com/office/officeart/2005/8/layout/vList2"/>
+    <dgm:cxn modelId="{AE8ABD43-954C-44A8-B7EB-52ADA9F9C4BF}" type="presParOf" srcId="{8FCC9424-D29D-41ED-8755-CEB30A66E7B9}" destId="{EBDF2123-6575-4FA8-A036-64D74CCC718E}" srcOrd="3" destOrd="0" presId="urn:microsoft.com/office/officeart/2005/8/layout/vList2"/>
+  </dgm:cxnLst>
+  <dgm:bg/>
+  <dgm:whole/>
+  <dgm:extLst>
+    <a:ext uri="http://schemas.microsoft.com/office/drawing/2008/diagram">
+      <dsp:dataModelExt xmlns:dsp="http://schemas.microsoft.com/office/drawing/2008/diagram" relId="rId7" minVer="http://schemas.openxmlformats.org/drawingml/2006/diagram"/>
+    </a:ext>
+  </dgm:extLst>
+</dgm:dataModel>
+</file>
+
+<file path=ppt/diagrams/drawing1.xml><?xml version="1.0" encoding="utf-8"?>
+<dsp:drawing xmlns:dgm="http://schemas.openxmlformats.org/drawingml/2006/diagram" xmlns:dsp="http://schemas.microsoft.com/office/drawing/2008/diagram" xmlns:a="http://schemas.openxmlformats.org/drawingml/2006/main">
+  <dsp:spTree>
+    <dsp:nvGrpSpPr>
+      <dsp:cNvPr id="0" name=""/>
+      <dsp:cNvGrpSpPr/>
+    </dsp:nvGrpSpPr>
+    <dsp:grpSpPr/>
+    <dsp:sp modelId="{25AF1BBD-C21F-42A1-81E3-643FD17A2D2A}">
+      <dsp:nvSpPr>
+        <dsp:cNvPr id="0" name=""/>
+        <dsp:cNvSpPr/>
+      </dsp:nvSpPr>
+      <dsp:spPr>
+        <a:xfrm>
+          <a:off x="0" y="235149"/>
+          <a:ext cx="6096000" cy="772200"/>
+        </a:xfrm>
+        <a:prstGeom prst="roundRect">
+          <a:avLst/>
+        </a:prstGeom>
+        <a:solidFill>
+          <a:schemeClr val="accent1">
+            <a:hueOff val="0"/>
+            <a:satOff val="0"/>
+            <a:lumOff val="0"/>
+            <a:alphaOff val="0"/>
+          </a:schemeClr>
+        </a:solidFill>
+        <a:ln w="25400" cap="flat" cmpd="sng" algn="ctr">
+          <a:solidFill>
+            <a:schemeClr val="lt1">
+              <a:hueOff val="0"/>
+              <a:satOff val="0"/>
+              <a:lumOff val="0"/>
+              <a:alphaOff val="0"/>
+            </a:schemeClr>
+          </a:solidFill>
+          <a:prstDash val="solid"/>
+        </a:ln>
+        <a:effectLst/>
+      </dsp:spPr>
+      <dsp:style>
+        <a:lnRef idx="2">
+          <a:scrgbClr r="0" g="0" b="0"/>
+        </a:lnRef>
+        <a:fillRef idx="1">
+          <a:scrgbClr r="0" g="0" b="0"/>
+        </a:fillRef>
+        <a:effectRef idx="0">
+          <a:scrgbClr r="0" g="0" b="0"/>
+        </a:effectRef>
+        <a:fontRef idx="minor">
+          <a:schemeClr val="lt1"/>
+        </a:fontRef>
+      </dsp:style>
+      <dsp:txBody>
+        <a:bodyPr spcFirstLastPara="0" vert="horz" wrap="square" lIns="125730" tIns="125730" rIns="125730" bIns="125730" numCol="1" spcCol="1270" anchor="ctr" anchorCtr="0">
+          <a:noAutofit/>
+        </a:bodyPr>
+        <a:lstStyle/>
+        <a:p>
+          <a:pPr lvl="0" algn="l" defTabSz="1466850">
+            <a:lnSpc>
+              <a:spcPct val="90000"/>
+            </a:lnSpc>
+            <a:spcBef>
+              <a:spcPct val="0"/>
+            </a:spcBef>
+            <a:spcAft>
+              <a:spcPct val="35000"/>
+            </a:spcAft>
+          </a:pPr>
+          <a:r>
+            <a:rPr lang="de-DE" sz="3300" kern="1200" dirty="0" smtClean="0"/>
+            <a:t>Kontrolle</a:t>
+          </a:r>
+          <a:endParaRPr lang="de-DE" sz="3300" kern="1200" dirty="0"/>
+        </a:p>
+      </dsp:txBody>
+      <dsp:txXfrm>
+        <a:off x="37696" y="272845"/>
+        <a:ext cx="6020608" cy="696808"/>
+      </dsp:txXfrm>
+    </dsp:sp>
+    <dsp:sp modelId="{A6E1021F-E33D-4CBC-960B-5230D2CA23A2}">
+      <dsp:nvSpPr>
+        <dsp:cNvPr id="0" name=""/>
+        <dsp:cNvSpPr/>
+      </dsp:nvSpPr>
+      <dsp:spPr>
+        <a:xfrm>
+          <a:off x="0" y="1007350"/>
+          <a:ext cx="6096000" cy="1195424"/>
+        </a:xfrm>
+        <a:prstGeom prst="rect">
+          <a:avLst/>
+        </a:prstGeom>
+        <a:noFill/>
+        <a:ln>
+          <a:noFill/>
+        </a:ln>
+        <a:effectLst/>
+      </dsp:spPr>
+      <dsp:style>
+        <a:lnRef idx="0">
+          <a:scrgbClr r="0" g="0" b="0"/>
+        </a:lnRef>
+        <a:fillRef idx="0">
+          <a:scrgbClr r="0" g="0" b="0"/>
+        </a:fillRef>
+        <a:effectRef idx="0">
+          <a:scrgbClr r="0" g="0" b="0"/>
+        </a:effectRef>
+        <a:fontRef idx="minor"/>
+      </dsp:style>
+      <dsp:txBody>
+        <a:bodyPr spcFirstLastPara="0" vert="horz" wrap="square" lIns="193548" tIns="41910" rIns="234696" bIns="41910" numCol="1" spcCol="1270" anchor="t" anchorCtr="0">
+          <a:noAutofit/>
+        </a:bodyPr>
+        <a:lstStyle/>
+        <a:p>
+          <a:pPr marL="228600" lvl="1" indent="-228600" algn="l" defTabSz="1155700">
+            <a:lnSpc>
+              <a:spcPct val="90000"/>
+            </a:lnSpc>
+            <a:spcBef>
+              <a:spcPct val="0"/>
+            </a:spcBef>
+            <a:spcAft>
+              <a:spcPct val="20000"/>
+            </a:spcAft>
+            <a:buChar char="••"/>
+          </a:pPr>
+          <a:r>
+            <a:rPr lang="de-DE" sz="2600" kern="1200" dirty="0" smtClean="0"/>
+            <a:t>Warnung bei ausbleibenden Lieferungen</a:t>
+          </a:r>
+          <a:endParaRPr lang="de-DE" sz="2600" kern="1200" dirty="0"/>
+        </a:p>
+        <a:p>
+          <a:pPr marL="228600" lvl="1" indent="-228600" algn="l" defTabSz="1155700">
+            <a:lnSpc>
+              <a:spcPct val="90000"/>
+            </a:lnSpc>
+            <a:spcBef>
+              <a:spcPct val="0"/>
+            </a:spcBef>
+            <a:spcAft>
+              <a:spcPct val="20000"/>
+            </a:spcAft>
+            <a:buChar char="••"/>
+          </a:pPr>
+          <a:r>
+            <a:rPr lang="de-DE" sz="2600" kern="1200" dirty="0" smtClean="0"/>
+            <a:t>Anwesenheitsprotokollierung</a:t>
+          </a:r>
+          <a:endParaRPr lang="de-DE" sz="2600" kern="1200" dirty="0"/>
+        </a:p>
+      </dsp:txBody>
+      <dsp:txXfrm>
+        <a:off x="0" y="1007350"/>
+        <a:ext cx="6096000" cy="1195424"/>
+      </dsp:txXfrm>
+    </dsp:sp>
+    <dsp:sp modelId="{EF32CDF6-AE25-48B3-A45B-E7083603E093}">
+      <dsp:nvSpPr>
+        <dsp:cNvPr id="0" name=""/>
+        <dsp:cNvSpPr/>
+      </dsp:nvSpPr>
+      <dsp:spPr>
+        <a:xfrm>
+          <a:off x="0" y="2202775"/>
+          <a:ext cx="6096000" cy="772200"/>
+        </a:xfrm>
+        <a:prstGeom prst="roundRect">
+          <a:avLst/>
+        </a:prstGeom>
+        <a:solidFill>
+          <a:schemeClr val="accent1">
+            <a:hueOff val="0"/>
+            <a:satOff val="0"/>
+            <a:lumOff val="0"/>
+            <a:alphaOff val="0"/>
+          </a:schemeClr>
+        </a:solidFill>
+        <a:ln w="25400" cap="flat" cmpd="sng" algn="ctr">
+          <a:solidFill>
+            <a:schemeClr val="lt1">
+              <a:hueOff val="0"/>
+              <a:satOff val="0"/>
+              <a:lumOff val="0"/>
+              <a:alphaOff val="0"/>
+            </a:schemeClr>
+          </a:solidFill>
+          <a:prstDash val="solid"/>
+        </a:ln>
+        <a:effectLst/>
+      </dsp:spPr>
+      <dsp:style>
+        <a:lnRef idx="2">
+          <a:scrgbClr r="0" g="0" b="0"/>
+        </a:lnRef>
+        <a:fillRef idx="1">
+          <a:scrgbClr r="0" g="0" b="0"/>
+        </a:fillRef>
+        <a:effectRef idx="0">
+          <a:scrgbClr r="0" g="0" b="0"/>
+        </a:effectRef>
+        <a:fontRef idx="minor">
+          <a:schemeClr val="lt1"/>
+        </a:fontRef>
+      </dsp:style>
+      <dsp:txBody>
+        <a:bodyPr spcFirstLastPara="0" vert="horz" wrap="square" lIns="125730" tIns="125730" rIns="125730" bIns="125730" numCol="1" spcCol="1270" anchor="ctr" anchorCtr="0">
+          <a:noAutofit/>
+        </a:bodyPr>
+        <a:lstStyle/>
+        <a:p>
+          <a:pPr lvl="0" algn="l" defTabSz="1466850">
+            <a:lnSpc>
+              <a:spcPct val="90000"/>
+            </a:lnSpc>
+            <a:spcBef>
+              <a:spcPct val="0"/>
+            </a:spcBef>
+            <a:spcAft>
+              <a:spcPct val="35000"/>
+            </a:spcAft>
+          </a:pPr>
+          <a:r>
+            <a:rPr lang="de-DE" sz="3300" kern="1200" dirty="0" smtClean="0"/>
+            <a:t>Auswertung und Datenhaltung</a:t>
+          </a:r>
+          <a:endParaRPr lang="de-DE" sz="3300" kern="1200" dirty="0"/>
+        </a:p>
+      </dsp:txBody>
+      <dsp:txXfrm>
+        <a:off x="37696" y="2240471"/>
+        <a:ext cx="6020608" cy="696808"/>
+      </dsp:txXfrm>
+    </dsp:sp>
+    <dsp:sp modelId="{EBDF2123-6575-4FA8-A036-64D74CCC718E}">
+      <dsp:nvSpPr>
+        <dsp:cNvPr id="0" name=""/>
+        <dsp:cNvSpPr/>
+      </dsp:nvSpPr>
+      <dsp:spPr>
+        <a:xfrm>
+          <a:off x="0" y="2974975"/>
+          <a:ext cx="6096000" cy="853875"/>
+        </a:xfrm>
+        <a:prstGeom prst="rect">
+          <a:avLst/>
+        </a:prstGeom>
+        <a:noFill/>
+        <a:ln>
+          <a:noFill/>
+        </a:ln>
+        <a:effectLst/>
+      </dsp:spPr>
+      <dsp:style>
+        <a:lnRef idx="0">
+          <a:scrgbClr r="0" g="0" b="0"/>
+        </a:lnRef>
+        <a:fillRef idx="0">
+          <a:scrgbClr r="0" g="0" b="0"/>
+        </a:fillRef>
+        <a:effectRef idx="0">
+          <a:scrgbClr r="0" g="0" b="0"/>
+        </a:effectRef>
+        <a:fontRef idx="minor"/>
+      </dsp:style>
+      <dsp:txBody>
+        <a:bodyPr spcFirstLastPara="0" vert="horz" wrap="square" lIns="193548" tIns="41910" rIns="234696" bIns="41910" numCol="1" spcCol="1270" anchor="t" anchorCtr="0">
+          <a:noAutofit/>
+        </a:bodyPr>
+        <a:lstStyle/>
+        <a:p>
+          <a:pPr marL="228600" lvl="1" indent="-228600" algn="l" defTabSz="1155700">
+            <a:lnSpc>
+              <a:spcPct val="90000"/>
+            </a:lnSpc>
+            <a:spcBef>
+              <a:spcPct val="0"/>
+            </a:spcBef>
+            <a:spcAft>
+              <a:spcPct val="20000"/>
+            </a:spcAft>
+            <a:buChar char="••"/>
+          </a:pPr>
+          <a:r>
+            <a:rPr lang="de-DE" sz="2600" kern="1200" dirty="0" err="1" smtClean="0"/>
+            <a:t>Benchmarken</a:t>
+          </a:r>
+          <a:r>
+            <a:rPr lang="de-DE" sz="2600" kern="1200" dirty="0" smtClean="0"/>
+            <a:t> der Naturalrabatts</a:t>
+          </a:r>
+          <a:endParaRPr lang="de-DE" sz="2600" kern="1200" dirty="0"/>
+        </a:p>
+        <a:p>
+          <a:pPr marL="228600" lvl="1" indent="-228600" algn="l" defTabSz="1155700">
+            <a:lnSpc>
+              <a:spcPct val="90000"/>
+            </a:lnSpc>
+            <a:spcBef>
+              <a:spcPct val="0"/>
+            </a:spcBef>
+            <a:spcAft>
+              <a:spcPct val="20000"/>
+            </a:spcAft>
+            <a:buChar char="••"/>
+          </a:pPr>
+          <a:r>
+            <a:rPr lang="de-DE" sz="2600" kern="1200" dirty="0" smtClean="0"/>
+            <a:t>Termin- und Lieferantenmanagement</a:t>
+          </a:r>
+          <a:endParaRPr lang="de-DE" sz="2600" kern="1200" dirty="0"/>
+        </a:p>
+      </dsp:txBody>
+      <dsp:txXfrm>
+        <a:off x="0" y="2974975"/>
+        <a:ext cx="6096000" cy="853875"/>
+      </dsp:txXfrm>
+    </dsp:sp>
+  </dsp:spTree>
+</dsp:drawing>
+</file>
+
+<file path=ppt/diagrams/layout1.xml><?xml version="1.0" encoding="utf-8"?>
+<dgm:layoutDef xmlns:dgm="http://schemas.openxmlformats.org/drawingml/2006/diagram" xmlns:a="http://schemas.openxmlformats.org/drawingml/2006/main" uniqueId="urn:microsoft.com/office/officeart/2005/8/layout/vList2">
+  <dgm:title val=""/>
+  <dgm:desc val=""/>
+  <dgm:catLst>
+    <dgm:cat type="list" pri="3000"/>
+    <dgm:cat type="convert" pri="1000"/>
+  </dgm:catLst>
+  <dgm:sampData>
+    <dgm:dataModel>
+      <dgm:ptLst>
+        <dgm:pt modelId="0" type="doc"/>
+        <dgm:pt modelId="1">
+          <dgm:prSet phldr="1"/>
+        </dgm:pt>
+        <dgm:pt modelId="11">
+          <dgm:prSet phldr="1"/>
+        </dgm:pt>
+        <dgm:pt modelId="2">
+          <dgm:prSet phldr="1"/>
+        </dgm:pt>
+        <dgm:pt modelId="21">
+          <dgm:prSet phldr="1"/>
+        </dgm:pt>
+      </dgm:ptLst>
+      <dgm:cxnLst>
+        <dgm:cxn modelId="4" srcId="0" destId="1" srcOrd="0" destOrd="0"/>
+        <dgm:cxn modelId="5" srcId="0" destId="2" srcOrd="1" destOrd="0"/>
+        <dgm:cxn modelId="12" srcId="1" destId="11" srcOrd="0" destOrd="0"/>
+        <dgm:cxn modelId="23" srcId="2" destId="21" srcOrd="0" destOrd="0"/>
+      </dgm:cxnLst>
+      <dgm:bg/>
+      <dgm:whole/>
+    </dgm:dataModel>
+  </dgm:sampData>
+  <dgm:styleData>
+    <dgm:dataModel>
+      <dgm:ptLst>
+        <dgm:pt modelId="0" type="doc"/>
+        <dgm:pt modelId="1"/>
+        <dgm:pt modelId="2"/>
+      </dgm:ptLst>
+      <dgm:cxnLst>
+        <dgm:cxn modelId="3" srcId="0" destId="1" srcOrd="0" destOrd="0"/>
+        <dgm:cxn modelId="4" srcId="0" destId="2" srcOrd="1" destOrd="0"/>
+      </dgm:cxnLst>
+      <dgm:bg/>
+      <dgm:whole/>
+    </dgm:dataModel>
+  </dgm:styleData>
+  <dgm:clrData>
+    <dgm:dataModel>
+      <dgm:ptLst>
+        <dgm:pt modelId="0" type="doc"/>
+        <dgm:pt modelId="1"/>
+        <dgm:pt modelId="2"/>
+        <dgm:pt modelId="3"/>
+        <dgm:pt modelId="4"/>
+      </dgm:ptLst>
+      <dgm:cxnLst>
+        <dgm:cxn modelId="5" srcId="0" destId="1" srcOrd="0" destOrd="0"/>
+        <dgm:cxn modelId="6" srcId="0" destId="2" srcOrd="1" destOrd="0"/>
+        <dgm:cxn modelId="7" srcId="0" destId="3" srcOrd="2" destOrd="0"/>
+        <dgm:cxn modelId="8" srcId="0" destId="4" srcOrd="3" destOrd="0"/>
+      </dgm:cxnLst>
+      <dgm:bg/>
+      <dgm:whole/>
+    </dgm:dataModel>
+  </dgm:clrData>
+  <dgm:layoutNode name="linear">
+    <dgm:varLst>
+      <dgm:animLvl val="lvl"/>
+      <dgm:resizeHandles val="exact"/>
+    </dgm:varLst>
+    <dgm:alg type="lin">
+      <dgm:param type="linDir" val="fromT"/>
+      <dgm:param type="vertAlign" val="mid"/>
+    </dgm:alg>
+    <dgm:shape xmlns:r="http://schemas.openxmlformats.org/officeDocument/2006/relationships" r:blip="">
+      <dgm:adjLst/>
+    </dgm:shape>
+    <dgm:presOf/>
+    <dgm:constrLst>
+      <dgm:constr type="w" for="ch" forName="parentText" refType="w"/>
+      <dgm:constr type="h" for="ch" forName="parentText" refType="primFontSz" refFor="ch" refForName="parentText" fact="0.52"/>
+      <dgm:constr type="w" for="ch" forName="childText" refType="w"/>
+      <dgm:constr type="h" for="ch" forName="childText" refType="primFontSz" refFor="ch" refForName="parentText" fact="0.46"/>
+      <dgm:constr type="h" for="ch" forName="parentText" op="equ"/>
+      <dgm:constr type="primFontSz" for="ch" forName="parentText" op="equ" val="65"/>
+      <dgm:constr type="primFontSz" for="ch" forName="childText" refType="primFontSz" refFor="ch" refForName="parentText" op="equ"/>
+      <dgm:constr type="h" for="ch" forName="spacer" refType="primFontSz" refFor="ch" refForName="parentText" fact="0.08"/>
+    </dgm:constrLst>
+    <dgm:ruleLst>
+      <dgm:rule type="primFontSz" for="ch" forName="parentText" val="5" fact="NaN" max="NaN"/>
+    </dgm:ruleLst>
+    <dgm:forEach name="Name0" axis="ch" ptType="node">
+      <dgm:layoutNode name="parentText" styleLbl="node1">
+        <dgm:varLst>
+          <dgm:chMax val="0"/>
+          <dgm:bulletEnabled val="1"/>
+        </dgm:varLst>
+        <dgm:alg type="tx">
+          <dgm:param type="parTxLTRAlign" val="l"/>
+          <dgm:param type="parTxRTLAlign" val="r"/>
+        </dgm:alg>
+        <dgm:shape xmlns:r="http://schemas.openxmlformats.org/officeDocument/2006/relationships" type="roundRect" r:blip="">
+          <dgm:adjLst/>
+        </dgm:shape>
+        <dgm:presOf axis="self"/>
+        <dgm:constrLst>
+          <dgm:constr type="tMarg" refType="primFontSz" fact="0.3"/>
+          <dgm:constr type="bMarg" refType="primFontSz" fact="0.3"/>
+          <dgm:constr type="lMarg" refType="primFontSz" fact="0.3"/>
+          <dgm:constr type="rMarg" refType="primFontSz" fact="0.3"/>
+        </dgm:constrLst>
+        <dgm:ruleLst>
+          <dgm:rule type="h" val="INF" fact="NaN" max="NaN"/>
+        </dgm:ruleLst>
+      </dgm:layoutNode>
+      <dgm:choose name="Name1">
+        <dgm:if name="Name2" axis="ch" ptType="node" func="cnt" op="gte" val="1">
+          <dgm:layoutNode name="childText" styleLbl="revTx">
+            <dgm:varLst>
+              <dgm:bulletEnabled val="1"/>
+            </dgm:varLst>
+            <dgm:alg type="tx">
+              <dgm:param type="stBulletLvl" val="1"/>
+              <dgm:param type="lnSpAfChP" val="20"/>
+            </dgm:alg>
+            <dgm:shape xmlns:r="http://schemas.openxmlformats.org/officeDocument/2006/relationships" type="rect" r:blip="">
+              <dgm:adjLst/>
+            </dgm:shape>
+            <dgm:presOf axis="des" ptType="node"/>
+            <dgm:constrLst>
+              <dgm:constr type="tMarg" refType="primFontSz" fact="0.1"/>
+              <dgm:constr type="bMarg" refType="primFontSz" fact="0.1"/>
+              <dgm:constr type="lMarg" refType="w" fact="0.09"/>
+            </dgm:constrLst>
+            <dgm:ruleLst>
+              <dgm:rule type="h" val="INF" fact="NaN" max="NaN"/>
+            </dgm:ruleLst>
+          </dgm:layoutNode>
+        </dgm:if>
+        <dgm:else name="Name3">
+          <dgm:choose name="Name4">
+            <dgm:if name="Name5" axis="par ch" ptType="doc node" func="cnt" op="gte" val="2">
+              <dgm:forEach name="Name6" axis="followSib" ptType="sibTrans" cnt="1">
+                <dgm:layoutNode name="spacer">
+                  <dgm:alg type="sp"/>
+                  <dgm:shape xmlns:r="http://schemas.openxmlformats.org/officeDocument/2006/relationships" r:blip="">
+                    <dgm:adjLst/>
+                  </dgm:shape>
+                  <dgm:presOf/>
+                  <dgm:constrLst/>
+                  <dgm:ruleLst/>
+                </dgm:layoutNode>
+              </dgm:forEach>
+            </dgm:if>
+            <dgm:else name="Name7"/>
+          </dgm:choose>
+        </dgm:else>
+      </dgm:choose>
+    </dgm:forEach>
+  </dgm:layoutNode>
+</dgm:layoutDef>
+</file>
+
+<file path=ppt/diagrams/quickStyle1.xml><?xml version="1.0" encoding="utf-8"?>
+<dgm:styleDef xmlns:dgm="http://schemas.openxmlformats.org/drawingml/2006/diagram" xmlns:a="http://schemas.openxmlformats.org/drawingml/2006/main" uniqueId="urn:microsoft.com/office/officeart/2005/8/quickstyle/simple1">
+  <dgm:title val=""/>
+  <dgm:desc val=""/>
+  <dgm:catLst>
+    <dgm:cat type="simple" pri="10100"/>
+  </dgm:catLst>
+  <dgm:scene3d>
+    <a:camera prst="orthographicFront"/>
+    <a:lightRig rig="threePt" dir="t"/>
+  </dgm:scene3d>
+  <dgm:styleLbl name="node0">
+    <dgm:scene3d>
+      <a:camera prst="orthographicFront"/>
+      <a:lightRig rig="threePt" dir="t"/>
+    </dgm:scene3d>
+    <dgm:sp3d/>
+    <dgm:txPr/>
+    <dgm:style>
+      <a:lnRef idx="2">
+        <a:scrgbClr r="0" g="0" b="0"/>
+      </a:lnRef>
+      <a:fillRef idx="1">
+        <a:scrgbClr r="0" g="0" b="0"/>
+      </a:fillRef>
+      <a:effectRef idx="0">
+        <a:scrgbClr r="0" g="0" b="0"/>
+      </a:effectRef>
+      <a:fontRef idx="minor">
+        <a:schemeClr val="lt1"/>
+      </a:fontRef>
+    </dgm:style>
+  </dgm:styleLbl>
+  <dgm:styleLbl name="lnNode1">
+    <dgm:scene3d>
+      <a:camera prst="orthographicFront"/>
+      <a:lightRig rig="threePt" dir="t"/>
+    </dgm:scene3d>
+    <dgm:sp3d/>
+    <dgm:txPr/>
+    <dgm:style>
+      <a:lnRef idx="2">
+        <a:scrgbClr r="0" g="0" b="0"/>
+      </a:lnRef>
+      <a:fillRef idx="1">
+        <a:scrgbClr r="0" g="0" b="0"/>
+      </a:fillRef>
+      <a:effectRef idx="0">
+        <a:scrgbClr r="0" g="0" b="0"/>
+      </a:effectRef>
+      <a:fontRef idx="minor">
+        <a:schemeClr val="lt1"/>
+      </a:fontRef>
+    </dgm:style>
+  </dgm:styleLbl>
+  <dgm:styleLbl name="vennNode1">
+    <dgm:scene3d>
+      <a:camera prst="orthographicFront"/>
+      <a:lightRig rig="threePt" dir="t"/>
+    </dgm:scene3d>
+    <dgm:sp3d/>
+    <dgm:txPr/>
+    <dgm:style>
+      <a:lnRef idx="2">
+        <a:scrgbClr r="0" g="0" b="0"/>
+      </a:lnRef>
+      <a:fillRef idx="1">
+        <a:scrgbClr r="0" g="0" b="0"/>
+      </a:fillRef>
+      <a:effectRef idx="0">
+        <a:scrgbClr r="0" g="0" b="0"/>
+      </a:effectRef>
+      <a:fontRef idx="minor">
+        <a:schemeClr val="tx1"/>
+      </a:fontRef>
+    </dgm:style>
+  </dgm:styleLbl>
+  <dgm:styleLbl name="alignNode1">
+    <dgm:scene3d>
+      <a:camera prst="orthographicFront"/>
+      <a:lightRig rig="threePt" dir="t"/>
+    </dgm:scene3d>
+    <dgm:sp3d/>
+    <dgm:txPr/>
+    <dgm:style>
+      <a:lnRef idx="2">
+        <a:scrgbClr r="0" g="0" b="0"/>
+      </a:lnRef>
+      <a:fillRef idx="1">
+        <a:scrgbClr r="0" g="0" b="0"/>
+      </a:fillRef>
+      <a:effectRef idx="0">
+        <a:scrgbClr r="0" g="0" b="0"/>
+      </a:effectRef>
+      <a:fontRef idx="minor">
+        <a:schemeClr val="lt1"/>
+      </a:fontRef>
+    </dgm:style>
+  </dgm:styleLbl>
+  <dgm:styleLbl name="node1">
+    <dgm:scene3d>
+      <a:camera prst="orthographicFront"/>
+      <a:lightRig rig="threePt" dir="t"/>
+    </dgm:scene3d>
+    <dgm:sp3d/>
+    <dgm:txPr/>
+    <dgm:style>
+      <a:lnRef idx="2">
+        <a:scrgbClr r="0" g="0" b="0"/>
+      </a:lnRef>
+      <a:fillRef idx="1">
+        <a:scrgbClr r="0" g="0" b="0"/>
+      </a:fillRef>
+      <a:effectRef idx="0">
+        <a:scrgbClr r="0" g="0" b="0"/>
+      </a:effectRef>
+      <a:fontRef idx="minor">
+        <a:schemeClr val="lt1"/>
+      </a:fontRef>
+    </dgm:style>
+  </dgm:styleLbl>
+  <dgm:styleLbl name="node2">
+    <dgm:scene3d>
+      <a:camera prst="orthographicFront"/>
+      <a:lightRig rig="threePt" dir="t"/>
+    </dgm:scene3d>
+    <dgm:sp3d/>
+    <dgm:txPr/>
+    <dgm:style>
+      <a:lnRef idx="2">
+        <a:scrgbClr r="0" g="0" b="0"/>
+      </a:lnRef>
+      <a:fillRef idx="1">
+        <a:scrgbClr r="0" g="0" b="0"/>
+      </a:fillRef>
+      <a:effectRef idx="0">
+        <a:scrgbClr r="0" g="0" b="0"/>
+      </a:effectRef>
+      <a:fontRef idx="minor">
+        <a:schemeClr val="lt1"/>
+      </a:fontRef>
+    </dgm:style>
+  </dgm:styleLbl>
+  <dgm:styleLbl name="node3">
+    <dgm:scene3d>
+      <a:camera prst="orthographicFront"/>
+      <a:lightRig rig="threePt" dir="t"/>
+    </dgm:scene3d>
+    <dgm:sp3d/>
+    <dgm:txPr/>
+    <dgm:style>
+      <a:lnRef idx="2">
+        <a:scrgbClr r="0" g="0" b="0"/>
+      </a:lnRef>
+      <a:fillRef idx="1">
+        <a:scrgbClr r="0" g="0" b="0"/>
+      </a:fillRef>
+      <a:effectRef idx="0">
+        <a:scrgbClr r="0" g="0" b="0"/>
+      </a:effectRef>
+      <a:fontRef idx="minor">
+        <a:schemeClr val="lt1"/>
+      </a:fontRef>
+    </dgm:style>
+  </dgm:styleLbl>
+  <dgm:styleLbl name="node4">
+    <dgm:scene3d>
+      <a:camera prst="orthographicFront"/>
+      <a:lightRig rig="threePt" dir="t"/>
+    </dgm:scene3d>
+    <dgm:sp3d/>
+    <dgm:txPr/>
+    <dgm:style>
+      <a:lnRef idx="2">
+        <a:scrgbClr r="0" g="0" b="0"/>
+      </a:lnRef>
+      <a:fillRef idx="1">
+        <a:scrgbClr r="0" g="0" b="0"/>
+      </a:fillRef>
+      <a:effectRef idx="0">
+        <a:scrgbClr r="0" g="0" b="0"/>
+      </a:effectRef>
+      <a:fontRef idx="minor">
+        <a:schemeClr val="lt1"/>
+      </a:fontRef>
+    </dgm:style>
+  </dgm:styleLbl>
+  <dgm:styleLbl name="fgImgPlace1">
+    <dgm:scene3d>
+      <a:camera prst="orthographicFront"/>
+      <a:lightRig rig="threePt" dir="t"/>
+    </dgm:scene3d>
+    <dgm:sp3d/>
+    <dgm:txPr/>
+    <dgm:style>
+      <a:lnRef idx="2">
+        <a:scrgbClr r="0" g="0" b="0"/>
+      </a:lnRef>
+      <a:fillRef idx="1">
+        <a:scrgbClr r="0" g="0" b="0"/>
+      </a:fillRef>
+      <a:effectRef idx="0">
+        <a:scrgbClr r="0" g="0" b="0"/>
+      </a:effectRef>
+      <a:fontRef idx="minor"/>
+    </dgm:style>
+  </dgm:styleLbl>
+  <dgm:styleLbl name="alignImgPlace1">
+    <dgm:scene3d>
+      <a:camera prst="orthographicFront"/>
+      <a:lightRig rig="threePt" dir="t"/>
+    </dgm:scene3d>
+    <dgm:sp3d/>
+    <dgm:txPr/>
+    <dgm:style>
+      <a:lnRef idx="2">
+        <a:scrgbClr r="0" g="0" b="0"/>
+      </a:lnRef>
+      <a:fillRef idx="1">
+        <a:scrgbClr r="0" g="0" b="0"/>
+      </a:fillRef>
+      <a:effectRef idx="0">
+        <a:scrgbClr r="0" g="0" b="0"/>
+      </a:effectRef>
+      <a:fontRef idx="minor"/>
+    </dgm:style>
+  </dgm:styleLbl>
+  <dgm:styleLbl name="bgImgPlace1">
+    <dgm:scene3d>
+      <a:camera prst="orthographicFront"/>
+      <a:lightRig rig="threePt" dir="t"/>
+    </dgm:scene3d>
+    <dgm:sp3d/>
+    <dgm:txPr/>
+    <dgm:style>
+      <a:lnRef idx="2">
+        <a:scrgbClr r="0" g="0" b="0"/>
+      </a:lnRef>
+      <a:fillRef idx="1">
+        <a:scrgbClr r="0" g="0" b="0"/>
+      </a:fillRef>
+      <a:effectRef idx="0">
+        <a:scrgbClr r="0" g="0" b="0"/>
+      </a:effectRef>
+      <a:fontRef idx="minor"/>
+    </dgm:style>
+  </dgm:styleLbl>
+  <dgm:styleLbl name="sibTrans2D1">
+    <dgm:scene3d>
+      <a:camera prst="orthographicFront"/>
+      <a:lightRig rig="threePt" dir="t"/>
+    </dgm:scene3d>
+    <dgm:sp3d/>
+    <dgm:txPr/>
+    <dgm:style>
+      <a:lnRef idx="0">
+        <a:scrgbClr r="0" g="0" b="0"/>
+      </a:lnRef>
+      <a:fillRef idx="1">
+        <a:scrgbClr r="0" g="0" b="0"/>
+      </a:fillRef>
+      <a:effectRef idx="0">
+        <a:scrgbClr r="0" g="0" b="0"/>
+      </a:effectRef>
+      <a:fontRef idx="minor">
+        <a:schemeClr val="lt1"/>
+      </a:fontRef>
+    </dgm:style>
+  </dgm:styleLbl>
+  <dgm:styleLbl name="fgSibTrans2D1">
+    <dgm:scene3d>
+      <a:camera prst="orthographicFront"/>
+      <a:lightRig rig="threePt" dir="t"/>
+    </dgm:scene3d>
+    <dgm:sp3d/>
+    <dgm:txPr/>
+    <dgm:style>
+      <a:lnRef idx="0">
+        <a:scrgbClr r="0" g="0" b="0"/>
+      </a:lnRef>
+      <a:fillRef idx="1">
+        <a:scrgbClr r="0" g="0" b="0"/>
+      </a:fillRef>
+      <a:effectRef idx="0">
+        <a:scrgbClr r="0" g="0" b="0"/>
+      </a:effectRef>
+      <a:fontRef idx="minor">
+        <a:schemeClr val="lt1"/>
+      </a:fontRef>
+    </dgm:style>
+  </dgm:styleLbl>
+  <dgm:styleLbl name="bgSibTrans2D1">
+    <dgm:scene3d>
+      <a:camera prst="orthographicFront"/>
+      <a:lightRig rig="threePt" dir="t"/>
+    </dgm:scene3d>
+    <dgm:sp3d/>
+    <dgm:txPr/>
+    <dgm:style>
+      <a:lnRef idx="0">
+        <a:scrgbClr r="0" g="0" b="0"/>
+      </a:lnRef>
+      <a:fillRef idx="1">
+        <a:scrgbClr r="0" g="0" b="0"/>
+      </a:fillRef>
+      <a:effectRef idx="0">
+        <a:scrgbClr r="0" g="0" b="0"/>
+      </a:effectRef>
+      <a:fontRef idx="minor">
+        <a:schemeClr val="lt1"/>
+      </a:fontRef>
+    </dgm:style>
+  </dgm:styleLbl>
+  <dgm:styleLbl name="sibTrans1D1">
+    <dgm:scene3d>
+      <a:camera prst="orthographicFront"/>
+      <a:lightRig rig="threePt" dir="t"/>
+    </dgm:scene3d>
+    <dgm:sp3d/>
+    <dgm:txPr/>
+    <dgm:style>
+      <a:lnRef idx="1">
+        <a:scrgbClr r="0" g="0" b="0"/>
+      </a:lnRef>
+      <a:fillRef idx="0">
+        <a:scrgbClr r="0" g="0" b="0"/>
+      </a:fillRef>
+      <a:effectRef idx="0">
+        <a:scrgbClr r="0" g="0" b="0"/>
+      </a:effectRef>
+      <a:fontRef idx="minor"/>
+    </dgm:style>
+  </dgm:styleLbl>
+  <dgm:styleLbl name="callout">
+    <dgm:scene3d>
+      <a:camera prst="orthographicFront"/>
+      <a:lightRig rig="threePt" dir="t"/>
+    </dgm:scene3d>
+    <dgm:sp3d/>
+    <dgm:txPr/>
+    <dgm:style>
+      <a:lnRef idx="2">
+        <a:scrgbClr r="0" g="0" b="0"/>
+      </a:lnRef>
+      <a:fillRef idx="1">
+        <a:scrgbClr r="0" g="0" b="0"/>
+      </a:fillRef>
+      <a:effectRef idx="0">
+        <a:scrgbClr r="0" g="0" b="0"/>
+      </a:effectRef>
+      <a:fontRef idx="minor"/>
+    </dgm:style>
+  </dgm:styleLbl>
+  <dgm:styleLbl name="asst0">
+    <dgm:scene3d>
+      <a:camera prst="orthographicFront"/>
+      <a:lightRig rig="threePt" dir="t"/>
+    </dgm:scene3d>
+    <dgm:sp3d/>
+    <dgm:txPr/>
+    <dgm:style>
+      <a:lnRef idx="2">
+        <a:scrgbClr r="0" g="0" b="0"/>
+      </a:lnRef>
+      <a:fillRef idx="1">
+        <a:scrgbClr r="0" g="0" b="0"/>
+      </a:fillRef>
+      <a:effectRef idx="0">
+        <a:scrgbClr r="0" g="0" b="0"/>
+      </a:effectRef>
+      <a:fontRef idx="minor">
+        <a:schemeClr val="lt1"/>
+      </a:fontRef>
+    </dgm:style>
+  </dgm:styleLbl>
+  <dgm:styleLbl name="asst1">
+    <dgm:scene3d>
+      <a:camera prst="orthographicFront"/>
+      <a:lightRig rig="threePt" dir="t"/>
+    </dgm:scene3d>
+    <dgm:sp3d/>
+    <dgm:txPr/>
+    <dgm:style>
+      <a:lnRef idx="2">
+        <a:scrgbClr r="0" g="0" b="0"/>
+      </a:lnRef>
+      <a:fillRef idx="1">
+        <a:scrgbClr r="0" g="0" b="0"/>
+      </a:fillRef>
+      <a:effectRef idx="0">
+        <a:scrgbClr r="0" g="0" b="0"/>
+      </a:effectRef>
+      <a:fontRef idx="minor">
+        <a:schemeClr val="lt1"/>
+      </a:fontRef>
+    </dgm:style>
+  </dgm:styleLbl>
+  <dgm:styleLbl name="asst2">
+    <dgm:scene3d>
+      <a:camera prst="orthographicFront"/>
+      <a:lightRig rig="threePt" dir="t"/>
+    </dgm:scene3d>
+    <dgm:sp3d/>
+    <dgm:txPr/>
+    <dgm:style>
+      <a:lnRef idx="2">
+        <a:scrgbClr r="0" g="0" b="0"/>
+      </a:lnRef>
+      <a:fillRef idx="1">
+        <a:scrgbClr r="0" g="0" b="0"/>
+      </a:fillRef>
+      <a:effectRef idx="0">
+        <a:scrgbClr r="0" g="0" b="0"/>
+      </a:effectRef>
+      <a:fontRef idx="minor">
+        <a:schemeClr val="lt1"/>
+      </a:fontRef>
+    </dgm:style>
+  </dgm:styleLbl>
+  <dgm:styleLbl name="asst3">
+    <dgm:scene3d>
+      <a:camera prst="orthographicFront"/>
+      <a:lightRig rig="threePt" dir="t"/>
+    </dgm:scene3d>
+    <dgm:sp3d/>
+    <dgm:txPr/>
+    <dgm:style>
+      <a:lnRef idx="2">
+        <a:scrgbClr r="0" g="0" b="0"/>
+      </a:lnRef>
+      <a:fillRef idx="1">
+        <a:scrgbClr r="0" g="0" b="0"/>
+      </a:fillRef>
+      <a:effectRef idx="0">
+        <a:scrgbClr r="0" g="0" b="0"/>
+      </a:effectRef>
+      <a:fontRef idx="minor">
+        <a:schemeClr val="lt1"/>
+      </a:fontRef>
+    </dgm:style>
+  </dgm:styleLbl>
+  <dgm:styleLbl name="asst4">
+    <dgm:scene3d>
+      <a:camera prst="orthographicFront"/>
+      <a:lightRig rig="threePt" dir="t"/>
+    </dgm:scene3d>
+    <dgm:sp3d/>
+    <dgm:txPr/>
+    <dgm:style>
+      <a:lnRef idx="2">
+        <a:scrgbClr r="0" g="0" b="0"/>
+      </a:lnRef>
+      <a:fillRef idx="1">
+        <a:scrgbClr r="0" g="0" b="0"/>
+      </a:fillRef>
+      <a:effectRef idx="0">
+        <a:scrgbClr r="0" g="0" b="0"/>
+      </a:effectRef>
+      <a:fontRef idx="minor">
+        <a:schemeClr val="lt1"/>
+      </a:fontRef>
+    </dgm:style>
+  </dgm:styleLbl>
+  <dgm:styleLbl name="parChTrans2D1">
+    <dgm:scene3d>
+      <a:camera prst="orthographicFront"/>
+      <a:lightRig rig="threePt" dir="t"/>
+    </dgm:scene3d>
+    <dgm:sp3d/>
+    <dgm:txPr/>
+    <dgm:style>
+      <a:lnRef idx="2">
+        <a:scrgbClr r="0" g="0" b="0"/>
+      </a:lnRef>
+      <a:fillRef idx="1">
+        <a:scrgbClr r="0" g="0" b="0"/>
+      </a:fillRef>
+      <a:effectRef idx="0">
+        <a:scrgbClr r="0" g="0" b="0"/>
+      </a:effectRef>
+      <a:fontRef idx="minor">
+        <a:schemeClr val="lt1"/>
+      </a:fontRef>
+    </dgm:style>
+  </dgm:styleLbl>
+  <dgm:styleLbl name="parChTrans2D2">
+    <dgm:scene3d>
+      <a:camera prst="orthographicFront"/>
+      <a:lightRig rig="threePt" dir="t"/>
+    </dgm:scene3d>
+    <dgm:sp3d/>
+    <dgm:txPr/>
+    <dgm:style>
+      <a:lnRef idx="2">
+        <a:scrgbClr r="0" g="0" b="0"/>
+      </a:lnRef>
+      <a:fillRef idx="1">
+        <a:scrgbClr r="0" g="0" b="0"/>
+      </a:fillRef>
+      <a:effectRef idx="0">
+        <a:scrgbClr r="0" g="0" b="0"/>
+      </a:effectRef>
+      <a:fontRef idx="minor">
+        <a:schemeClr val="lt1"/>
+      </a:fontRef>
+    </dgm:style>
+  </dgm:styleLbl>
+  <dgm:styleLbl name="parChTrans2D3">
+    <dgm:scene3d>
+      <a:camera prst="orthographicFront"/>
+      <a:lightRig rig="threePt" dir="t"/>
+    </dgm:scene3d>
+    <dgm:sp3d/>
+    <dgm:txPr/>
+    <dgm:style>
+      <a:lnRef idx="2">
+        <a:scrgbClr r="0" g="0" b="0"/>
+      </a:lnRef>
+      <a:fillRef idx="1">
+        <a:scrgbClr r="0" g="0" b="0"/>
+      </a:fillRef>
+      <a:effectRef idx="0">
+        <a:scrgbClr r="0" g="0" b="0"/>
+      </a:effectRef>
+      <a:fontRef idx="minor">
+        <a:schemeClr val="lt1"/>
+      </a:fontRef>
+    </dgm:style>
+  </dgm:styleLbl>
+  <dgm:styleLbl name="parChTrans2D4">
+    <dgm:scene3d>
+      <a:camera prst="orthographicFront"/>
+      <a:lightRig rig="threePt" dir="t"/>
+    </dgm:scene3d>
+    <dgm:sp3d/>
+    <dgm:txPr/>
+    <dgm:style>
+      <a:lnRef idx="2">
+        <a:scrgbClr r="0" g="0" b="0"/>
+      </a:lnRef>
+      <a:fillRef idx="1">
+        <a:scrgbClr r="0" g="0" b="0"/>
+      </a:fillRef>
+      <a:effectRef idx="0">
+        <a:scrgbClr r="0" g="0" b="0"/>
+      </a:effectRef>
+      <a:fontRef idx="minor">
+        <a:schemeClr val="lt1"/>
+      </a:fontRef>
+    </dgm:style>
+  </dgm:styleLbl>
+  <dgm:styleLbl name="parChTrans1D1">
+    <dgm:scene3d>
+      <a:camera prst="orthographicFront"/>
+      <a:lightRig rig="threePt" dir="t"/>
+    </dgm:scene3d>
+    <dgm:sp3d/>
+    <dgm:txPr/>
+    <dgm:style>
+      <a:lnRef idx="2">
+        <a:scrgbClr r="0" g="0" b="0"/>
+      </a:lnRef>
+      <a:fillRef idx="0">
+        <a:scrgbClr r="0" g="0" b="0"/>
+      </a:fillRef>
+      <a:effectRef idx="0">
+        <a:scrgbClr r="0" g="0" b="0"/>
+      </a:effectRef>
+      <a:fontRef idx="minor"/>
+    </dgm:style>
+  </dgm:styleLbl>
+  <dgm:styleLbl name="parChTrans1D2">
+    <dgm:scene3d>
+      <a:camera prst="orthographicFront"/>
+      <a:lightRig rig="threePt" dir="t"/>
+    </dgm:scene3d>
+    <dgm:sp3d/>
+    <dgm:txPr/>
+    <dgm:style>
+      <a:lnRef idx="2">
+        <a:scrgbClr r="0" g="0" b="0"/>
+      </a:lnRef>
+      <a:fillRef idx="0">
+        <a:scrgbClr r="0" g="0" b="0"/>
+      </a:fillRef>
+      <a:effectRef idx="0">
+        <a:scrgbClr r="0" g="0" b="0"/>
+      </a:effectRef>
+      <a:fontRef idx="minor"/>
+    </dgm:style>
+  </dgm:styleLbl>
+  <dgm:styleLbl name="parChTrans1D3">
+    <dgm:scene3d>
+      <a:camera prst="orthographicFront"/>
+      <a:lightRig rig="threePt" dir="t"/>
+    </dgm:scene3d>
+    <dgm:sp3d/>
+    <dgm:txPr/>
+    <dgm:style>
+      <a:lnRef idx="2">
+        <a:scrgbClr r="0" g="0" b="0"/>
+      </a:lnRef>
+      <a:fillRef idx="0">
+        <a:scrgbClr r="0" g="0" b="0"/>
+      </a:fillRef>
+      <a:effectRef idx="0">
+        <a:scrgbClr r="0" g="0" b="0"/>
+      </a:effectRef>
+      <a:fontRef idx="minor"/>
+    </dgm:style>
+  </dgm:styleLbl>
+  <dgm:styleLbl name="parChTrans1D4">
+    <dgm:scene3d>
+      <a:camera prst="orthographicFront"/>
+      <a:lightRig rig="threePt" dir="t"/>
+    </dgm:scene3d>
+    <dgm:sp3d/>
+    <dgm:txPr/>
+    <dgm:style>
+      <a:lnRef idx="2">
+        <a:scrgbClr r="0" g="0" b="0"/>
+      </a:lnRef>
+      <a:fillRef idx="0">
+        <a:scrgbClr r="0" g="0" b="0"/>
+      </a:fillRef>
+      <a:effectRef idx="0">
+        <a:scrgbClr r="0" g="0" b="0"/>
+      </a:effectRef>
+      <a:fontRef idx="minor"/>
+    </dgm:style>
+  </dgm:styleLbl>
+  <dgm:styleLbl name="fgAcc1">
+    <dgm:scene3d>
+      <a:camera prst="orthographicFront"/>
+      <a:lightRig rig="threePt" dir="t"/>
+    </dgm:scene3d>
+    <dgm:sp3d/>
+    <dgm:txPr/>
+    <dgm:style>
+      <a:lnRef idx="2">
+        <a:scrgbClr r="0" g="0" b="0"/>
+      </a:lnRef>
+      <a:fillRef idx="1">
+        <a:scrgbClr r="0" g="0" b="0"/>
+      </a:fillRef>
+      <a:effectRef idx="0">
+        <a:scrgbClr r="0" g="0" b="0"/>
+      </a:effectRef>
+      <a:fontRef idx="minor"/>
+    </dgm:style>
+  </dgm:styleLbl>
+  <dgm:styleLbl name="conFgAcc1">
+    <dgm:scene3d>
+      <a:camera prst="orthographicFront"/>
+      <a:lightRig rig="threePt" dir="t"/>
+    </dgm:scene3d>
+    <dgm:sp3d/>
+    <dgm:txPr/>
+    <dgm:style>
+      <a:lnRef idx="2">
+        <a:scrgbClr r="0" g="0" b="0"/>
+      </a:lnRef>
+      <a:fillRef idx="1">
+        <a:scrgbClr r="0" g="0" b="0"/>
+      </a:fillRef>
+      <a:effectRef idx="0">
+        <a:scrgbClr r="0" g="0" b="0"/>
+      </a:effectRef>
+      <a:fontRef idx="minor"/>
+    </dgm:style>
+  </dgm:styleLbl>
+  <dgm:styleLbl name="alignAcc1">
+    <dgm:scene3d>
+      <a:camera prst="orthographicFront"/>
+      <a:lightRig rig="threePt" dir="t"/>
+    </dgm:scene3d>
+    <dgm:sp3d/>
+    <dgm:txPr/>
+    <dgm:style>
+      <a:lnRef idx="2">
+        <a:scrgbClr r="0" g="0" b="0"/>
+      </a:lnRef>
+      <a:fillRef idx="1">
+        <a:scrgbClr r="0" g="0" b="0"/>
+      </a:fillRef>
+      <a:effectRef idx="0">
+        <a:scrgbClr r="0" g="0" b="0"/>
+      </a:effectRef>
+      <a:fontRef idx="minor"/>
+    </dgm:style>
+  </dgm:styleLbl>
+  <dgm:styleLbl name="trAlignAcc1">
+    <dgm:scene3d>
+      <a:camera prst="orthographicFront"/>
+      <a:lightRig rig="threePt" dir="t"/>
+    </dgm:scene3d>
+    <dgm:sp3d/>
+    <dgm:txPr/>
+    <dgm:style>
+      <a:lnRef idx="1">
+        <a:scrgbClr r="0" g="0" b="0"/>
+      </a:lnRef>
+      <a:fillRef idx="1">
+        <a:scrgbClr r="0" g="0" b="0"/>
+      </a:fillRef>
+      <a:effectRef idx="0">
+        <a:scrgbClr r="0" g="0" b="0"/>
+      </a:effectRef>
+      <a:fontRef idx="minor"/>
+    </dgm:style>
+  </dgm:styleLbl>
+  <dgm:styleLbl name="bgAcc1">
+    <dgm:scene3d>
+      <a:camera prst="orthographicFront"/>
+      <a:lightRig rig="threePt" dir="t"/>
+    </dgm:scene3d>
+    <dgm:sp3d/>
+    <dgm:txPr/>
+    <dgm:style>
+      <a:lnRef idx="2">
+        <a:scrgbClr r="0" g="0" b="0"/>
+      </a:lnRef>
+      <a:fillRef idx="1">
+        <a:scrgbClr r="0" g="0" b="0"/>
+      </a:fillRef>
+      <a:effectRef idx="0">
+        <a:scrgbClr r="0" g="0" b="0"/>
+      </a:effectRef>
+      <a:fontRef idx="minor"/>
+    </dgm:style>
+  </dgm:styleLbl>
+  <dgm:styleLbl name="solidFgAcc1">
+    <dgm:scene3d>
+      <a:camera prst="orthographicFront"/>
+      <a:lightRig rig="threePt" dir="t"/>
+    </dgm:scene3d>
+    <dgm:sp3d/>
+    <dgm:txPr/>
+    <dgm:style>
+      <a:lnRef idx="2">
+        <a:scrgbClr r="0" g="0" b="0"/>
+      </a:lnRef>
+      <a:fillRef idx="1">
+        <a:scrgbClr r="0" g="0" b="0"/>
+      </a:fillRef>
+      <a:effectRef idx="0">
+        <a:scrgbClr r="0" g="0" b="0"/>
+      </a:effectRef>
+      <a:fontRef idx="minor"/>
+    </dgm:style>
+  </dgm:styleLbl>
+  <dgm:styleLbl name="solidAlignAcc1">
+    <dgm:scene3d>
+      <a:camera prst="orthographicFront"/>
+      <a:lightRig rig="threePt" dir="t"/>
+    </dgm:scene3d>
+    <dgm:sp3d/>
+    <dgm:txPr/>
+    <dgm:style>
+      <a:lnRef idx="2">
+        <a:scrgbClr r="0" g="0" b="0"/>
+      </a:lnRef>
+      <a:fillRef idx="1">
+        <a:scrgbClr r="0" g="0" b="0"/>
+      </a:fillRef>
+      <a:effectRef idx="0">
+        <a:scrgbClr r="0" g="0" b="0"/>
+      </a:effectRef>
+      <a:fontRef idx="minor"/>
+    </dgm:style>
+  </dgm:styleLbl>
+  <dgm:styleLbl name="solidBgAcc1">
+    <dgm:scene3d>
+      <a:camera prst="orthographicFront"/>
+      <a:lightRig rig="threePt" dir="t"/>
+    </dgm:scene3d>
+    <dgm:sp3d/>
+    <dgm:txPr/>
+    <dgm:style>
+      <a:lnRef idx="2">
+        <a:scrgbClr r="0" g="0" b="0"/>
+      </a:lnRef>
+      <a:fillRef idx="1">
+        <a:scrgbClr r="0" g="0" b="0"/>
+      </a:fillRef>
+      <a:effectRef idx="0">
+        <a:scrgbClr r="0" g="0" b="0"/>
+      </a:effectRef>
+      <a:fontRef idx="minor"/>
+    </dgm:style>
+  </dgm:styleLbl>
+  <dgm:styleLbl name="fgAccFollowNode1">
+    <dgm:scene3d>
+      <a:camera prst="orthographicFront"/>
+      <a:lightRig rig="threePt" dir="t"/>
+    </dgm:scene3d>
+    <dgm:sp3d/>
+    <dgm:txPr/>
+    <dgm:style>
+      <a:lnRef idx="2">
+        <a:scrgbClr r="0" g="0" b="0"/>
+      </a:lnRef>
+      <a:fillRef idx="1">
+        <a:scrgbClr r="0" g="0" b="0"/>
+      </a:fillRef>
+      <a:effectRef idx="0">
+        <a:scrgbClr r="0" g="0" b="0"/>
+      </a:effectRef>
+      <a:fontRef idx="minor"/>
+    </dgm:style>
+  </dgm:styleLbl>
+  <dgm:styleLbl name="alignAccFollowNode1">
+    <dgm:scene3d>
+      <a:camera prst="orthographicFront"/>
+      <a:lightRig rig="threePt" dir="t"/>
+    </dgm:scene3d>
+    <dgm:sp3d/>
+    <dgm:txPr/>
+    <dgm:style>
+      <a:lnRef idx="2">
+        <a:scrgbClr r="0" g="0" b="0"/>
+      </a:lnRef>
+      <a:fillRef idx="1">
+        <a:scrgbClr r="0" g="0" b="0"/>
+      </a:fillRef>
+      <a:effectRef idx="0">
+        <a:scrgbClr r="0" g="0" b="0"/>
+      </a:effectRef>
+      <a:fontRef idx="minor"/>
+    </dgm:style>
+  </dgm:styleLbl>
+  <dgm:styleLbl name="bgAccFollowNode1">
+    <dgm:scene3d>
+      <a:camera prst="orthographicFront"/>
+      <a:lightRig rig="threePt" dir="t"/>
+    </dgm:scene3d>
+    <dgm:sp3d/>
+    <dgm:txPr/>
+    <dgm:style>
+      <a:lnRef idx="2">
+        <a:scrgbClr r="0" g="0" b="0"/>
+      </a:lnRef>
+      <a:fillRef idx="1">
+        <a:scrgbClr r="0" g="0" b="0"/>
+      </a:fillRef>
+      <a:effectRef idx="0">
+        <a:scrgbClr r="0" g="0" b="0"/>
+      </a:effectRef>
+      <a:fontRef idx="minor"/>
+    </dgm:style>
+  </dgm:styleLbl>
+  <dgm:styleLbl name="fgAcc0">
+    <dgm:scene3d>
+      <a:camera prst="orthographicFront"/>
+      <a:lightRig rig="threePt" dir="t"/>
+    </dgm:scene3d>
+    <dgm:sp3d/>
+    <dgm:txPr/>
+    <dgm:style>
+      <a:lnRef idx="2">
+        <a:scrgbClr r="0" g="0" b="0"/>
+      </a:lnRef>
+      <a:fillRef idx="1">
+        <a:scrgbClr r="0" g="0" b="0"/>
+      </a:fillRef>
+      <a:effectRef idx="0">
+        <a:scrgbClr r="0" g="0" b="0"/>
+      </a:effectRef>
+      <a:fontRef idx="minor"/>
+    </dgm:style>
+  </dgm:styleLbl>
+  <dgm:styleLbl name="fgAcc2">
+    <dgm:scene3d>
+      <a:camera prst="orthographicFront"/>
+      <a:lightRig rig="threePt" dir="t"/>
+    </dgm:scene3d>
+    <dgm:sp3d/>
+    <dgm:txPr/>
+    <dgm:style>
+      <a:lnRef idx="2">
+        <a:scrgbClr r="0" g="0" b="0"/>
+      </a:lnRef>
+      <a:fillRef idx="1">
+        <a:scrgbClr r="0" g="0" b="0"/>
+      </a:fillRef>
+      <a:effectRef idx="0">
+        <a:scrgbClr r="0" g="0" b="0"/>
+      </a:effectRef>
+      <a:fontRef idx="minor"/>
+    </dgm:style>
+  </dgm:styleLbl>
+  <dgm:styleLbl name="fgAcc3">
+    <dgm:scene3d>
+      <a:camera prst="orthographicFront"/>
+      <a:lightRig rig="threePt" dir="t"/>
+    </dgm:scene3d>
+    <dgm:sp3d/>
+    <dgm:txPr/>
+    <dgm:style>
+      <a:lnRef idx="2">
+        <a:scrgbClr r="0" g="0" b="0"/>
+      </a:lnRef>
+      <a:fillRef idx="1">
+        <a:scrgbClr r="0" g="0" b="0"/>
+      </a:fillRef>
+      <a:effectRef idx="0">
+        <a:scrgbClr r="0" g="0" b="0"/>
+      </a:effectRef>
+      <a:fontRef idx="minor"/>
+    </dgm:style>
+  </dgm:styleLbl>
+  <dgm:styleLbl name="fgAcc4">
+    <dgm:scene3d>
+      <a:camera prst="orthographicFront"/>
+      <a:lightRig rig="threePt" dir="t"/>
+    </dgm:scene3d>
+    <dgm:sp3d/>
+    <dgm:txPr/>
+    <dgm:style>
+      <a:lnRef idx="2">
+        <a:scrgbClr r="0" g="0" b="0"/>
+      </a:lnRef>
+      <a:fillRef idx="1">
+        <a:scrgbClr r="0" g="0" b="0"/>
+      </a:fillRef>
+      <a:effectRef idx="0">
+        <a:scrgbClr r="0" g="0" b="0"/>
+      </a:effectRef>
+      <a:fontRef idx="minor"/>
+    </dgm:style>
+  </dgm:styleLbl>
+  <dgm:styleLbl name="bgShp">
+    <dgm:scene3d>
+      <a:camera prst="orthographicFront"/>
+      <a:lightRig rig="threePt" dir="t"/>
+    </dgm:scene3d>
+    <dgm:sp3d/>
+    <dgm:txPr/>
+    <dgm:style>
+      <a:lnRef idx="0">
+        <a:scrgbClr r="0" g="0" b="0"/>
+      </a:lnRef>
+      <a:fillRef idx="1">
+        <a:scrgbClr r="0" g="0" b="0"/>
+      </a:fillRef>
+      <a:effectRef idx="0">
+        <a:scrgbClr r="0" g="0" b="0"/>
+      </a:effectRef>
+      <a:fontRef idx="minor"/>
+    </dgm:style>
+  </dgm:styleLbl>
+  <dgm:styleLbl name="dkBgShp">
+    <dgm:scene3d>
+      <a:camera prst="orthographicFront"/>
+      <a:lightRig rig="threePt" dir="t"/>
+    </dgm:scene3d>
+    <dgm:sp3d/>
+    <dgm:txPr/>
+    <dgm:style>
+      <a:lnRef idx="0">
+        <a:scrgbClr r="0" g="0" b="0"/>
+      </a:lnRef>
+      <a:fillRef idx="1">
+        <a:scrgbClr r="0" g="0" b="0"/>
+      </a:fillRef>
+      <a:effectRef idx="0">
+        <a:scrgbClr r="0" g="0" b="0"/>
+      </a:effectRef>
+      <a:fontRef idx="minor"/>
+    </dgm:style>
+  </dgm:styleLbl>
+  <dgm:styleLbl name="trBgShp">
+    <dgm:scene3d>
+      <a:camera prst="orthographicFront"/>
+      <a:lightRig rig="threePt" dir="t"/>
+    </dgm:scene3d>
+    <dgm:sp3d/>
+    <dgm:txPr/>
+    <dgm:style>
+      <a:lnRef idx="0">
+        <a:scrgbClr r="0" g="0" b="0"/>
+      </a:lnRef>
+      <a:fillRef idx="1">
+        <a:scrgbClr r="0" g="0" b="0"/>
+      </a:fillRef>
+      <a:effectRef idx="0">
+        <a:scrgbClr r="0" g="0" b="0"/>
+      </a:effectRef>
+      <a:fontRef idx="minor"/>
+    </dgm:style>
+  </dgm:styleLbl>
+  <dgm:styleLbl name="fgShp">
+    <dgm:scene3d>
+      <a:camera prst="orthographicFront"/>
+      <a:lightRig rig="threePt" dir="t"/>
+    </dgm:scene3d>
+    <dgm:sp3d/>
+    <dgm:txPr/>
+    <dgm:style>
+      <a:lnRef idx="2">
+        <a:scrgbClr r="0" g="0" b="0"/>
+      </a:lnRef>
+      <a:fillRef idx="1">
+        <a:scrgbClr r="0" g="0" b="0"/>
+      </a:fillRef>
+      <a:effectRef idx="0">
+        <a:scrgbClr r="0" g="0" b="0"/>
+      </a:effectRef>
+      <a:fontRef idx="minor"/>
+    </dgm:style>
+  </dgm:styleLbl>
+  <dgm:styleLbl name="revTx">
+    <dgm:scene3d>
+      <a:camera prst="orthographicFront"/>
+      <a:lightRig rig="threePt" dir="t"/>
+    </dgm:scene3d>
+    <dgm:sp3d/>
+    <dgm:txPr/>
+    <dgm:style>
+      <a:lnRef idx="0">
+        <a:scrgbClr r="0" g="0" b="0"/>
+      </a:lnRef>
+      <a:fillRef idx="0">
+        <a:scrgbClr r="0" g="0" b="0"/>
+      </a:fillRef>
+      <a:effectRef idx="0">
+        <a:scrgbClr r="0" g="0" b="0"/>
+      </a:effectRef>
+      <a:fontRef idx="minor"/>
+    </dgm:style>
+  </dgm:styleLbl>
+</dgm:styleDef>
+</file>
+
 <file path=ppt/notesMasters/notesMaster1.xml><?xml version="1.0" encoding="utf-8"?>
 <p:notesMaster xmlns:a="http://schemas.openxmlformats.org/drawingml/2006/main" xmlns:r="http://schemas.openxmlformats.org/officeDocument/2006/relationships" xmlns:p="http://schemas.openxmlformats.org/presentationml/2006/main">
   <p:cSld>
@@ -524,6 +3122,121 @@
     </a:lvl9pPr>
   </p:notesStyle>
 </p:notesMaster>
+</file>
+
+<file path=ppt/notesSlides/notesSlide1.xml><?xml version="1.0" encoding="utf-8"?>
+<p:notes xmlns:a="http://schemas.openxmlformats.org/drawingml/2006/main" xmlns:r="http://schemas.openxmlformats.org/officeDocument/2006/relationships" xmlns:p="http://schemas.openxmlformats.org/presentationml/2006/main">
+  <p:cSld>
+    <p:spTree>
+      <p:nvGrpSpPr>
+        <p:cNvPr id="1" name=""/>
+        <p:cNvGrpSpPr/>
+        <p:nvPr/>
+      </p:nvGrpSpPr>
+      <p:grpSpPr>
+        <a:xfrm>
+          <a:off x="0" y="0"/>
+          <a:ext cx="0" cy="0"/>
+          <a:chOff x="0" y="0"/>
+          <a:chExt cx="0" cy="0"/>
+        </a:xfrm>
+      </p:grpSpPr>
+      <p:sp>
+        <p:nvSpPr>
+          <p:cNvPr id="2" name="Folienbildplatzhalter 1"/>
+          <p:cNvSpPr>
+            <a:spLocks noGrp="1" noRot="1" noChangeAspect="1"/>
+          </p:cNvSpPr>
+          <p:nvPr>
+            <p:ph type="sldImg"/>
+          </p:nvPr>
+        </p:nvSpPr>
+        <p:spPr/>
+      </p:sp>
+      <p:sp>
+        <p:nvSpPr>
+          <p:cNvPr id="3" name="Notizenplatzhalter 2"/>
+          <p:cNvSpPr>
+            <a:spLocks noGrp="1"/>
+          </p:cNvSpPr>
+          <p:nvPr>
+            <p:ph type="body" idx="1"/>
+          </p:nvPr>
+        </p:nvSpPr>
+        <p:spPr/>
+        <p:txBody>
+          <a:bodyPr/>
+          <a:lstStyle/>
+          <a:p>
+            <a:pPr marL="0" marR="0" indent="0" algn="l" defTabSz="914400" rtl="0" eaLnBrk="1" fontAlgn="auto" latinLnBrk="0" hangingPunct="1">
+              <a:lnSpc>
+                <a:spcPct val="100000"/>
+              </a:lnSpc>
+              <a:spcBef>
+                <a:spcPts val="0"/>
+              </a:spcBef>
+              <a:spcAft>
+                <a:spcPts val="0"/>
+              </a:spcAft>
+              <a:buClrTx/>
+              <a:buSzTx/>
+              <a:buFontTx/>
+              <a:buNone/>
+              <a:tabLst/>
+              <a:defRPr/>
+            </a:pPr>
+            <a:r>
+              <a:rPr lang="de-DE" sz="1200" kern="1200" dirty="0" smtClean="0">
+                <a:solidFill>
+                  <a:schemeClr val="tx1"/>
+                </a:solidFill>
+                <a:effectLst/>
+                <a:latin typeface="+mn-lt"/>
+                <a:ea typeface="+mn-ea"/>
+                <a:cs typeface="+mn-cs"/>
+              </a:rPr>
+              <a:t>unterstehen zwei Filialen) darstellen, und bei gewissen Änderungen bzw. Differenzen Meldung geben. Ein Beispiel wäre ein Lieferant, der bei der gleichen Warengruppe sehr unterschiedliche Rabatte bei zwei Filialen gibt.</a:t>
+            </a:r>
+          </a:p>
+          <a:p>
+            <a:endParaRPr lang="de-DE" dirty="0"/>
+          </a:p>
+        </p:txBody>
+      </p:sp>
+      <p:sp>
+        <p:nvSpPr>
+          <p:cNvPr id="4" name="Foliennummernplatzhalter 3"/>
+          <p:cNvSpPr>
+            <a:spLocks noGrp="1"/>
+          </p:cNvSpPr>
+          <p:nvPr>
+            <p:ph type="sldNum" sz="quarter" idx="10"/>
+          </p:nvPr>
+        </p:nvSpPr>
+        <p:spPr/>
+        <p:txBody>
+          <a:bodyPr/>
+          <a:lstStyle/>
+          <a:p>
+            <a:fld id="{43C39BD9-9764-4DD5-9A2D-728FEA0344EB}" type="slidenum">
+              <a:rPr lang="de-DE" smtClean="0"/>
+              <a:t>3</a:t>
+            </a:fld>
+            <a:endParaRPr lang="de-DE"/>
+          </a:p>
+        </p:txBody>
+      </p:sp>
+    </p:spTree>
+    <p:extLst>
+      <p:ext uri="{BB962C8B-B14F-4D97-AF65-F5344CB8AC3E}">
+        <p14:creationId xmlns:p14="http://schemas.microsoft.com/office/powerpoint/2010/main" val="1935761072"/>
+      </p:ext>
+    </p:extLst>
+  </p:cSld>
+  <p:clrMapOvr>
+    <a:masterClrMapping/>
+  </p:clrMapOvr>
+</p:notes>
 </file>
 
 <file path=ppt/slideLayouts/slideLayout1.xml><?xml version="1.0" encoding="utf-8"?>
@@ -3765,7 +6478,7 @@
     </p:spTree>
     <p:extLst>
       <p:ext uri="{BB962C8B-B14F-4D97-AF65-F5344CB8AC3E}">
-        <p14:creationId xmlns:p14="http://schemas.microsoft.com/office/powerpoint/2010/main" val="403858798"/>
+        <p14:creationId xmlns:p14="http://schemas.microsoft.com/office/powerpoint/2010/main" val="428925022"/>
       </p:ext>
     </p:extLst>
   </p:cSld>
@@ -7014,7 +9727,7 @@
                   <a:schemeClr val="tx1"/>
                 </a:solidFill>
               </a:rPr>
-              <a:t>Einleitung</a:t>
+              <a:t>Projektbeschreibung</a:t>
             </a:r>
           </a:p>
           <a:p>
@@ -7027,9 +9740,24 @@
               <a:defRPr/>
             </a:pPr>
             <a:r>
-              <a:rPr lang="de-DE" sz="2400" dirty="0" smtClean="0"/>
-              <a:t>Projektbeschreibung</a:t>
-            </a:r>
+              <a:rPr lang="de-DE" sz="2400" dirty="0" smtClean="0">
+                <a:solidFill>
+                  <a:schemeClr val="accent6">
+                    <a:lumMod val="60000"/>
+                    <a:lumOff val="40000"/>
+                  </a:schemeClr>
+                </a:solidFill>
+              </a:rPr>
+              <a:t>Bewertung der Wirtschaftlichkeit</a:t>
+            </a:r>
+            <a:endParaRPr lang="de-DE" sz="2400" dirty="0" smtClean="0">
+              <a:solidFill>
+                <a:schemeClr val="accent6">
+                  <a:lumMod val="60000"/>
+                  <a:lumOff val="40000"/>
+                </a:schemeClr>
+              </a:solidFill>
+            </a:endParaRPr>
           </a:p>
           <a:p>
             <a:pPr lvl="1" eaLnBrk="1" hangingPunct="1">
@@ -7071,10 +9799,18 @@
               <a:defRPr/>
             </a:pPr>
             <a:r>
-              <a:rPr lang="de-DE" sz="1800" dirty="0" smtClean="0"/>
+              <a:rPr lang="de-DE" sz="1800" dirty="0" smtClean="0">
+                <a:solidFill>
+                  <a:srgbClr val="00B0F0"/>
+                </a:solidFill>
+              </a:rPr>
               <a:t>Administrations-Oberfläche</a:t>
             </a:r>
-            <a:endParaRPr lang="de-DE" sz="1800" dirty="0"/>
+            <a:endParaRPr lang="de-DE" sz="1800" dirty="0">
+              <a:solidFill>
+                <a:srgbClr val="00B0F0"/>
+              </a:solidFill>
+            </a:endParaRPr>
           </a:p>
           <a:p>
             <a:pPr lvl="1" eaLnBrk="1" hangingPunct="1">
@@ -7107,7 +9843,7 @@
             <a:r>
               <a:rPr lang="de-DE" sz="2400" dirty="0" smtClean="0">
                 <a:solidFill>
-                  <a:schemeClr val="tx1"/>
+                  <a:srgbClr val="00B0F0"/>
                 </a:solidFill>
               </a:rPr>
               <a:t>Fazit</a:t>
@@ -7953,8 +10689,8 @@
           <a:p>
             <a:pPr eaLnBrk="1" hangingPunct="1"/>
             <a:r>
-              <a:rPr lang="de-DE" dirty="0"/>
-              <a:t>Einleitung</a:t>
+              <a:rPr lang="de-DE" dirty="0" smtClean="0"/>
+              <a:t>Projektbeschreibung - Aufgaben</a:t>
             </a:r>
             <a:endParaRPr lang="de-DE" dirty="0" smtClean="0"/>
           </a:p>
@@ -7988,26 +10724,6 @@
             </a:prstTxWarp>
           </a:bodyPr>
           <a:lstStyle/>
-          <a:p>
-            <a:pPr lvl="1" eaLnBrk="1" hangingPunct="1">
-              <a:buFont typeface="Wingdings" pitchFamily="2" charset="2"/>
-              <a:buChar char="§"/>
-              <a:defRPr/>
-            </a:pPr>
-            <a:r>
-              <a:rPr lang="de-DE" sz="2400" dirty="0" err="1" smtClean="0">
-                <a:solidFill>
-                  <a:schemeClr val="tx1"/>
-                </a:solidFill>
-              </a:rPr>
-              <a:t>asdf</a:t>
-            </a:r>
-            <a:endParaRPr lang="de-DE" sz="2400" dirty="0">
-              <a:solidFill>
-                <a:schemeClr val="tx1"/>
-              </a:solidFill>
-            </a:endParaRPr>
-          </a:p>
           <a:p>
             <a:pPr lvl="1" eaLnBrk="1" hangingPunct="1">
               <a:buFont typeface="Wingdings" pitchFamily="2" charset="2"/>
@@ -8191,10 +10907,32 @@
           </a:fontRef>
         </p:style>
       </p:cxnSp>
+      <p:graphicFrame>
+        <p:nvGraphicFramePr>
+          <p:cNvPr id="2" name="Diagramm 1"/>
+          <p:cNvGraphicFramePr/>
+          <p:nvPr>
+            <p:extLst>
+              <p:ext uri="{D42A27DB-BD31-4B8C-83A1-F6EECF244321}">
+                <p14:modId xmlns:p14="http://schemas.microsoft.com/office/powerpoint/2010/main" val="546463174"/>
+              </p:ext>
+            </p:extLst>
+          </p:nvPr>
+        </p:nvGraphicFramePr>
+        <p:xfrm>
+          <a:off x="1524000" y="1397000"/>
+          <a:ext cx="6096000" cy="4064000"/>
+        </p:xfrm>
+        <a:graphic>
+          <a:graphicData uri="http://schemas.openxmlformats.org/drawingml/2006/diagram">
+            <dgm:relIds xmlns:dgm="http://schemas.openxmlformats.org/drawingml/2006/diagram" xmlns:r="http://schemas.openxmlformats.org/officeDocument/2006/relationships" r:dm="rId3" r:lo="rId4" r:qs="rId5" r:cs="rId6"/>
+          </a:graphicData>
+        </a:graphic>
+      </p:graphicFrame>
     </p:spTree>
     <p:extLst>
       <p:ext uri="{BB962C8B-B14F-4D97-AF65-F5344CB8AC3E}">
-        <p14:creationId xmlns:p14="http://schemas.microsoft.com/office/powerpoint/2010/main" val="3959729450"/>
+        <p14:creationId xmlns:p14="http://schemas.microsoft.com/office/powerpoint/2010/main" val="2355734907"/>
       </p:ext>
     </p:extLst>
   </p:cSld>
@@ -8287,7 +11025,7 @@
             <a:pPr eaLnBrk="1" hangingPunct="1"/>
             <a:r>
               <a:rPr lang="de-DE" dirty="0"/>
-              <a:t>Projektbeschreibung</a:t>
+              <a:t>Bewertung der Wirtschaftlichkeit</a:t>
             </a:r>
             <a:endParaRPr lang="de-DE" dirty="0" smtClean="0"/>
           </a:p>
@@ -8321,26 +11059,6 @@
             </a:prstTxWarp>
           </a:bodyPr>
           <a:lstStyle/>
-          <a:p>
-            <a:pPr lvl="1" eaLnBrk="1" hangingPunct="1">
-              <a:buFont typeface="Wingdings" pitchFamily="2" charset="2"/>
-              <a:buChar char="§"/>
-              <a:defRPr/>
-            </a:pPr>
-            <a:r>
-              <a:rPr lang="de-DE" sz="2400" dirty="0" err="1" smtClean="0">
-                <a:solidFill>
-                  <a:schemeClr val="tx1"/>
-                </a:solidFill>
-              </a:rPr>
-              <a:t>asdf</a:t>
-            </a:r>
-            <a:endParaRPr lang="de-DE" sz="2400" dirty="0">
-              <a:solidFill>
-                <a:schemeClr val="tx1"/>
-              </a:solidFill>
-            </a:endParaRPr>
-          </a:p>
           <a:p>
             <a:pPr lvl="1" eaLnBrk="1" hangingPunct="1">
               <a:buFont typeface="Wingdings" pitchFamily="2" charset="2"/>
@@ -8524,10 +11242,43 @@
           </a:fontRef>
         </p:style>
       </p:cxnSp>
+      <p:pic>
+        <p:nvPicPr>
+          <p:cNvPr id="6" name="Grafik 5" descr="https://lh6.googleusercontent.com/B20WTKPyo3zv3jZWvDSkxKE-590xOOvHc-dEn0egSlygznKViHK7ZqeFyFb9mk4lLdLHBv33FOP0MzF9kmCZ9Tz4qSIx95vgrEMPnG5ktiLC4IdmV6D8D20Q80JRUHPe9Px_01Y"/>
+          <p:cNvPicPr/>
+          <p:nvPr/>
+        </p:nvPicPr>
+        <p:blipFill>
+          <a:blip r:embed="rId2">
+            <a:extLst>
+              <a:ext uri="{28A0092B-C50C-407E-A947-70E740481C1C}">
+                <a14:useLocalDpi xmlns:a14="http://schemas.microsoft.com/office/drawing/2010/main" val="0"/>
+              </a:ext>
+            </a:extLst>
+          </a:blip>
+          <a:srcRect/>
+          <a:stretch>
+            <a:fillRect/>
+          </a:stretch>
+        </p:blipFill>
+        <p:spPr bwMode="auto">
+          <a:xfrm>
+            <a:off x="683568" y="2060848"/>
+            <a:ext cx="7710028" cy="2520280"/>
+          </a:xfrm>
+          <a:prstGeom prst="rect">
+            <a:avLst/>
+          </a:prstGeom>
+          <a:noFill/>
+          <a:ln>
+            <a:noFill/>
+          </a:ln>
+        </p:spPr>
+      </p:pic>
     </p:spTree>
     <p:extLst>
       <p:ext uri="{BB962C8B-B14F-4D97-AF65-F5344CB8AC3E}">
-        <p14:creationId xmlns:p14="http://schemas.microsoft.com/office/powerpoint/2010/main" val="2355734907"/>
+        <p14:creationId xmlns:p14="http://schemas.microsoft.com/office/powerpoint/2010/main" val="1002374224"/>
       </p:ext>
     </p:extLst>
   </p:cSld>
@@ -8619,8 +11370,8 @@
           <a:p>
             <a:pPr eaLnBrk="1" hangingPunct="1"/>
             <a:r>
-              <a:rPr lang="de-DE" dirty="0"/>
-              <a:t>Projektbeschreibung</a:t>
+              <a:rPr lang="de-DE" dirty="0" smtClean="0"/>
+              <a:t>Bewertung der Wirtschaftlichkeit - Nutzen</a:t>
             </a:r>
             <a:endParaRPr lang="de-DE" dirty="0" smtClean="0"/>
           </a:p>
@@ -8661,18 +11412,118 @@
               <a:defRPr/>
             </a:pPr>
             <a:r>
-              <a:rPr lang="de-DE" sz="2400" dirty="0" err="1" smtClean="0">
+              <a:rPr lang="de-DE" sz="2400" dirty="0" smtClean="0">
                 <a:solidFill>
                   <a:schemeClr val="tx1"/>
                 </a:solidFill>
               </a:rPr>
-              <a:t>asdf</a:t>
+              <a:t>Kosteneinsparung </a:t>
+            </a:r>
+            <a:r>
+              <a:rPr lang="de-DE" sz="2400" dirty="0">
+                <a:solidFill>
+                  <a:schemeClr val="tx1"/>
+                </a:solidFill>
+              </a:rPr>
+              <a:t>bei der Dokumentation der </a:t>
+            </a:r>
+            <a:r>
+              <a:rPr lang="de-DE" sz="2400" dirty="0" smtClean="0">
+                <a:solidFill>
+                  <a:schemeClr val="tx1"/>
+                </a:solidFill>
+              </a:rPr>
+              <a:t>Lieferungen</a:t>
+            </a:r>
+          </a:p>
+          <a:p>
+            <a:pPr lvl="1" eaLnBrk="1" hangingPunct="1">
+              <a:buFont typeface="Wingdings" pitchFamily="2" charset="2"/>
+              <a:buChar char="§"/>
+              <a:defRPr/>
+            </a:pPr>
+            <a:r>
+              <a:rPr lang="de-DE" sz="2400" dirty="0" smtClean="0">
+                <a:solidFill>
+                  <a:schemeClr val="tx1"/>
+                </a:solidFill>
+              </a:rPr>
+              <a:t>Vereinfachte Datenhaltung (digital statt Papier)</a:t>
             </a:r>
             <a:endParaRPr lang="de-DE" sz="2400" dirty="0">
               <a:solidFill>
                 <a:schemeClr val="tx1"/>
               </a:solidFill>
             </a:endParaRPr>
+          </a:p>
+          <a:p>
+            <a:pPr lvl="1" eaLnBrk="1" hangingPunct="1">
+              <a:buFont typeface="Wingdings" pitchFamily="2" charset="2"/>
+              <a:buChar char="§"/>
+              <a:defRPr/>
+            </a:pPr>
+            <a:r>
+              <a:rPr lang="de-DE" sz="2400" dirty="0" smtClean="0">
+                <a:solidFill>
+                  <a:schemeClr val="tx1"/>
+                </a:solidFill>
+              </a:rPr>
+              <a:t>Kosteneinsparung </a:t>
+            </a:r>
+            <a:r>
+              <a:rPr lang="de-DE" sz="2400" dirty="0">
+                <a:solidFill>
+                  <a:schemeClr val="tx1"/>
+                </a:solidFill>
+              </a:rPr>
+              <a:t>durch verhinderte Diebstähle</a:t>
+            </a:r>
+          </a:p>
+          <a:p>
+            <a:pPr lvl="1" eaLnBrk="1" hangingPunct="1">
+              <a:buFont typeface="Wingdings" pitchFamily="2" charset="2"/>
+              <a:buChar char="§"/>
+              <a:defRPr/>
+            </a:pPr>
+            <a:r>
+              <a:rPr lang="de-DE" sz="2400" dirty="0" smtClean="0">
+                <a:solidFill>
+                  <a:schemeClr val="tx1"/>
+                </a:solidFill>
+              </a:rPr>
+              <a:t>Zeitersparnis </a:t>
+            </a:r>
+            <a:r>
+              <a:rPr lang="de-DE" sz="2400" dirty="0">
+                <a:solidFill>
+                  <a:schemeClr val="tx1"/>
+                </a:solidFill>
+              </a:rPr>
+              <a:t>bei der Dokumentation der aktuell anwesenden Personen (Feuerschutz)</a:t>
+            </a:r>
+          </a:p>
+          <a:p>
+            <a:pPr lvl="1" eaLnBrk="1" hangingPunct="1">
+              <a:buFont typeface="Wingdings" pitchFamily="2" charset="2"/>
+              <a:buChar char="§"/>
+              <a:defRPr/>
+            </a:pPr>
+            <a:r>
+              <a:rPr lang="de-DE" sz="2400" b="1" dirty="0" smtClean="0">
+                <a:solidFill>
+                  <a:schemeClr val="tx1"/>
+                </a:solidFill>
+              </a:rPr>
+              <a:t>Betriebswirtschaftliche </a:t>
+            </a:r>
+            <a:r>
+              <a:rPr lang="de-DE" sz="2400" b="1" dirty="0">
+                <a:solidFill>
+                  <a:schemeClr val="tx1"/>
+                </a:solidFill>
+              </a:rPr>
+              <a:t>Vorteile u.a. durch Vergleich der Naturalrabatte (bessere Verhandlungssituation)</a:t>
+            </a:r>
           </a:p>
           <a:p>
             <a:pPr lvl="1" eaLnBrk="1" hangingPunct="1">
@@ -8860,7 +11711,7 @@
     </p:spTree>
     <p:extLst>
       <p:ext uri="{BB962C8B-B14F-4D97-AF65-F5344CB8AC3E}">
-        <p14:creationId xmlns:p14="http://schemas.microsoft.com/office/powerpoint/2010/main" val="1002374224"/>
+        <p14:creationId xmlns:p14="http://schemas.microsoft.com/office/powerpoint/2010/main" val="3883273718"/>
       </p:ext>
     </p:extLst>
   </p:cSld>
@@ -8952,8 +11803,8 @@
           <a:p>
             <a:pPr eaLnBrk="1" hangingPunct="1"/>
             <a:r>
-              <a:rPr lang="de-DE" dirty="0"/>
-              <a:t>Projektplanung</a:t>
+              <a:rPr lang="de-DE" dirty="0" smtClean="0"/>
+              <a:t>Systemmodell</a:t>
             </a:r>
             <a:endParaRPr lang="de-DE" dirty="0" smtClean="0"/>
           </a:p>
@@ -8987,26 +11838,6 @@
             </a:prstTxWarp>
           </a:bodyPr>
           <a:lstStyle/>
-          <a:p>
-            <a:pPr lvl="1" eaLnBrk="1" hangingPunct="1">
-              <a:buFont typeface="Wingdings" pitchFamily="2" charset="2"/>
-              <a:buChar char="§"/>
-              <a:defRPr/>
-            </a:pPr>
-            <a:r>
-              <a:rPr lang="de-DE" sz="2400" dirty="0" err="1" smtClean="0">
-                <a:solidFill>
-                  <a:schemeClr val="tx1"/>
-                </a:solidFill>
-              </a:rPr>
-              <a:t>asdf</a:t>
-            </a:r>
-            <a:endParaRPr lang="de-DE" sz="2400" dirty="0">
-              <a:solidFill>
-                <a:schemeClr val="tx1"/>
-              </a:solidFill>
-            </a:endParaRPr>
-          </a:p>
           <a:p>
             <a:pPr lvl="1" eaLnBrk="1" hangingPunct="1">
               <a:buFont typeface="Wingdings" pitchFamily="2" charset="2"/>
@@ -9190,10 +12021,43 @@
           </a:fontRef>
         </p:style>
       </p:cxnSp>
+      <p:pic>
+        <p:nvPicPr>
+          <p:cNvPr id="6" name="Grafik 5" descr="C:\Users\StandardB\Documents\GitHub\logistikapp\Dokumentation\System archi.jpg"/>
+          <p:cNvPicPr/>
+          <p:nvPr/>
+        </p:nvPicPr>
+        <p:blipFill>
+          <a:blip r:embed="rId2">
+            <a:extLst>
+              <a:ext uri="{28A0092B-C50C-407E-A947-70E740481C1C}">
+                <a14:useLocalDpi xmlns:a14="http://schemas.microsoft.com/office/drawing/2010/main" val="0"/>
+              </a:ext>
+            </a:extLst>
+          </a:blip>
+          <a:srcRect/>
+          <a:stretch>
+            <a:fillRect/>
+          </a:stretch>
+        </p:blipFill>
+        <p:spPr bwMode="auto">
+          <a:xfrm>
+            <a:off x="1763688" y="1508000"/>
+            <a:ext cx="5209540" cy="4585335"/>
+          </a:xfrm>
+          <a:prstGeom prst="rect">
+            <a:avLst/>
+          </a:prstGeom>
+          <a:noFill/>
+          <a:ln>
+            <a:noFill/>
+          </a:ln>
+        </p:spPr>
+      </p:pic>
     </p:spTree>
     <p:extLst>
       <p:ext uri="{BB962C8B-B14F-4D97-AF65-F5344CB8AC3E}">
-        <p14:creationId xmlns:p14="http://schemas.microsoft.com/office/powerpoint/2010/main" val="3883273718"/>
+        <p14:creationId xmlns:p14="http://schemas.microsoft.com/office/powerpoint/2010/main" val="2245083226"/>
       </p:ext>
     </p:extLst>
   </p:cSld>
@@ -9283,11 +12147,25 @@
           </a:bodyPr>
           <a:lstStyle/>
           <a:p>
-            <a:pPr eaLnBrk="1" hangingPunct="1"/>
+            <a:pPr lvl="1" eaLnBrk="1" hangingPunct="1"/>
+            <a:r>
+              <a:rPr lang="de-DE" dirty="0" smtClean="0"/>
+              <a:t>Plattform-Unabhängigkeit</a:t>
+            </a:r>
             <a:r>
               <a:rPr lang="de-DE" dirty="0"/>
-              <a:t>Projektplanung</a:t>
-            </a:r>
+              <a:t/>
+            </a:r>
+            <a:br>
+              <a:rPr lang="de-DE" dirty="0"/>
+            </a:br>
+            <a:r>
+              <a:rPr lang="de-DE" dirty="0" smtClean="0"/>
+              <a:t/>
+            </a:r>
+            <a:br>
+              <a:rPr lang="de-DE" dirty="0" smtClean="0"/>
+            </a:br>
             <a:endParaRPr lang="de-DE" dirty="0" smtClean="0"/>
           </a:p>
         </p:txBody>
@@ -9320,26 +12198,6 @@
             </a:prstTxWarp>
           </a:bodyPr>
           <a:lstStyle/>
-          <a:p>
-            <a:pPr lvl="1" eaLnBrk="1" hangingPunct="1">
-              <a:buFont typeface="Wingdings" pitchFamily="2" charset="2"/>
-              <a:buChar char="§"/>
-              <a:defRPr/>
-            </a:pPr>
-            <a:r>
-              <a:rPr lang="de-DE" sz="2400" dirty="0" err="1" smtClean="0">
-                <a:solidFill>
-                  <a:schemeClr val="tx1"/>
-                </a:solidFill>
-              </a:rPr>
-              <a:t>asdf</a:t>
-            </a:r>
-            <a:endParaRPr lang="de-DE" sz="2400" dirty="0">
-              <a:solidFill>
-                <a:schemeClr val="tx1"/>
-              </a:solidFill>
-            </a:endParaRPr>
-          </a:p>
           <a:p>
             <a:pPr lvl="1" eaLnBrk="1" hangingPunct="1">
               <a:buFont typeface="Wingdings" pitchFamily="2" charset="2"/>
@@ -9523,10 +12381,250 @@
           </a:fontRef>
         </p:style>
       </p:cxnSp>
+      <p:pic>
+        <p:nvPicPr>
+          <p:cNvPr id="2" name="Grafik 1"/>
+          <p:cNvPicPr>
+            <a:picLocks noChangeAspect="1"/>
+          </p:cNvPicPr>
+          <p:nvPr/>
+        </p:nvPicPr>
+        <p:blipFill>
+          <a:blip r:embed="rId2">
+            <a:extLst>
+              <a:ext uri="{28A0092B-C50C-407E-A947-70E740481C1C}">
+                <a14:useLocalDpi xmlns:a14="http://schemas.microsoft.com/office/drawing/2010/main" val="0"/>
+              </a:ext>
+            </a:extLst>
+          </a:blip>
+          <a:stretch>
+            <a:fillRect/>
+          </a:stretch>
+        </p:blipFill>
+        <p:spPr>
+          <a:xfrm>
+            <a:off x="90836" y="1758964"/>
+            <a:ext cx="2172308" cy="1156684"/>
+          </a:xfrm>
+          <a:prstGeom prst="rect">
+            <a:avLst/>
+          </a:prstGeom>
+        </p:spPr>
+      </p:pic>
+      <p:pic>
+        <p:nvPicPr>
+          <p:cNvPr id="3" name="Grafik 2"/>
+          <p:cNvPicPr>
+            <a:picLocks noChangeAspect="1"/>
+          </p:cNvPicPr>
+          <p:nvPr/>
+        </p:nvPicPr>
+        <p:blipFill>
+          <a:blip r:embed="rId3" cstate="print">
+            <a:extLst>
+              <a:ext uri="{28A0092B-C50C-407E-A947-70E740481C1C}">
+                <a14:useLocalDpi xmlns:a14="http://schemas.microsoft.com/office/drawing/2010/main" val="0"/>
+              </a:ext>
+            </a:extLst>
+          </a:blip>
+          <a:stretch>
+            <a:fillRect/>
+          </a:stretch>
+        </p:blipFill>
+        <p:spPr>
+          <a:xfrm>
+            <a:off x="4572000" y="644507"/>
+            <a:ext cx="3672408" cy="2754306"/>
+          </a:xfrm>
+          <a:prstGeom prst="rect">
+            <a:avLst/>
+          </a:prstGeom>
+        </p:spPr>
+      </p:pic>
+      <p:pic>
+        <p:nvPicPr>
+          <p:cNvPr id="4" name="Grafik 3"/>
+          <p:cNvPicPr>
+            <a:picLocks noChangeAspect="1"/>
+          </p:cNvPicPr>
+          <p:nvPr/>
+        </p:nvPicPr>
+        <p:blipFill>
+          <a:blip r:embed="rId4">
+            <a:extLst>
+              <a:ext uri="{28A0092B-C50C-407E-A947-70E740481C1C}">
+                <a14:useLocalDpi xmlns:a14="http://schemas.microsoft.com/office/drawing/2010/main" val="0"/>
+              </a:ext>
+            </a:extLst>
+          </a:blip>
+          <a:stretch>
+            <a:fillRect/>
+          </a:stretch>
+        </p:blipFill>
+        <p:spPr>
+          <a:xfrm>
+            <a:off x="7030616" y="2021660"/>
+            <a:ext cx="1656184" cy="1656184"/>
+          </a:xfrm>
+          <a:prstGeom prst="rect">
+            <a:avLst/>
+          </a:prstGeom>
+        </p:spPr>
+      </p:pic>
+      <p:pic>
+        <p:nvPicPr>
+          <p:cNvPr id="6" name="Grafik 5"/>
+          <p:cNvPicPr>
+            <a:picLocks noChangeAspect="1"/>
+          </p:cNvPicPr>
+          <p:nvPr/>
+        </p:nvPicPr>
+        <p:blipFill>
+          <a:blip r:embed="rId5" cstate="print">
+            <a:extLst>
+              <a:ext uri="{28A0092B-C50C-407E-A947-70E740481C1C}">
+                <a14:useLocalDpi xmlns:a14="http://schemas.microsoft.com/office/drawing/2010/main" val="0"/>
+              </a:ext>
+            </a:extLst>
+          </a:blip>
+          <a:stretch>
+            <a:fillRect/>
+          </a:stretch>
+        </p:blipFill>
+        <p:spPr>
+          <a:xfrm>
+            <a:off x="2087588" y="4201779"/>
+            <a:ext cx="1326728" cy="1454549"/>
+          </a:xfrm>
+          <a:prstGeom prst="rect">
+            <a:avLst/>
+          </a:prstGeom>
+        </p:spPr>
+      </p:pic>
+      <p:pic>
+        <p:nvPicPr>
+          <p:cNvPr id="7" name="Grafik 6"/>
+          <p:cNvPicPr>
+            <a:picLocks noChangeAspect="1"/>
+          </p:cNvPicPr>
+          <p:nvPr/>
+        </p:nvPicPr>
+        <p:blipFill>
+          <a:blip r:embed="rId6" cstate="print">
+            <a:extLst>
+              <a:ext uri="{28A0092B-C50C-407E-A947-70E740481C1C}">
+                <a14:useLocalDpi xmlns:a14="http://schemas.microsoft.com/office/drawing/2010/main" val="0"/>
+              </a:ext>
+            </a:extLst>
+          </a:blip>
+          <a:stretch>
+            <a:fillRect/>
+          </a:stretch>
+        </p:blipFill>
+        <p:spPr>
+          <a:xfrm>
+            <a:off x="5964402" y="4474211"/>
+            <a:ext cx="2132428" cy="1105703"/>
+          </a:xfrm>
+          <a:prstGeom prst="rect">
+            <a:avLst/>
+          </a:prstGeom>
+        </p:spPr>
+      </p:pic>
+      <p:pic>
+        <p:nvPicPr>
+          <p:cNvPr id="8" name="Grafik 7"/>
+          <p:cNvPicPr>
+            <a:picLocks noChangeAspect="1"/>
+          </p:cNvPicPr>
+          <p:nvPr/>
+        </p:nvPicPr>
+        <p:blipFill>
+          <a:blip r:embed="rId7">
+            <a:extLst>
+              <a:ext uri="{28A0092B-C50C-407E-A947-70E740481C1C}">
+                <a14:useLocalDpi xmlns:a14="http://schemas.microsoft.com/office/drawing/2010/main" val="0"/>
+              </a:ext>
+            </a:extLst>
+          </a:blip>
+          <a:stretch>
+            <a:fillRect/>
+          </a:stretch>
+        </p:blipFill>
+        <p:spPr>
+          <a:xfrm>
+            <a:off x="6766091" y="5057671"/>
+            <a:ext cx="1625724" cy="1285201"/>
+          </a:xfrm>
+          <a:prstGeom prst="rect">
+            <a:avLst/>
+          </a:prstGeom>
+        </p:spPr>
+      </p:pic>
+      <p:pic>
+        <p:nvPicPr>
+          <p:cNvPr id="9" name="Grafik 8"/>
+          <p:cNvPicPr>
+            <a:picLocks noChangeAspect="1"/>
+          </p:cNvPicPr>
+          <p:nvPr/>
+        </p:nvPicPr>
+        <p:blipFill>
+          <a:blip r:embed="rId8">
+            <a:extLst>
+              <a:ext uri="{28A0092B-C50C-407E-A947-70E740481C1C}">
+                <a14:useLocalDpi xmlns:a14="http://schemas.microsoft.com/office/drawing/2010/main" val="0"/>
+              </a:ext>
+            </a:extLst>
+          </a:blip>
+          <a:stretch>
+            <a:fillRect/>
+          </a:stretch>
+        </p:blipFill>
+        <p:spPr>
+          <a:xfrm>
+            <a:off x="2239408" y="1889139"/>
+            <a:ext cx="2082818" cy="1518722"/>
+          </a:xfrm>
+          <a:prstGeom prst="rect">
+            <a:avLst/>
+          </a:prstGeom>
+        </p:spPr>
+      </p:pic>
+      <p:pic>
+        <p:nvPicPr>
+          <p:cNvPr id="10" name="Grafik 9"/>
+          <p:cNvPicPr>
+            <a:picLocks noChangeAspect="1"/>
+          </p:cNvPicPr>
+          <p:nvPr/>
+        </p:nvPicPr>
+        <p:blipFill>
+          <a:blip r:embed="rId9">
+            <a:extLst>
+              <a:ext uri="{28A0092B-C50C-407E-A947-70E740481C1C}">
+                <a14:useLocalDpi xmlns:a14="http://schemas.microsoft.com/office/drawing/2010/main" val="0"/>
+              </a:ext>
+            </a:extLst>
+          </a:blip>
+          <a:stretch>
+            <a:fillRect/>
+          </a:stretch>
+        </p:blipFill>
+        <p:spPr>
+          <a:xfrm>
+            <a:off x="228006" y="5057671"/>
+            <a:ext cx="1676400" cy="1428750"/>
+          </a:xfrm>
+          <a:prstGeom prst="rect">
+            <a:avLst/>
+          </a:prstGeom>
+        </p:spPr>
+      </p:pic>
     </p:spTree>
     <p:extLst>
       <p:ext uri="{BB962C8B-B14F-4D97-AF65-F5344CB8AC3E}">
-        <p14:creationId xmlns:p14="http://schemas.microsoft.com/office/powerpoint/2010/main" val="87044404"/>
+        <p14:creationId xmlns:p14="http://schemas.microsoft.com/office/powerpoint/2010/main" val="1394380729"/>
       </p:ext>
     </p:extLst>
   </p:cSld>
@@ -9616,205 +12714,26 @@
           </a:bodyPr>
           <a:lstStyle/>
           <a:p>
-            <a:pPr eaLnBrk="1" hangingPunct="1"/>
+            <a:pPr lvl="1" eaLnBrk="1" hangingPunct="1"/>
+            <a:r>
+              <a:rPr lang="de-DE" dirty="0" smtClean="0"/>
+              <a:t>Technologien</a:t>
+            </a:r>
             <a:r>
               <a:rPr lang="de-DE" dirty="0"/>
-              <a:t>Projektentwicklung</a:t>
-            </a:r>
+              <a:t/>
+            </a:r>
+            <a:br>
+              <a:rPr lang="de-DE" dirty="0"/>
+            </a:br>
+            <a:r>
+              <a:rPr lang="de-DE" dirty="0" smtClean="0"/>
+              <a:t/>
+            </a:r>
+            <a:br>
+              <a:rPr lang="de-DE" dirty="0" smtClean="0"/>
+            </a:br>
             <a:endParaRPr lang="de-DE" dirty="0" smtClean="0"/>
-          </a:p>
-        </p:txBody>
-      </p:sp>
-      <p:sp>
-        <p:nvSpPr>
-          <p:cNvPr id="3075" name="Content Placeholder 2"/>
-          <p:cNvSpPr>
-            <a:spLocks noGrp="1"/>
-          </p:cNvSpPr>
-          <p:nvPr>
-            <p:ph idx="1"/>
-          </p:nvPr>
-        </p:nvSpPr>
-        <p:spPr bwMode="auto">
-          <a:xfrm>
-            <a:off x="457200" y="1844824"/>
-            <a:ext cx="8229600" cy="4281339"/>
-          </a:xfrm>
-          <a:ln>
-            <a:miter lim="800000"/>
-            <a:headEnd/>
-            <a:tailEnd/>
-          </a:ln>
-        </p:spPr>
-        <p:txBody>
-          <a:bodyPr vert="horz" wrap="square" lIns="91440" tIns="45720" rIns="91440" bIns="45720" numCol="1" anchor="t" anchorCtr="0" compatLnSpc="1">
-            <a:prstTxWarp prst="textNoShape">
-              <a:avLst/>
-            </a:prstTxWarp>
-          </a:bodyPr>
-          <a:lstStyle/>
-          <a:p>
-            <a:pPr lvl="1" eaLnBrk="1" hangingPunct="1">
-              <a:buFont typeface="Wingdings" pitchFamily="2" charset="2"/>
-              <a:buChar char="§"/>
-              <a:defRPr/>
-            </a:pPr>
-            <a:r>
-              <a:rPr lang="de-DE" sz="2400" dirty="0" err="1" smtClean="0">
-                <a:solidFill>
-                  <a:schemeClr val="tx1"/>
-                </a:solidFill>
-              </a:rPr>
-              <a:t>asdf</a:t>
-            </a:r>
-            <a:endParaRPr lang="de-DE" sz="2400" dirty="0">
-              <a:solidFill>
-                <a:schemeClr val="tx1"/>
-              </a:solidFill>
-            </a:endParaRPr>
-          </a:p>
-          <a:p>
-            <a:pPr lvl="1" eaLnBrk="1" hangingPunct="1">
-              <a:buFont typeface="Wingdings" pitchFamily="2" charset="2"/>
-              <a:buChar char="§"/>
-              <a:defRPr/>
-            </a:pPr>
-            <a:endParaRPr lang="de-DE" sz="2400" dirty="0" smtClean="0">
-              <a:solidFill>
-                <a:schemeClr val="tx1"/>
-              </a:solidFill>
-            </a:endParaRPr>
-          </a:p>
-          <a:p>
-            <a:pPr lvl="1" eaLnBrk="1" hangingPunct="1">
-              <a:buFont typeface="Wingdings" pitchFamily="2" charset="2"/>
-              <a:buChar char="§"/>
-              <a:defRPr/>
-            </a:pPr>
-            <a:endParaRPr lang="de-DE" sz="2400" dirty="0">
-              <a:solidFill>
-                <a:schemeClr val="tx1"/>
-              </a:solidFill>
-            </a:endParaRPr>
-          </a:p>
-          <a:p>
-            <a:pPr marL="914400" lvl="2" indent="0" eaLnBrk="1" hangingPunct="1">
-              <a:buNone/>
-              <a:defRPr/>
-            </a:pPr>
-            <a:endParaRPr lang="de-DE" sz="1200" dirty="0" smtClean="0">
-              <a:solidFill>
-                <a:schemeClr val="tx1"/>
-              </a:solidFill>
-            </a:endParaRPr>
-          </a:p>
-          <a:p>
-            <a:pPr lvl="1" eaLnBrk="1" hangingPunct="1">
-              <a:buFont typeface="Wingdings" pitchFamily="2" charset="2"/>
-              <a:buChar char="§"/>
-              <a:defRPr/>
-            </a:pPr>
-            <a:endParaRPr lang="de-DE" sz="2400" dirty="0" smtClean="0">
-              <a:solidFill>
-                <a:schemeClr val="tx1"/>
-              </a:solidFill>
-            </a:endParaRPr>
-          </a:p>
-          <a:p>
-            <a:pPr lvl="2" eaLnBrk="1" hangingPunct="1">
-              <a:buFont typeface="Wingdings" pitchFamily="2" charset="2"/>
-              <a:buChar char="§"/>
-              <a:defRPr/>
-            </a:pPr>
-            <a:endParaRPr lang="de-DE" sz="2000" dirty="0" smtClean="0">
-              <a:solidFill>
-                <a:schemeClr val="tx1"/>
-              </a:solidFill>
-            </a:endParaRPr>
-          </a:p>
-          <a:p>
-            <a:pPr marL="457200" lvl="1" indent="0" eaLnBrk="1" hangingPunct="1">
-              <a:buNone/>
-              <a:defRPr/>
-            </a:pPr>
-            <a:r>
-              <a:rPr lang="de-DE" sz="2400" dirty="0" smtClean="0">
-                <a:solidFill>
-                  <a:srgbClr val="333333"/>
-                </a:solidFill>
-              </a:rPr>
-              <a:t/>
-            </a:r>
-            <a:br>
-              <a:rPr lang="de-DE" sz="2400" dirty="0" smtClean="0">
-                <a:solidFill>
-                  <a:srgbClr val="333333"/>
-                </a:solidFill>
-              </a:rPr>
-            </a:br>
-            <a:endParaRPr lang="de-DE" sz="2400" dirty="0" smtClean="0">
-              <a:solidFill>
-                <a:srgbClr val="333333"/>
-              </a:solidFill>
-            </a:endParaRPr>
-          </a:p>
-          <a:p>
-            <a:pPr marL="457200" lvl="1" indent="0" eaLnBrk="1" hangingPunct="1">
-              <a:buNone/>
-              <a:defRPr/>
-            </a:pPr>
-            <a:endParaRPr lang="de-DE" sz="1800" dirty="0" smtClean="0">
-              <a:solidFill>
-                <a:schemeClr val="tx1"/>
-              </a:solidFill>
-            </a:endParaRPr>
-          </a:p>
-          <a:p>
-            <a:pPr lvl="1" eaLnBrk="1" hangingPunct="1">
-              <a:buFont typeface="Wingdings" pitchFamily="2" charset="2"/>
-              <a:buChar char="§"/>
-              <a:defRPr/>
-            </a:pPr>
-            <a:endParaRPr lang="de-DE" sz="1800" dirty="0" smtClean="0">
-              <a:solidFill>
-                <a:schemeClr val="tx1"/>
-              </a:solidFill>
-            </a:endParaRPr>
-          </a:p>
-          <a:p>
-            <a:pPr marL="457200" lvl="1" indent="0" eaLnBrk="1" hangingPunct="1">
-              <a:buNone/>
-              <a:defRPr/>
-            </a:pPr>
-            <a:endParaRPr lang="de-DE" sz="1800" dirty="0" smtClean="0">
-              <a:solidFill>
-                <a:schemeClr val="tx1"/>
-              </a:solidFill>
-            </a:endParaRPr>
-          </a:p>
-          <a:p>
-            <a:pPr lvl="1" eaLnBrk="1" hangingPunct="1">
-              <a:buFont typeface="Wingdings" pitchFamily="2" charset="2"/>
-              <a:buChar char="§"/>
-              <a:defRPr/>
-            </a:pPr>
-            <a:endParaRPr lang="de-DE" sz="1800" dirty="0" smtClean="0"/>
-          </a:p>
-          <a:p>
-            <a:pPr lvl="3" eaLnBrk="1" hangingPunct="1">
-              <a:buFont typeface="Arial" pitchFamily="34" charset="0"/>
-              <a:buChar char="•"/>
-              <a:defRPr/>
-            </a:pPr>
-            <a:endParaRPr lang="de-DE" dirty="0" smtClean="0"/>
-          </a:p>
-          <a:p>
-            <a:pPr lvl="2" eaLnBrk="1" hangingPunct="1">
-              <a:buFont typeface="Arial" pitchFamily="34" charset="0"/>
-              <a:buChar char="•"/>
-              <a:defRPr/>
-            </a:pPr>
-            <a:endParaRPr lang="de-DE" sz="1800" dirty="0" smtClean="0"/>
           </a:p>
         </p:txBody>
       </p:sp>
@@ -9856,10 +12775,175 @@
           </a:fontRef>
         </p:style>
       </p:cxnSp>
+      <p:pic>
+        <p:nvPicPr>
+          <p:cNvPr id="3" name="Inhaltsplatzhalter 2"/>
+          <p:cNvPicPr>
+            <a:picLocks noGrp="1" noChangeAspect="1"/>
+          </p:cNvPicPr>
+          <p:nvPr>
+            <p:ph idx="1"/>
+          </p:nvPr>
+        </p:nvPicPr>
+        <p:blipFill>
+          <a:blip r:embed="rId2" cstate="print">
+            <a:extLst>
+              <a:ext uri="{28A0092B-C50C-407E-A947-70E740481C1C}">
+                <a14:useLocalDpi xmlns:a14="http://schemas.microsoft.com/office/drawing/2010/main" val="0"/>
+              </a:ext>
+            </a:extLst>
+          </a:blip>
+          <a:stretch>
+            <a:fillRect/>
+          </a:stretch>
+        </p:blipFill>
+        <p:spPr>
+          <a:xfrm>
+            <a:off x="683568" y="1719699"/>
+            <a:ext cx="3605087" cy="1542977"/>
+          </a:xfrm>
+        </p:spPr>
+      </p:pic>
+      <p:pic>
+        <p:nvPicPr>
+          <p:cNvPr id="6" name="Grafik 5"/>
+          <p:cNvPicPr>
+            <a:picLocks noChangeAspect="1"/>
+          </p:cNvPicPr>
+          <p:nvPr/>
+        </p:nvPicPr>
+        <p:blipFill>
+          <a:blip r:embed="rId3">
+            <a:extLst>
+              <a:ext uri="{28A0092B-C50C-407E-A947-70E740481C1C}">
+                <a14:useLocalDpi xmlns:a14="http://schemas.microsoft.com/office/drawing/2010/main" val="0"/>
+              </a:ext>
+            </a:extLst>
+          </a:blip>
+          <a:stretch>
+            <a:fillRect/>
+          </a:stretch>
+        </p:blipFill>
+        <p:spPr>
+          <a:xfrm>
+            <a:off x="5076056" y="4005064"/>
+            <a:ext cx="3493192" cy="1833926"/>
+          </a:xfrm>
+          <a:prstGeom prst="rect">
+            <a:avLst/>
+          </a:prstGeom>
+        </p:spPr>
+      </p:pic>
+      <p:sp>
+        <p:nvSpPr>
+          <p:cNvPr id="7" name="Textfeld 6"/>
+          <p:cNvSpPr txBox="1"/>
+          <p:nvPr/>
+        </p:nvSpPr>
+        <p:spPr>
+          <a:xfrm>
+            <a:off x="899592" y="3789040"/>
+            <a:ext cx="2448272" cy="2585323"/>
+          </a:xfrm>
+          <a:prstGeom prst="rect">
+            <a:avLst/>
+          </a:prstGeom>
+          <a:noFill/>
+        </p:spPr>
+        <p:txBody>
+          <a:bodyPr wrap="square" rtlCol="0">
+            <a:spAutoFit/>
+          </a:bodyPr>
+          <a:lstStyle/>
+          <a:p>
+            <a:pPr marL="285750" indent="-285750">
+              <a:buFont typeface="Arial" panose="020B0604020202020204" pitchFamily="34" charset="0"/>
+              <a:buChar char="•"/>
+            </a:pPr>
+            <a:r>
+              <a:rPr lang="de-DE" dirty="0" smtClean="0"/>
+              <a:t>Java-</a:t>
+            </a:r>
+            <a:r>
+              <a:rPr lang="de-DE" dirty="0"/>
+              <a:t>S</a:t>
+            </a:r>
+            <a:r>
+              <a:rPr lang="de-DE" dirty="0" smtClean="0"/>
+              <a:t>cript basiert: Einfacher Datenaustausch</a:t>
+            </a:r>
+          </a:p>
+          <a:p>
+            <a:pPr marL="285750" indent="-285750">
+              <a:buFont typeface="Arial" panose="020B0604020202020204" pitchFamily="34" charset="0"/>
+              <a:buChar char="•"/>
+            </a:pPr>
+            <a:r>
+              <a:rPr lang="de-DE" dirty="0" smtClean="0"/>
+              <a:t>Multioperabilität</a:t>
+            </a:r>
+          </a:p>
+          <a:p>
+            <a:pPr marL="285750" indent="-285750">
+              <a:buFont typeface="Arial" panose="020B0604020202020204" pitchFamily="34" charset="0"/>
+              <a:buChar char="•"/>
+            </a:pPr>
+            <a:r>
+              <a:rPr lang="de-DE" dirty="0"/>
+              <a:t>Ermöglicht große Anzahl gleichzeitig bestehender Netzwerkverbindungen</a:t>
+            </a:r>
+            <a:endParaRPr lang="de-DE" dirty="0"/>
+          </a:p>
+        </p:txBody>
+      </p:sp>
+      <p:sp>
+        <p:nvSpPr>
+          <p:cNvPr id="10" name="Textfeld 9"/>
+          <p:cNvSpPr txBox="1"/>
+          <p:nvPr/>
+        </p:nvSpPr>
+        <p:spPr>
+          <a:xfrm>
+            <a:off x="5292080" y="2062347"/>
+            <a:ext cx="2448272" cy="1477328"/>
+          </a:xfrm>
+          <a:prstGeom prst="rect">
+            <a:avLst/>
+          </a:prstGeom>
+          <a:noFill/>
+        </p:spPr>
+        <p:txBody>
+          <a:bodyPr wrap="square" rtlCol="0">
+            <a:spAutoFit/>
+          </a:bodyPr>
+          <a:lstStyle/>
+          <a:p>
+            <a:pPr marL="285750" indent="-285750">
+              <a:buFont typeface="Arial" panose="020B0604020202020204" pitchFamily="34" charset="0"/>
+              <a:buChar char="•"/>
+            </a:pPr>
+            <a:r>
+              <a:rPr lang="de-DE" dirty="0" smtClean="0"/>
+              <a:t>Weitverbreitete Open-Source Datenbanktechnik</a:t>
+            </a:r>
+          </a:p>
+          <a:p>
+            <a:pPr marL="285750" indent="-285750">
+              <a:buFont typeface="Arial" panose="020B0604020202020204" pitchFamily="34" charset="0"/>
+              <a:buChar char="•"/>
+            </a:pPr>
+            <a:r>
+              <a:rPr lang="de-DE" dirty="0" smtClean="0"/>
+              <a:t>Hohe Kompatibilität</a:t>
+            </a:r>
+            <a:endParaRPr lang="de-DE" dirty="0"/>
+          </a:p>
+        </p:txBody>
+      </p:sp>
     </p:spTree>
     <p:extLst>
       <p:ext uri="{BB962C8B-B14F-4D97-AF65-F5344CB8AC3E}">
-        <p14:creationId xmlns:p14="http://schemas.microsoft.com/office/powerpoint/2010/main" val="3676420127"/>
+        <p14:creationId xmlns:p14="http://schemas.microsoft.com/office/powerpoint/2010/main" val="403858798"/>
       </p:ext>
     </p:extLst>
   </p:cSld>
@@ -9949,205 +13033,26 @@
           </a:bodyPr>
           <a:lstStyle/>
           <a:p>
-            <a:pPr eaLnBrk="1" hangingPunct="1"/>
+            <a:pPr lvl="1" eaLnBrk="1" hangingPunct="1"/>
+            <a:r>
+              <a:rPr lang="de-DE" dirty="0" smtClean="0"/>
+              <a:t>Technologien II</a:t>
+            </a:r>
             <a:r>
               <a:rPr lang="de-DE" dirty="0"/>
-              <a:t>Projektentwicklung</a:t>
-            </a:r>
+              <a:t/>
+            </a:r>
+            <a:br>
+              <a:rPr lang="de-DE" dirty="0"/>
+            </a:br>
+            <a:r>
+              <a:rPr lang="de-DE" dirty="0" smtClean="0"/>
+              <a:t/>
+            </a:r>
+            <a:br>
+              <a:rPr lang="de-DE" dirty="0" smtClean="0"/>
+            </a:br>
             <a:endParaRPr lang="de-DE" dirty="0" smtClean="0"/>
-          </a:p>
-        </p:txBody>
-      </p:sp>
-      <p:sp>
-        <p:nvSpPr>
-          <p:cNvPr id="3075" name="Content Placeholder 2"/>
-          <p:cNvSpPr>
-            <a:spLocks noGrp="1"/>
-          </p:cNvSpPr>
-          <p:nvPr>
-            <p:ph idx="1"/>
-          </p:nvPr>
-        </p:nvSpPr>
-        <p:spPr bwMode="auto">
-          <a:xfrm>
-            <a:off x="457200" y="1844824"/>
-            <a:ext cx="8229600" cy="4281339"/>
-          </a:xfrm>
-          <a:ln>
-            <a:miter lim="800000"/>
-            <a:headEnd/>
-            <a:tailEnd/>
-          </a:ln>
-        </p:spPr>
-        <p:txBody>
-          <a:bodyPr vert="horz" wrap="square" lIns="91440" tIns="45720" rIns="91440" bIns="45720" numCol="1" anchor="t" anchorCtr="0" compatLnSpc="1">
-            <a:prstTxWarp prst="textNoShape">
-              <a:avLst/>
-            </a:prstTxWarp>
-          </a:bodyPr>
-          <a:lstStyle/>
-          <a:p>
-            <a:pPr lvl="1" eaLnBrk="1" hangingPunct="1">
-              <a:buFont typeface="Wingdings" pitchFamily="2" charset="2"/>
-              <a:buChar char="§"/>
-              <a:defRPr/>
-            </a:pPr>
-            <a:r>
-              <a:rPr lang="de-DE" sz="2400" dirty="0" err="1" smtClean="0">
-                <a:solidFill>
-                  <a:schemeClr val="tx1"/>
-                </a:solidFill>
-              </a:rPr>
-              <a:t>asdf</a:t>
-            </a:r>
-            <a:endParaRPr lang="de-DE" sz="2400" dirty="0">
-              <a:solidFill>
-                <a:schemeClr val="tx1"/>
-              </a:solidFill>
-            </a:endParaRPr>
-          </a:p>
-          <a:p>
-            <a:pPr lvl="1" eaLnBrk="1" hangingPunct="1">
-              <a:buFont typeface="Wingdings" pitchFamily="2" charset="2"/>
-              <a:buChar char="§"/>
-              <a:defRPr/>
-            </a:pPr>
-            <a:endParaRPr lang="de-DE" sz="2400" dirty="0" smtClean="0">
-              <a:solidFill>
-                <a:schemeClr val="tx1"/>
-              </a:solidFill>
-            </a:endParaRPr>
-          </a:p>
-          <a:p>
-            <a:pPr lvl="1" eaLnBrk="1" hangingPunct="1">
-              <a:buFont typeface="Wingdings" pitchFamily="2" charset="2"/>
-              <a:buChar char="§"/>
-              <a:defRPr/>
-            </a:pPr>
-            <a:endParaRPr lang="de-DE" sz="2400" dirty="0">
-              <a:solidFill>
-                <a:schemeClr val="tx1"/>
-              </a:solidFill>
-            </a:endParaRPr>
-          </a:p>
-          <a:p>
-            <a:pPr marL="914400" lvl="2" indent="0" eaLnBrk="1" hangingPunct="1">
-              <a:buNone/>
-              <a:defRPr/>
-            </a:pPr>
-            <a:endParaRPr lang="de-DE" sz="1200" dirty="0" smtClean="0">
-              <a:solidFill>
-                <a:schemeClr val="tx1"/>
-              </a:solidFill>
-            </a:endParaRPr>
-          </a:p>
-          <a:p>
-            <a:pPr lvl="1" eaLnBrk="1" hangingPunct="1">
-              <a:buFont typeface="Wingdings" pitchFamily="2" charset="2"/>
-              <a:buChar char="§"/>
-              <a:defRPr/>
-            </a:pPr>
-            <a:endParaRPr lang="de-DE" sz="2400" dirty="0" smtClean="0">
-              <a:solidFill>
-                <a:schemeClr val="tx1"/>
-              </a:solidFill>
-            </a:endParaRPr>
-          </a:p>
-          <a:p>
-            <a:pPr lvl="2" eaLnBrk="1" hangingPunct="1">
-              <a:buFont typeface="Wingdings" pitchFamily="2" charset="2"/>
-              <a:buChar char="§"/>
-              <a:defRPr/>
-            </a:pPr>
-            <a:endParaRPr lang="de-DE" sz="2000" dirty="0" smtClean="0">
-              <a:solidFill>
-                <a:schemeClr val="tx1"/>
-              </a:solidFill>
-            </a:endParaRPr>
-          </a:p>
-          <a:p>
-            <a:pPr marL="457200" lvl="1" indent="0" eaLnBrk="1" hangingPunct="1">
-              <a:buNone/>
-              <a:defRPr/>
-            </a:pPr>
-            <a:r>
-              <a:rPr lang="de-DE" sz="2400" dirty="0" smtClean="0">
-                <a:solidFill>
-                  <a:srgbClr val="333333"/>
-                </a:solidFill>
-              </a:rPr>
-              <a:t/>
-            </a:r>
-            <a:br>
-              <a:rPr lang="de-DE" sz="2400" dirty="0" smtClean="0">
-                <a:solidFill>
-                  <a:srgbClr val="333333"/>
-                </a:solidFill>
-              </a:rPr>
-            </a:br>
-            <a:endParaRPr lang="de-DE" sz="2400" dirty="0" smtClean="0">
-              <a:solidFill>
-                <a:srgbClr val="333333"/>
-              </a:solidFill>
-            </a:endParaRPr>
-          </a:p>
-          <a:p>
-            <a:pPr marL="457200" lvl="1" indent="0" eaLnBrk="1" hangingPunct="1">
-              <a:buNone/>
-              <a:defRPr/>
-            </a:pPr>
-            <a:endParaRPr lang="de-DE" sz="1800" dirty="0" smtClean="0">
-              <a:solidFill>
-                <a:schemeClr val="tx1"/>
-              </a:solidFill>
-            </a:endParaRPr>
-          </a:p>
-          <a:p>
-            <a:pPr lvl="1" eaLnBrk="1" hangingPunct="1">
-              <a:buFont typeface="Wingdings" pitchFamily="2" charset="2"/>
-              <a:buChar char="§"/>
-              <a:defRPr/>
-            </a:pPr>
-            <a:endParaRPr lang="de-DE" sz="1800" dirty="0" smtClean="0">
-              <a:solidFill>
-                <a:schemeClr val="tx1"/>
-              </a:solidFill>
-            </a:endParaRPr>
-          </a:p>
-          <a:p>
-            <a:pPr marL="457200" lvl="1" indent="0" eaLnBrk="1" hangingPunct="1">
-              <a:buNone/>
-              <a:defRPr/>
-            </a:pPr>
-            <a:endParaRPr lang="de-DE" sz="1800" dirty="0" smtClean="0">
-              <a:solidFill>
-                <a:schemeClr val="tx1"/>
-              </a:solidFill>
-            </a:endParaRPr>
-          </a:p>
-          <a:p>
-            <a:pPr lvl="1" eaLnBrk="1" hangingPunct="1">
-              <a:buFont typeface="Wingdings" pitchFamily="2" charset="2"/>
-              <a:buChar char="§"/>
-              <a:defRPr/>
-            </a:pPr>
-            <a:endParaRPr lang="de-DE" sz="1800" dirty="0" smtClean="0"/>
-          </a:p>
-          <a:p>
-            <a:pPr lvl="3" eaLnBrk="1" hangingPunct="1">
-              <a:buFont typeface="Arial" pitchFamily="34" charset="0"/>
-              <a:buChar char="•"/>
-              <a:defRPr/>
-            </a:pPr>
-            <a:endParaRPr lang="de-DE" dirty="0" smtClean="0"/>
-          </a:p>
-          <a:p>
-            <a:pPr lvl="2" eaLnBrk="1" hangingPunct="1">
-              <a:buFont typeface="Arial" pitchFamily="34" charset="0"/>
-              <a:buChar char="•"/>
-              <a:defRPr/>
-            </a:pPr>
-            <a:endParaRPr lang="de-DE" sz="1800" dirty="0" smtClean="0"/>
           </a:p>
         </p:txBody>
       </p:sp>
@@ -10189,10 +13094,73 @@
           </a:fontRef>
         </p:style>
       </p:cxnSp>
+      <p:pic>
+        <p:nvPicPr>
+          <p:cNvPr id="4" name="Grafik 3"/>
+          <p:cNvPicPr>
+            <a:picLocks noChangeAspect="1"/>
+          </p:cNvPicPr>
+          <p:nvPr/>
+        </p:nvPicPr>
+        <p:blipFill>
+          <a:blip r:embed="rId2">
+            <a:extLst>
+              <a:ext uri="{28A0092B-C50C-407E-A947-70E740481C1C}">
+                <a14:useLocalDpi xmlns:a14="http://schemas.microsoft.com/office/drawing/2010/main" val="0"/>
+              </a:ext>
+            </a:extLst>
+          </a:blip>
+          <a:stretch>
+            <a:fillRect/>
+          </a:stretch>
+        </p:blipFill>
+        <p:spPr>
+          <a:xfrm>
+            <a:off x="179512" y="1422701"/>
+            <a:ext cx="3048000" cy="3429000"/>
+          </a:xfrm>
+          <a:prstGeom prst="rect">
+            <a:avLst/>
+          </a:prstGeom>
+        </p:spPr>
+      </p:pic>
+      <p:sp>
+        <p:nvSpPr>
+          <p:cNvPr id="8" name="Rechteck 7"/>
+          <p:cNvSpPr/>
+          <p:nvPr/>
+        </p:nvSpPr>
+        <p:spPr>
+          <a:xfrm>
+            <a:off x="3669124" y="2060848"/>
+            <a:ext cx="4572000" cy="2062103"/>
+          </a:xfrm>
+          <a:prstGeom prst="rect">
+            <a:avLst/>
+          </a:prstGeom>
+        </p:spPr>
+        <p:txBody>
+          <a:bodyPr>
+            <a:spAutoFit/>
+          </a:bodyPr>
+          <a:lstStyle/>
+          <a:p>
+            <a:r>
+              <a:rPr lang="de-DE" sz="3200" dirty="0">
+                <a:latin typeface="Calibri" panose="020F0502020204030204" pitchFamily="34" charset="0"/>
+                <a:ea typeface="Calibri" panose="020F0502020204030204" pitchFamily="34" charset="0"/>
+                <a:cs typeface="Arial" panose="020B0604020202020204" pitchFamily="34" charset="0"/>
+              </a:rPr>
+              <a:t>Framework zur Erstellung von Hybrid-Apps, die auf mehreren mobilen Betriebssystemen laufen.</a:t>
+            </a:r>
+            <a:endParaRPr lang="de-DE" sz="3200" dirty="0"/>
+          </a:p>
+        </p:txBody>
+      </p:sp>
     </p:spTree>
     <p:extLst>
       <p:ext uri="{BB962C8B-B14F-4D97-AF65-F5344CB8AC3E}">
-        <p14:creationId xmlns:p14="http://schemas.microsoft.com/office/powerpoint/2010/main" val="2245083226"/>
+        <p14:creationId xmlns:p14="http://schemas.microsoft.com/office/powerpoint/2010/main" val="1713199788"/>
       </p:ext>
     </p:extLst>
   </p:cSld>
